--- a/DesignPatterns.pptx
+++ b/DesignPatterns.pptx
@@ -7,10 +7,10 @@
     <p:sldMasterId id="2147483663" r:id="rId3"/>
   </p:sldMasterIdLst>
   <p:notesMasterIdLst>
-    <p:notesMasterId r:id="rId34"/>
+    <p:notesMasterId r:id="rId56"/>
   </p:notesMasterIdLst>
   <p:handoutMasterIdLst>
-    <p:handoutMasterId r:id="rId35"/>
+    <p:handoutMasterId r:id="rId57"/>
   </p:handoutMasterIdLst>
   <p:sldIdLst>
     <p:sldId id="256" r:id="rId4"/>
@@ -21,28 +21,50 @@
     <p:sldId id="282" r:id="rId9"/>
     <p:sldId id="283" r:id="rId10"/>
     <p:sldId id="284" r:id="rId11"/>
-    <p:sldId id="285" r:id="rId12"/>
-    <p:sldId id="286" r:id="rId13"/>
-    <p:sldId id="287" r:id="rId14"/>
-    <p:sldId id="288" r:id="rId15"/>
-    <p:sldId id="259" r:id="rId16"/>
-    <p:sldId id="260" r:id="rId17"/>
-    <p:sldId id="261" r:id="rId18"/>
-    <p:sldId id="262" r:id="rId19"/>
-    <p:sldId id="263" r:id="rId20"/>
-    <p:sldId id="264" r:id="rId21"/>
-    <p:sldId id="265" r:id="rId22"/>
-    <p:sldId id="266" r:id="rId23"/>
-    <p:sldId id="267" r:id="rId24"/>
-    <p:sldId id="268" r:id="rId25"/>
-    <p:sldId id="269" r:id="rId26"/>
-    <p:sldId id="270" r:id="rId27"/>
-    <p:sldId id="271" r:id="rId28"/>
-    <p:sldId id="277" r:id="rId29"/>
-    <p:sldId id="272" r:id="rId30"/>
-    <p:sldId id="273" r:id="rId31"/>
-    <p:sldId id="274" r:id="rId32"/>
-    <p:sldId id="275" r:id="rId33"/>
+    <p:sldId id="289" r:id="rId12"/>
+    <p:sldId id="290" r:id="rId13"/>
+    <p:sldId id="291" r:id="rId14"/>
+    <p:sldId id="292" r:id="rId15"/>
+    <p:sldId id="293" r:id="rId16"/>
+    <p:sldId id="285" r:id="rId17"/>
+    <p:sldId id="286" r:id="rId18"/>
+    <p:sldId id="297" r:id="rId19"/>
+    <p:sldId id="287" r:id="rId20"/>
+    <p:sldId id="288" r:id="rId21"/>
+    <p:sldId id="295" r:id="rId22"/>
+    <p:sldId id="296" r:id="rId23"/>
+    <p:sldId id="298" r:id="rId24"/>
+    <p:sldId id="299" r:id="rId25"/>
+    <p:sldId id="300" r:id="rId26"/>
+    <p:sldId id="301" r:id="rId27"/>
+    <p:sldId id="302" r:id="rId28"/>
+    <p:sldId id="303" r:id="rId29"/>
+    <p:sldId id="304" r:id="rId30"/>
+    <p:sldId id="305" r:id="rId31"/>
+    <p:sldId id="306" r:id="rId32"/>
+    <p:sldId id="307" r:id="rId33"/>
+    <p:sldId id="308" r:id="rId34"/>
+    <p:sldId id="309" r:id="rId35"/>
+    <p:sldId id="310" r:id="rId36"/>
+    <p:sldId id="311" r:id="rId37"/>
+    <p:sldId id="259" r:id="rId38"/>
+    <p:sldId id="260" r:id="rId39"/>
+    <p:sldId id="261" r:id="rId40"/>
+    <p:sldId id="262" r:id="rId41"/>
+    <p:sldId id="263" r:id="rId42"/>
+    <p:sldId id="264" r:id="rId43"/>
+    <p:sldId id="265" r:id="rId44"/>
+    <p:sldId id="266" r:id="rId45"/>
+    <p:sldId id="267" r:id="rId46"/>
+    <p:sldId id="268" r:id="rId47"/>
+    <p:sldId id="269" r:id="rId48"/>
+    <p:sldId id="270" r:id="rId49"/>
+    <p:sldId id="271" r:id="rId50"/>
+    <p:sldId id="277" r:id="rId51"/>
+    <p:sldId id="272" r:id="rId52"/>
+    <p:sldId id="273" r:id="rId53"/>
+    <p:sldId id="274" r:id="rId54"/>
+    <p:sldId id="275" r:id="rId55"/>
   </p:sldIdLst>
   <p:sldSz cx="9144000" cy="5143500" type="screen16x9"/>
   <p:notesSz cx="6858000" cy="9144000"/>
@@ -245,7 +267,7 @@
           <a:p>
             <a:fld id="{3FDC14FC-A894-4869-A797-1EC82735D106}" type="datetimeFigureOut">
               <a:rPr lang="en-US" smtClean="0"/>
-              <a:t>4/27/2019</a:t>
+              <a:t>4/29/2019</a:t>
             </a:fld>
             <a:endParaRPr lang="en-US"/>
           </a:p>
@@ -410,7 +432,7 @@
           <a:p>
             <a:fld id="{B4F99C05-63F9-4248-8E20-3ACD9DF9DE7F}" type="datetimeFigureOut">
               <a:rPr lang="en-US" smtClean="0"/>
-              <a:t>4/27/2019</a:t>
+              <a:t>4/29/2019</a:t>
             </a:fld>
             <a:endParaRPr lang="en-US"/>
           </a:p>
@@ -9530,7 +9552,7 @@
           </a:ln>
           <a:extLst>
             <a:ext uri="{C572A759-6A51-4108-AA02-DFA0A04FC94B}">
-              <ma14:wrappingTextBoxFlag xmlns="" xmlns:ma14="http://schemas.microsoft.com/office/mac/drawingml/2011/main" val="1"/>
+              <ma14:wrappingTextBoxFlag xmlns:ma14="http://schemas.microsoft.com/office/mac/drawingml/2011/main" xmlns="" val="1"/>
             </a:ext>
           </a:extLst>
         </p:spPr>
@@ -21586,17 +21608,16 @@
           <a:lstStyle/>
           <a:p>
             <a:r>
-              <a:rPr lang="en-US" dirty="0" smtClean="0"/>
+              <a:rPr lang="en-US" dirty="0"/>
               <a:t>Design</a:t>
             </a:r>
             <a:br>
-              <a:rPr lang="en-US" dirty="0" smtClean="0"/>
+              <a:rPr lang="en-US" dirty="0"/>
             </a:br>
             <a:r>
-              <a:rPr lang="en-US" dirty="0" smtClean="0"/>
+              <a:rPr lang="en-US" dirty="0"/>
               <a:t>Patterns</a:t>
             </a:r>
-            <a:endParaRPr lang="en-US" dirty="0"/>
           </a:p>
         </p:txBody>
       </p:sp>
@@ -21701,17 +21722,1204 @@
   <p:clrMapOvr>
     <a:masterClrMapping/>
   </p:clrMapOvr>
-  <p:timing>
-    <p:tnLst>
-      <p:par>
-        <p:cTn id="1" dur="indefinite" restart="never" nodeType="tmRoot"/>
-      </p:par>
-    </p:tnLst>
-  </p:timing>
 </p:sld>
 </file>
 
 <file path=ppt/slides/slide10.xml><?xml version="1.0" encoding="utf-8"?>
+<p:sld xmlns:a="http://schemas.openxmlformats.org/drawingml/2006/main" xmlns:r="http://schemas.openxmlformats.org/officeDocument/2006/relationships" xmlns:p="http://schemas.openxmlformats.org/presentationml/2006/main">
+  <p:cSld>
+    <p:spTree>
+      <p:nvGrpSpPr>
+        <p:cNvPr id="1" name=""/>
+        <p:cNvGrpSpPr/>
+        <p:nvPr/>
+      </p:nvGrpSpPr>
+      <p:grpSpPr>
+        <a:xfrm>
+          <a:off x="0" y="0"/>
+          <a:ext cx="0" cy="0"/>
+          <a:chOff x="0" y="0"/>
+          <a:chExt cx="0" cy="0"/>
+        </a:xfrm>
+      </p:grpSpPr>
+      <p:sp>
+        <p:nvSpPr>
+          <p:cNvPr id="3" name="Title 2">
+            <a:extLst>
+              <a:ext uri="{FF2B5EF4-FFF2-40B4-BE49-F238E27FC236}">
+                <a16:creationId xmlns:a16="http://schemas.microsoft.com/office/drawing/2014/main" id="{B69D9CFC-E5C1-3A4E-BCB7-3E1CA8BCBCF4}"/>
+              </a:ext>
+            </a:extLst>
+          </p:cNvPr>
+          <p:cNvSpPr>
+            <a:spLocks noGrp="1"/>
+          </p:cNvSpPr>
+          <p:nvPr>
+            <p:ph type="title"/>
+          </p:nvPr>
+        </p:nvSpPr>
+        <p:spPr/>
+        <p:txBody>
+          <a:bodyPr/>
+          <a:lstStyle/>
+          <a:p>
+            <a:r>
+              <a:rPr lang="en-US" dirty="0"/>
+              <a:t>Association</a:t>
+            </a:r>
+          </a:p>
+        </p:txBody>
+      </p:sp>
+      <p:sp>
+        <p:nvSpPr>
+          <p:cNvPr id="2" name="Slide Number Placeholder 1">
+            <a:extLst>
+              <a:ext uri="{FF2B5EF4-FFF2-40B4-BE49-F238E27FC236}">
+                <a16:creationId xmlns:a16="http://schemas.microsoft.com/office/drawing/2014/main" id="{11B382BE-028B-964F-9027-6A1A9DA2E6E7}"/>
+              </a:ext>
+            </a:extLst>
+          </p:cNvPr>
+          <p:cNvSpPr>
+            <a:spLocks noGrp="1"/>
+          </p:cNvSpPr>
+          <p:nvPr>
+            <p:ph type="sldNum" sz="quarter" idx="4"/>
+          </p:nvPr>
+        </p:nvSpPr>
+        <p:spPr/>
+        <p:txBody>
+          <a:bodyPr/>
+          <a:lstStyle/>
+          <a:p>
+            <a:pPr marL="0" marR="0" lvl="0" indent="0" algn="r" defTabSz="685800" rtl="0" eaLnBrk="1" fontAlgn="auto" latinLnBrk="0" hangingPunct="1">
+              <a:lnSpc>
+                <a:spcPct val="100000"/>
+              </a:lnSpc>
+              <a:spcBef>
+                <a:spcPts val="0"/>
+              </a:spcBef>
+              <a:spcAft>
+                <a:spcPts val="0"/>
+              </a:spcAft>
+              <a:buClrTx/>
+              <a:buSzTx/>
+              <a:buFontTx/>
+              <a:buNone/>
+              <a:tabLst/>
+              <a:defRPr/>
+            </a:pPr>
+            <a:fld id="{3A707DD9-E92B-45E8-BE0A-E6B2EDF345EB}" type="slidenum">
+              <a:rPr kumimoji="0" lang="en-US" sz="800" b="1" i="0" u="none" strike="noStrike" kern="1200" cap="none" spc="0" normalizeH="0" baseline="0" noProof="0" smtClean="0">
+                <a:ln>
+                  <a:noFill/>
+                </a:ln>
+                <a:solidFill>
+                  <a:srgbClr val="FEFEFE"/>
+                </a:solidFill>
+                <a:effectLst/>
+                <a:uLnTx/>
+                <a:uFillTx/>
+                <a:latin typeface="Calibri Light"/>
+                <a:ea typeface="+mn-ea"/>
+                <a:cs typeface="+mn-cs"/>
+              </a:rPr>
+              <a:pPr marL="0" marR="0" lvl="0" indent="0" algn="r" defTabSz="685800" rtl="0" eaLnBrk="1" fontAlgn="auto" latinLnBrk="0" hangingPunct="1">
+                <a:lnSpc>
+                  <a:spcPct val="100000"/>
+                </a:lnSpc>
+                <a:spcBef>
+                  <a:spcPts val="0"/>
+                </a:spcBef>
+                <a:spcAft>
+                  <a:spcPts val="0"/>
+                </a:spcAft>
+                <a:buClrTx/>
+                <a:buSzTx/>
+                <a:buFontTx/>
+                <a:buNone/>
+                <a:tabLst/>
+                <a:defRPr/>
+              </a:pPr>
+              <a:t>10</a:t>
+            </a:fld>
+            <a:endParaRPr kumimoji="0" lang="en-US" sz="800" b="1" i="0" u="none" strike="noStrike" kern="1200" cap="none" spc="0" normalizeH="0" baseline="0" noProof="0" dirty="0">
+              <a:ln>
+                <a:noFill/>
+              </a:ln>
+              <a:solidFill>
+                <a:srgbClr val="FEFEFE"/>
+              </a:solidFill>
+              <a:effectLst/>
+              <a:uLnTx/>
+              <a:uFillTx/>
+              <a:latin typeface="Calibri Light"/>
+              <a:ea typeface="+mn-ea"/>
+              <a:cs typeface="+mn-cs"/>
+            </a:endParaRPr>
+          </a:p>
+        </p:txBody>
+      </p:sp>
+      <p:sp>
+        <p:nvSpPr>
+          <p:cNvPr id="4" name="Content Placeholder 3">
+            <a:extLst>
+              <a:ext uri="{FF2B5EF4-FFF2-40B4-BE49-F238E27FC236}">
+                <a16:creationId xmlns:a16="http://schemas.microsoft.com/office/drawing/2014/main" id="{01301C25-ACB8-2C40-9D88-31F5DECAB2AB}"/>
+              </a:ext>
+            </a:extLst>
+          </p:cNvPr>
+          <p:cNvSpPr>
+            <a:spLocks noGrp="1"/>
+          </p:cNvSpPr>
+          <p:nvPr>
+            <p:ph sz="quarter" idx="10"/>
+          </p:nvPr>
+        </p:nvSpPr>
+        <p:spPr>
+          <a:xfrm>
+            <a:off x="6060831" y="1565031"/>
+            <a:ext cx="2919046" cy="1277815"/>
+          </a:xfrm>
+        </p:spPr>
+        <p:txBody>
+          <a:bodyPr/>
+          <a:lstStyle/>
+          <a:p>
+            <a:r>
+              <a:rPr lang="en-US" dirty="0"/>
+              <a:t>If two classes in a model need to communicate with each other, there must be link between them, and that can be represented by an association (connector). We can define a one-to-one, one-to-many, many-to-one and many-to-many relationship among objects.</a:t>
+            </a:r>
+          </a:p>
+        </p:txBody>
+      </p:sp>
+      <p:pic>
+        <p:nvPicPr>
+          <p:cNvPr id="19" name="Picture 18">
+            <a:extLst>
+              <a:ext uri="{FF2B5EF4-FFF2-40B4-BE49-F238E27FC236}">
+                <a16:creationId xmlns:a16="http://schemas.microsoft.com/office/drawing/2014/main" id="{086B67AB-D6D1-464F-A317-58EC4A900729}"/>
+              </a:ext>
+            </a:extLst>
+          </p:cNvPr>
+          <p:cNvPicPr>
+            <a:picLocks noChangeAspect="1"/>
+          </p:cNvPicPr>
+          <p:nvPr/>
+        </p:nvPicPr>
+        <p:blipFill>
+          <a:blip r:embed="rId2"/>
+          <a:stretch>
+            <a:fillRect/>
+          </a:stretch>
+        </p:blipFill>
+        <p:spPr>
+          <a:xfrm>
+            <a:off x="877032" y="1066089"/>
+            <a:ext cx="4292845" cy="809603"/>
+          </a:xfrm>
+          <a:prstGeom prst="rect">
+            <a:avLst/>
+          </a:prstGeom>
+        </p:spPr>
+      </p:pic>
+      <p:sp>
+        <p:nvSpPr>
+          <p:cNvPr id="20" name="Rectangle 19">
+            <a:extLst>
+              <a:ext uri="{FF2B5EF4-FFF2-40B4-BE49-F238E27FC236}">
+                <a16:creationId xmlns:a16="http://schemas.microsoft.com/office/drawing/2014/main" id="{8746D0B8-50CE-40AC-B2D5-690EAC342E20}"/>
+              </a:ext>
+            </a:extLst>
+          </p:cNvPr>
+          <p:cNvSpPr/>
+          <p:nvPr/>
+        </p:nvSpPr>
+        <p:spPr>
+          <a:xfrm>
+            <a:off x="1627505" y="758312"/>
+            <a:ext cx="2731453" cy="307777"/>
+          </a:xfrm>
+          <a:prstGeom prst="rect">
+            <a:avLst/>
+          </a:prstGeom>
+        </p:spPr>
+        <p:txBody>
+          <a:bodyPr wrap="none">
+            <a:spAutoFit/>
+          </a:bodyPr>
+          <a:lstStyle/>
+          <a:p>
+            <a:r>
+              <a:rPr lang="en-US" sz="1400" dirty="0">
+                <a:latin typeface="SFRM0900"/>
+              </a:rPr>
+              <a:t>Unidirectional association example</a:t>
+            </a:r>
+            <a:endParaRPr lang="en-US" dirty="0"/>
+          </a:p>
+        </p:txBody>
+      </p:sp>
+      <p:pic>
+        <p:nvPicPr>
+          <p:cNvPr id="21" name="Picture 20">
+            <a:extLst>
+              <a:ext uri="{FF2B5EF4-FFF2-40B4-BE49-F238E27FC236}">
+                <a16:creationId xmlns:a16="http://schemas.microsoft.com/office/drawing/2014/main" id="{E9C40D69-6AA1-43D6-906F-7D9DC69A4522}"/>
+              </a:ext>
+            </a:extLst>
+          </p:cNvPr>
+          <p:cNvPicPr>
+            <a:picLocks noChangeAspect="1"/>
+          </p:cNvPicPr>
+          <p:nvPr/>
+        </p:nvPicPr>
+        <p:blipFill>
+          <a:blip r:embed="rId3"/>
+          <a:stretch>
+            <a:fillRect/>
+          </a:stretch>
+        </p:blipFill>
+        <p:spPr>
+          <a:xfrm>
+            <a:off x="638541" y="2933904"/>
+            <a:ext cx="4959228" cy="809602"/>
+          </a:xfrm>
+          <a:prstGeom prst="rect">
+            <a:avLst/>
+          </a:prstGeom>
+        </p:spPr>
+      </p:pic>
+      <p:sp>
+        <p:nvSpPr>
+          <p:cNvPr id="22" name="Rectangle 21">
+            <a:extLst>
+              <a:ext uri="{FF2B5EF4-FFF2-40B4-BE49-F238E27FC236}">
+                <a16:creationId xmlns:a16="http://schemas.microsoft.com/office/drawing/2014/main" id="{BFDFA5CC-F347-41B9-9F3E-7DB4D3B0D68A}"/>
+              </a:ext>
+            </a:extLst>
+          </p:cNvPr>
+          <p:cNvSpPr/>
+          <p:nvPr/>
+        </p:nvSpPr>
+        <p:spPr>
+          <a:xfrm>
+            <a:off x="1782868" y="2544441"/>
+            <a:ext cx="2619243" cy="307777"/>
+          </a:xfrm>
+          <a:prstGeom prst="rect">
+            <a:avLst/>
+          </a:prstGeom>
+        </p:spPr>
+        <p:txBody>
+          <a:bodyPr wrap="none">
+            <a:spAutoFit/>
+          </a:bodyPr>
+          <a:lstStyle/>
+          <a:p>
+            <a:r>
+              <a:rPr lang="en-US" sz="1400" dirty="0">
+                <a:latin typeface="SFRM0900"/>
+              </a:rPr>
+              <a:t>Bidirectional association example</a:t>
+            </a:r>
+            <a:endParaRPr lang="en-US" dirty="0"/>
+          </a:p>
+        </p:txBody>
+      </p:sp>
+    </p:spTree>
+    <p:extLst>
+      <p:ext uri="{BB962C8B-B14F-4D97-AF65-F5344CB8AC3E}">
+        <p14:creationId xmlns:p14="http://schemas.microsoft.com/office/powerpoint/2010/main" val="1599480848"/>
+      </p:ext>
+    </p:extLst>
+  </p:cSld>
+  <p:clrMapOvr>
+    <a:masterClrMapping/>
+  </p:clrMapOvr>
+</p:sld>
+</file>
+
+<file path=ppt/slides/slide11.xml><?xml version="1.0" encoding="utf-8"?>
+<p:sld xmlns:a="http://schemas.openxmlformats.org/drawingml/2006/main" xmlns:r="http://schemas.openxmlformats.org/officeDocument/2006/relationships" xmlns:p="http://schemas.openxmlformats.org/presentationml/2006/main">
+  <p:cSld>
+    <p:spTree>
+      <p:nvGrpSpPr>
+        <p:cNvPr id="1" name=""/>
+        <p:cNvGrpSpPr/>
+        <p:nvPr/>
+      </p:nvGrpSpPr>
+      <p:grpSpPr>
+        <a:xfrm>
+          <a:off x="0" y="0"/>
+          <a:ext cx="0" cy="0"/>
+          <a:chOff x="0" y="0"/>
+          <a:chExt cx="0" cy="0"/>
+        </a:xfrm>
+      </p:grpSpPr>
+      <p:sp>
+        <p:nvSpPr>
+          <p:cNvPr id="3" name="Title 2">
+            <a:extLst>
+              <a:ext uri="{FF2B5EF4-FFF2-40B4-BE49-F238E27FC236}">
+                <a16:creationId xmlns:a16="http://schemas.microsoft.com/office/drawing/2014/main" id="{B69D9CFC-E5C1-3A4E-BCB7-3E1CA8BCBCF4}"/>
+              </a:ext>
+            </a:extLst>
+          </p:cNvPr>
+          <p:cNvSpPr>
+            <a:spLocks noGrp="1"/>
+          </p:cNvSpPr>
+          <p:nvPr>
+            <p:ph type="title"/>
+          </p:nvPr>
+        </p:nvSpPr>
+        <p:spPr/>
+        <p:txBody>
+          <a:bodyPr/>
+          <a:lstStyle/>
+          <a:p>
+            <a:r>
+              <a:rPr lang="en-US" dirty="0"/>
+              <a:t>Aggregation</a:t>
+            </a:r>
+          </a:p>
+        </p:txBody>
+      </p:sp>
+      <p:sp>
+        <p:nvSpPr>
+          <p:cNvPr id="2" name="Slide Number Placeholder 1">
+            <a:extLst>
+              <a:ext uri="{FF2B5EF4-FFF2-40B4-BE49-F238E27FC236}">
+                <a16:creationId xmlns:a16="http://schemas.microsoft.com/office/drawing/2014/main" id="{11B382BE-028B-964F-9027-6A1A9DA2E6E7}"/>
+              </a:ext>
+            </a:extLst>
+          </p:cNvPr>
+          <p:cNvSpPr>
+            <a:spLocks noGrp="1"/>
+          </p:cNvSpPr>
+          <p:nvPr>
+            <p:ph type="sldNum" sz="quarter" idx="4"/>
+          </p:nvPr>
+        </p:nvSpPr>
+        <p:spPr/>
+        <p:txBody>
+          <a:bodyPr/>
+          <a:lstStyle/>
+          <a:p>
+            <a:pPr marL="0" marR="0" lvl="0" indent="0" algn="r" defTabSz="685800" rtl="0" eaLnBrk="1" fontAlgn="auto" latinLnBrk="0" hangingPunct="1">
+              <a:lnSpc>
+                <a:spcPct val="100000"/>
+              </a:lnSpc>
+              <a:spcBef>
+                <a:spcPts val="0"/>
+              </a:spcBef>
+              <a:spcAft>
+                <a:spcPts val="0"/>
+              </a:spcAft>
+              <a:buClrTx/>
+              <a:buSzTx/>
+              <a:buFontTx/>
+              <a:buNone/>
+              <a:tabLst/>
+              <a:defRPr/>
+            </a:pPr>
+            <a:fld id="{3A707DD9-E92B-45E8-BE0A-E6B2EDF345EB}" type="slidenum">
+              <a:rPr kumimoji="0" lang="en-US" sz="800" b="1" i="0" u="none" strike="noStrike" kern="1200" cap="none" spc="0" normalizeH="0" baseline="0" noProof="0" smtClean="0">
+                <a:ln>
+                  <a:noFill/>
+                </a:ln>
+                <a:solidFill>
+                  <a:srgbClr val="FEFEFE"/>
+                </a:solidFill>
+                <a:effectLst/>
+                <a:uLnTx/>
+                <a:uFillTx/>
+                <a:latin typeface="Calibri Light"/>
+                <a:ea typeface="+mn-ea"/>
+                <a:cs typeface="+mn-cs"/>
+              </a:rPr>
+              <a:pPr marL="0" marR="0" lvl="0" indent="0" algn="r" defTabSz="685800" rtl="0" eaLnBrk="1" fontAlgn="auto" latinLnBrk="0" hangingPunct="1">
+                <a:lnSpc>
+                  <a:spcPct val="100000"/>
+                </a:lnSpc>
+                <a:spcBef>
+                  <a:spcPts val="0"/>
+                </a:spcBef>
+                <a:spcAft>
+                  <a:spcPts val="0"/>
+                </a:spcAft>
+                <a:buClrTx/>
+                <a:buSzTx/>
+                <a:buFontTx/>
+                <a:buNone/>
+                <a:tabLst/>
+                <a:defRPr/>
+              </a:pPr>
+              <a:t>11</a:t>
+            </a:fld>
+            <a:endParaRPr kumimoji="0" lang="en-US" sz="800" b="1" i="0" u="none" strike="noStrike" kern="1200" cap="none" spc="0" normalizeH="0" baseline="0" noProof="0" dirty="0">
+              <a:ln>
+                <a:noFill/>
+              </a:ln>
+              <a:solidFill>
+                <a:srgbClr val="FEFEFE"/>
+              </a:solidFill>
+              <a:effectLst/>
+              <a:uLnTx/>
+              <a:uFillTx/>
+              <a:latin typeface="Calibri Light"/>
+              <a:ea typeface="+mn-ea"/>
+              <a:cs typeface="+mn-cs"/>
+            </a:endParaRPr>
+          </a:p>
+        </p:txBody>
+      </p:sp>
+      <p:sp>
+        <p:nvSpPr>
+          <p:cNvPr id="4" name="Content Placeholder 3">
+            <a:extLst>
+              <a:ext uri="{FF2B5EF4-FFF2-40B4-BE49-F238E27FC236}">
+                <a16:creationId xmlns:a16="http://schemas.microsoft.com/office/drawing/2014/main" id="{01301C25-ACB8-2C40-9D88-31F5DECAB2AB}"/>
+              </a:ext>
+            </a:extLst>
+          </p:cNvPr>
+          <p:cNvSpPr>
+            <a:spLocks noGrp="1"/>
+          </p:cNvSpPr>
+          <p:nvPr>
+            <p:ph sz="quarter" idx="10"/>
+          </p:nvPr>
+        </p:nvSpPr>
+        <p:spPr>
+          <a:xfrm>
+            <a:off x="6060831" y="1565031"/>
+            <a:ext cx="2919046" cy="545123"/>
+          </a:xfrm>
+        </p:spPr>
+        <p:txBody>
+          <a:bodyPr/>
+          <a:lstStyle/>
+          <a:p>
+            <a:r>
+              <a:rPr lang="en-US" b="1" dirty="0"/>
+              <a:t>Aggregation</a:t>
+            </a:r>
+            <a:r>
+              <a:rPr lang="en-US" dirty="0"/>
+              <a:t> implies a relationship where the child can exist independently of the parent.</a:t>
+            </a:r>
+          </a:p>
+        </p:txBody>
+      </p:sp>
+      <p:pic>
+        <p:nvPicPr>
+          <p:cNvPr id="6" name="Picture 5">
+            <a:extLst>
+              <a:ext uri="{FF2B5EF4-FFF2-40B4-BE49-F238E27FC236}">
+                <a16:creationId xmlns:a16="http://schemas.microsoft.com/office/drawing/2014/main" id="{8E27673B-AABB-4E8C-A824-59DC6D8AD44E}"/>
+              </a:ext>
+            </a:extLst>
+          </p:cNvPr>
+          <p:cNvPicPr>
+            <a:picLocks noChangeAspect="1"/>
+          </p:cNvPicPr>
+          <p:nvPr/>
+        </p:nvPicPr>
+        <p:blipFill>
+          <a:blip r:embed="rId2"/>
+          <a:stretch>
+            <a:fillRect/>
+          </a:stretch>
+        </p:blipFill>
+        <p:spPr>
+          <a:xfrm>
+            <a:off x="1201615" y="1217484"/>
+            <a:ext cx="2766647" cy="1540370"/>
+          </a:xfrm>
+          <a:prstGeom prst="rect">
+            <a:avLst/>
+          </a:prstGeom>
+        </p:spPr>
+      </p:pic>
+    </p:spTree>
+    <p:extLst>
+      <p:ext uri="{BB962C8B-B14F-4D97-AF65-F5344CB8AC3E}">
+        <p14:creationId xmlns:p14="http://schemas.microsoft.com/office/powerpoint/2010/main" val="4123928453"/>
+      </p:ext>
+    </p:extLst>
+  </p:cSld>
+  <p:clrMapOvr>
+    <a:masterClrMapping/>
+  </p:clrMapOvr>
+</p:sld>
+</file>
+
+<file path=ppt/slides/slide12.xml><?xml version="1.0" encoding="utf-8"?>
+<p:sld xmlns:a="http://schemas.openxmlformats.org/drawingml/2006/main" xmlns:r="http://schemas.openxmlformats.org/officeDocument/2006/relationships" xmlns:p="http://schemas.openxmlformats.org/presentationml/2006/main">
+  <p:cSld>
+    <p:spTree>
+      <p:nvGrpSpPr>
+        <p:cNvPr id="1" name=""/>
+        <p:cNvGrpSpPr/>
+        <p:nvPr/>
+      </p:nvGrpSpPr>
+      <p:grpSpPr>
+        <a:xfrm>
+          <a:off x="0" y="0"/>
+          <a:ext cx="0" cy="0"/>
+          <a:chOff x="0" y="0"/>
+          <a:chExt cx="0" cy="0"/>
+        </a:xfrm>
+      </p:grpSpPr>
+      <p:sp>
+        <p:nvSpPr>
+          <p:cNvPr id="3" name="Title 2">
+            <a:extLst>
+              <a:ext uri="{FF2B5EF4-FFF2-40B4-BE49-F238E27FC236}">
+                <a16:creationId xmlns:a16="http://schemas.microsoft.com/office/drawing/2014/main" id="{B69D9CFC-E5C1-3A4E-BCB7-3E1CA8BCBCF4}"/>
+              </a:ext>
+            </a:extLst>
+          </p:cNvPr>
+          <p:cNvSpPr>
+            <a:spLocks noGrp="1"/>
+          </p:cNvSpPr>
+          <p:nvPr>
+            <p:ph type="title"/>
+          </p:nvPr>
+        </p:nvSpPr>
+        <p:spPr/>
+        <p:txBody>
+          <a:bodyPr/>
+          <a:lstStyle/>
+          <a:p>
+            <a:r>
+              <a:rPr lang="en-US" dirty="0"/>
+              <a:t>Composition</a:t>
+            </a:r>
+          </a:p>
+        </p:txBody>
+      </p:sp>
+      <p:sp>
+        <p:nvSpPr>
+          <p:cNvPr id="2" name="Slide Number Placeholder 1">
+            <a:extLst>
+              <a:ext uri="{FF2B5EF4-FFF2-40B4-BE49-F238E27FC236}">
+                <a16:creationId xmlns:a16="http://schemas.microsoft.com/office/drawing/2014/main" id="{11B382BE-028B-964F-9027-6A1A9DA2E6E7}"/>
+              </a:ext>
+            </a:extLst>
+          </p:cNvPr>
+          <p:cNvSpPr>
+            <a:spLocks noGrp="1"/>
+          </p:cNvSpPr>
+          <p:nvPr>
+            <p:ph type="sldNum" sz="quarter" idx="4"/>
+          </p:nvPr>
+        </p:nvSpPr>
+        <p:spPr/>
+        <p:txBody>
+          <a:bodyPr/>
+          <a:lstStyle/>
+          <a:p>
+            <a:pPr marL="0" marR="0" lvl="0" indent="0" algn="r" defTabSz="685800" rtl="0" eaLnBrk="1" fontAlgn="auto" latinLnBrk="0" hangingPunct="1">
+              <a:lnSpc>
+                <a:spcPct val="100000"/>
+              </a:lnSpc>
+              <a:spcBef>
+                <a:spcPts val="0"/>
+              </a:spcBef>
+              <a:spcAft>
+                <a:spcPts val="0"/>
+              </a:spcAft>
+              <a:buClrTx/>
+              <a:buSzTx/>
+              <a:buFontTx/>
+              <a:buNone/>
+              <a:tabLst/>
+              <a:defRPr/>
+            </a:pPr>
+            <a:fld id="{3A707DD9-E92B-45E8-BE0A-E6B2EDF345EB}" type="slidenum">
+              <a:rPr kumimoji="0" lang="en-US" sz="800" b="1" i="0" u="none" strike="noStrike" kern="1200" cap="none" spc="0" normalizeH="0" baseline="0" noProof="0" smtClean="0">
+                <a:ln>
+                  <a:noFill/>
+                </a:ln>
+                <a:solidFill>
+                  <a:srgbClr val="FEFEFE"/>
+                </a:solidFill>
+                <a:effectLst/>
+                <a:uLnTx/>
+                <a:uFillTx/>
+                <a:latin typeface="Calibri Light"/>
+                <a:ea typeface="+mn-ea"/>
+                <a:cs typeface="+mn-cs"/>
+              </a:rPr>
+              <a:pPr marL="0" marR="0" lvl="0" indent="0" algn="r" defTabSz="685800" rtl="0" eaLnBrk="1" fontAlgn="auto" latinLnBrk="0" hangingPunct="1">
+                <a:lnSpc>
+                  <a:spcPct val="100000"/>
+                </a:lnSpc>
+                <a:spcBef>
+                  <a:spcPts val="0"/>
+                </a:spcBef>
+                <a:spcAft>
+                  <a:spcPts val="0"/>
+                </a:spcAft>
+                <a:buClrTx/>
+                <a:buSzTx/>
+                <a:buFontTx/>
+                <a:buNone/>
+                <a:tabLst/>
+                <a:defRPr/>
+              </a:pPr>
+              <a:t>12</a:t>
+            </a:fld>
+            <a:endParaRPr kumimoji="0" lang="en-US" sz="800" b="1" i="0" u="none" strike="noStrike" kern="1200" cap="none" spc="0" normalizeH="0" baseline="0" noProof="0" dirty="0">
+              <a:ln>
+                <a:noFill/>
+              </a:ln>
+              <a:solidFill>
+                <a:srgbClr val="FEFEFE"/>
+              </a:solidFill>
+              <a:effectLst/>
+              <a:uLnTx/>
+              <a:uFillTx/>
+              <a:latin typeface="Calibri Light"/>
+              <a:ea typeface="+mn-ea"/>
+              <a:cs typeface="+mn-cs"/>
+            </a:endParaRPr>
+          </a:p>
+        </p:txBody>
+      </p:sp>
+      <p:sp>
+        <p:nvSpPr>
+          <p:cNvPr id="4" name="Content Placeholder 3">
+            <a:extLst>
+              <a:ext uri="{FF2B5EF4-FFF2-40B4-BE49-F238E27FC236}">
+                <a16:creationId xmlns:a16="http://schemas.microsoft.com/office/drawing/2014/main" id="{01301C25-ACB8-2C40-9D88-31F5DECAB2AB}"/>
+              </a:ext>
+            </a:extLst>
+          </p:cNvPr>
+          <p:cNvSpPr>
+            <a:spLocks noGrp="1"/>
+          </p:cNvSpPr>
+          <p:nvPr>
+            <p:ph sz="quarter" idx="10"/>
+          </p:nvPr>
+        </p:nvSpPr>
+        <p:spPr>
+          <a:xfrm>
+            <a:off x="6060831" y="1565031"/>
+            <a:ext cx="2919046" cy="545123"/>
+          </a:xfrm>
+        </p:spPr>
+        <p:txBody>
+          <a:bodyPr/>
+          <a:lstStyle/>
+          <a:p>
+            <a:r>
+              <a:rPr lang="en-US" b="1" dirty="0"/>
+              <a:t>Composition</a:t>
+            </a:r>
+            <a:r>
+              <a:rPr lang="en-US" dirty="0"/>
+              <a:t> implies a relationship where the child cannot exist independent of the parent. Example: House (parent) and Room (child). Rooms don't exist separate to a House.</a:t>
+            </a:r>
+          </a:p>
+        </p:txBody>
+      </p:sp>
+      <p:pic>
+        <p:nvPicPr>
+          <p:cNvPr id="5" name="Picture 4">
+            <a:extLst>
+              <a:ext uri="{FF2B5EF4-FFF2-40B4-BE49-F238E27FC236}">
+                <a16:creationId xmlns:a16="http://schemas.microsoft.com/office/drawing/2014/main" id="{AC56862A-9E8F-48C1-9D8E-A9D56FE82C40}"/>
+              </a:ext>
+            </a:extLst>
+          </p:cNvPr>
+          <p:cNvPicPr>
+            <a:picLocks noChangeAspect="1"/>
+          </p:cNvPicPr>
+          <p:nvPr/>
+        </p:nvPicPr>
+        <p:blipFill>
+          <a:blip r:embed="rId2"/>
+          <a:stretch>
+            <a:fillRect/>
+          </a:stretch>
+        </p:blipFill>
+        <p:spPr>
+          <a:xfrm>
+            <a:off x="606669" y="2149837"/>
+            <a:ext cx="4305300" cy="1028700"/>
+          </a:xfrm>
+          <a:prstGeom prst="rect">
+            <a:avLst/>
+          </a:prstGeom>
+        </p:spPr>
+      </p:pic>
+    </p:spTree>
+    <p:extLst>
+      <p:ext uri="{BB962C8B-B14F-4D97-AF65-F5344CB8AC3E}">
+        <p14:creationId xmlns:p14="http://schemas.microsoft.com/office/powerpoint/2010/main" val="496845571"/>
+      </p:ext>
+    </p:extLst>
+  </p:cSld>
+  <p:clrMapOvr>
+    <a:masterClrMapping/>
+  </p:clrMapOvr>
+</p:sld>
+</file>
+
+<file path=ppt/slides/slide13.xml><?xml version="1.0" encoding="utf-8"?>
+<p:sld xmlns:a="http://schemas.openxmlformats.org/drawingml/2006/main" xmlns:r="http://schemas.openxmlformats.org/officeDocument/2006/relationships" xmlns:p="http://schemas.openxmlformats.org/presentationml/2006/main">
+  <p:cSld>
+    <p:spTree>
+      <p:nvGrpSpPr>
+        <p:cNvPr id="1" name=""/>
+        <p:cNvGrpSpPr/>
+        <p:nvPr/>
+      </p:nvGrpSpPr>
+      <p:grpSpPr>
+        <a:xfrm>
+          <a:off x="0" y="0"/>
+          <a:ext cx="0" cy="0"/>
+          <a:chOff x="0" y="0"/>
+          <a:chExt cx="0" cy="0"/>
+        </a:xfrm>
+      </p:grpSpPr>
+      <p:sp>
+        <p:nvSpPr>
+          <p:cNvPr id="3" name="Title 2">
+            <a:extLst>
+              <a:ext uri="{FF2B5EF4-FFF2-40B4-BE49-F238E27FC236}">
+                <a16:creationId xmlns:a16="http://schemas.microsoft.com/office/drawing/2014/main" id="{B69D9CFC-E5C1-3A4E-BCB7-3E1CA8BCBCF4}"/>
+              </a:ext>
+            </a:extLst>
+          </p:cNvPr>
+          <p:cNvSpPr>
+            <a:spLocks noGrp="1"/>
+          </p:cNvSpPr>
+          <p:nvPr>
+            <p:ph type="title"/>
+          </p:nvPr>
+        </p:nvSpPr>
+        <p:spPr/>
+        <p:txBody>
+          <a:bodyPr/>
+          <a:lstStyle/>
+          <a:p>
+            <a:r>
+              <a:rPr lang="en-US" dirty="0"/>
+              <a:t>Association, aggregation, composition</a:t>
+            </a:r>
+          </a:p>
+        </p:txBody>
+      </p:sp>
+      <p:sp>
+        <p:nvSpPr>
+          <p:cNvPr id="2" name="Slide Number Placeholder 1">
+            <a:extLst>
+              <a:ext uri="{FF2B5EF4-FFF2-40B4-BE49-F238E27FC236}">
+                <a16:creationId xmlns:a16="http://schemas.microsoft.com/office/drawing/2014/main" id="{11B382BE-028B-964F-9027-6A1A9DA2E6E7}"/>
+              </a:ext>
+            </a:extLst>
+          </p:cNvPr>
+          <p:cNvSpPr>
+            <a:spLocks noGrp="1"/>
+          </p:cNvSpPr>
+          <p:nvPr>
+            <p:ph type="sldNum" sz="quarter" idx="4"/>
+          </p:nvPr>
+        </p:nvSpPr>
+        <p:spPr/>
+        <p:txBody>
+          <a:bodyPr/>
+          <a:lstStyle/>
+          <a:p>
+            <a:pPr marL="0" marR="0" lvl="0" indent="0" algn="r" defTabSz="685800" rtl="0" eaLnBrk="1" fontAlgn="auto" latinLnBrk="0" hangingPunct="1">
+              <a:lnSpc>
+                <a:spcPct val="100000"/>
+              </a:lnSpc>
+              <a:spcBef>
+                <a:spcPts val="0"/>
+              </a:spcBef>
+              <a:spcAft>
+                <a:spcPts val="0"/>
+              </a:spcAft>
+              <a:buClrTx/>
+              <a:buSzTx/>
+              <a:buFontTx/>
+              <a:buNone/>
+              <a:tabLst/>
+              <a:defRPr/>
+            </a:pPr>
+            <a:fld id="{3A707DD9-E92B-45E8-BE0A-E6B2EDF345EB}" type="slidenum">
+              <a:rPr kumimoji="0" lang="en-US" sz="800" b="1" i="0" u="none" strike="noStrike" kern="1200" cap="none" spc="0" normalizeH="0" baseline="0" noProof="0" smtClean="0">
+                <a:ln>
+                  <a:noFill/>
+                </a:ln>
+                <a:solidFill>
+                  <a:srgbClr val="FEFEFE"/>
+                </a:solidFill>
+                <a:effectLst/>
+                <a:uLnTx/>
+                <a:uFillTx/>
+                <a:latin typeface="Calibri Light"/>
+                <a:ea typeface="+mn-ea"/>
+                <a:cs typeface="+mn-cs"/>
+              </a:rPr>
+              <a:pPr marL="0" marR="0" lvl="0" indent="0" algn="r" defTabSz="685800" rtl="0" eaLnBrk="1" fontAlgn="auto" latinLnBrk="0" hangingPunct="1">
+                <a:lnSpc>
+                  <a:spcPct val="100000"/>
+                </a:lnSpc>
+                <a:spcBef>
+                  <a:spcPts val="0"/>
+                </a:spcBef>
+                <a:spcAft>
+                  <a:spcPts val="0"/>
+                </a:spcAft>
+                <a:buClrTx/>
+                <a:buSzTx/>
+                <a:buFontTx/>
+                <a:buNone/>
+                <a:tabLst/>
+                <a:defRPr/>
+              </a:pPr>
+              <a:t>13</a:t>
+            </a:fld>
+            <a:endParaRPr kumimoji="0" lang="en-US" sz="800" b="1" i="0" u="none" strike="noStrike" kern="1200" cap="none" spc="0" normalizeH="0" baseline="0" noProof="0" dirty="0">
+              <a:ln>
+                <a:noFill/>
+              </a:ln>
+              <a:solidFill>
+                <a:srgbClr val="FEFEFE"/>
+              </a:solidFill>
+              <a:effectLst/>
+              <a:uLnTx/>
+              <a:uFillTx/>
+              <a:latin typeface="Calibri Light"/>
+              <a:ea typeface="+mn-ea"/>
+              <a:cs typeface="+mn-cs"/>
+            </a:endParaRPr>
+          </a:p>
+        </p:txBody>
+      </p:sp>
+      <p:sp>
+        <p:nvSpPr>
+          <p:cNvPr id="4" name="Content Placeholder 3">
+            <a:extLst>
+              <a:ext uri="{FF2B5EF4-FFF2-40B4-BE49-F238E27FC236}">
+                <a16:creationId xmlns:a16="http://schemas.microsoft.com/office/drawing/2014/main" id="{01301C25-ACB8-2C40-9D88-31F5DECAB2AB}"/>
+              </a:ext>
+            </a:extLst>
+          </p:cNvPr>
+          <p:cNvSpPr>
+            <a:spLocks noGrp="1"/>
+          </p:cNvSpPr>
+          <p:nvPr>
+            <p:ph sz="quarter" idx="10"/>
+          </p:nvPr>
+        </p:nvSpPr>
+        <p:spPr>
+          <a:xfrm>
+            <a:off x="6060831" y="1565031"/>
+            <a:ext cx="2919046" cy="545123"/>
+          </a:xfrm>
+        </p:spPr>
+        <p:txBody>
+          <a:bodyPr/>
+          <a:lstStyle/>
+          <a:p>
+            <a:r>
+              <a:rPr lang="en-US" dirty="0"/>
+              <a:t>Actually, </a:t>
+            </a:r>
+            <a:r>
+              <a:rPr lang="en-US" b="1" dirty="0"/>
+              <a:t>Aggregation</a:t>
+            </a:r>
+            <a:r>
+              <a:rPr lang="en-US" dirty="0"/>
+              <a:t> and </a:t>
+            </a:r>
+            <a:r>
+              <a:rPr lang="en-US" b="1" dirty="0"/>
+              <a:t>Composition</a:t>
+            </a:r>
+            <a:r>
+              <a:rPr lang="en-US" dirty="0"/>
+              <a:t> are subsets of association meaning they are </a:t>
+            </a:r>
+            <a:r>
+              <a:rPr lang="en-US" b="1" dirty="0"/>
+              <a:t>specific cases of association</a:t>
+            </a:r>
+            <a:endParaRPr lang="en-US" dirty="0"/>
+          </a:p>
+        </p:txBody>
+      </p:sp>
+      <p:pic>
+        <p:nvPicPr>
+          <p:cNvPr id="6" name="Picture 5">
+            <a:extLst>
+              <a:ext uri="{FF2B5EF4-FFF2-40B4-BE49-F238E27FC236}">
+                <a16:creationId xmlns:a16="http://schemas.microsoft.com/office/drawing/2014/main" id="{5AA3436B-F317-46CB-A2D4-0EAFEFB5354E}"/>
+              </a:ext>
+            </a:extLst>
+          </p:cNvPr>
+          <p:cNvPicPr>
+            <a:picLocks noChangeAspect="1"/>
+          </p:cNvPicPr>
+          <p:nvPr/>
+        </p:nvPicPr>
+        <p:blipFill>
+          <a:blip r:embed="rId2"/>
+          <a:stretch>
+            <a:fillRect/>
+          </a:stretch>
+        </p:blipFill>
+        <p:spPr>
+          <a:xfrm>
+            <a:off x="1418492" y="1474578"/>
+            <a:ext cx="2379284" cy="1992521"/>
+          </a:xfrm>
+          <a:prstGeom prst="rect">
+            <a:avLst/>
+          </a:prstGeom>
+        </p:spPr>
+      </p:pic>
+    </p:spTree>
+    <p:extLst>
+      <p:ext uri="{BB962C8B-B14F-4D97-AF65-F5344CB8AC3E}">
+        <p14:creationId xmlns:p14="http://schemas.microsoft.com/office/powerpoint/2010/main" val="1119858281"/>
+      </p:ext>
+    </p:extLst>
+  </p:cSld>
+  <p:clrMapOvr>
+    <a:masterClrMapping/>
+  </p:clrMapOvr>
+</p:sld>
+</file>
+
+<file path=ppt/slides/slide14.xml><?xml version="1.0" encoding="utf-8"?>
+<p:sld xmlns:a="http://schemas.openxmlformats.org/drawingml/2006/main" xmlns:r="http://schemas.openxmlformats.org/officeDocument/2006/relationships" xmlns:p="http://schemas.openxmlformats.org/presentationml/2006/main">
+  <p:cSld>
+    <p:spTree>
+      <p:nvGrpSpPr>
+        <p:cNvPr id="1" name=""/>
+        <p:cNvGrpSpPr/>
+        <p:nvPr/>
+      </p:nvGrpSpPr>
+      <p:grpSpPr>
+        <a:xfrm>
+          <a:off x="0" y="0"/>
+          <a:ext cx="0" cy="0"/>
+          <a:chOff x="0" y="0"/>
+          <a:chExt cx="0" cy="0"/>
+        </a:xfrm>
+      </p:grpSpPr>
+      <p:sp>
+        <p:nvSpPr>
+          <p:cNvPr id="4" name="Title 3"/>
+          <p:cNvSpPr>
+            <a:spLocks noGrp="1"/>
+          </p:cNvSpPr>
+          <p:nvPr>
+            <p:ph type="title"/>
+          </p:nvPr>
+        </p:nvSpPr>
+        <p:spPr/>
+        <p:txBody>
+          <a:bodyPr/>
+          <a:lstStyle/>
+          <a:p>
+            <a:r>
+              <a:rPr lang="en-US" dirty="0"/>
+              <a:t>Design</a:t>
+            </a:r>
+            <a:br>
+              <a:rPr lang="en-US" dirty="0"/>
+            </a:br>
+            <a:r>
+              <a:rPr lang="en-US" dirty="0"/>
+              <a:t>Patterns</a:t>
+            </a:r>
+          </a:p>
+        </p:txBody>
+      </p:sp>
+      <p:sp>
+        <p:nvSpPr>
+          <p:cNvPr id="6" name="TextBox 5">
+            <a:extLst>
+              <a:ext uri="{FF2B5EF4-FFF2-40B4-BE49-F238E27FC236}">
+                <a16:creationId xmlns:a16="http://schemas.microsoft.com/office/drawing/2014/main" id="{16AD212A-E369-CB46-BE9C-0744152A0BAF}"/>
+              </a:ext>
+            </a:extLst>
+          </p:cNvPr>
+          <p:cNvSpPr txBox="1"/>
+          <p:nvPr/>
+        </p:nvSpPr>
+        <p:spPr>
+          <a:xfrm>
+            <a:off x="531466" y="4877348"/>
+            <a:ext cx="2422187" cy="200055"/>
+          </a:xfrm>
+          <a:prstGeom prst="rect">
+            <a:avLst/>
+          </a:prstGeom>
+          <a:noFill/>
+        </p:spPr>
+        <p:txBody>
+          <a:bodyPr wrap="square" rtlCol="0">
+            <a:spAutoFit/>
+          </a:bodyPr>
+          <a:lstStyle/>
+          <a:p>
+            <a:pPr marL="0" marR="0" lvl="0" indent="0" algn="l" defTabSz="685800" rtl="0" eaLnBrk="1" fontAlgn="auto" latinLnBrk="0" hangingPunct="1">
+              <a:lnSpc>
+                <a:spcPct val="100000"/>
+              </a:lnSpc>
+              <a:spcBef>
+                <a:spcPts val="0"/>
+              </a:spcBef>
+              <a:spcAft>
+                <a:spcPts val="0"/>
+              </a:spcAft>
+              <a:buClrTx/>
+              <a:buSzTx/>
+              <a:buFontTx/>
+              <a:buNone/>
+              <a:tabLst/>
+              <a:defRPr/>
+            </a:pPr>
+            <a:r>
+              <a:rPr kumimoji="0" lang="en-US" sz="700" b="0" i="0" u="none" strike="noStrike" kern="1200" cap="none" spc="0" normalizeH="0" baseline="0" noProof="0" dirty="0">
+                <a:ln>
+                  <a:noFill/>
+                </a:ln>
+                <a:solidFill>
+                  <a:srgbClr val="FFFFFF"/>
+                </a:solidFill>
+                <a:effectLst/>
+                <a:uLnTx/>
+                <a:uFillTx/>
+                <a:latin typeface="Calibri Light"/>
+                <a:ea typeface="+mn-ea"/>
+                <a:cs typeface="+mn-cs"/>
+              </a:rPr>
+              <a:t>CONFIDENTIAL  |  © 2019 EPAM Systems, Inc.</a:t>
+            </a:r>
+            <a:endParaRPr kumimoji="0" lang="en-US" sz="700" b="0" i="0" u="none" strike="noStrike" kern="1200" cap="none" spc="0" normalizeH="0" baseline="0" noProof="0" dirty="0">
+              <a:ln>
+                <a:noFill/>
+              </a:ln>
+              <a:solidFill>
+                <a:srgbClr val="222222"/>
+              </a:solidFill>
+              <a:effectLst/>
+              <a:uLnTx/>
+              <a:uFillTx/>
+              <a:latin typeface="Calibri Light"/>
+              <a:ea typeface="+mn-ea"/>
+              <a:cs typeface="+mn-cs"/>
+            </a:endParaRPr>
+          </a:p>
+        </p:txBody>
+      </p:sp>
+      <p:sp>
+        <p:nvSpPr>
+          <p:cNvPr id="2" name="Text Placeholder 1"/>
+          <p:cNvSpPr>
+            <a:spLocks noGrp="1"/>
+          </p:cNvSpPr>
+          <p:nvPr>
+            <p:ph type="body" sz="quarter" idx="11"/>
+          </p:nvPr>
+        </p:nvSpPr>
+        <p:spPr/>
+        <p:txBody>
+          <a:bodyPr/>
+          <a:lstStyle/>
+          <a:p>
+            <a:r>
+              <a:rPr lang="en-US" dirty="0"/>
+              <a:t>Structural Patterns</a:t>
+            </a:r>
+          </a:p>
+        </p:txBody>
+      </p:sp>
+      <p:sp>
+        <p:nvSpPr>
+          <p:cNvPr id="3" name="Rectangle 2">
+            <a:extLst>
+              <a:ext uri="{FF2B5EF4-FFF2-40B4-BE49-F238E27FC236}">
+                <a16:creationId xmlns:a16="http://schemas.microsoft.com/office/drawing/2014/main" id="{9B9A836F-79A5-45FC-8C4B-9A25DB7C47EB}"/>
+              </a:ext>
+            </a:extLst>
+          </p:cNvPr>
+          <p:cNvSpPr/>
+          <p:nvPr/>
+        </p:nvSpPr>
+        <p:spPr>
+          <a:xfrm>
+            <a:off x="2286000" y="2217807"/>
+            <a:ext cx="4572000" cy="707886"/>
+          </a:xfrm>
+          <a:prstGeom prst="rect">
+            <a:avLst/>
+          </a:prstGeom>
+        </p:spPr>
+        <p:txBody>
+          <a:bodyPr>
+            <a:spAutoFit/>
+          </a:bodyPr>
+          <a:lstStyle/>
+          <a:p>
+            <a:r>
+              <a:rPr lang="en-US" sz="1000" dirty="0">
+                <a:latin typeface="SFRM1000"/>
+              </a:rPr>
+              <a:t>you want to provide a simple interface to a complex subsystem;</a:t>
+            </a:r>
+          </a:p>
+          <a:p>
+            <a:r>
+              <a:rPr lang="en-US" sz="1000" dirty="0">
+                <a:latin typeface="SFRM1000"/>
+              </a:rPr>
+              <a:t>there are many dependencies between clients and the</a:t>
+            </a:r>
+          </a:p>
+          <a:p>
+            <a:r>
+              <a:rPr lang="en-US" sz="1000" dirty="0">
+                <a:latin typeface="SFRM1000"/>
+              </a:rPr>
+              <a:t>implementation classes of an abstraction;</a:t>
+            </a:r>
+          </a:p>
+          <a:p>
+            <a:r>
+              <a:rPr lang="en-US" sz="1000" dirty="0">
+                <a:latin typeface="SFRM1000"/>
+              </a:rPr>
+              <a:t>you want to layer your subsystems.</a:t>
+            </a:r>
+            <a:endParaRPr lang="en-US" dirty="0"/>
+          </a:p>
+        </p:txBody>
+      </p:sp>
+    </p:spTree>
+    <p:extLst>
+      <p:ext uri="{BB962C8B-B14F-4D97-AF65-F5344CB8AC3E}">
+        <p14:creationId xmlns:p14="http://schemas.microsoft.com/office/powerpoint/2010/main" val="2655076616"/>
+      </p:ext>
+    </p:extLst>
+  </p:cSld>
+  <p:clrMapOvr>
+    <a:masterClrMapping/>
+  </p:clrMapOvr>
+</p:sld>
+</file>
+
+<file path=ppt/slides/slide15.xml><?xml version="1.0" encoding="utf-8"?>
 <p:sld xmlns:a="http://schemas.openxmlformats.org/drawingml/2006/main" xmlns:r="http://schemas.openxmlformats.org/officeDocument/2006/relationships" xmlns:p="http://schemas.openxmlformats.org/presentationml/2006/main">
   <p:cSld>
     <p:spTree>
@@ -21744,10 +22952,9 @@
           <a:lstStyle/>
           <a:p>
             <a:r>
-              <a:rPr lang="en-US" dirty="0" smtClean="0"/>
+              <a:rPr lang="en-US" dirty="0"/>
               <a:t>Definition</a:t>
             </a:r>
-            <a:endParaRPr lang="en-US" dirty="0"/>
           </a:p>
         </p:txBody>
       </p:sp>
@@ -21769,7 +22976,7 @@
             <a:pPr marL="0" indent="0">
               <a:buNone/>
             </a:pPr>
-            <a:endParaRPr lang="en-US" sz="1800" dirty="0" smtClean="0"/>
+            <a:endParaRPr lang="en-US" sz="1800" dirty="0"/>
           </a:p>
           <a:p>
             <a:pPr marL="0" indent="0">
@@ -21781,23 +22988,15 @@
             <a:pPr marL="0" indent="0">
               <a:buNone/>
             </a:pPr>
-            <a:endParaRPr lang="en-US" sz="1800" dirty="0" smtClean="0"/>
+            <a:endParaRPr lang="en-US" sz="1800" dirty="0"/>
           </a:p>
           <a:p>
             <a:pPr marL="0" indent="0">
               <a:buNone/>
             </a:pPr>
             <a:r>
-              <a:rPr lang="en-US" sz="2000" dirty="0" smtClean="0"/>
-              <a:t>Structural </a:t>
-            </a:r>
-            <a:r>
               <a:rPr lang="en-US" sz="2000" dirty="0"/>
-              <a:t>patterns are concerned with how classes and objects are composed </a:t>
-            </a:r>
-            <a:r>
-              <a:rPr lang="en-US" sz="2000" dirty="0" smtClean="0"/>
-              <a:t>to</a:t>
+              <a:t>Structural patterns are concerned with how classes and objects are composed to</a:t>
             </a:r>
           </a:p>
           <a:p>
@@ -21805,16 +23004,8 @@
               <a:buNone/>
             </a:pPr>
             <a:r>
-              <a:rPr lang="en-US" sz="2000" dirty="0" smtClean="0"/>
-              <a:t>form larger </a:t>
-            </a:r>
-            <a:r>
               <a:rPr lang="en-US" sz="2000" dirty="0"/>
-              <a:t>structures. Structural class patterns use inheritance to </a:t>
-            </a:r>
-            <a:r>
-              <a:rPr lang="en-US" sz="2000" dirty="0" smtClean="0"/>
-              <a:t>compose</a:t>
+              <a:t>form larger structures. Structural class patterns use inheritance to compose</a:t>
             </a:r>
           </a:p>
           <a:p>
@@ -21822,24 +23013,8 @@
               <a:buNone/>
             </a:pPr>
             <a:r>
-              <a:rPr lang="en-US" sz="2000" dirty="0" smtClean="0"/>
-              <a:t>interfaces </a:t>
-            </a:r>
-            <a:r>
               <a:rPr lang="en-US" sz="2000" dirty="0"/>
-              <a:t>or </a:t>
-            </a:r>
-            <a:r>
-              <a:rPr lang="en-US" sz="2000" dirty="0" smtClean="0"/>
-              <a:t>implementations</a:t>
-            </a:r>
-            <a:r>
-              <a:rPr lang="en-US" sz="2000" dirty="0"/>
-              <a:t>. Structural object patterns describe ways </a:t>
-            </a:r>
-            <a:r>
-              <a:rPr lang="en-US" sz="2000" dirty="0" smtClean="0"/>
-              <a:t>to</a:t>
+              <a:t>interfaces or implementations. Structural object patterns describe ways to</a:t>
             </a:r>
           </a:p>
           <a:p>
@@ -21847,22 +23022,9 @@
               <a:buNone/>
             </a:pPr>
             <a:r>
-              <a:rPr lang="en-US" sz="2000" dirty="0" smtClean="0"/>
-              <a:t>compose </a:t>
-            </a:r>
-            <a:r>
               <a:rPr lang="en-US" sz="2000" dirty="0"/>
-              <a:t>objects to realize </a:t>
-            </a:r>
-            <a:r>
-              <a:rPr lang="en-US" sz="2000" dirty="0" smtClean="0"/>
-              <a:t>new </a:t>
-            </a:r>
-            <a:r>
-              <a:rPr lang="en-US" sz="2000" dirty="0"/>
-              <a:t>functionality.</a:t>
-            </a:r>
-            <a:endParaRPr lang="en-US" sz="2000" dirty="0"/>
+              <a:t>compose objects to realize new functionality.</a:t>
+            </a:r>
           </a:p>
         </p:txBody>
       </p:sp>
@@ -21955,17 +23117,170 @@
   <p:clrMapOvr>
     <a:masterClrMapping/>
   </p:clrMapOvr>
-  <p:timing>
-    <p:tnLst>
-      <p:par>
-        <p:cTn id="1" dur="indefinite" restart="never" nodeType="tmRoot"/>
-      </p:par>
-    </p:tnLst>
-  </p:timing>
 </p:sld>
 </file>
 
-<file path=ppt/slides/slide11.xml><?xml version="1.0" encoding="utf-8"?>
+<file path=ppt/slides/slide16.xml><?xml version="1.0" encoding="utf-8"?>
+<p:sld xmlns:a="http://schemas.openxmlformats.org/drawingml/2006/main" xmlns:r="http://schemas.openxmlformats.org/officeDocument/2006/relationships" xmlns:p="http://schemas.openxmlformats.org/presentationml/2006/main">
+  <p:cSld>
+    <p:spTree>
+      <p:nvGrpSpPr>
+        <p:cNvPr id="1" name=""/>
+        <p:cNvGrpSpPr/>
+        <p:nvPr/>
+      </p:nvGrpSpPr>
+      <p:grpSpPr>
+        <a:xfrm>
+          <a:off x="0" y="0"/>
+          <a:ext cx="0" cy="0"/>
+          <a:chOff x="0" y="0"/>
+          <a:chExt cx="0" cy="0"/>
+        </a:xfrm>
+      </p:grpSpPr>
+      <p:sp>
+        <p:nvSpPr>
+          <p:cNvPr id="4" name="Title 3"/>
+          <p:cNvSpPr>
+            <a:spLocks noGrp="1"/>
+          </p:cNvSpPr>
+          <p:nvPr>
+            <p:ph type="title"/>
+          </p:nvPr>
+        </p:nvSpPr>
+        <p:spPr/>
+        <p:txBody>
+          <a:bodyPr/>
+          <a:lstStyle/>
+          <a:p>
+            <a:r>
+              <a:rPr lang="en-US" dirty="0"/>
+              <a:t>Design</a:t>
+            </a:r>
+            <a:br>
+              <a:rPr lang="en-US" dirty="0"/>
+            </a:br>
+            <a:r>
+              <a:rPr lang="en-US" dirty="0"/>
+              <a:t>Patterns</a:t>
+            </a:r>
+          </a:p>
+        </p:txBody>
+      </p:sp>
+      <p:sp>
+        <p:nvSpPr>
+          <p:cNvPr id="6" name="TextBox 5">
+            <a:extLst>
+              <a:ext uri="{FF2B5EF4-FFF2-40B4-BE49-F238E27FC236}">
+                <a16:creationId xmlns:a16="http://schemas.microsoft.com/office/drawing/2014/main" id="{16AD212A-E369-CB46-BE9C-0744152A0BAF}"/>
+              </a:ext>
+            </a:extLst>
+          </p:cNvPr>
+          <p:cNvSpPr txBox="1"/>
+          <p:nvPr/>
+        </p:nvSpPr>
+        <p:spPr>
+          <a:xfrm>
+            <a:off x="531466" y="4877348"/>
+            <a:ext cx="2422187" cy="200055"/>
+          </a:xfrm>
+          <a:prstGeom prst="rect">
+            <a:avLst/>
+          </a:prstGeom>
+          <a:noFill/>
+        </p:spPr>
+        <p:txBody>
+          <a:bodyPr wrap="square" rtlCol="0">
+            <a:spAutoFit/>
+          </a:bodyPr>
+          <a:lstStyle/>
+          <a:p>
+            <a:pPr marL="0" marR="0" lvl="0" indent="0" algn="l" defTabSz="685800" rtl="0" eaLnBrk="1" fontAlgn="auto" latinLnBrk="0" hangingPunct="1">
+              <a:lnSpc>
+                <a:spcPct val="100000"/>
+              </a:lnSpc>
+              <a:spcBef>
+                <a:spcPts val="0"/>
+              </a:spcBef>
+              <a:spcAft>
+                <a:spcPts val="0"/>
+              </a:spcAft>
+              <a:buClrTx/>
+              <a:buSzTx/>
+              <a:buFontTx/>
+              <a:buNone/>
+              <a:tabLst/>
+              <a:defRPr/>
+            </a:pPr>
+            <a:r>
+              <a:rPr kumimoji="0" lang="en-US" sz="700" b="0" i="0" u="none" strike="noStrike" kern="1200" cap="none" spc="0" normalizeH="0" baseline="0" noProof="0" dirty="0">
+                <a:ln>
+                  <a:noFill/>
+                </a:ln>
+                <a:solidFill>
+                  <a:srgbClr val="FFFFFF"/>
+                </a:solidFill>
+                <a:effectLst/>
+                <a:uLnTx/>
+                <a:uFillTx/>
+                <a:latin typeface="Calibri Light"/>
+                <a:ea typeface="+mn-ea"/>
+                <a:cs typeface="+mn-cs"/>
+              </a:rPr>
+              <a:t>CONFIDENTIAL  |  © 2019 EPAM Systems, Inc.</a:t>
+            </a:r>
+            <a:endParaRPr kumimoji="0" lang="en-US" sz="700" b="0" i="0" u="none" strike="noStrike" kern="1200" cap="none" spc="0" normalizeH="0" baseline="0" noProof="0" dirty="0">
+              <a:ln>
+                <a:noFill/>
+              </a:ln>
+              <a:solidFill>
+                <a:srgbClr val="222222"/>
+              </a:solidFill>
+              <a:effectLst/>
+              <a:uLnTx/>
+              <a:uFillTx/>
+              <a:latin typeface="Calibri Light"/>
+              <a:ea typeface="+mn-ea"/>
+              <a:cs typeface="+mn-cs"/>
+            </a:endParaRPr>
+          </a:p>
+        </p:txBody>
+      </p:sp>
+      <p:sp>
+        <p:nvSpPr>
+          <p:cNvPr id="2" name="Text Placeholder 1"/>
+          <p:cNvSpPr>
+            <a:spLocks noGrp="1"/>
+          </p:cNvSpPr>
+          <p:nvPr>
+            <p:ph type="body" sz="quarter" idx="11"/>
+          </p:nvPr>
+        </p:nvSpPr>
+        <p:spPr/>
+        <p:txBody>
+          <a:bodyPr/>
+          <a:lstStyle/>
+          <a:p>
+            <a:r>
+              <a:rPr lang="en-US" dirty="0"/>
+              <a:t>Facade</a:t>
+            </a:r>
+          </a:p>
+        </p:txBody>
+      </p:sp>
+    </p:spTree>
+    <p:extLst>
+      <p:ext uri="{BB962C8B-B14F-4D97-AF65-F5344CB8AC3E}">
+        <p14:creationId xmlns:p14="http://schemas.microsoft.com/office/powerpoint/2010/main" val="1362834823"/>
+      </p:ext>
+    </p:extLst>
+  </p:cSld>
+  <p:clrMapOvr>
+    <a:masterClrMapping/>
+  </p:clrMapOvr>
+</p:sld>
+</file>
+
+<file path=ppt/slides/slide17.xml><?xml version="1.0" encoding="utf-8"?>
 <p:sld xmlns:a="http://schemas.openxmlformats.org/drawingml/2006/main" xmlns:r="http://schemas.openxmlformats.org/officeDocument/2006/relationships" xmlns:p="http://schemas.openxmlformats.org/presentationml/2006/main">
   <p:cSld>
     <p:spTree>
@@ -21998,10 +23313,9 @@
           <a:lstStyle/>
           <a:p>
             <a:r>
-              <a:rPr lang="en-US" dirty="0" smtClean="0"/>
+              <a:rPr lang="en-US" dirty="0"/>
               <a:t>Intent</a:t>
             </a:r>
-            <a:endParaRPr lang="en-US" dirty="0"/>
           </a:p>
         </p:txBody>
       </p:sp>
@@ -22023,7 +23337,7 @@
             <a:pPr marL="0" indent="0">
               <a:buNone/>
             </a:pPr>
-            <a:endParaRPr lang="en-US" sz="2800" dirty="0" smtClean="0"/>
+            <a:endParaRPr lang="en-US" sz="2800" dirty="0"/>
           </a:p>
           <a:p>
             <a:pPr marL="0" indent="0">
@@ -22035,61 +23349,34 @@
             <a:pPr marL="0" indent="0">
               <a:buNone/>
             </a:pPr>
-            <a:endParaRPr lang="en-US" sz="2800" dirty="0" smtClean="0"/>
+            <a:endParaRPr lang="en-US" sz="2000" dirty="0"/>
           </a:p>
           <a:p>
             <a:pPr marL="0" indent="0">
               <a:buNone/>
             </a:pPr>
             <a:r>
-              <a:rPr lang="en-US" sz="2400" dirty="0"/>
-              <a:t>Provide a uniﬁed interface to a set of interfaces in a </a:t>
-            </a:r>
-            <a:r>
-              <a:rPr lang="en-US" sz="2400" dirty="0" smtClean="0"/>
-              <a:t>subsystem</a:t>
-            </a:r>
-            <a:r>
-              <a:rPr lang="en-US" sz="2400" dirty="0"/>
-              <a:t>. </a:t>
-            </a:r>
-            <a:endParaRPr lang="en-US" sz="2400" dirty="0" smtClean="0"/>
+              <a:rPr lang="en-US" sz="2000" dirty="0"/>
+              <a:t>Provide a uniﬁed interface to a set of interfaces in a subsystem. </a:t>
+            </a:r>
           </a:p>
           <a:p>
             <a:pPr marL="0" indent="0">
               <a:buNone/>
             </a:pPr>
             <a:r>
-              <a:rPr lang="en-US" sz="2400" dirty="0" smtClean="0"/>
-              <a:t>Facade </a:t>
-            </a:r>
-            <a:r>
-              <a:rPr lang="en-US" sz="2400" dirty="0"/>
-              <a:t>deﬁnes a higher-level interface that </a:t>
-            </a:r>
-            <a:r>
-              <a:rPr lang="en-US" sz="2400" dirty="0" smtClean="0"/>
-              <a:t>makes </a:t>
-            </a:r>
-            <a:r>
-              <a:rPr lang="en-US" sz="2400" dirty="0"/>
-              <a:t>the subsystem </a:t>
-            </a:r>
-            <a:endParaRPr lang="en-US" sz="2400" dirty="0" smtClean="0"/>
+              <a:rPr lang="en-US" sz="2000" dirty="0"/>
+              <a:t>Facade deﬁnes a higher-level interface that makes the subsystem </a:t>
+            </a:r>
           </a:p>
           <a:p>
             <a:pPr marL="0" indent="0">
               <a:buNone/>
             </a:pPr>
             <a:r>
-              <a:rPr lang="en-US" sz="2400" dirty="0" smtClean="0"/>
-              <a:t>easier </a:t>
-            </a:r>
-            <a:r>
-              <a:rPr lang="en-US" sz="2400" dirty="0"/>
-              <a:t>to use.</a:t>
-            </a:r>
-            <a:endParaRPr lang="en-US" sz="2400" dirty="0"/>
+              <a:rPr lang="en-US" sz="2000" dirty="0"/>
+              <a:t>easier to use.</a:t>
+            </a:r>
           </a:p>
         </p:txBody>
       </p:sp>
@@ -22182,17 +23469,10 @@
   <p:clrMapOvr>
     <a:masterClrMapping/>
   </p:clrMapOvr>
-  <p:timing>
-    <p:tnLst>
-      <p:par>
-        <p:cTn id="1" dur="indefinite" restart="never" nodeType="tmRoot"/>
-      </p:par>
-    </p:tnLst>
-  </p:timing>
 </p:sld>
 </file>
 
-<file path=ppt/slides/slide12.xml><?xml version="1.0" encoding="utf-8"?>
+<file path=ppt/slides/slide18.xml><?xml version="1.0" encoding="utf-8"?>
 <p:sld xmlns:a="http://schemas.openxmlformats.org/drawingml/2006/main" xmlns:r="http://schemas.openxmlformats.org/officeDocument/2006/relationships" xmlns:p="http://schemas.openxmlformats.org/presentationml/2006/main">
   <p:cSld>
     <p:spTree>
@@ -22225,10 +23505,9 @@
           <a:lstStyle/>
           <a:p>
             <a:r>
-              <a:rPr lang="en-US" dirty="0" smtClean="0"/>
+              <a:rPr lang="en-US" dirty="0"/>
               <a:t>Motivation</a:t>
             </a:r>
-            <a:endParaRPr lang="en-US" dirty="0"/>
           </a:p>
         </p:txBody>
       </p:sp>
@@ -22250,7 +23529,7 @@
             <a:pPr marL="0" indent="0">
               <a:buNone/>
             </a:pPr>
-            <a:endParaRPr lang="en-US" sz="2800" dirty="0" smtClean="0"/>
+            <a:endParaRPr lang="en-US" sz="2800" dirty="0"/>
           </a:p>
           <a:p>
             <a:pPr marL="0" indent="0">
@@ -22262,73 +23541,52 @@
             <a:pPr marL="0" indent="0">
               <a:buNone/>
             </a:pPr>
-            <a:endParaRPr lang="en-US" sz="2800" dirty="0" smtClean="0"/>
+            <a:endParaRPr lang="en-US" sz="2000" dirty="0"/>
           </a:p>
           <a:p>
             <a:pPr marL="0" indent="0">
               <a:buNone/>
             </a:pPr>
             <a:r>
-              <a:rPr lang="en-US" sz="2400" dirty="0"/>
+              <a:rPr lang="en-US" sz="2000" dirty="0"/>
               <a:t>Structuring a system into subsystems helps reduce complexity. A </a:t>
             </a:r>
-            <a:endParaRPr lang="en-US" sz="2400" dirty="0" smtClean="0"/>
           </a:p>
           <a:p>
             <a:pPr marL="0" indent="0">
               <a:buNone/>
             </a:pPr>
             <a:r>
-              <a:rPr lang="en-US" sz="2400" dirty="0" smtClean="0"/>
-              <a:t>common </a:t>
-            </a:r>
-            <a:r>
-              <a:rPr lang="en-US" sz="2400" dirty="0"/>
-              <a:t>design goal is to minimize the communication and </a:t>
-            </a:r>
-            <a:endParaRPr lang="en-US" sz="2400" dirty="0" smtClean="0"/>
+              <a:rPr lang="en-US" sz="2000" dirty="0"/>
+              <a:t>common design goal is to minimize the communication and </a:t>
+            </a:r>
           </a:p>
           <a:p>
             <a:pPr marL="0" indent="0">
               <a:buNone/>
             </a:pPr>
             <a:r>
-              <a:rPr lang="en-US" sz="2400" dirty="0" smtClean="0"/>
-              <a:t>dependencies </a:t>
-            </a:r>
-            <a:r>
-              <a:rPr lang="en-US" sz="2400" dirty="0"/>
-              <a:t>between subsystems. One way to achieve this goal is </a:t>
-            </a:r>
-            <a:endParaRPr lang="en-US" sz="2400" dirty="0" smtClean="0"/>
+              <a:rPr lang="en-US" sz="2000" dirty="0"/>
+              <a:t>dependencies between subsystems. One way to achieve this goal is </a:t>
+            </a:r>
           </a:p>
           <a:p>
             <a:pPr marL="0" indent="0">
               <a:buNone/>
             </a:pPr>
             <a:r>
-              <a:rPr lang="en-US" sz="2400" dirty="0" smtClean="0"/>
-              <a:t>to </a:t>
-            </a:r>
-            <a:r>
-              <a:rPr lang="en-US" sz="2400" dirty="0"/>
-              <a:t>introduce a facade object that provides a single, simpliﬁed </a:t>
-            </a:r>
-            <a:endParaRPr lang="en-US" sz="2400" dirty="0" smtClean="0"/>
+              <a:rPr lang="en-US" sz="2000" dirty="0"/>
+              <a:t>to introduce a facade object that provides a single, simpliﬁed </a:t>
+            </a:r>
           </a:p>
           <a:p>
             <a:pPr marL="0" indent="0">
               <a:buNone/>
             </a:pPr>
             <a:r>
-              <a:rPr lang="en-US" sz="2400" dirty="0" smtClean="0"/>
-              <a:t>interface </a:t>
-            </a:r>
-            <a:r>
-              <a:rPr lang="en-US" sz="2400" dirty="0"/>
-              <a:t>to the more general facilities of a subsystem.</a:t>
-            </a:r>
-            <a:endParaRPr lang="en-US" sz="2400" dirty="0"/>
+              <a:rPr lang="en-US" sz="2000" dirty="0"/>
+              <a:t>interface to the more general facilities of a subsystem.</a:t>
+            </a:r>
           </a:p>
         </p:txBody>
       </p:sp>
@@ -22421,17 +23679,10 @@
   <p:clrMapOvr>
     <a:masterClrMapping/>
   </p:clrMapOvr>
-  <p:timing>
-    <p:tnLst>
-      <p:par>
-        <p:cTn id="1" dur="indefinite" restart="never" nodeType="tmRoot"/>
-      </p:par>
-    </p:tnLst>
-  </p:timing>
 </p:sld>
 </file>
 
-<file path=ppt/slides/slide13.xml><?xml version="1.0" encoding="utf-8"?>
+<file path=ppt/slides/slide19.xml><?xml version="1.0" encoding="utf-8"?>
 <p:sld xmlns:a="http://schemas.openxmlformats.org/drawingml/2006/main" xmlns:r="http://schemas.openxmlformats.org/officeDocument/2006/relationships" xmlns:p="http://schemas.openxmlformats.org/presentationml/2006/main">
   <p:cSld>
     <p:spTree>
@@ -22463,45 +23714,10 @@
           <a:bodyPr/>
           <a:lstStyle/>
           <a:p>
-            <a:endParaRPr lang="en-US"/>
-          </a:p>
-        </p:txBody>
-      </p:sp>
-      <p:sp>
-        <p:nvSpPr>
-          <p:cNvPr id="8" name="Content Placeholder 7"/>
-          <p:cNvSpPr>
-            <a:spLocks noGrp="1"/>
-          </p:cNvSpPr>
-          <p:nvPr>
-            <p:ph sz="quarter" idx="10"/>
-          </p:nvPr>
-        </p:nvSpPr>
-        <p:spPr/>
-        <p:txBody>
-          <a:bodyPr/>
-          <a:lstStyle/>
-          <a:p>
-            <a:endParaRPr lang="en-US"/>
-          </a:p>
-        </p:txBody>
-      </p:sp>
-      <p:sp>
-        <p:nvSpPr>
-          <p:cNvPr id="9" name="Content Placeholder 8"/>
-          <p:cNvSpPr>
-            <a:spLocks noGrp="1"/>
-          </p:cNvSpPr>
-          <p:nvPr>
-            <p:ph sz="quarter" idx="11"/>
-          </p:nvPr>
-        </p:nvSpPr>
-        <p:spPr/>
-        <p:txBody>
-          <a:bodyPr/>
-          <a:lstStyle/>
-          <a:p>
-            <a:endParaRPr lang="en-US"/>
+            <a:r>
+              <a:rPr lang="en-US" dirty="0"/>
+              <a:t>Example. Facade for starting a car system</a:t>
+            </a:r>
           </a:p>
         </p:txBody>
       </p:sp>
@@ -22526,985 +23742,108 @@
           <a:bodyPr/>
           <a:lstStyle/>
           <a:p>
+            <a:pPr marL="0" marR="0" lvl="0" indent="0" algn="r" defTabSz="685800" rtl="0" eaLnBrk="1" fontAlgn="auto" latinLnBrk="0" hangingPunct="1">
+              <a:lnSpc>
+                <a:spcPct val="100000"/>
+              </a:lnSpc>
+              <a:spcBef>
+                <a:spcPts val="0"/>
+              </a:spcBef>
+              <a:spcAft>
+                <a:spcPts val="0"/>
+              </a:spcAft>
+              <a:buClrTx/>
+              <a:buSzTx/>
+              <a:buFontTx/>
+              <a:buNone/>
+              <a:tabLst/>
+              <a:defRPr/>
+            </a:pPr>
             <a:fld id="{3A707DD9-E92B-45E8-BE0A-E6B2EDF345EB}" type="slidenum">
-              <a:rPr lang="en-US" smtClean="0"/>
-              <a:pPr/>
-              <a:t>13</a:t>
+              <a:rPr kumimoji="0" lang="en-US" sz="800" b="1" i="0" u="none" strike="noStrike" kern="1200" cap="none" spc="0" normalizeH="0" baseline="0" noProof="0" smtClean="0">
+                <a:ln>
+                  <a:noFill/>
+                </a:ln>
+                <a:solidFill>
+                  <a:srgbClr val="FEFEFE"/>
+                </a:solidFill>
+                <a:effectLst/>
+                <a:uLnTx/>
+                <a:uFillTx/>
+                <a:latin typeface="Calibri Light"/>
+                <a:ea typeface="+mn-ea"/>
+                <a:cs typeface="+mn-cs"/>
+              </a:rPr>
+              <a:pPr marL="0" marR="0" lvl="0" indent="0" algn="r" defTabSz="685800" rtl="0" eaLnBrk="1" fontAlgn="auto" latinLnBrk="0" hangingPunct="1">
+                <a:lnSpc>
+                  <a:spcPct val="100000"/>
+                </a:lnSpc>
+                <a:spcBef>
+                  <a:spcPts val="0"/>
+                </a:spcBef>
+                <a:spcAft>
+                  <a:spcPts val="0"/>
+                </a:spcAft>
+                <a:buClrTx/>
+                <a:buSzTx/>
+                <a:buFontTx/>
+                <a:buNone/>
+                <a:tabLst/>
+                <a:defRPr/>
+              </a:pPr>
+              <a:t>19</a:t>
             </a:fld>
-            <a:endParaRPr lang="en-US" dirty="0"/>
+            <a:endParaRPr kumimoji="0" lang="en-US" sz="800" b="1" i="0" u="none" strike="noStrike" kern="1200" cap="none" spc="0" normalizeH="0" baseline="0" noProof="0" dirty="0">
+              <a:ln>
+                <a:noFill/>
+              </a:ln>
+              <a:solidFill>
+                <a:srgbClr val="FEFEFE"/>
+              </a:solidFill>
+              <a:effectLst/>
+              <a:uLnTx/>
+              <a:uFillTx/>
+              <a:latin typeface="Calibri Light"/>
+              <a:ea typeface="+mn-ea"/>
+              <a:cs typeface="+mn-cs"/>
+            </a:endParaRPr>
           </a:p>
         </p:txBody>
       </p:sp>
+      <p:pic>
+        <p:nvPicPr>
+          <p:cNvPr id="6" name="Picture 5">
+            <a:extLst>
+              <a:ext uri="{FF2B5EF4-FFF2-40B4-BE49-F238E27FC236}">
+                <a16:creationId xmlns:a16="http://schemas.microsoft.com/office/drawing/2014/main" id="{EA6D20E1-04C7-4715-A59C-768D6BD675A7}"/>
+              </a:ext>
+            </a:extLst>
+          </p:cNvPr>
+          <p:cNvPicPr>
+            <a:picLocks noChangeAspect="1"/>
+          </p:cNvPicPr>
+          <p:nvPr/>
+        </p:nvPicPr>
+        <p:blipFill>
+          <a:blip r:embed="rId2"/>
+          <a:stretch>
+            <a:fillRect/>
+          </a:stretch>
+        </p:blipFill>
+        <p:spPr>
+          <a:xfrm>
+            <a:off x="1670538" y="1292354"/>
+            <a:ext cx="4668715" cy="3256202"/>
+          </a:xfrm>
+          <a:prstGeom prst="rect">
+            <a:avLst/>
+          </a:prstGeom>
+        </p:spPr>
+      </p:pic>
     </p:spTree>
     <p:extLst>
       <p:ext uri="{BB962C8B-B14F-4D97-AF65-F5344CB8AC3E}">
-        <p14:creationId xmlns:p14="http://schemas.microsoft.com/office/powerpoint/2010/main" val="1741000056"/>
-      </p:ext>
-    </p:extLst>
-  </p:cSld>
-  <p:clrMapOvr>
-    <a:masterClrMapping/>
-  </p:clrMapOvr>
-  <p:timing>
-    <p:tnLst>
-      <p:par>
-        <p:cTn id="1" dur="indefinite" restart="never" nodeType="tmRoot"/>
-      </p:par>
-    </p:tnLst>
-  </p:timing>
-</p:sld>
-</file>
-
-<file path=ppt/slides/slide14.xml><?xml version="1.0" encoding="utf-8"?>
-<p:sld xmlns:a="http://schemas.openxmlformats.org/drawingml/2006/main" xmlns:r="http://schemas.openxmlformats.org/officeDocument/2006/relationships" xmlns:p="http://schemas.openxmlformats.org/presentationml/2006/main">
-  <p:cSld>
-    <p:spTree>
-      <p:nvGrpSpPr>
-        <p:cNvPr id="1" name=""/>
-        <p:cNvGrpSpPr/>
-        <p:nvPr/>
-      </p:nvGrpSpPr>
-      <p:grpSpPr>
-        <a:xfrm>
-          <a:off x="0" y="0"/>
-          <a:ext cx="0" cy="0"/>
-          <a:chOff x="0" y="0"/>
-          <a:chExt cx="0" cy="0"/>
-        </a:xfrm>
-      </p:grpSpPr>
-      <p:sp>
-        <p:nvSpPr>
-          <p:cNvPr id="3" name="Title 2"/>
-          <p:cNvSpPr>
-            <a:spLocks noGrp="1"/>
-          </p:cNvSpPr>
-          <p:nvPr>
-            <p:ph type="title"/>
-          </p:nvPr>
-        </p:nvSpPr>
-        <p:spPr/>
-        <p:txBody>
-          <a:bodyPr/>
-          <a:lstStyle/>
-          <a:p>
-            <a:endParaRPr lang="en-US"/>
-          </a:p>
-        </p:txBody>
-      </p:sp>
-      <p:sp>
-        <p:nvSpPr>
-          <p:cNvPr id="4" name="Content Placeholder 3"/>
-          <p:cNvSpPr>
-            <a:spLocks noGrp="1"/>
-          </p:cNvSpPr>
-          <p:nvPr>
-            <p:ph sz="quarter" idx="10"/>
-          </p:nvPr>
-        </p:nvSpPr>
-        <p:spPr/>
-        <p:txBody>
-          <a:bodyPr/>
-          <a:lstStyle/>
-          <a:p>
-            <a:endParaRPr lang="en-US"/>
-          </a:p>
-        </p:txBody>
-      </p:sp>
-      <p:sp>
-        <p:nvSpPr>
-          <p:cNvPr id="9" name="Text Placeholder 8"/>
-          <p:cNvSpPr>
-            <a:spLocks noGrp="1"/>
-          </p:cNvSpPr>
-          <p:nvPr>
-            <p:ph type="body" sz="quarter" idx="11"/>
-          </p:nvPr>
-        </p:nvSpPr>
-        <p:spPr/>
-        <p:txBody>
-          <a:bodyPr/>
-          <a:lstStyle/>
-          <a:p>
-            <a:endParaRPr lang="en-US"/>
-          </a:p>
-        </p:txBody>
-      </p:sp>
-      <p:sp>
-        <p:nvSpPr>
-          <p:cNvPr id="5" name="Slide Number Placeholder 4">
-            <a:extLst>
-              <a:ext uri="{FF2B5EF4-FFF2-40B4-BE49-F238E27FC236}">
-                <a16:creationId xmlns:a16="http://schemas.microsoft.com/office/drawing/2014/main" id="{D695E08B-236F-5B4F-801C-4C75369E005C}"/>
-              </a:ext>
-            </a:extLst>
-          </p:cNvPr>
-          <p:cNvSpPr>
-            <a:spLocks noGrp="1"/>
-          </p:cNvSpPr>
-          <p:nvPr>
-            <p:ph type="sldNum" sz="quarter" idx="4"/>
-          </p:nvPr>
-        </p:nvSpPr>
-        <p:spPr/>
-        <p:txBody>
-          <a:bodyPr/>
-          <a:lstStyle/>
-          <a:p>
-            <a:fld id="{3A707DD9-E92B-45E8-BE0A-E6B2EDF345EB}" type="slidenum">
-              <a:rPr lang="en-US" smtClean="0"/>
-              <a:pPr/>
-              <a:t>14</a:t>
-            </a:fld>
-            <a:endParaRPr lang="en-US" dirty="0"/>
-          </a:p>
-        </p:txBody>
-      </p:sp>
-    </p:spTree>
-    <p:extLst>
-      <p:ext uri="{BB962C8B-B14F-4D97-AF65-F5344CB8AC3E}">
-        <p14:creationId xmlns:p14="http://schemas.microsoft.com/office/powerpoint/2010/main" val="2383520111"/>
-      </p:ext>
-    </p:extLst>
-  </p:cSld>
-  <p:clrMapOvr>
-    <a:masterClrMapping/>
-  </p:clrMapOvr>
-</p:sld>
-</file>
-
-<file path=ppt/slides/slide15.xml><?xml version="1.0" encoding="utf-8"?>
-<p:sld xmlns:a="http://schemas.openxmlformats.org/drawingml/2006/main" xmlns:r="http://schemas.openxmlformats.org/officeDocument/2006/relationships" xmlns:p="http://schemas.openxmlformats.org/presentationml/2006/main">
-  <p:cSld>
-    <p:spTree>
-      <p:nvGrpSpPr>
-        <p:cNvPr id="1" name=""/>
-        <p:cNvGrpSpPr/>
-        <p:nvPr/>
-      </p:nvGrpSpPr>
-      <p:grpSpPr>
-        <a:xfrm>
-          <a:off x="0" y="0"/>
-          <a:ext cx="0" cy="0"/>
-          <a:chOff x="0" y="0"/>
-          <a:chExt cx="0" cy="0"/>
-        </a:xfrm>
-      </p:grpSpPr>
-      <p:sp>
-        <p:nvSpPr>
-          <p:cNvPr id="3" name="Title 2"/>
-          <p:cNvSpPr>
-            <a:spLocks noGrp="1"/>
-          </p:cNvSpPr>
-          <p:nvPr>
-            <p:ph type="title"/>
-          </p:nvPr>
-        </p:nvSpPr>
-        <p:spPr/>
-        <p:txBody>
-          <a:bodyPr/>
-          <a:lstStyle/>
-          <a:p>
-            <a:endParaRPr lang="en-US"/>
-          </a:p>
-        </p:txBody>
-      </p:sp>
-      <p:sp>
-        <p:nvSpPr>
-          <p:cNvPr id="4" name="Content Placeholder 3"/>
-          <p:cNvSpPr>
-            <a:spLocks noGrp="1"/>
-          </p:cNvSpPr>
-          <p:nvPr>
-            <p:ph sz="quarter" idx="10"/>
-          </p:nvPr>
-        </p:nvSpPr>
-        <p:spPr/>
-        <p:txBody>
-          <a:bodyPr/>
-          <a:lstStyle/>
-          <a:p>
-            <a:endParaRPr lang="en-US"/>
-          </a:p>
-        </p:txBody>
-      </p:sp>
-      <p:sp>
-        <p:nvSpPr>
-          <p:cNvPr id="11" name="Text Placeholder 10"/>
-          <p:cNvSpPr>
-            <a:spLocks noGrp="1"/>
-          </p:cNvSpPr>
-          <p:nvPr>
-            <p:ph type="body" sz="quarter" idx="11"/>
-          </p:nvPr>
-        </p:nvSpPr>
-        <p:spPr/>
-        <p:txBody>
-          <a:bodyPr/>
-          <a:lstStyle/>
-          <a:p>
-            <a:endParaRPr lang="en-US"/>
-          </a:p>
-        </p:txBody>
-      </p:sp>
-      <p:sp>
-        <p:nvSpPr>
-          <p:cNvPr id="12" name="Content Placeholder 11"/>
-          <p:cNvSpPr>
-            <a:spLocks noGrp="1"/>
-          </p:cNvSpPr>
-          <p:nvPr>
-            <p:ph sz="quarter" idx="12"/>
-          </p:nvPr>
-        </p:nvSpPr>
-        <p:spPr/>
-        <p:txBody>
-          <a:bodyPr/>
-          <a:lstStyle/>
-          <a:p>
-            <a:endParaRPr lang="en-US"/>
-          </a:p>
-        </p:txBody>
-      </p:sp>
-      <p:sp>
-        <p:nvSpPr>
-          <p:cNvPr id="13" name="Text Placeholder 12"/>
-          <p:cNvSpPr>
-            <a:spLocks noGrp="1"/>
-          </p:cNvSpPr>
-          <p:nvPr>
-            <p:ph type="body" sz="quarter" idx="13"/>
-          </p:nvPr>
-        </p:nvSpPr>
-        <p:spPr/>
-        <p:txBody>
-          <a:bodyPr/>
-          <a:lstStyle/>
-          <a:p>
-            <a:endParaRPr lang="en-US"/>
-          </a:p>
-        </p:txBody>
-      </p:sp>
-      <p:sp>
-        <p:nvSpPr>
-          <p:cNvPr id="5" name="Slide Number Placeholder 4">
-            <a:extLst>
-              <a:ext uri="{FF2B5EF4-FFF2-40B4-BE49-F238E27FC236}">
-                <a16:creationId xmlns:a16="http://schemas.microsoft.com/office/drawing/2014/main" id="{E20845A9-188B-8049-BCF6-C7A00D112623}"/>
-              </a:ext>
-            </a:extLst>
-          </p:cNvPr>
-          <p:cNvSpPr>
-            <a:spLocks noGrp="1"/>
-          </p:cNvSpPr>
-          <p:nvPr>
-            <p:ph type="sldNum" sz="quarter" idx="4"/>
-          </p:nvPr>
-        </p:nvSpPr>
-        <p:spPr/>
-        <p:txBody>
-          <a:bodyPr/>
-          <a:lstStyle/>
-          <a:p>
-            <a:fld id="{3A707DD9-E92B-45E8-BE0A-E6B2EDF345EB}" type="slidenum">
-              <a:rPr lang="en-US" smtClean="0"/>
-              <a:pPr/>
-              <a:t>15</a:t>
-            </a:fld>
-            <a:endParaRPr lang="en-US" dirty="0"/>
-          </a:p>
-        </p:txBody>
-      </p:sp>
-    </p:spTree>
-    <p:extLst>
-      <p:ext uri="{BB962C8B-B14F-4D97-AF65-F5344CB8AC3E}">
-        <p14:creationId xmlns:p14="http://schemas.microsoft.com/office/powerpoint/2010/main" val="45426372"/>
-      </p:ext>
-    </p:extLst>
-  </p:cSld>
-  <p:clrMapOvr>
-    <a:masterClrMapping/>
-  </p:clrMapOvr>
-</p:sld>
-</file>
-
-<file path=ppt/slides/slide16.xml><?xml version="1.0" encoding="utf-8"?>
-<p:sld xmlns:a="http://schemas.openxmlformats.org/drawingml/2006/main" xmlns:r="http://schemas.openxmlformats.org/officeDocument/2006/relationships" xmlns:p="http://schemas.openxmlformats.org/presentationml/2006/main">
-  <p:cSld>
-    <p:spTree>
-      <p:nvGrpSpPr>
-        <p:cNvPr id="1" name=""/>
-        <p:cNvGrpSpPr/>
-        <p:nvPr/>
-      </p:nvGrpSpPr>
-      <p:grpSpPr>
-        <a:xfrm>
-          <a:off x="0" y="0"/>
-          <a:ext cx="0" cy="0"/>
-          <a:chOff x="0" y="0"/>
-          <a:chExt cx="0" cy="0"/>
-        </a:xfrm>
-      </p:grpSpPr>
-      <p:sp>
-        <p:nvSpPr>
-          <p:cNvPr id="3" name="Title 2"/>
-          <p:cNvSpPr>
-            <a:spLocks noGrp="1"/>
-          </p:cNvSpPr>
-          <p:nvPr>
-            <p:ph type="title"/>
-          </p:nvPr>
-        </p:nvSpPr>
-        <p:spPr/>
-        <p:txBody>
-          <a:bodyPr/>
-          <a:lstStyle/>
-          <a:p>
-            <a:endParaRPr lang="en-US"/>
-          </a:p>
-        </p:txBody>
-      </p:sp>
-      <p:sp>
-        <p:nvSpPr>
-          <p:cNvPr id="4" name="Content Placeholder 3"/>
-          <p:cNvSpPr>
-            <a:spLocks noGrp="1"/>
-          </p:cNvSpPr>
-          <p:nvPr>
-            <p:ph sz="quarter" idx="10"/>
-          </p:nvPr>
-        </p:nvSpPr>
-        <p:spPr/>
-        <p:txBody>
-          <a:bodyPr/>
-          <a:lstStyle/>
-          <a:p>
-            <a:endParaRPr lang="en-US"/>
-          </a:p>
-        </p:txBody>
-      </p:sp>
-      <p:sp>
-        <p:nvSpPr>
-          <p:cNvPr id="5" name="Picture Placeholder 4"/>
-          <p:cNvSpPr>
-            <a:spLocks noGrp="1"/>
-          </p:cNvSpPr>
-          <p:nvPr>
-            <p:ph type="pic" sz="quarter" idx="11"/>
-          </p:nvPr>
-        </p:nvSpPr>
-        <p:spPr/>
-      </p:sp>
-      <p:sp>
-        <p:nvSpPr>
-          <p:cNvPr id="7" name="Slide Number Placeholder 6">
-            <a:extLst>
-              <a:ext uri="{FF2B5EF4-FFF2-40B4-BE49-F238E27FC236}">
-                <a16:creationId xmlns:a16="http://schemas.microsoft.com/office/drawing/2014/main" id="{82727CB5-094D-B940-A7AF-F67F1ED37934}"/>
-              </a:ext>
-            </a:extLst>
-          </p:cNvPr>
-          <p:cNvSpPr>
-            <a:spLocks noGrp="1"/>
-          </p:cNvSpPr>
-          <p:nvPr>
-            <p:ph type="sldNum" sz="quarter" idx="4"/>
-          </p:nvPr>
-        </p:nvSpPr>
-        <p:spPr/>
-        <p:txBody>
-          <a:bodyPr/>
-          <a:lstStyle/>
-          <a:p>
-            <a:fld id="{3A707DD9-E92B-45E8-BE0A-E6B2EDF345EB}" type="slidenum">
-              <a:rPr lang="en-US" smtClean="0"/>
-              <a:pPr/>
-              <a:t>16</a:t>
-            </a:fld>
-            <a:endParaRPr lang="en-US" dirty="0"/>
-          </a:p>
-        </p:txBody>
-      </p:sp>
-    </p:spTree>
-    <p:extLst>
-      <p:ext uri="{BB962C8B-B14F-4D97-AF65-F5344CB8AC3E}">
-        <p14:creationId xmlns:p14="http://schemas.microsoft.com/office/powerpoint/2010/main" val="1758515591"/>
-      </p:ext>
-    </p:extLst>
-  </p:cSld>
-  <p:clrMapOvr>
-    <a:masterClrMapping/>
-  </p:clrMapOvr>
-</p:sld>
-</file>
-
-<file path=ppt/slides/slide17.xml><?xml version="1.0" encoding="utf-8"?>
-<p:sld xmlns:a="http://schemas.openxmlformats.org/drawingml/2006/main" xmlns:r="http://schemas.openxmlformats.org/officeDocument/2006/relationships" xmlns:p="http://schemas.openxmlformats.org/presentationml/2006/main">
-  <p:cSld>
-    <p:spTree>
-      <p:nvGrpSpPr>
-        <p:cNvPr id="1" name=""/>
-        <p:cNvGrpSpPr/>
-        <p:nvPr/>
-      </p:nvGrpSpPr>
-      <p:grpSpPr>
-        <a:xfrm>
-          <a:off x="0" y="0"/>
-          <a:ext cx="0" cy="0"/>
-          <a:chOff x="0" y="0"/>
-          <a:chExt cx="0" cy="0"/>
-        </a:xfrm>
-      </p:grpSpPr>
-      <p:sp>
-        <p:nvSpPr>
-          <p:cNvPr id="3" name="Title 2"/>
-          <p:cNvSpPr>
-            <a:spLocks noGrp="1"/>
-          </p:cNvSpPr>
-          <p:nvPr>
-            <p:ph type="title"/>
-          </p:nvPr>
-        </p:nvSpPr>
-        <p:spPr/>
-        <p:txBody>
-          <a:bodyPr/>
-          <a:lstStyle/>
-          <a:p>
-            <a:endParaRPr lang="en-US"/>
-          </a:p>
-        </p:txBody>
-      </p:sp>
-      <p:sp>
-        <p:nvSpPr>
-          <p:cNvPr id="4" name="Content Placeholder 3"/>
-          <p:cNvSpPr>
-            <a:spLocks noGrp="1"/>
-          </p:cNvSpPr>
-          <p:nvPr>
-            <p:ph sz="quarter" idx="10"/>
-          </p:nvPr>
-        </p:nvSpPr>
-        <p:spPr/>
-        <p:txBody>
-          <a:bodyPr/>
-          <a:lstStyle/>
-          <a:p>
-            <a:endParaRPr lang="en-US"/>
-          </a:p>
-        </p:txBody>
-      </p:sp>
-      <p:sp>
-        <p:nvSpPr>
-          <p:cNvPr id="10" name="Picture Placeholder 9"/>
-          <p:cNvSpPr>
-            <a:spLocks noGrp="1"/>
-          </p:cNvSpPr>
-          <p:nvPr>
-            <p:ph type="pic" sz="quarter" idx="11"/>
-          </p:nvPr>
-        </p:nvSpPr>
-        <p:spPr/>
-      </p:sp>
-      <p:sp>
-        <p:nvSpPr>
-          <p:cNvPr id="11" name="Text Placeholder 10"/>
-          <p:cNvSpPr>
-            <a:spLocks noGrp="1"/>
-          </p:cNvSpPr>
-          <p:nvPr>
-            <p:ph type="body" sz="quarter" idx="12"/>
-          </p:nvPr>
-        </p:nvSpPr>
-        <p:spPr/>
-        <p:txBody>
-          <a:bodyPr/>
-          <a:lstStyle/>
-          <a:p>
-            <a:endParaRPr lang="en-US"/>
-          </a:p>
-        </p:txBody>
-      </p:sp>
-      <p:sp>
-        <p:nvSpPr>
-          <p:cNvPr id="5" name="Slide Number Placeholder 4">
-            <a:extLst>
-              <a:ext uri="{FF2B5EF4-FFF2-40B4-BE49-F238E27FC236}">
-                <a16:creationId xmlns:a16="http://schemas.microsoft.com/office/drawing/2014/main" id="{67800160-BC63-054B-87DD-D877764D4BC8}"/>
-              </a:ext>
-            </a:extLst>
-          </p:cNvPr>
-          <p:cNvSpPr>
-            <a:spLocks noGrp="1"/>
-          </p:cNvSpPr>
-          <p:nvPr>
-            <p:ph type="sldNum" sz="quarter" idx="4"/>
-          </p:nvPr>
-        </p:nvSpPr>
-        <p:spPr/>
-        <p:txBody>
-          <a:bodyPr/>
-          <a:lstStyle/>
-          <a:p>
-            <a:fld id="{3A707DD9-E92B-45E8-BE0A-E6B2EDF345EB}" type="slidenum">
-              <a:rPr lang="en-US" smtClean="0"/>
-              <a:pPr/>
-              <a:t>17</a:t>
-            </a:fld>
-            <a:endParaRPr lang="en-US" dirty="0"/>
-          </a:p>
-        </p:txBody>
-      </p:sp>
-    </p:spTree>
-    <p:extLst>
-      <p:ext uri="{BB962C8B-B14F-4D97-AF65-F5344CB8AC3E}">
-        <p14:creationId xmlns:p14="http://schemas.microsoft.com/office/powerpoint/2010/main" val="3499599598"/>
-      </p:ext>
-    </p:extLst>
-  </p:cSld>
-  <p:clrMapOvr>
-    <a:masterClrMapping/>
-  </p:clrMapOvr>
-</p:sld>
-</file>
-
-<file path=ppt/slides/slide18.xml><?xml version="1.0" encoding="utf-8"?>
-<p:sld xmlns:a="http://schemas.openxmlformats.org/drawingml/2006/main" xmlns:r="http://schemas.openxmlformats.org/officeDocument/2006/relationships" xmlns:p="http://schemas.openxmlformats.org/presentationml/2006/main">
-  <p:cSld>
-    <p:spTree>
-      <p:nvGrpSpPr>
-        <p:cNvPr id="1" name=""/>
-        <p:cNvGrpSpPr/>
-        <p:nvPr/>
-      </p:nvGrpSpPr>
-      <p:grpSpPr>
-        <a:xfrm>
-          <a:off x="0" y="0"/>
-          <a:ext cx="0" cy="0"/>
-          <a:chOff x="0" y="0"/>
-          <a:chExt cx="0" cy="0"/>
-        </a:xfrm>
-      </p:grpSpPr>
-      <p:sp>
-        <p:nvSpPr>
-          <p:cNvPr id="3" name="Title 2"/>
-          <p:cNvSpPr>
-            <a:spLocks noGrp="1"/>
-          </p:cNvSpPr>
-          <p:nvPr>
-            <p:ph type="title"/>
-          </p:nvPr>
-        </p:nvSpPr>
-        <p:spPr/>
-        <p:txBody>
-          <a:bodyPr/>
-          <a:lstStyle/>
-          <a:p>
-            <a:endParaRPr lang="en-US"/>
-          </a:p>
-        </p:txBody>
-      </p:sp>
-      <p:sp>
-        <p:nvSpPr>
-          <p:cNvPr id="4" name="Picture Placeholder 3"/>
-          <p:cNvSpPr>
-            <a:spLocks noGrp="1"/>
-          </p:cNvSpPr>
-          <p:nvPr>
-            <p:ph type="pic" sz="quarter" idx="11"/>
-          </p:nvPr>
-        </p:nvSpPr>
-        <p:spPr/>
-      </p:sp>
-      <p:sp>
-        <p:nvSpPr>
-          <p:cNvPr id="5" name="Text Placeholder 4"/>
-          <p:cNvSpPr>
-            <a:spLocks noGrp="1"/>
-          </p:cNvSpPr>
-          <p:nvPr>
-            <p:ph type="body" sz="quarter" idx="12"/>
-          </p:nvPr>
-        </p:nvSpPr>
-        <p:spPr/>
-        <p:txBody>
-          <a:bodyPr/>
-          <a:lstStyle/>
-          <a:p>
-            <a:endParaRPr lang="en-US"/>
-          </a:p>
-        </p:txBody>
-      </p:sp>
-      <p:sp>
-        <p:nvSpPr>
-          <p:cNvPr id="21" name="Text Placeholder 20"/>
-          <p:cNvSpPr>
-            <a:spLocks noGrp="1"/>
-          </p:cNvSpPr>
-          <p:nvPr>
-            <p:ph type="body" sz="quarter" idx="13"/>
-          </p:nvPr>
-        </p:nvSpPr>
-        <p:spPr/>
-        <p:txBody>
-          <a:bodyPr/>
-          <a:lstStyle/>
-          <a:p>
-            <a:endParaRPr lang="en-US"/>
-          </a:p>
-        </p:txBody>
-      </p:sp>
-      <p:sp>
-        <p:nvSpPr>
-          <p:cNvPr id="22" name="Text Placeholder 21"/>
-          <p:cNvSpPr>
-            <a:spLocks noGrp="1"/>
-          </p:cNvSpPr>
-          <p:nvPr>
-            <p:ph type="body" sz="quarter" idx="14"/>
-          </p:nvPr>
-        </p:nvSpPr>
-        <p:spPr/>
-        <p:txBody>
-          <a:bodyPr/>
-          <a:lstStyle/>
-          <a:p>
-            <a:endParaRPr lang="en-US"/>
-          </a:p>
-        </p:txBody>
-      </p:sp>
-      <p:sp>
-        <p:nvSpPr>
-          <p:cNvPr id="23" name="Text Placeholder 22"/>
-          <p:cNvSpPr>
-            <a:spLocks noGrp="1"/>
-          </p:cNvSpPr>
-          <p:nvPr>
-            <p:ph type="body" sz="quarter" idx="15"/>
-          </p:nvPr>
-        </p:nvSpPr>
-        <p:spPr/>
-        <p:txBody>
-          <a:bodyPr/>
-          <a:lstStyle/>
-          <a:p>
-            <a:endParaRPr lang="en-US"/>
-          </a:p>
-        </p:txBody>
-      </p:sp>
-      <p:sp>
-        <p:nvSpPr>
-          <p:cNvPr id="24" name="Text Placeholder 23"/>
-          <p:cNvSpPr>
-            <a:spLocks noGrp="1"/>
-          </p:cNvSpPr>
-          <p:nvPr>
-            <p:ph type="body" sz="quarter" idx="16"/>
-          </p:nvPr>
-        </p:nvSpPr>
-        <p:spPr/>
-        <p:txBody>
-          <a:bodyPr/>
-          <a:lstStyle/>
-          <a:p>
-            <a:endParaRPr lang="en-US"/>
-          </a:p>
-        </p:txBody>
-      </p:sp>
-      <p:sp>
-        <p:nvSpPr>
-          <p:cNvPr id="25" name="Text Placeholder 24"/>
-          <p:cNvSpPr>
-            <a:spLocks noGrp="1"/>
-          </p:cNvSpPr>
-          <p:nvPr>
-            <p:ph type="body" sz="quarter" idx="17"/>
-          </p:nvPr>
-        </p:nvSpPr>
-        <p:spPr/>
-        <p:txBody>
-          <a:bodyPr/>
-          <a:lstStyle/>
-          <a:p>
-            <a:endParaRPr lang="en-US"/>
-          </a:p>
-        </p:txBody>
-      </p:sp>
-      <p:sp>
-        <p:nvSpPr>
-          <p:cNvPr id="26" name="Text Placeholder 25"/>
-          <p:cNvSpPr>
-            <a:spLocks noGrp="1"/>
-          </p:cNvSpPr>
-          <p:nvPr>
-            <p:ph type="body" sz="quarter" idx="18"/>
-          </p:nvPr>
-        </p:nvSpPr>
-        <p:spPr/>
-        <p:txBody>
-          <a:bodyPr/>
-          <a:lstStyle/>
-          <a:p>
-            <a:endParaRPr lang="en-US"/>
-          </a:p>
-        </p:txBody>
-      </p:sp>
-      <p:sp>
-        <p:nvSpPr>
-          <p:cNvPr id="27" name="Text Placeholder 26"/>
-          <p:cNvSpPr>
-            <a:spLocks noGrp="1"/>
-          </p:cNvSpPr>
-          <p:nvPr>
-            <p:ph type="body" sz="quarter" idx="19"/>
-          </p:nvPr>
-        </p:nvSpPr>
-        <p:spPr/>
-        <p:txBody>
-          <a:bodyPr/>
-          <a:lstStyle/>
-          <a:p>
-            <a:endParaRPr lang="en-US"/>
-          </a:p>
-        </p:txBody>
-      </p:sp>
-      <p:sp>
-        <p:nvSpPr>
-          <p:cNvPr id="28" name="Text Placeholder 27"/>
-          <p:cNvSpPr>
-            <a:spLocks noGrp="1"/>
-          </p:cNvSpPr>
-          <p:nvPr>
-            <p:ph type="body" sz="quarter" idx="20"/>
-          </p:nvPr>
-        </p:nvSpPr>
-        <p:spPr/>
-        <p:txBody>
-          <a:bodyPr/>
-          <a:lstStyle/>
-          <a:p>
-            <a:endParaRPr lang="en-US"/>
-          </a:p>
-        </p:txBody>
-      </p:sp>
-      <p:sp>
-        <p:nvSpPr>
-          <p:cNvPr id="29" name="Text Placeholder 28"/>
-          <p:cNvSpPr>
-            <a:spLocks noGrp="1"/>
-          </p:cNvSpPr>
-          <p:nvPr>
-            <p:ph type="body" sz="quarter" idx="21"/>
-          </p:nvPr>
-        </p:nvSpPr>
-        <p:spPr/>
-        <p:txBody>
-          <a:bodyPr/>
-          <a:lstStyle/>
-          <a:p>
-            <a:endParaRPr lang="en-US"/>
-          </a:p>
-        </p:txBody>
-      </p:sp>
-      <p:sp>
-        <p:nvSpPr>
-          <p:cNvPr id="30" name="Text Placeholder 29"/>
-          <p:cNvSpPr>
-            <a:spLocks noGrp="1"/>
-          </p:cNvSpPr>
-          <p:nvPr>
-            <p:ph type="body" sz="quarter" idx="22"/>
-          </p:nvPr>
-        </p:nvSpPr>
-        <p:spPr/>
-        <p:txBody>
-          <a:bodyPr/>
-          <a:lstStyle/>
-          <a:p>
-            <a:endParaRPr lang="en-US"/>
-          </a:p>
-        </p:txBody>
-      </p:sp>
-      <p:sp>
-        <p:nvSpPr>
-          <p:cNvPr id="31" name="Text Placeholder 30"/>
-          <p:cNvSpPr>
-            <a:spLocks noGrp="1"/>
-          </p:cNvSpPr>
-          <p:nvPr>
-            <p:ph type="body" sz="quarter" idx="23"/>
-          </p:nvPr>
-        </p:nvSpPr>
-        <p:spPr/>
-        <p:txBody>
-          <a:bodyPr/>
-          <a:lstStyle/>
-          <a:p>
-            <a:endParaRPr lang="en-US"/>
-          </a:p>
-        </p:txBody>
-      </p:sp>
-      <p:sp>
-        <p:nvSpPr>
-          <p:cNvPr id="6" name="Slide Number Placeholder 5">
-            <a:extLst>
-              <a:ext uri="{FF2B5EF4-FFF2-40B4-BE49-F238E27FC236}">
-                <a16:creationId xmlns:a16="http://schemas.microsoft.com/office/drawing/2014/main" id="{EB11C89A-3E1B-FF47-B76F-3E8ED7756FCF}"/>
-              </a:ext>
-            </a:extLst>
-          </p:cNvPr>
-          <p:cNvSpPr>
-            <a:spLocks noGrp="1"/>
-          </p:cNvSpPr>
-          <p:nvPr>
-            <p:ph type="sldNum" sz="quarter" idx="4"/>
-          </p:nvPr>
-        </p:nvSpPr>
-        <p:spPr/>
-        <p:txBody>
-          <a:bodyPr/>
-          <a:lstStyle/>
-          <a:p>
-            <a:fld id="{3A707DD9-E92B-45E8-BE0A-E6B2EDF345EB}" type="slidenum">
-              <a:rPr lang="en-US" smtClean="0"/>
-              <a:pPr/>
-              <a:t>18</a:t>
-            </a:fld>
-            <a:endParaRPr lang="en-US" dirty="0"/>
-          </a:p>
-        </p:txBody>
-      </p:sp>
-    </p:spTree>
-    <p:extLst>
-      <p:ext uri="{BB962C8B-B14F-4D97-AF65-F5344CB8AC3E}">
-        <p14:creationId xmlns:p14="http://schemas.microsoft.com/office/powerpoint/2010/main" val="3568211985"/>
-      </p:ext>
-    </p:extLst>
-  </p:cSld>
-  <p:clrMapOvr>
-    <a:masterClrMapping/>
-  </p:clrMapOvr>
-</p:sld>
-</file>
-
-<file path=ppt/slides/slide19.xml><?xml version="1.0" encoding="utf-8"?>
-<p:sld xmlns:a="http://schemas.openxmlformats.org/drawingml/2006/main" xmlns:r="http://schemas.openxmlformats.org/officeDocument/2006/relationships" xmlns:p="http://schemas.openxmlformats.org/presentationml/2006/main">
-  <p:cSld>
-    <p:spTree>
-      <p:nvGrpSpPr>
-        <p:cNvPr id="1" name=""/>
-        <p:cNvGrpSpPr/>
-        <p:nvPr/>
-      </p:nvGrpSpPr>
-      <p:grpSpPr>
-        <a:xfrm>
-          <a:off x="0" y="0"/>
-          <a:ext cx="0" cy="0"/>
-          <a:chOff x="0" y="0"/>
-          <a:chExt cx="0" cy="0"/>
-        </a:xfrm>
-      </p:grpSpPr>
-      <p:sp>
-        <p:nvSpPr>
-          <p:cNvPr id="3" name="Content Placeholder 2"/>
-          <p:cNvSpPr>
-            <a:spLocks noGrp="1"/>
-          </p:cNvSpPr>
-          <p:nvPr>
-            <p:ph sz="quarter" idx="10"/>
-          </p:nvPr>
-        </p:nvSpPr>
-        <p:spPr/>
-        <p:txBody>
-          <a:bodyPr/>
-          <a:lstStyle/>
-          <a:p>
-            <a:endParaRPr lang="en-US"/>
-          </a:p>
-        </p:txBody>
-      </p:sp>
-      <p:sp>
-        <p:nvSpPr>
-          <p:cNvPr id="4" name="Text Placeholder 3"/>
-          <p:cNvSpPr>
-            <a:spLocks noGrp="1"/>
-          </p:cNvSpPr>
-          <p:nvPr>
-            <p:ph type="body" sz="quarter" idx="12"/>
-          </p:nvPr>
-        </p:nvSpPr>
-        <p:spPr/>
-        <p:txBody>
-          <a:bodyPr/>
-          <a:lstStyle/>
-          <a:p>
-            <a:endParaRPr lang="en-US"/>
-          </a:p>
-        </p:txBody>
-      </p:sp>
-      <p:sp>
-        <p:nvSpPr>
-          <p:cNvPr id="16" name="Slide Number Placeholder 15">
-            <a:extLst>
-              <a:ext uri="{FF2B5EF4-FFF2-40B4-BE49-F238E27FC236}">
-                <a16:creationId xmlns:a16="http://schemas.microsoft.com/office/drawing/2014/main" id="{4EC5A070-E99C-6143-B73A-CC95BE86F528}"/>
-              </a:ext>
-            </a:extLst>
-          </p:cNvPr>
-          <p:cNvSpPr>
-            <a:spLocks noGrp="1"/>
-          </p:cNvSpPr>
-          <p:nvPr>
-            <p:ph type="sldNum" sz="quarter" idx="4"/>
-          </p:nvPr>
-        </p:nvSpPr>
-        <p:spPr/>
-        <p:txBody>
-          <a:bodyPr/>
-          <a:lstStyle/>
-          <a:p>
-            <a:fld id="{3A707DD9-E92B-45E8-BE0A-E6B2EDF345EB}" type="slidenum">
-              <a:rPr lang="en-US" smtClean="0"/>
-              <a:pPr/>
-              <a:t>19</a:t>
-            </a:fld>
-            <a:endParaRPr lang="en-US" dirty="0"/>
-          </a:p>
-        </p:txBody>
-      </p:sp>
-      <p:sp>
-        <p:nvSpPr>
-          <p:cNvPr id="6" name="Text Placeholder 5"/>
-          <p:cNvSpPr>
-            <a:spLocks noGrp="1"/>
-          </p:cNvSpPr>
-          <p:nvPr>
-            <p:ph type="body" sz="quarter" idx="15"/>
-          </p:nvPr>
-        </p:nvSpPr>
-        <p:spPr/>
-        <p:txBody>
-          <a:bodyPr/>
-          <a:lstStyle/>
-          <a:p>
-            <a:endParaRPr lang="en-US"/>
-          </a:p>
-        </p:txBody>
-      </p:sp>
-      <p:sp>
-        <p:nvSpPr>
-          <p:cNvPr id="5" name="Picture Placeholder 4"/>
-          <p:cNvSpPr>
-            <a:spLocks noGrp="1"/>
-          </p:cNvSpPr>
-          <p:nvPr>
-            <p:ph type="pic" sz="quarter" idx="14"/>
-          </p:nvPr>
-        </p:nvSpPr>
-        <p:spPr/>
-      </p:sp>
-    </p:spTree>
-    <p:extLst>
-      <p:ext uri="{BB962C8B-B14F-4D97-AF65-F5344CB8AC3E}">
-        <p14:creationId xmlns:p14="http://schemas.microsoft.com/office/powerpoint/2010/main" val="3023122545"/>
+        <p14:creationId xmlns:p14="http://schemas.microsoft.com/office/powerpoint/2010/main" val="3164792073"/>
       </p:ext>
     </p:extLst>
   </p:cSld>
@@ -23547,17 +23886,16 @@
           <a:lstStyle/>
           <a:p>
             <a:r>
-              <a:rPr lang="en-US" dirty="0" smtClean="0"/>
+              <a:rPr lang="en-US" dirty="0"/>
               <a:t>Design</a:t>
             </a:r>
             <a:br>
-              <a:rPr lang="en-US" dirty="0" smtClean="0"/>
+              <a:rPr lang="en-US" dirty="0"/>
             </a:br>
             <a:r>
-              <a:rPr lang="en-US" dirty="0" smtClean="0"/>
+              <a:rPr lang="en-US" dirty="0"/>
               <a:t>Patterns</a:t>
             </a:r>
-            <a:endParaRPr lang="en-US" dirty="0"/>
           </a:p>
         </p:txBody>
       </p:sp>
@@ -23649,10 +23987,9 @@
           <a:lstStyle/>
           <a:p>
             <a:r>
-              <a:rPr lang="en-US" dirty="0" smtClean="0"/>
+              <a:rPr lang="en-US" dirty="0"/>
               <a:t>Introduction</a:t>
             </a:r>
-            <a:endParaRPr lang="en-US" dirty="0"/>
           </a:p>
         </p:txBody>
       </p:sp>
@@ -23666,17 +24003,4026 @@
   <p:clrMapOvr>
     <a:masterClrMapping/>
   </p:clrMapOvr>
-  <p:timing>
-    <p:tnLst>
-      <p:par>
-        <p:cTn id="1" dur="indefinite" restart="never" nodeType="tmRoot"/>
-      </p:par>
-    </p:tnLst>
-  </p:timing>
 </p:sld>
 </file>
 
 <file path=ppt/slides/slide20.xml><?xml version="1.0" encoding="utf-8"?>
+<p:sld xmlns:a="http://schemas.openxmlformats.org/drawingml/2006/main" xmlns:r="http://schemas.openxmlformats.org/officeDocument/2006/relationships" xmlns:p="http://schemas.openxmlformats.org/presentationml/2006/main">
+  <p:cSld>
+    <p:spTree>
+      <p:nvGrpSpPr>
+        <p:cNvPr id="1" name=""/>
+        <p:cNvGrpSpPr/>
+        <p:nvPr/>
+      </p:nvGrpSpPr>
+      <p:grpSpPr>
+        <a:xfrm>
+          <a:off x="0" y="0"/>
+          <a:ext cx="0" cy="0"/>
+          <a:chOff x="0" y="0"/>
+          <a:chExt cx="0" cy="0"/>
+        </a:xfrm>
+      </p:grpSpPr>
+      <p:sp>
+        <p:nvSpPr>
+          <p:cNvPr id="3" name="Title 2"/>
+          <p:cNvSpPr>
+            <a:spLocks noGrp="1"/>
+          </p:cNvSpPr>
+          <p:nvPr>
+            <p:ph type="title"/>
+          </p:nvPr>
+        </p:nvSpPr>
+        <p:spPr/>
+        <p:txBody>
+          <a:bodyPr/>
+          <a:lstStyle/>
+          <a:p>
+            <a:r>
+              <a:rPr lang="en-US" dirty="0"/>
+              <a:t>Applicability</a:t>
+            </a:r>
+          </a:p>
+        </p:txBody>
+      </p:sp>
+      <p:sp>
+        <p:nvSpPr>
+          <p:cNvPr id="4" name="Content Placeholder 3"/>
+          <p:cNvSpPr>
+            <a:spLocks noGrp="1"/>
+          </p:cNvSpPr>
+          <p:nvPr>
+            <p:ph sz="quarter" idx="10"/>
+          </p:nvPr>
+        </p:nvSpPr>
+        <p:spPr>
+          <a:xfrm>
+            <a:off x="357189" y="1422400"/>
+            <a:ext cx="6506674" cy="1350108"/>
+          </a:xfrm>
+        </p:spPr>
+        <p:txBody>
+          <a:bodyPr/>
+          <a:lstStyle/>
+          <a:p>
+            <a:r>
+              <a:rPr lang="en-US" dirty="0"/>
+              <a:t>you want to provide a simple interface to a complex subsystem;</a:t>
+            </a:r>
+          </a:p>
+          <a:p>
+            <a:r>
+              <a:rPr lang="en-US" dirty="0"/>
+              <a:t>there are many dependencies between clients and the implementation classes of an abstraction;</a:t>
+            </a:r>
+          </a:p>
+          <a:p>
+            <a:r>
+              <a:rPr lang="en-US" dirty="0"/>
+              <a:t>you want to layer your subsystems.</a:t>
+            </a:r>
+          </a:p>
+        </p:txBody>
+      </p:sp>
+      <p:sp>
+        <p:nvSpPr>
+          <p:cNvPr id="5" name="Slide Number Placeholder 4">
+            <a:extLst>
+              <a:ext uri="{FF2B5EF4-FFF2-40B4-BE49-F238E27FC236}">
+                <a16:creationId xmlns:a16="http://schemas.microsoft.com/office/drawing/2014/main" id="{D695E08B-236F-5B4F-801C-4C75369E005C}"/>
+              </a:ext>
+            </a:extLst>
+          </p:cNvPr>
+          <p:cNvSpPr>
+            <a:spLocks noGrp="1"/>
+          </p:cNvSpPr>
+          <p:nvPr>
+            <p:ph type="sldNum" sz="quarter" idx="4"/>
+          </p:nvPr>
+        </p:nvSpPr>
+        <p:spPr/>
+        <p:txBody>
+          <a:bodyPr/>
+          <a:lstStyle/>
+          <a:p>
+            <a:pPr marL="0" marR="0" lvl="0" indent="0" algn="r" defTabSz="685800" rtl="0" eaLnBrk="1" fontAlgn="auto" latinLnBrk="0" hangingPunct="1">
+              <a:lnSpc>
+                <a:spcPct val="100000"/>
+              </a:lnSpc>
+              <a:spcBef>
+                <a:spcPts val="0"/>
+              </a:spcBef>
+              <a:spcAft>
+                <a:spcPts val="0"/>
+              </a:spcAft>
+              <a:buClrTx/>
+              <a:buSzTx/>
+              <a:buFontTx/>
+              <a:buNone/>
+              <a:tabLst/>
+              <a:defRPr/>
+            </a:pPr>
+            <a:fld id="{3A707DD9-E92B-45E8-BE0A-E6B2EDF345EB}" type="slidenum">
+              <a:rPr kumimoji="0" lang="en-US" sz="800" b="1" i="0" u="none" strike="noStrike" kern="1200" cap="none" spc="0" normalizeH="0" baseline="0" noProof="0" smtClean="0">
+                <a:ln>
+                  <a:noFill/>
+                </a:ln>
+                <a:solidFill>
+                  <a:srgbClr val="FEFEFE"/>
+                </a:solidFill>
+                <a:effectLst/>
+                <a:uLnTx/>
+                <a:uFillTx/>
+                <a:latin typeface="Calibri Light"/>
+                <a:ea typeface="+mn-ea"/>
+                <a:cs typeface="+mn-cs"/>
+              </a:rPr>
+              <a:pPr marL="0" marR="0" lvl="0" indent="0" algn="r" defTabSz="685800" rtl="0" eaLnBrk="1" fontAlgn="auto" latinLnBrk="0" hangingPunct="1">
+                <a:lnSpc>
+                  <a:spcPct val="100000"/>
+                </a:lnSpc>
+                <a:spcBef>
+                  <a:spcPts val="0"/>
+                </a:spcBef>
+                <a:spcAft>
+                  <a:spcPts val="0"/>
+                </a:spcAft>
+                <a:buClrTx/>
+                <a:buSzTx/>
+                <a:buFontTx/>
+                <a:buNone/>
+                <a:tabLst/>
+                <a:defRPr/>
+              </a:pPr>
+              <a:t>20</a:t>
+            </a:fld>
+            <a:endParaRPr kumimoji="0" lang="en-US" sz="800" b="1" i="0" u="none" strike="noStrike" kern="1200" cap="none" spc="0" normalizeH="0" baseline="0" noProof="0" dirty="0">
+              <a:ln>
+                <a:noFill/>
+              </a:ln>
+              <a:solidFill>
+                <a:srgbClr val="FEFEFE"/>
+              </a:solidFill>
+              <a:effectLst/>
+              <a:uLnTx/>
+              <a:uFillTx/>
+              <a:latin typeface="Calibri Light"/>
+              <a:ea typeface="+mn-ea"/>
+              <a:cs typeface="+mn-cs"/>
+            </a:endParaRPr>
+          </a:p>
+        </p:txBody>
+      </p:sp>
+    </p:spTree>
+    <p:extLst>
+      <p:ext uri="{BB962C8B-B14F-4D97-AF65-F5344CB8AC3E}">
+        <p14:creationId xmlns:p14="http://schemas.microsoft.com/office/powerpoint/2010/main" val="1468597315"/>
+      </p:ext>
+    </p:extLst>
+  </p:cSld>
+  <p:clrMapOvr>
+    <a:masterClrMapping/>
+  </p:clrMapOvr>
+</p:sld>
+</file>
+
+<file path=ppt/slides/slide21.xml><?xml version="1.0" encoding="utf-8"?>
+<p:sld xmlns:a="http://schemas.openxmlformats.org/drawingml/2006/main" xmlns:r="http://schemas.openxmlformats.org/officeDocument/2006/relationships" xmlns:p="http://schemas.openxmlformats.org/presentationml/2006/main">
+  <p:cSld>
+    <p:spTree>
+      <p:nvGrpSpPr>
+        <p:cNvPr id="1" name=""/>
+        <p:cNvGrpSpPr/>
+        <p:nvPr/>
+      </p:nvGrpSpPr>
+      <p:grpSpPr>
+        <a:xfrm>
+          <a:off x="0" y="0"/>
+          <a:ext cx="0" cy="0"/>
+          <a:chOff x="0" y="0"/>
+          <a:chExt cx="0" cy="0"/>
+        </a:xfrm>
+      </p:grpSpPr>
+      <p:sp>
+        <p:nvSpPr>
+          <p:cNvPr id="4" name="Title 3"/>
+          <p:cNvSpPr>
+            <a:spLocks noGrp="1"/>
+          </p:cNvSpPr>
+          <p:nvPr>
+            <p:ph type="title"/>
+          </p:nvPr>
+        </p:nvSpPr>
+        <p:spPr/>
+        <p:txBody>
+          <a:bodyPr/>
+          <a:lstStyle/>
+          <a:p>
+            <a:r>
+              <a:rPr lang="en-US" dirty="0"/>
+              <a:t>Design</a:t>
+            </a:r>
+            <a:br>
+              <a:rPr lang="en-US" dirty="0"/>
+            </a:br>
+            <a:r>
+              <a:rPr lang="en-US" dirty="0"/>
+              <a:t>Patterns</a:t>
+            </a:r>
+          </a:p>
+        </p:txBody>
+      </p:sp>
+      <p:sp>
+        <p:nvSpPr>
+          <p:cNvPr id="6" name="TextBox 5">
+            <a:extLst>
+              <a:ext uri="{FF2B5EF4-FFF2-40B4-BE49-F238E27FC236}">
+                <a16:creationId xmlns:a16="http://schemas.microsoft.com/office/drawing/2014/main" id="{16AD212A-E369-CB46-BE9C-0744152A0BAF}"/>
+              </a:ext>
+            </a:extLst>
+          </p:cNvPr>
+          <p:cNvSpPr txBox="1"/>
+          <p:nvPr/>
+        </p:nvSpPr>
+        <p:spPr>
+          <a:xfrm>
+            <a:off x="531466" y="4877348"/>
+            <a:ext cx="2422187" cy="200055"/>
+          </a:xfrm>
+          <a:prstGeom prst="rect">
+            <a:avLst/>
+          </a:prstGeom>
+          <a:noFill/>
+        </p:spPr>
+        <p:txBody>
+          <a:bodyPr wrap="square" rtlCol="0">
+            <a:spAutoFit/>
+          </a:bodyPr>
+          <a:lstStyle/>
+          <a:p>
+            <a:pPr marL="0" marR="0" lvl="0" indent="0" algn="l" defTabSz="685800" rtl="0" eaLnBrk="1" fontAlgn="auto" latinLnBrk="0" hangingPunct="1">
+              <a:lnSpc>
+                <a:spcPct val="100000"/>
+              </a:lnSpc>
+              <a:spcBef>
+                <a:spcPts val="0"/>
+              </a:spcBef>
+              <a:spcAft>
+                <a:spcPts val="0"/>
+              </a:spcAft>
+              <a:buClrTx/>
+              <a:buSzTx/>
+              <a:buFontTx/>
+              <a:buNone/>
+              <a:tabLst/>
+              <a:defRPr/>
+            </a:pPr>
+            <a:r>
+              <a:rPr kumimoji="0" lang="en-US" sz="700" b="0" i="0" u="none" strike="noStrike" kern="1200" cap="none" spc="0" normalizeH="0" baseline="0" noProof="0" dirty="0">
+                <a:ln>
+                  <a:noFill/>
+                </a:ln>
+                <a:solidFill>
+                  <a:srgbClr val="FFFFFF"/>
+                </a:solidFill>
+                <a:effectLst/>
+                <a:uLnTx/>
+                <a:uFillTx/>
+                <a:latin typeface="Calibri Light"/>
+                <a:ea typeface="+mn-ea"/>
+                <a:cs typeface="+mn-cs"/>
+              </a:rPr>
+              <a:t>CONFIDENTIAL  |  © 2019 EPAM Systems, Inc.</a:t>
+            </a:r>
+            <a:endParaRPr kumimoji="0" lang="en-US" sz="700" b="0" i="0" u="none" strike="noStrike" kern="1200" cap="none" spc="0" normalizeH="0" baseline="0" noProof="0" dirty="0">
+              <a:ln>
+                <a:noFill/>
+              </a:ln>
+              <a:solidFill>
+                <a:srgbClr val="222222"/>
+              </a:solidFill>
+              <a:effectLst/>
+              <a:uLnTx/>
+              <a:uFillTx/>
+              <a:latin typeface="Calibri Light"/>
+              <a:ea typeface="+mn-ea"/>
+              <a:cs typeface="+mn-cs"/>
+            </a:endParaRPr>
+          </a:p>
+        </p:txBody>
+      </p:sp>
+      <p:sp>
+        <p:nvSpPr>
+          <p:cNvPr id="2" name="Text Placeholder 1"/>
+          <p:cNvSpPr>
+            <a:spLocks noGrp="1"/>
+          </p:cNvSpPr>
+          <p:nvPr>
+            <p:ph type="body" sz="quarter" idx="11"/>
+          </p:nvPr>
+        </p:nvSpPr>
+        <p:spPr/>
+        <p:txBody>
+          <a:bodyPr/>
+          <a:lstStyle/>
+          <a:p>
+            <a:r>
+              <a:rPr lang="en-US" dirty="0"/>
+              <a:t>Adapter (wrapper)</a:t>
+            </a:r>
+          </a:p>
+        </p:txBody>
+      </p:sp>
+    </p:spTree>
+    <p:extLst>
+      <p:ext uri="{BB962C8B-B14F-4D97-AF65-F5344CB8AC3E}">
+        <p14:creationId xmlns:p14="http://schemas.microsoft.com/office/powerpoint/2010/main" val="2366609044"/>
+      </p:ext>
+    </p:extLst>
+  </p:cSld>
+  <p:clrMapOvr>
+    <a:masterClrMapping/>
+  </p:clrMapOvr>
+</p:sld>
+</file>
+
+<file path=ppt/slides/slide22.xml><?xml version="1.0" encoding="utf-8"?>
+<p:sld xmlns:a="http://schemas.openxmlformats.org/drawingml/2006/main" xmlns:r="http://schemas.openxmlformats.org/officeDocument/2006/relationships" xmlns:p="http://schemas.openxmlformats.org/presentationml/2006/main">
+  <p:cSld>
+    <p:spTree>
+      <p:nvGrpSpPr>
+        <p:cNvPr id="1" name=""/>
+        <p:cNvGrpSpPr/>
+        <p:nvPr/>
+      </p:nvGrpSpPr>
+      <p:grpSpPr>
+        <a:xfrm>
+          <a:off x="0" y="0"/>
+          <a:ext cx="0" cy="0"/>
+          <a:chOff x="0" y="0"/>
+          <a:chExt cx="0" cy="0"/>
+        </a:xfrm>
+      </p:grpSpPr>
+      <p:sp>
+        <p:nvSpPr>
+          <p:cNvPr id="2" name="Title 1"/>
+          <p:cNvSpPr>
+            <a:spLocks noGrp="1"/>
+          </p:cNvSpPr>
+          <p:nvPr>
+            <p:ph type="title"/>
+          </p:nvPr>
+        </p:nvSpPr>
+        <p:spPr/>
+        <p:txBody>
+          <a:bodyPr/>
+          <a:lstStyle/>
+          <a:p>
+            <a:r>
+              <a:rPr lang="en-US" dirty="0"/>
+              <a:t>Intent</a:t>
+            </a:r>
+          </a:p>
+        </p:txBody>
+      </p:sp>
+      <p:sp>
+        <p:nvSpPr>
+          <p:cNvPr id="3" name="Content Placeholder 2"/>
+          <p:cNvSpPr>
+            <a:spLocks noGrp="1"/>
+          </p:cNvSpPr>
+          <p:nvPr>
+            <p:ph sz="quarter" idx="10"/>
+          </p:nvPr>
+        </p:nvSpPr>
+        <p:spPr>
+          <a:xfrm>
+            <a:off x="357188" y="1079500"/>
+            <a:ext cx="8429625" cy="1675423"/>
+          </a:xfrm>
+        </p:spPr>
+        <p:txBody>
+          <a:bodyPr/>
+          <a:lstStyle/>
+          <a:p>
+            <a:pPr marL="0" indent="0">
+              <a:buNone/>
+            </a:pPr>
+            <a:endParaRPr lang="en-US" sz="2800" dirty="0"/>
+          </a:p>
+          <a:p>
+            <a:pPr marL="0" indent="0">
+              <a:buNone/>
+            </a:pPr>
+            <a:endParaRPr lang="en-US" sz="1800" dirty="0"/>
+          </a:p>
+          <a:p>
+            <a:pPr marL="0" indent="0">
+              <a:buNone/>
+            </a:pPr>
+            <a:r>
+              <a:rPr lang="en-US" sz="1800" dirty="0"/>
+              <a:t>Convert the interface of a class into another interface clients expect. Adapter lets classes</a:t>
+            </a:r>
+          </a:p>
+          <a:p>
+            <a:pPr marL="0" indent="0">
+              <a:buNone/>
+            </a:pPr>
+            <a:r>
+              <a:rPr lang="en-US" sz="1800" dirty="0"/>
+              <a:t>work together that couldn’t otherwise because of incompatible interfaces.</a:t>
+            </a:r>
+          </a:p>
+        </p:txBody>
+      </p:sp>
+      <p:sp>
+        <p:nvSpPr>
+          <p:cNvPr id="4" name="TextBox 3">
+            <a:extLst>
+              <a:ext uri="{FF2B5EF4-FFF2-40B4-BE49-F238E27FC236}">
+                <a16:creationId xmlns:a16="http://schemas.microsoft.com/office/drawing/2014/main" id="{A5550BAA-4A93-7C4F-9F93-F6DAD9B885B8}"/>
+              </a:ext>
+            </a:extLst>
+          </p:cNvPr>
+          <p:cNvSpPr txBox="1"/>
+          <p:nvPr/>
+        </p:nvSpPr>
+        <p:spPr>
+          <a:xfrm>
+            <a:off x="943583" y="4877348"/>
+            <a:ext cx="2422187" cy="200055"/>
+          </a:xfrm>
+          <a:prstGeom prst="rect">
+            <a:avLst/>
+          </a:prstGeom>
+          <a:noFill/>
+        </p:spPr>
+        <p:txBody>
+          <a:bodyPr wrap="square" rtlCol="0">
+            <a:spAutoFit/>
+          </a:bodyPr>
+          <a:lstStyle/>
+          <a:p>
+            <a:pPr marL="0" marR="0" lvl="0" indent="0" algn="l" defTabSz="685800" rtl="0" eaLnBrk="1" fontAlgn="auto" latinLnBrk="0" hangingPunct="1">
+              <a:lnSpc>
+                <a:spcPct val="100000"/>
+              </a:lnSpc>
+              <a:spcBef>
+                <a:spcPts val="0"/>
+              </a:spcBef>
+              <a:spcAft>
+                <a:spcPts val="0"/>
+              </a:spcAft>
+              <a:buClrTx/>
+              <a:buSzTx/>
+              <a:buFontTx/>
+              <a:buNone/>
+              <a:tabLst/>
+              <a:defRPr/>
+            </a:pPr>
+            <a:r>
+              <a:rPr kumimoji="0" lang="en-US" sz="700" b="0" i="0" u="none" strike="noStrike" kern="1200" cap="none" spc="0" normalizeH="0" baseline="0" noProof="0" dirty="0">
+                <a:ln>
+                  <a:noFill/>
+                </a:ln>
+                <a:solidFill>
+                  <a:srgbClr val="FFFFFF"/>
+                </a:solidFill>
+                <a:effectLst/>
+                <a:uLnTx/>
+                <a:uFillTx/>
+                <a:latin typeface="Calibri Light"/>
+                <a:ea typeface="+mn-ea"/>
+                <a:cs typeface="+mn-cs"/>
+              </a:rPr>
+              <a:t>CONFIDENTIAL  |  © 2019 EPAM Systems, Inc.</a:t>
+            </a:r>
+            <a:endParaRPr kumimoji="0" lang="en-US" sz="700" b="0" i="0" u="none" strike="noStrike" kern="1200" cap="none" spc="0" normalizeH="0" baseline="0" noProof="0" dirty="0">
+              <a:ln>
+                <a:noFill/>
+              </a:ln>
+              <a:solidFill>
+                <a:srgbClr val="222222"/>
+              </a:solidFill>
+              <a:effectLst/>
+              <a:uLnTx/>
+              <a:uFillTx/>
+              <a:latin typeface="Calibri Light"/>
+              <a:ea typeface="+mn-ea"/>
+              <a:cs typeface="+mn-cs"/>
+            </a:endParaRPr>
+          </a:p>
+        </p:txBody>
+      </p:sp>
+    </p:spTree>
+    <p:extLst>
+      <p:ext uri="{BB962C8B-B14F-4D97-AF65-F5344CB8AC3E}">
+        <p14:creationId xmlns:p14="http://schemas.microsoft.com/office/powerpoint/2010/main" val="2254304626"/>
+      </p:ext>
+    </p:extLst>
+  </p:cSld>
+  <p:clrMapOvr>
+    <a:masterClrMapping/>
+  </p:clrMapOvr>
+</p:sld>
+</file>
+
+<file path=ppt/slides/slide23.xml><?xml version="1.0" encoding="utf-8"?>
+<p:sld xmlns:a="http://schemas.openxmlformats.org/drawingml/2006/main" xmlns:r="http://schemas.openxmlformats.org/officeDocument/2006/relationships" xmlns:p="http://schemas.openxmlformats.org/presentationml/2006/main">
+  <p:cSld>
+    <p:spTree>
+      <p:nvGrpSpPr>
+        <p:cNvPr id="1" name=""/>
+        <p:cNvGrpSpPr/>
+        <p:nvPr/>
+      </p:nvGrpSpPr>
+      <p:grpSpPr>
+        <a:xfrm>
+          <a:off x="0" y="0"/>
+          <a:ext cx="0" cy="0"/>
+          <a:chOff x="0" y="0"/>
+          <a:chExt cx="0" cy="0"/>
+        </a:xfrm>
+      </p:grpSpPr>
+      <p:sp>
+        <p:nvSpPr>
+          <p:cNvPr id="2" name="Title 1"/>
+          <p:cNvSpPr>
+            <a:spLocks noGrp="1"/>
+          </p:cNvSpPr>
+          <p:nvPr>
+            <p:ph type="title"/>
+          </p:nvPr>
+        </p:nvSpPr>
+        <p:spPr/>
+        <p:txBody>
+          <a:bodyPr/>
+          <a:lstStyle/>
+          <a:p>
+            <a:r>
+              <a:rPr lang="en-US" dirty="0"/>
+              <a:t>Motivation</a:t>
+            </a:r>
+          </a:p>
+        </p:txBody>
+      </p:sp>
+      <p:sp>
+        <p:nvSpPr>
+          <p:cNvPr id="3" name="Content Placeholder 2"/>
+          <p:cNvSpPr>
+            <a:spLocks noGrp="1"/>
+          </p:cNvSpPr>
+          <p:nvPr>
+            <p:ph sz="quarter" idx="10"/>
+          </p:nvPr>
+        </p:nvSpPr>
+        <p:spPr>
+          <a:xfrm>
+            <a:off x="357188" y="1079500"/>
+            <a:ext cx="8429625" cy="1675423"/>
+          </a:xfrm>
+        </p:spPr>
+        <p:txBody>
+          <a:bodyPr/>
+          <a:lstStyle/>
+          <a:p>
+            <a:pPr marL="0" indent="0">
+              <a:buNone/>
+            </a:pPr>
+            <a:r>
+              <a:rPr lang="en-US" sz="1600" dirty="0"/>
+              <a:t>Sometimes a toolkit class that’s designed for reuse isn’t reusable only because its interface doesn’t</a:t>
+            </a:r>
+          </a:p>
+          <a:p>
+            <a:pPr marL="0" indent="0">
+              <a:buNone/>
+            </a:pPr>
+            <a:r>
+              <a:rPr lang="en-US" sz="1600" dirty="0"/>
+              <a:t>match the domain-specific interface an application requires.</a:t>
+            </a:r>
+          </a:p>
+        </p:txBody>
+      </p:sp>
+      <p:sp>
+        <p:nvSpPr>
+          <p:cNvPr id="4" name="TextBox 3">
+            <a:extLst>
+              <a:ext uri="{FF2B5EF4-FFF2-40B4-BE49-F238E27FC236}">
+                <a16:creationId xmlns:a16="http://schemas.microsoft.com/office/drawing/2014/main" id="{A5550BAA-4A93-7C4F-9F93-F6DAD9B885B8}"/>
+              </a:ext>
+            </a:extLst>
+          </p:cNvPr>
+          <p:cNvSpPr txBox="1"/>
+          <p:nvPr/>
+        </p:nvSpPr>
+        <p:spPr>
+          <a:xfrm>
+            <a:off x="943583" y="4877348"/>
+            <a:ext cx="2422187" cy="200055"/>
+          </a:xfrm>
+          <a:prstGeom prst="rect">
+            <a:avLst/>
+          </a:prstGeom>
+          <a:noFill/>
+        </p:spPr>
+        <p:txBody>
+          <a:bodyPr wrap="square" rtlCol="0">
+            <a:spAutoFit/>
+          </a:bodyPr>
+          <a:lstStyle/>
+          <a:p>
+            <a:pPr marL="0" marR="0" lvl="0" indent="0" algn="l" defTabSz="685800" rtl="0" eaLnBrk="1" fontAlgn="auto" latinLnBrk="0" hangingPunct="1">
+              <a:lnSpc>
+                <a:spcPct val="100000"/>
+              </a:lnSpc>
+              <a:spcBef>
+                <a:spcPts val="0"/>
+              </a:spcBef>
+              <a:spcAft>
+                <a:spcPts val="0"/>
+              </a:spcAft>
+              <a:buClrTx/>
+              <a:buSzTx/>
+              <a:buFontTx/>
+              <a:buNone/>
+              <a:tabLst/>
+              <a:defRPr/>
+            </a:pPr>
+            <a:r>
+              <a:rPr kumimoji="0" lang="en-US" sz="700" b="0" i="0" u="none" strike="noStrike" kern="1200" cap="none" spc="0" normalizeH="0" baseline="0" noProof="0" dirty="0">
+                <a:ln>
+                  <a:noFill/>
+                </a:ln>
+                <a:solidFill>
+                  <a:srgbClr val="FFFFFF"/>
+                </a:solidFill>
+                <a:effectLst/>
+                <a:uLnTx/>
+                <a:uFillTx/>
+                <a:latin typeface="Calibri Light"/>
+                <a:ea typeface="+mn-ea"/>
+                <a:cs typeface="+mn-cs"/>
+              </a:rPr>
+              <a:t>CONFIDENTIAL  |  © 2019 EPAM Systems, Inc.</a:t>
+            </a:r>
+            <a:endParaRPr kumimoji="0" lang="en-US" sz="700" b="0" i="0" u="none" strike="noStrike" kern="1200" cap="none" spc="0" normalizeH="0" baseline="0" noProof="0" dirty="0">
+              <a:ln>
+                <a:noFill/>
+              </a:ln>
+              <a:solidFill>
+                <a:srgbClr val="222222"/>
+              </a:solidFill>
+              <a:effectLst/>
+              <a:uLnTx/>
+              <a:uFillTx/>
+              <a:latin typeface="Calibri Light"/>
+              <a:ea typeface="+mn-ea"/>
+              <a:cs typeface="+mn-cs"/>
+            </a:endParaRPr>
+          </a:p>
+        </p:txBody>
+      </p:sp>
+    </p:spTree>
+    <p:extLst>
+      <p:ext uri="{BB962C8B-B14F-4D97-AF65-F5344CB8AC3E}">
+        <p14:creationId xmlns:p14="http://schemas.microsoft.com/office/powerpoint/2010/main" val="4045367378"/>
+      </p:ext>
+    </p:extLst>
+  </p:cSld>
+  <p:clrMapOvr>
+    <a:masterClrMapping/>
+  </p:clrMapOvr>
+</p:sld>
+</file>
+
+<file path=ppt/slides/slide24.xml><?xml version="1.0" encoding="utf-8"?>
+<p:sld xmlns:a="http://schemas.openxmlformats.org/drawingml/2006/main" xmlns:r="http://schemas.openxmlformats.org/officeDocument/2006/relationships" xmlns:p="http://schemas.openxmlformats.org/presentationml/2006/main">
+  <p:cSld>
+    <p:spTree>
+      <p:nvGrpSpPr>
+        <p:cNvPr id="1" name=""/>
+        <p:cNvGrpSpPr/>
+        <p:nvPr/>
+      </p:nvGrpSpPr>
+      <p:grpSpPr>
+        <a:xfrm>
+          <a:off x="0" y="0"/>
+          <a:ext cx="0" cy="0"/>
+          <a:chOff x="0" y="0"/>
+          <a:chExt cx="0" cy="0"/>
+        </a:xfrm>
+      </p:grpSpPr>
+      <p:sp>
+        <p:nvSpPr>
+          <p:cNvPr id="7" name="Title 6"/>
+          <p:cNvSpPr>
+            <a:spLocks noGrp="1"/>
+          </p:cNvSpPr>
+          <p:nvPr>
+            <p:ph type="title"/>
+          </p:nvPr>
+        </p:nvSpPr>
+        <p:spPr/>
+        <p:txBody>
+          <a:bodyPr/>
+          <a:lstStyle/>
+          <a:p>
+            <a:r>
+              <a:rPr lang="en-US" dirty="0"/>
+              <a:t>Example. The task</a:t>
+            </a:r>
+          </a:p>
+        </p:txBody>
+      </p:sp>
+      <p:sp>
+        <p:nvSpPr>
+          <p:cNvPr id="5" name="Slide Number Placeholder 4">
+            <a:extLst>
+              <a:ext uri="{FF2B5EF4-FFF2-40B4-BE49-F238E27FC236}">
+                <a16:creationId xmlns:a16="http://schemas.microsoft.com/office/drawing/2014/main" id="{A0B887B2-5B81-1D4E-A26D-E8BF86D8C354}"/>
+              </a:ext>
+            </a:extLst>
+          </p:cNvPr>
+          <p:cNvSpPr>
+            <a:spLocks noGrp="1"/>
+          </p:cNvSpPr>
+          <p:nvPr>
+            <p:ph type="sldNum" sz="quarter" idx="4"/>
+          </p:nvPr>
+        </p:nvSpPr>
+        <p:spPr/>
+        <p:txBody>
+          <a:bodyPr/>
+          <a:lstStyle/>
+          <a:p>
+            <a:pPr marL="0" marR="0" lvl="0" indent="0" algn="r" defTabSz="685800" rtl="0" eaLnBrk="1" fontAlgn="auto" latinLnBrk="0" hangingPunct="1">
+              <a:lnSpc>
+                <a:spcPct val="100000"/>
+              </a:lnSpc>
+              <a:spcBef>
+                <a:spcPts val="0"/>
+              </a:spcBef>
+              <a:spcAft>
+                <a:spcPts val="0"/>
+              </a:spcAft>
+              <a:buClrTx/>
+              <a:buSzTx/>
+              <a:buFontTx/>
+              <a:buNone/>
+              <a:tabLst/>
+              <a:defRPr/>
+            </a:pPr>
+            <a:fld id="{3A707DD9-E92B-45E8-BE0A-E6B2EDF345EB}" type="slidenum">
+              <a:rPr kumimoji="0" lang="en-US" sz="800" b="1" i="0" u="none" strike="noStrike" kern="1200" cap="none" spc="0" normalizeH="0" baseline="0" noProof="0" smtClean="0">
+                <a:ln>
+                  <a:noFill/>
+                </a:ln>
+                <a:solidFill>
+                  <a:srgbClr val="FEFEFE"/>
+                </a:solidFill>
+                <a:effectLst/>
+                <a:uLnTx/>
+                <a:uFillTx/>
+                <a:latin typeface="Calibri Light"/>
+                <a:ea typeface="+mn-ea"/>
+                <a:cs typeface="+mn-cs"/>
+              </a:rPr>
+              <a:pPr marL="0" marR="0" lvl="0" indent="0" algn="r" defTabSz="685800" rtl="0" eaLnBrk="1" fontAlgn="auto" latinLnBrk="0" hangingPunct="1">
+                <a:lnSpc>
+                  <a:spcPct val="100000"/>
+                </a:lnSpc>
+                <a:spcBef>
+                  <a:spcPts val="0"/>
+                </a:spcBef>
+                <a:spcAft>
+                  <a:spcPts val="0"/>
+                </a:spcAft>
+                <a:buClrTx/>
+                <a:buSzTx/>
+                <a:buFontTx/>
+                <a:buNone/>
+                <a:tabLst/>
+                <a:defRPr/>
+              </a:pPr>
+              <a:t>24</a:t>
+            </a:fld>
+            <a:endParaRPr kumimoji="0" lang="en-US" sz="800" b="1" i="0" u="none" strike="noStrike" kern="1200" cap="none" spc="0" normalizeH="0" baseline="0" noProof="0" dirty="0">
+              <a:ln>
+                <a:noFill/>
+              </a:ln>
+              <a:solidFill>
+                <a:srgbClr val="FEFEFE"/>
+              </a:solidFill>
+              <a:effectLst/>
+              <a:uLnTx/>
+              <a:uFillTx/>
+              <a:latin typeface="Calibri Light"/>
+              <a:ea typeface="+mn-ea"/>
+              <a:cs typeface="+mn-cs"/>
+            </a:endParaRPr>
+          </a:p>
+        </p:txBody>
+      </p:sp>
+      <p:pic>
+        <p:nvPicPr>
+          <p:cNvPr id="2" name="Picture 1">
+            <a:extLst>
+              <a:ext uri="{FF2B5EF4-FFF2-40B4-BE49-F238E27FC236}">
+                <a16:creationId xmlns:a16="http://schemas.microsoft.com/office/drawing/2014/main" id="{66973362-DE71-4A92-876D-75BB3F069115}"/>
+              </a:ext>
+            </a:extLst>
+          </p:cNvPr>
+          <p:cNvPicPr>
+            <a:picLocks noChangeAspect="1"/>
+          </p:cNvPicPr>
+          <p:nvPr/>
+        </p:nvPicPr>
+        <p:blipFill>
+          <a:blip r:embed="rId2"/>
+          <a:stretch>
+            <a:fillRect/>
+          </a:stretch>
+        </p:blipFill>
+        <p:spPr>
+          <a:xfrm>
+            <a:off x="1295400" y="1138043"/>
+            <a:ext cx="5823804" cy="2981885"/>
+          </a:xfrm>
+          <a:prstGeom prst="rect">
+            <a:avLst/>
+          </a:prstGeom>
+        </p:spPr>
+      </p:pic>
+    </p:spTree>
+    <p:extLst>
+      <p:ext uri="{BB962C8B-B14F-4D97-AF65-F5344CB8AC3E}">
+        <p14:creationId xmlns:p14="http://schemas.microsoft.com/office/powerpoint/2010/main" val="1748791267"/>
+      </p:ext>
+    </p:extLst>
+  </p:cSld>
+  <p:clrMapOvr>
+    <a:masterClrMapping/>
+  </p:clrMapOvr>
+</p:sld>
+</file>
+
+<file path=ppt/slides/slide25.xml><?xml version="1.0" encoding="utf-8"?>
+<p:sld xmlns:a="http://schemas.openxmlformats.org/drawingml/2006/main" xmlns:r="http://schemas.openxmlformats.org/officeDocument/2006/relationships" xmlns:p="http://schemas.openxmlformats.org/presentationml/2006/main">
+  <p:cSld>
+    <p:spTree>
+      <p:nvGrpSpPr>
+        <p:cNvPr id="1" name=""/>
+        <p:cNvGrpSpPr/>
+        <p:nvPr/>
+      </p:nvGrpSpPr>
+      <p:grpSpPr>
+        <a:xfrm>
+          <a:off x="0" y="0"/>
+          <a:ext cx="0" cy="0"/>
+          <a:chOff x="0" y="0"/>
+          <a:chExt cx="0" cy="0"/>
+        </a:xfrm>
+      </p:grpSpPr>
+      <p:sp>
+        <p:nvSpPr>
+          <p:cNvPr id="7" name="Title 6"/>
+          <p:cNvSpPr>
+            <a:spLocks noGrp="1"/>
+          </p:cNvSpPr>
+          <p:nvPr>
+            <p:ph type="title"/>
+          </p:nvPr>
+        </p:nvSpPr>
+        <p:spPr/>
+        <p:txBody>
+          <a:bodyPr/>
+          <a:lstStyle/>
+          <a:p>
+            <a:r>
+              <a:rPr lang="en-US" dirty="0"/>
+              <a:t>Example. The task resolution</a:t>
+            </a:r>
+          </a:p>
+        </p:txBody>
+      </p:sp>
+      <p:sp>
+        <p:nvSpPr>
+          <p:cNvPr id="5" name="Slide Number Placeholder 4">
+            <a:extLst>
+              <a:ext uri="{FF2B5EF4-FFF2-40B4-BE49-F238E27FC236}">
+                <a16:creationId xmlns:a16="http://schemas.microsoft.com/office/drawing/2014/main" id="{A0B887B2-5B81-1D4E-A26D-E8BF86D8C354}"/>
+              </a:ext>
+            </a:extLst>
+          </p:cNvPr>
+          <p:cNvSpPr>
+            <a:spLocks noGrp="1"/>
+          </p:cNvSpPr>
+          <p:nvPr>
+            <p:ph type="sldNum" sz="quarter" idx="4"/>
+          </p:nvPr>
+        </p:nvSpPr>
+        <p:spPr/>
+        <p:txBody>
+          <a:bodyPr/>
+          <a:lstStyle/>
+          <a:p>
+            <a:pPr marL="0" marR="0" lvl="0" indent="0" algn="r" defTabSz="685800" rtl="0" eaLnBrk="1" fontAlgn="auto" latinLnBrk="0" hangingPunct="1">
+              <a:lnSpc>
+                <a:spcPct val="100000"/>
+              </a:lnSpc>
+              <a:spcBef>
+                <a:spcPts val="0"/>
+              </a:spcBef>
+              <a:spcAft>
+                <a:spcPts val="0"/>
+              </a:spcAft>
+              <a:buClrTx/>
+              <a:buSzTx/>
+              <a:buFontTx/>
+              <a:buNone/>
+              <a:tabLst/>
+              <a:defRPr/>
+            </a:pPr>
+            <a:fld id="{3A707DD9-E92B-45E8-BE0A-E6B2EDF345EB}" type="slidenum">
+              <a:rPr kumimoji="0" lang="en-US" sz="800" b="1" i="0" u="none" strike="noStrike" kern="1200" cap="none" spc="0" normalizeH="0" baseline="0" noProof="0" smtClean="0">
+                <a:ln>
+                  <a:noFill/>
+                </a:ln>
+                <a:solidFill>
+                  <a:srgbClr val="FEFEFE"/>
+                </a:solidFill>
+                <a:effectLst/>
+                <a:uLnTx/>
+                <a:uFillTx/>
+                <a:latin typeface="Calibri Light"/>
+                <a:ea typeface="+mn-ea"/>
+                <a:cs typeface="+mn-cs"/>
+              </a:rPr>
+              <a:pPr marL="0" marR="0" lvl="0" indent="0" algn="r" defTabSz="685800" rtl="0" eaLnBrk="1" fontAlgn="auto" latinLnBrk="0" hangingPunct="1">
+                <a:lnSpc>
+                  <a:spcPct val="100000"/>
+                </a:lnSpc>
+                <a:spcBef>
+                  <a:spcPts val="0"/>
+                </a:spcBef>
+                <a:spcAft>
+                  <a:spcPts val="0"/>
+                </a:spcAft>
+                <a:buClrTx/>
+                <a:buSzTx/>
+                <a:buFontTx/>
+                <a:buNone/>
+                <a:tabLst/>
+                <a:defRPr/>
+              </a:pPr>
+              <a:t>25</a:t>
+            </a:fld>
+            <a:endParaRPr kumimoji="0" lang="en-US" sz="800" b="1" i="0" u="none" strike="noStrike" kern="1200" cap="none" spc="0" normalizeH="0" baseline="0" noProof="0" dirty="0">
+              <a:ln>
+                <a:noFill/>
+              </a:ln>
+              <a:solidFill>
+                <a:srgbClr val="FEFEFE"/>
+              </a:solidFill>
+              <a:effectLst/>
+              <a:uLnTx/>
+              <a:uFillTx/>
+              <a:latin typeface="Calibri Light"/>
+              <a:ea typeface="+mn-ea"/>
+              <a:cs typeface="+mn-cs"/>
+            </a:endParaRPr>
+          </a:p>
+        </p:txBody>
+      </p:sp>
+      <p:pic>
+        <p:nvPicPr>
+          <p:cNvPr id="3" name="Picture 2">
+            <a:extLst>
+              <a:ext uri="{FF2B5EF4-FFF2-40B4-BE49-F238E27FC236}">
+                <a16:creationId xmlns:a16="http://schemas.microsoft.com/office/drawing/2014/main" id="{49C0C7AC-1C41-472F-8C83-6A78E1362CA6}"/>
+              </a:ext>
+            </a:extLst>
+          </p:cNvPr>
+          <p:cNvPicPr>
+            <a:picLocks noChangeAspect="1"/>
+          </p:cNvPicPr>
+          <p:nvPr/>
+        </p:nvPicPr>
+        <p:blipFill>
+          <a:blip r:embed="rId2"/>
+          <a:stretch>
+            <a:fillRect/>
+          </a:stretch>
+        </p:blipFill>
+        <p:spPr>
+          <a:xfrm>
+            <a:off x="1074188" y="972561"/>
+            <a:ext cx="6339253" cy="3548604"/>
+          </a:xfrm>
+          <a:prstGeom prst="rect">
+            <a:avLst/>
+          </a:prstGeom>
+        </p:spPr>
+      </p:pic>
+    </p:spTree>
+    <p:extLst>
+      <p:ext uri="{BB962C8B-B14F-4D97-AF65-F5344CB8AC3E}">
+        <p14:creationId xmlns:p14="http://schemas.microsoft.com/office/powerpoint/2010/main" val="2206154832"/>
+      </p:ext>
+    </p:extLst>
+  </p:cSld>
+  <p:clrMapOvr>
+    <a:masterClrMapping/>
+  </p:clrMapOvr>
+</p:sld>
+</file>
+
+<file path=ppt/slides/slide26.xml><?xml version="1.0" encoding="utf-8"?>
+<p:sld xmlns:a="http://schemas.openxmlformats.org/drawingml/2006/main" xmlns:r="http://schemas.openxmlformats.org/officeDocument/2006/relationships" xmlns:p="http://schemas.openxmlformats.org/presentationml/2006/main">
+  <p:cSld>
+    <p:spTree>
+      <p:nvGrpSpPr>
+        <p:cNvPr id="1" name=""/>
+        <p:cNvGrpSpPr/>
+        <p:nvPr/>
+      </p:nvGrpSpPr>
+      <p:grpSpPr>
+        <a:xfrm>
+          <a:off x="0" y="0"/>
+          <a:ext cx="0" cy="0"/>
+          <a:chOff x="0" y="0"/>
+          <a:chExt cx="0" cy="0"/>
+        </a:xfrm>
+      </p:grpSpPr>
+      <p:sp>
+        <p:nvSpPr>
+          <p:cNvPr id="2" name="Title 1"/>
+          <p:cNvSpPr>
+            <a:spLocks noGrp="1"/>
+          </p:cNvSpPr>
+          <p:nvPr>
+            <p:ph type="title"/>
+          </p:nvPr>
+        </p:nvSpPr>
+        <p:spPr/>
+        <p:txBody>
+          <a:bodyPr/>
+          <a:lstStyle/>
+          <a:p>
+            <a:r>
+              <a:rPr lang="en-US" dirty="0"/>
+              <a:t>Two types of adapter realization</a:t>
+            </a:r>
+          </a:p>
+        </p:txBody>
+      </p:sp>
+      <p:sp>
+        <p:nvSpPr>
+          <p:cNvPr id="3" name="Content Placeholder 2"/>
+          <p:cNvSpPr>
+            <a:spLocks noGrp="1"/>
+          </p:cNvSpPr>
+          <p:nvPr>
+            <p:ph sz="quarter" idx="10"/>
+          </p:nvPr>
+        </p:nvSpPr>
+        <p:spPr>
+          <a:xfrm>
+            <a:off x="357188" y="1079500"/>
+            <a:ext cx="8429625" cy="1675423"/>
+          </a:xfrm>
+        </p:spPr>
+        <p:txBody>
+          <a:bodyPr/>
+          <a:lstStyle/>
+          <a:p>
+            <a:r>
+              <a:rPr lang="en-US" dirty="0"/>
+              <a:t>object realization via composition;</a:t>
+            </a:r>
+          </a:p>
+          <a:p>
+            <a:r>
+              <a:rPr lang="en-US" dirty="0"/>
+              <a:t>class realization via inheritance.</a:t>
+            </a:r>
+            <a:endParaRPr lang="en-US" sz="1600" dirty="0"/>
+          </a:p>
+        </p:txBody>
+      </p:sp>
+      <p:sp>
+        <p:nvSpPr>
+          <p:cNvPr id="4" name="TextBox 3">
+            <a:extLst>
+              <a:ext uri="{FF2B5EF4-FFF2-40B4-BE49-F238E27FC236}">
+                <a16:creationId xmlns:a16="http://schemas.microsoft.com/office/drawing/2014/main" id="{A5550BAA-4A93-7C4F-9F93-F6DAD9B885B8}"/>
+              </a:ext>
+            </a:extLst>
+          </p:cNvPr>
+          <p:cNvSpPr txBox="1"/>
+          <p:nvPr/>
+        </p:nvSpPr>
+        <p:spPr>
+          <a:xfrm>
+            <a:off x="943583" y="4877348"/>
+            <a:ext cx="2422187" cy="200055"/>
+          </a:xfrm>
+          <a:prstGeom prst="rect">
+            <a:avLst/>
+          </a:prstGeom>
+          <a:noFill/>
+        </p:spPr>
+        <p:txBody>
+          <a:bodyPr wrap="square" rtlCol="0">
+            <a:spAutoFit/>
+          </a:bodyPr>
+          <a:lstStyle/>
+          <a:p>
+            <a:pPr marL="0" marR="0" lvl="0" indent="0" algn="l" defTabSz="685800" rtl="0" eaLnBrk="1" fontAlgn="auto" latinLnBrk="0" hangingPunct="1">
+              <a:lnSpc>
+                <a:spcPct val="100000"/>
+              </a:lnSpc>
+              <a:spcBef>
+                <a:spcPts val="0"/>
+              </a:spcBef>
+              <a:spcAft>
+                <a:spcPts val="0"/>
+              </a:spcAft>
+              <a:buClrTx/>
+              <a:buSzTx/>
+              <a:buFontTx/>
+              <a:buNone/>
+              <a:tabLst/>
+              <a:defRPr/>
+            </a:pPr>
+            <a:r>
+              <a:rPr kumimoji="0" lang="en-US" sz="700" b="0" i="0" u="none" strike="noStrike" kern="1200" cap="none" spc="0" normalizeH="0" baseline="0" noProof="0" dirty="0">
+                <a:ln>
+                  <a:noFill/>
+                </a:ln>
+                <a:solidFill>
+                  <a:srgbClr val="FFFFFF"/>
+                </a:solidFill>
+                <a:effectLst/>
+                <a:uLnTx/>
+                <a:uFillTx/>
+                <a:latin typeface="Calibri Light"/>
+                <a:ea typeface="+mn-ea"/>
+                <a:cs typeface="+mn-cs"/>
+              </a:rPr>
+              <a:t>CONFIDENTIAL  |  © 2019 EPAM Systems, Inc.</a:t>
+            </a:r>
+            <a:endParaRPr kumimoji="0" lang="en-US" sz="700" b="0" i="0" u="none" strike="noStrike" kern="1200" cap="none" spc="0" normalizeH="0" baseline="0" noProof="0" dirty="0">
+              <a:ln>
+                <a:noFill/>
+              </a:ln>
+              <a:solidFill>
+                <a:srgbClr val="222222"/>
+              </a:solidFill>
+              <a:effectLst/>
+              <a:uLnTx/>
+              <a:uFillTx/>
+              <a:latin typeface="Calibri Light"/>
+              <a:ea typeface="+mn-ea"/>
+              <a:cs typeface="+mn-cs"/>
+            </a:endParaRPr>
+          </a:p>
+        </p:txBody>
+      </p:sp>
+    </p:spTree>
+    <p:extLst>
+      <p:ext uri="{BB962C8B-B14F-4D97-AF65-F5344CB8AC3E}">
+        <p14:creationId xmlns:p14="http://schemas.microsoft.com/office/powerpoint/2010/main" val="340486857"/>
+      </p:ext>
+    </p:extLst>
+  </p:cSld>
+  <p:clrMapOvr>
+    <a:masterClrMapping/>
+  </p:clrMapOvr>
+</p:sld>
+</file>
+
+<file path=ppt/slides/slide27.xml><?xml version="1.0" encoding="utf-8"?>
+<p:sld xmlns:a="http://schemas.openxmlformats.org/drawingml/2006/main" xmlns:r="http://schemas.openxmlformats.org/officeDocument/2006/relationships" xmlns:p="http://schemas.openxmlformats.org/presentationml/2006/main">
+  <p:cSld>
+    <p:spTree>
+      <p:nvGrpSpPr>
+        <p:cNvPr id="1" name=""/>
+        <p:cNvGrpSpPr/>
+        <p:nvPr/>
+      </p:nvGrpSpPr>
+      <p:grpSpPr>
+        <a:xfrm>
+          <a:off x="0" y="0"/>
+          <a:ext cx="0" cy="0"/>
+          <a:chOff x="0" y="0"/>
+          <a:chExt cx="0" cy="0"/>
+        </a:xfrm>
+      </p:grpSpPr>
+      <p:sp>
+        <p:nvSpPr>
+          <p:cNvPr id="3" name="Title 2"/>
+          <p:cNvSpPr>
+            <a:spLocks noGrp="1"/>
+          </p:cNvSpPr>
+          <p:nvPr>
+            <p:ph type="title"/>
+          </p:nvPr>
+        </p:nvSpPr>
+        <p:spPr/>
+        <p:txBody>
+          <a:bodyPr/>
+          <a:lstStyle/>
+          <a:p>
+            <a:r>
+              <a:rPr lang="en-US" dirty="0"/>
+              <a:t>Applicability</a:t>
+            </a:r>
+          </a:p>
+        </p:txBody>
+      </p:sp>
+      <p:sp>
+        <p:nvSpPr>
+          <p:cNvPr id="4" name="Content Placeholder 3"/>
+          <p:cNvSpPr>
+            <a:spLocks noGrp="1"/>
+          </p:cNvSpPr>
+          <p:nvPr>
+            <p:ph sz="quarter" idx="10"/>
+          </p:nvPr>
+        </p:nvSpPr>
+        <p:spPr>
+          <a:xfrm>
+            <a:off x="357189" y="1422400"/>
+            <a:ext cx="6506674" cy="1350108"/>
+          </a:xfrm>
+        </p:spPr>
+        <p:txBody>
+          <a:bodyPr/>
+          <a:lstStyle/>
+          <a:p>
+            <a:r>
+              <a:rPr lang="en-US" dirty="0"/>
+              <a:t>you want to use an existing class, and its interface does not match the one you need.</a:t>
+            </a:r>
+          </a:p>
+          <a:p>
+            <a:r>
+              <a:rPr lang="en-US" dirty="0"/>
+              <a:t>you want to create a reusable class that cooperates with unrelated or unforeseen classes, that is, classes that don’t necessarily have compatible interfaces.</a:t>
+            </a:r>
+          </a:p>
+          <a:p>
+            <a:r>
+              <a:rPr lang="en-US" dirty="0"/>
+              <a:t>(object adapter only) you need to use several existing subclasses, but it’s unpractical to adapt their interface by </a:t>
+            </a:r>
+            <a:r>
+              <a:rPr lang="en-US" dirty="0" err="1"/>
+              <a:t>subclassing</a:t>
+            </a:r>
+            <a:r>
+              <a:rPr lang="en-US" dirty="0"/>
+              <a:t> every one. An object adapter can adapt the interface of its parent class.</a:t>
+            </a:r>
+          </a:p>
+        </p:txBody>
+      </p:sp>
+      <p:sp>
+        <p:nvSpPr>
+          <p:cNvPr id="5" name="Slide Number Placeholder 4">
+            <a:extLst>
+              <a:ext uri="{FF2B5EF4-FFF2-40B4-BE49-F238E27FC236}">
+                <a16:creationId xmlns:a16="http://schemas.microsoft.com/office/drawing/2014/main" id="{D695E08B-236F-5B4F-801C-4C75369E005C}"/>
+              </a:ext>
+            </a:extLst>
+          </p:cNvPr>
+          <p:cNvSpPr>
+            <a:spLocks noGrp="1"/>
+          </p:cNvSpPr>
+          <p:nvPr>
+            <p:ph type="sldNum" sz="quarter" idx="4"/>
+          </p:nvPr>
+        </p:nvSpPr>
+        <p:spPr/>
+        <p:txBody>
+          <a:bodyPr/>
+          <a:lstStyle/>
+          <a:p>
+            <a:pPr marL="0" marR="0" lvl="0" indent="0" algn="r" defTabSz="685800" rtl="0" eaLnBrk="1" fontAlgn="auto" latinLnBrk="0" hangingPunct="1">
+              <a:lnSpc>
+                <a:spcPct val="100000"/>
+              </a:lnSpc>
+              <a:spcBef>
+                <a:spcPts val="0"/>
+              </a:spcBef>
+              <a:spcAft>
+                <a:spcPts val="0"/>
+              </a:spcAft>
+              <a:buClrTx/>
+              <a:buSzTx/>
+              <a:buFontTx/>
+              <a:buNone/>
+              <a:tabLst/>
+              <a:defRPr/>
+            </a:pPr>
+            <a:fld id="{3A707DD9-E92B-45E8-BE0A-E6B2EDF345EB}" type="slidenum">
+              <a:rPr kumimoji="0" lang="en-US" sz="800" b="1" i="0" u="none" strike="noStrike" kern="1200" cap="none" spc="0" normalizeH="0" baseline="0" noProof="0" smtClean="0">
+                <a:ln>
+                  <a:noFill/>
+                </a:ln>
+                <a:solidFill>
+                  <a:srgbClr val="FEFEFE"/>
+                </a:solidFill>
+                <a:effectLst/>
+                <a:uLnTx/>
+                <a:uFillTx/>
+                <a:latin typeface="Calibri Light"/>
+                <a:ea typeface="+mn-ea"/>
+                <a:cs typeface="+mn-cs"/>
+              </a:rPr>
+              <a:pPr marL="0" marR="0" lvl="0" indent="0" algn="r" defTabSz="685800" rtl="0" eaLnBrk="1" fontAlgn="auto" latinLnBrk="0" hangingPunct="1">
+                <a:lnSpc>
+                  <a:spcPct val="100000"/>
+                </a:lnSpc>
+                <a:spcBef>
+                  <a:spcPts val="0"/>
+                </a:spcBef>
+                <a:spcAft>
+                  <a:spcPts val="0"/>
+                </a:spcAft>
+                <a:buClrTx/>
+                <a:buSzTx/>
+                <a:buFontTx/>
+                <a:buNone/>
+                <a:tabLst/>
+                <a:defRPr/>
+              </a:pPr>
+              <a:t>27</a:t>
+            </a:fld>
+            <a:endParaRPr kumimoji="0" lang="en-US" sz="800" b="1" i="0" u="none" strike="noStrike" kern="1200" cap="none" spc="0" normalizeH="0" baseline="0" noProof="0" dirty="0">
+              <a:ln>
+                <a:noFill/>
+              </a:ln>
+              <a:solidFill>
+                <a:srgbClr val="FEFEFE"/>
+              </a:solidFill>
+              <a:effectLst/>
+              <a:uLnTx/>
+              <a:uFillTx/>
+              <a:latin typeface="Calibri Light"/>
+              <a:ea typeface="+mn-ea"/>
+              <a:cs typeface="+mn-cs"/>
+            </a:endParaRPr>
+          </a:p>
+        </p:txBody>
+      </p:sp>
+    </p:spTree>
+    <p:extLst>
+      <p:ext uri="{BB962C8B-B14F-4D97-AF65-F5344CB8AC3E}">
+        <p14:creationId xmlns:p14="http://schemas.microsoft.com/office/powerpoint/2010/main" val="3141336209"/>
+      </p:ext>
+    </p:extLst>
+  </p:cSld>
+  <p:clrMapOvr>
+    <a:masterClrMapping/>
+  </p:clrMapOvr>
+</p:sld>
+</file>
+
+<file path=ppt/slides/slide28.xml><?xml version="1.0" encoding="utf-8"?>
+<p:sld xmlns:a="http://schemas.openxmlformats.org/drawingml/2006/main" xmlns:r="http://schemas.openxmlformats.org/officeDocument/2006/relationships" xmlns:p="http://schemas.openxmlformats.org/presentationml/2006/main">
+  <p:cSld>
+    <p:spTree>
+      <p:nvGrpSpPr>
+        <p:cNvPr id="1" name=""/>
+        <p:cNvGrpSpPr/>
+        <p:nvPr/>
+      </p:nvGrpSpPr>
+      <p:grpSpPr>
+        <a:xfrm>
+          <a:off x="0" y="0"/>
+          <a:ext cx="0" cy="0"/>
+          <a:chOff x="0" y="0"/>
+          <a:chExt cx="0" cy="0"/>
+        </a:xfrm>
+      </p:grpSpPr>
+      <p:sp>
+        <p:nvSpPr>
+          <p:cNvPr id="4" name="Title 3"/>
+          <p:cNvSpPr>
+            <a:spLocks noGrp="1"/>
+          </p:cNvSpPr>
+          <p:nvPr>
+            <p:ph type="title"/>
+          </p:nvPr>
+        </p:nvSpPr>
+        <p:spPr/>
+        <p:txBody>
+          <a:bodyPr/>
+          <a:lstStyle/>
+          <a:p>
+            <a:r>
+              <a:rPr lang="en-US" dirty="0"/>
+              <a:t>Design</a:t>
+            </a:r>
+            <a:br>
+              <a:rPr lang="en-US" dirty="0"/>
+            </a:br>
+            <a:r>
+              <a:rPr lang="en-US" dirty="0"/>
+              <a:t>Patterns</a:t>
+            </a:r>
+          </a:p>
+        </p:txBody>
+      </p:sp>
+      <p:sp>
+        <p:nvSpPr>
+          <p:cNvPr id="6" name="TextBox 5">
+            <a:extLst>
+              <a:ext uri="{FF2B5EF4-FFF2-40B4-BE49-F238E27FC236}">
+                <a16:creationId xmlns:a16="http://schemas.microsoft.com/office/drawing/2014/main" id="{16AD212A-E369-CB46-BE9C-0744152A0BAF}"/>
+              </a:ext>
+            </a:extLst>
+          </p:cNvPr>
+          <p:cNvSpPr txBox="1"/>
+          <p:nvPr/>
+        </p:nvSpPr>
+        <p:spPr>
+          <a:xfrm>
+            <a:off x="531466" y="4877348"/>
+            <a:ext cx="2422187" cy="200055"/>
+          </a:xfrm>
+          <a:prstGeom prst="rect">
+            <a:avLst/>
+          </a:prstGeom>
+          <a:noFill/>
+        </p:spPr>
+        <p:txBody>
+          <a:bodyPr wrap="square" rtlCol="0">
+            <a:spAutoFit/>
+          </a:bodyPr>
+          <a:lstStyle/>
+          <a:p>
+            <a:pPr marL="0" marR="0" lvl="0" indent="0" algn="l" defTabSz="685800" rtl="0" eaLnBrk="1" fontAlgn="auto" latinLnBrk="0" hangingPunct="1">
+              <a:lnSpc>
+                <a:spcPct val="100000"/>
+              </a:lnSpc>
+              <a:spcBef>
+                <a:spcPts val="0"/>
+              </a:spcBef>
+              <a:spcAft>
+                <a:spcPts val="0"/>
+              </a:spcAft>
+              <a:buClrTx/>
+              <a:buSzTx/>
+              <a:buFontTx/>
+              <a:buNone/>
+              <a:tabLst/>
+              <a:defRPr/>
+            </a:pPr>
+            <a:r>
+              <a:rPr kumimoji="0" lang="en-US" sz="700" b="0" i="0" u="none" strike="noStrike" kern="1200" cap="none" spc="0" normalizeH="0" baseline="0" noProof="0" dirty="0">
+                <a:ln>
+                  <a:noFill/>
+                </a:ln>
+                <a:solidFill>
+                  <a:srgbClr val="FFFFFF"/>
+                </a:solidFill>
+                <a:effectLst/>
+                <a:uLnTx/>
+                <a:uFillTx/>
+                <a:latin typeface="Calibri Light"/>
+                <a:ea typeface="+mn-ea"/>
+                <a:cs typeface="+mn-cs"/>
+              </a:rPr>
+              <a:t>CONFIDENTIAL  |  © 2019 EPAM Systems, Inc.</a:t>
+            </a:r>
+            <a:endParaRPr kumimoji="0" lang="en-US" sz="700" b="0" i="0" u="none" strike="noStrike" kern="1200" cap="none" spc="0" normalizeH="0" baseline="0" noProof="0" dirty="0">
+              <a:ln>
+                <a:noFill/>
+              </a:ln>
+              <a:solidFill>
+                <a:srgbClr val="222222"/>
+              </a:solidFill>
+              <a:effectLst/>
+              <a:uLnTx/>
+              <a:uFillTx/>
+              <a:latin typeface="Calibri Light"/>
+              <a:ea typeface="+mn-ea"/>
+              <a:cs typeface="+mn-cs"/>
+            </a:endParaRPr>
+          </a:p>
+        </p:txBody>
+      </p:sp>
+      <p:sp>
+        <p:nvSpPr>
+          <p:cNvPr id="2" name="Text Placeholder 1"/>
+          <p:cNvSpPr>
+            <a:spLocks noGrp="1"/>
+          </p:cNvSpPr>
+          <p:nvPr>
+            <p:ph type="body" sz="quarter" idx="11"/>
+          </p:nvPr>
+        </p:nvSpPr>
+        <p:spPr/>
+        <p:txBody>
+          <a:bodyPr/>
+          <a:lstStyle/>
+          <a:p>
+            <a:r>
+              <a:rPr lang="en-US" dirty="0"/>
+              <a:t>Bridge</a:t>
+            </a:r>
+          </a:p>
+        </p:txBody>
+      </p:sp>
+    </p:spTree>
+    <p:extLst>
+      <p:ext uri="{BB962C8B-B14F-4D97-AF65-F5344CB8AC3E}">
+        <p14:creationId xmlns:p14="http://schemas.microsoft.com/office/powerpoint/2010/main" val="676590530"/>
+      </p:ext>
+    </p:extLst>
+  </p:cSld>
+  <p:clrMapOvr>
+    <a:masterClrMapping/>
+  </p:clrMapOvr>
+</p:sld>
+</file>
+
+<file path=ppt/slides/slide29.xml><?xml version="1.0" encoding="utf-8"?>
+<p:sld xmlns:a="http://schemas.openxmlformats.org/drawingml/2006/main" xmlns:r="http://schemas.openxmlformats.org/officeDocument/2006/relationships" xmlns:p="http://schemas.openxmlformats.org/presentationml/2006/main">
+  <p:cSld>
+    <p:spTree>
+      <p:nvGrpSpPr>
+        <p:cNvPr id="1" name=""/>
+        <p:cNvGrpSpPr/>
+        <p:nvPr/>
+      </p:nvGrpSpPr>
+      <p:grpSpPr>
+        <a:xfrm>
+          <a:off x="0" y="0"/>
+          <a:ext cx="0" cy="0"/>
+          <a:chOff x="0" y="0"/>
+          <a:chExt cx="0" cy="0"/>
+        </a:xfrm>
+      </p:grpSpPr>
+      <p:sp>
+        <p:nvSpPr>
+          <p:cNvPr id="2" name="Title 1"/>
+          <p:cNvSpPr>
+            <a:spLocks noGrp="1"/>
+          </p:cNvSpPr>
+          <p:nvPr>
+            <p:ph type="title"/>
+          </p:nvPr>
+        </p:nvSpPr>
+        <p:spPr/>
+        <p:txBody>
+          <a:bodyPr/>
+          <a:lstStyle/>
+          <a:p>
+            <a:r>
+              <a:rPr lang="en-US" dirty="0"/>
+              <a:t>Intent</a:t>
+            </a:r>
+          </a:p>
+        </p:txBody>
+      </p:sp>
+      <p:sp>
+        <p:nvSpPr>
+          <p:cNvPr id="3" name="Content Placeholder 2"/>
+          <p:cNvSpPr>
+            <a:spLocks noGrp="1"/>
+          </p:cNvSpPr>
+          <p:nvPr>
+            <p:ph sz="quarter" idx="10"/>
+          </p:nvPr>
+        </p:nvSpPr>
+        <p:spPr>
+          <a:xfrm>
+            <a:off x="357188" y="1079500"/>
+            <a:ext cx="8429625" cy="1675423"/>
+          </a:xfrm>
+        </p:spPr>
+        <p:txBody>
+          <a:bodyPr/>
+          <a:lstStyle/>
+          <a:p>
+            <a:pPr marL="0" indent="0">
+              <a:buNone/>
+            </a:pPr>
+            <a:endParaRPr lang="en-US" sz="2800" dirty="0"/>
+          </a:p>
+          <a:p>
+            <a:pPr marL="0" indent="0">
+              <a:buNone/>
+            </a:pPr>
+            <a:endParaRPr lang="en-US" sz="1800" dirty="0"/>
+          </a:p>
+          <a:p>
+            <a:pPr marL="0" indent="0">
+              <a:buNone/>
+            </a:pPr>
+            <a:r>
+              <a:rPr lang="en-US" sz="1800" dirty="0"/>
+              <a:t>Decouple an abstraction from its implementation so that the two can vary independently</a:t>
+            </a:r>
+          </a:p>
+        </p:txBody>
+      </p:sp>
+      <p:sp>
+        <p:nvSpPr>
+          <p:cNvPr id="4" name="TextBox 3">
+            <a:extLst>
+              <a:ext uri="{FF2B5EF4-FFF2-40B4-BE49-F238E27FC236}">
+                <a16:creationId xmlns:a16="http://schemas.microsoft.com/office/drawing/2014/main" id="{A5550BAA-4A93-7C4F-9F93-F6DAD9B885B8}"/>
+              </a:ext>
+            </a:extLst>
+          </p:cNvPr>
+          <p:cNvSpPr txBox="1"/>
+          <p:nvPr/>
+        </p:nvSpPr>
+        <p:spPr>
+          <a:xfrm>
+            <a:off x="943583" y="4877348"/>
+            <a:ext cx="2422187" cy="200055"/>
+          </a:xfrm>
+          <a:prstGeom prst="rect">
+            <a:avLst/>
+          </a:prstGeom>
+          <a:noFill/>
+        </p:spPr>
+        <p:txBody>
+          <a:bodyPr wrap="square" rtlCol="0">
+            <a:spAutoFit/>
+          </a:bodyPr>
+          <a:lstStyle/>
+          <a:p>
+            <a:pPr marL="0" marR="0" lvl="0" indent="0" algn="l" defTabSz="685800" rtl="0" eaLnBrk="1" fontAlgn="auto" latinLnBrk="0" hangingPunct="1">
+              <a:lnSpc>
+                <a:spcPct val="100000"/>
+              </a:lnSpc>
+              <a:spcBef>
+                <a:spcPts val="0"/>
+              </a:spcBef>
+              <a:spcAft>
+                <a:spcPts val="0"/>
+              </a:spcAft>
+              <a:buClrTx/>
+              <a:buSzTx/>
+              <a:buFontTx/>
+              <a:buNone/>
+              <a:tabLst/>
+              <a:defRPr/>
+            </a:pPr>
+            <a:r>
+              <a:rPr kumimoji="0" lang="en-US" sz="700" b="0" i="0" u="none" strike="noStrike" kern="1200" cap="none" spc="0" normalizeH="0" baseline="0" noProof="0" dirty="0">
+                <a:ln>
+                  <a:noFill/>
+                </a:ln>
+                <a:solidFill>
+                  <a:srgbClr val="FFFFFF"/>
+                </a:solidFill>
+                <a:effectLst/>
+                <a:uLnTx/>
+                <a:uFillTx/>
+                <a:latin typeface="Calibri Light"/>
+                <a:ea typeface="+mn-ea"/>
+                <a:cs typeface="+mn-cs"/>
+              </a:rPr>
+              <a:t>CONFIDENTIAL  |  © 2019 EPAM Systems, Inc.</a:t>
+            </a:r>
+            <a:endParaRPr kumimoji="0" lang="en-US" sz="700" b="0" i="0" u="none" strike="noStrike" kern="1200" cap="none" spc="0" normalizeH="0" baseline="0" noProof="0" dirty="0">
+              <a:ln>
+                <a:noFill/>
+              </a:ln>
+              <a:solidFill>
+                <a:srgbClr val="222222"/>
+              </a:solidFill>
+              <a:effectLst/>
+              <a:uLnTx/>
+              <a:uFillTx/>
+              <a:latin typeface="Calibri Light"/>
+              <a:ea typeface="+mn-ea"/>
+              <a:cs typeface="+mn-cs"/>
+            </a:endParaRPr>
+          </a:p>
+        </p:txBody>
+      </p:sp>
+    </p:spTree>
+    <p:extLst>
+      <p:ext uri="{BB962C8B-B14F-4D97-AF65-F5344CB8AC3E}">
+        <p14:creationId xmlns:p14="http://schemas.microsoft.com/office/powerpoint/2010/main" val="2646714343"/>
+      </p:ext>
+    </p:extLst>
+  </p:cSld>
+  <p:clrMapOvr>
+    <a:masterClrMapping/>
+  </p:clrMapOvr>
+</p:sld>
+</file>
+
+<file path=ppt/slides/slide3.xml><?xml version="1.0" encoding="utf-8"?>
+<p:sld xmlns:a="http://schemas.openxmlformats.org/drawingml/2006/main" xmlns:r="http://schemas.openxmlformats.org/officeDocument/2006/relationships" xmlns:p="http://schemas.openxmlformats.org/presentationml/2006/main">
+  <p:cSld>
+    <p:spTree>
+      <p:nvGrpSpPr>
+        <p:cNvPr id="1" name=""/>
+        <p:cNvGrpSpPr/>
+        <p:nvPr/>
+      </p:nvGrpSpPr>
+      <p:grpSpPr>
+        <a:xfrm>
+          <a:off x="0" y="0"/>
+          <a:ext cx="0" cy="0"/>
+          <a:chOff x="0" y="0"/>
+          <a:chExt cx="0" cy="0"/>
+        </a:xfrm>
+      </p:grpSpPr>
+      <p:sp>
+        <p:nvSpPr>
+          <p:cNvPr id="2" name="Title 1"/>
+          <p:cNvSpPr>
+            <a:spLocks noGrp="1"/>
+          </p:cNvSpPr>
+          <p:nvPr>
+            <p:ph type="title"/>
+          </p:nvPr>
+        </p:nvSpPr>
+        <p:spPr/>
+        <p:txBody>
+          <a:bodyPr/>
+          <a:lstStyle/>
+          <a:p>
+            <a:r>
+              <a:rPr lang="en-US" dirty="0"/>
+              <a:t>Definition</a:t>
+            </a:r>
+          </a:p>
+        </p:txBody>
+      </p:sp>
+      <p:sp>
+        <p:nvSpPr>
+          <p:cNvPr id="3" name="Content Placeholder 2"/>
+          <p:cNvSpPr>
+            <a:spLocks noGrp="1"/>
+          </p:cNvSpPr>
+          <p:nvPr>
+            <p:ph sz="quarter" idx="10"/>
+          </p:nvPr>
+        </p:nvSpPr>
+        <p:spPr/>
+        <p:txBody>
+          <a:bodyPr/>
+          <a:lstStyle/>
+          <a:p>
+            <a:pPr marL="0" indent="0">
+              <a:buNone/>
+            </a:pPr>
+            <a:endParaRPr lang="en-US" sz="1800" dirty="0"/>
+          </a:p>
+          <a:p>
+            <a:pPr marL="0" indent="0">
+              <a:buNone/>
+            </a:pPr>
+            <a:endParaRPr lang="en-US" sz="2000" dirty="0"/>
+          </a:p>
+          <a:p>
+            <a:pPr marL="0" indent="0">
+              <a:buNone/>
+            </a:pPr>
+            <a:r>
+              <a:rPr lang="en-US" sz="2000" dirty="0"/>
+              <a:t>In software engineering, a software design pattern is a general, reusable solution</a:t>
+            </a:r>
+          </a:p>
+          <a:p>
+            <a:pPr marL="0" indent="0">
+              <a:buNone/>
+            </a:pPr>
+            <a:r>
+              <a:rPr lang="en-US" sz="2000" dirty="0"/>
+              <a:t>to a commonly occurring problem within a given context in software design.</a:t>
+            </a:r>
+          </a:p>
+        </p:txBody>
+      </p:sp>
+      <p:sp>
+        <p:nvSpPr>
+          <p:cNvPr id="4" name="TextBox 3">
+            <a:extLst>
+              <a:ext uri="{FF2B5EF4-FFF2-40B4-BE49-F238E27FC236}">
+                <a16:creationId xmlns:a16="http://schemas.microsoft.com/office/drawing/2014/main" id="{A5550BAA-4A93-7C4F-9F93-F6DAD9B885B8}"/>
+              </a:ext>
+            </a:extLst>
+          </p:cNvPr>
+          <p:cNvSpPr txBox="1"/>
+          <p:nvPr/>
+        </p:nvSpPr>
+        <p:spPr>
+          <a:xfrm>
+            <a:off x="943583" y="4877348"/>
+            <a:ext cx="2422187" cy="200055"/>
+          </a:xfrm>
+          <a:prstGeom prst="rect">
+            <a:avLst/>
+          </a:prstGeom>
+          <a:noFill/>
+        </p:spPr>
+        <p:txBody>
+          <a:bodyPr wrap="square" rtlCol="0">
+            <a:spAutoFit/>
+          </a:bodyPr>
+          <a:lstStyle/>
+          <a:p>
+            <a:pPr marL="0" marR="0" lvl="0" indent="0" algn="l" defTabSz="685800" rtl="0" eaLnBrk="1" fontAlgn="auto" latinLnBrk="0" hangingPunct="1">
+              <a:lnSpc>
+                <a:spcPct val="100000"/>
+              </a:lnSpc>
+              <a:spcBef>
+                <a:spcPts val="0"/>
+              </a:spcBef>
+              <a:spcAft>
+                <a:spcPts val="0"/>
+              </a:spcAft>
+              <a:buClrTx/>
+              <a:buSzTx/>
+              <a:buFontTx/>
+              <a:buNone/>
+              <a:tabLst/>
+              <a:defRPr/>
+            </a:pPr>
+            <a:r>
+              <a:rPr lang="en-US" sz="700" dirty="0">
+                <a:solidFill>
+                  <a:schemeClr val="bg1"/>
+                </a:solidFill>
+                <a:latin typeface="+mj-lt"/>
+              </a:rPr>
+              <a:t>CONFIDENTIAL  |  </a:t>
+            </a:r>
+            <a:r>
+              <a:rPr lang="en-US" sz="700" b="0" i="0" u="none" strike="noStrike" kern="1200" baseline="0" dirty="0">
+                <a:solidFill>
+                  <a:schemeClr val="bg1"/>
+                </a:solidFill>
+                <a:effectLst/>
+                <a:latin typeface="+mj-lt"/>
+                <a:ea typeface="+mn-ea"/>
+                <a:cs typeface="+mn-cs"/>
+              </a:rPr>
+              <a:t>© 2019 EPAM Systems, Inc.</a:t>
+            </a:r>
+            <a:endParaRPr lang="en-US" sz="700" dirty="0">
+              <a:latin typeface="+mj-lt"/>
+            </a:endParaRPr>
+          </a:p>
+        </p:txBody>
+      </p:sp>
+    </p:spTree>
+    <p:extLst>
+      <p:ext uri="{BB962C8B-B14F-4D97-AF65-F5344CB8AC3E}">
+        <p14:creationId xmlns:p14="http://schemas.microsoft.com/office/powerpoint/2010/main" val="3711491439"/>
+      </p:ext>
+    </p:extLst>
+  </p:cSld>
+  <p:clrMapOvr>
+    <a:masterClrMapping/>
+  </p:clrMapOvr>
+</p:sld>
+</file>
+
+<file path=ppt/slides/slide30.xml><?xml version="1.0" encoding="utf-8"?>
+<p:sld xmlns:a="http://schemas.openxmlformats.org/drawingml/2006/main" xmlns:r="http://schemas.openxmlformats.org/officeDocument/2006/relationships" xmlns:p="http://schemas.openxmlformats.org/presentationml/2006/main">
+  <p:cSld>
+    <p:spTree>
+      <p:nvGrpSpPr>
+        <p:cNvPr id="1" name=""/>
+        <p:cNvGrpSpPr/>
+        <p:nvPr/>
+      </p:nvGrpSpPr>
+      <p:grpSpPr>
+        <a:xfrm>
+          <a:off x="0" y="0"/>
+          <a:ext cx="0" cy="0"/>
+          <a:chOff x="0" y="0"/>
+          <a:chExt cx="0" cy="0"/>
+        </a:xfrm>
+      </p:grpSpPr>
+      <p:sp>
+        <p:nvSpPr>
+          <p:cNvPr id="2" name="Title 1"/>
+          <p:cNvSpPr>
+            <a:spLocks noGrp="1"/>
+          </p:cNvSpPr>
+          <p:nvPr>
+            <p:ph type="title"/>
+          </p:nvPr>
+        </p:nvSpPr>
+        <p:spPr/>
+        <p:txBody>
+          <a:bodyPr/>
+          <a:lstStyle/>
+          <a:p>
+            <a:r>
+              <a:rPr lang="en-US" dirty="0"/>
+              <a:t>Motivation</a:t>
+            </a:r>
+          </a:p>
+        </p:txBody>
+      </p:sp>
+      <p:sp>
+        <p:nvSpPr>
+          <p:cNvPr id="3" name="Content Placeholder 2"/>
+          <p:cNvSpPr>
+            <a:spLocks noGrp="1"/>
+          </p:cNvSpPr>
+          <p:nvPr>
+            <p:ph sz="quarter" idx="10"/>
+          </p:nvPr>
+        </p:nvSpPr>
+        <p:spPr>
+          <a:xfrm>
+            <a:off x="357188" y="1079500"/>
+            <a:ext cx="8429625" cy="1675423"/>
+          </a:xfrm>
+        </p:spPr>
+        <p:txBody>
+          <a:bodyPr/>
+          <a:lstStyle/>
+          <a:p>
+            <a:pPr marL="0" indent="0">
+              <a:buNone/>
+            </a:pPr>
+            <a:r>
+              <a:rPr lang="en-US" sz="1600" dirty="0"/>
+              <a:t>When an abstraction can have one of several possible implementations, the usual</a:t>
+            </a:r>
+          </a:p>
+          <a:p>
+            <a:pPr marL="0" indent="0">
+              <a:buNone/>
+            </a:pPr>
+            <a:r>
+              <a:rPr lang="en-US" sz="1600" dirty="0"/>
+              <a:t>way to accommodate them is to use inheritance. But this approach isn't always flexible enough. </a:t>
+            </a:r>
+          </a:p>
+          <a:p>
+            <a:pPr marL="0" indent="0">
+              <a:buNone/>
+            </a:pPr>
+            <a:r>
+              <a:rPr lang="en-US" sz="1600" dirty="0"/>
+              <a:t>Inheritance binds an implementation to the abstraction permanently, which makes it difficult to modify, </a:t>
+            </a:r>
+          </a:p>
+          <a:p>
+            <a:pPr marL="0" indent="0">
+              <a:buNone/>
+            </a:pPr>
+            <a:r>
+              <a:rPr lang="en-US" sz="1600" dirty="0"/>
+              <a:t>extend, and reuse abstractions and implementations independently.</a:t>
+            </a:r>
+          </a:p>
+        </p:txBody>
+      </p:sp>
+      <p:sp>
+        <p:nvSpPr>
+          <p:cNvPr id="4" name="TextBox 3">
+            <a:extLst>
+              <a:ext uri="{FF2B5EF4-FFF2-40B4-BE49-F238E27FC236}">
+                <a16:creationId xmlns:a16="http://schemas.microsoft.com/office/drawing/2014/main" id="{A5550BAA-4A93-7C4F-9F93-F6DAD9B885B8}"/>
+              </a:ext>
+            </a:extLst>
+          </p:cNvPr>
+          <p:cNvSpPr txBox="1"/>
+          <p:nvPr/>
+        </p:nvSpPr>
+        <p:spPr>
+          <a:xfrm>
+            <a:off x="943583" y="4877348"/>
+            <a:ext cx="2422187" cy="200055"/>
+          </a:xfrm>
+          <a:prstGeom prst="rect">
+            <a:avLst/>
+          </a:prstGeom>
+          <a:noFill/>
+        </p:spPr>
+        <p:txBody>
+          <a:bodyPr wrap="square" rtlCol="0">
+            <a:spAutoFit/>
+          </a:bodyPr>
+          <a:lstStyle/>
+          <a:p>
+            <a:pPr marL="0" marR="0" lvl="0" indent="0" algn="l" defTabSz="685800" rtl="0" eaLnBrk="1" fontAlgn="auto" latinLnBrk="0" hangingPunct="1">
+              <a:lnSpc>
+                <a:spcPct val="100000"/>
+              </a:lnSpc>
+              <a:spcBef>
+                <a:spcPts val="0"/>
+              </a:spcBef>
+              <a:spcAft>
+                <a:spcPts val="0"/>
+              </a:spcAft>
+              <a:buClrTx/>
+              <a:buSzTx/>
+              <a:buFontTx/>
+              <a:buNone/>
+              <a:tabLst/>
+              <a:defRPr/>
+            </a:pPr>
+            <a:r>
+              <a:rPr kumimoji="0" lang="en-US" sz="700" b="0" i="0" u="none" strike="noStrike" kern="1200" cap="none" spc="0" normalizeH="0" baseline="0" noProof="0" dirty="0">
+                <a:ln>
+                  <a:noFill/>
+                </a:ln>
+                <a:solidFill>
+                  <a:srgbClr val="FFFFFF"/>
+                </a:solidFill>
+                <a:effectLst/>
+                <a:uLnTx/>
+                <a:uFillTx/>
+                <a:latin typeface="Calibri Light"/>
+                <a:ea typeface="+mn-ea"/>
+                <a:cs typeface="+mn-cs"/>
+              </a:rPr>
+              <a:t>CONFIDENTIAL  |  © 2019 EPAM Systems, Inc.</a:t>
+            </a:r>
+            <a:endParaRPr kumimoji="0" lang="en-US" sz="700" b="0" i="0" u="none" strike="noStrike" kern="1200" cap="none" spc="0" normalizeH="0" baseline="0" noProof="0" dirty="0">
+              <a:ln>
+                <a:noFill/>
+              </a:ln>
+              <a:solidFill>
+                <a:srgbClr val="222222"/>
+              </a:solidFill>
+              <a:effectLst/>
+              <a:uLnTx/>
+              <a:uFillTx/>
+              <a:latin typeface="Calibri Light"/>
+              <a:ea typeface="+mn-ea"/>
+              <a:cs typeface="+mn-cs"/>
+            </a:endParaRPr>
+          </a:p>
+        </p:txBody>
+      </p:sp>
+    </p:spTree>
+    <p:extLst>
+      <p:ext uri="{BB962C8B-B14F-4D97-AF65-F5344CB8AC3E}">
+        <p14:creationId xmlns:p14="http://schemas.microsoft.com/office/powerpoint/2010/main" val="1873509701"/>
+      </p:ext>
+    </p:extLst>
+  </p:cSld>
+  <p:clrMapOvr>
+    <a:masterClrMapping/>
+  </p:clrMapOvr>
+</p:sld>
+</file>
+
+<file path=ppt/slides/slide31.xml><?xml version="1.0" encoding="utf-8"?>
+<p:sld xmlns:a="http://schemas.openxmlformats.org/drawingml/2006/main" xmlns:r="http://schemas.openxmlformats.org/officeDocument/2006/relationships" xmlns:p="http://schemas.openxmlformats.org/presentationml/2006/main">
+  <p:cSld>
+    <p:spTree>
+      <p:nvGrpSpPr>
+        <p:cNvPr id="1" name=""/>
+        <p:cNvGrpSpPr/>
+        <p:nvPr/>
+      </p:nvGrpSpPr>
+      <p:grpSpPr>
+        <a:xfrm>
+          <a:off x="0" y="0"/>
+          <a:ext cx="0" cy="0"/>
+          <a:chOff x="0" y="0"/>
+          <a:chExt cx="0" cy="0"/>
+        </a:xfrm>
+      </p:grpSpPr>
+      <p:sp>
+        <p:nvSpPr>
+          <p:cNvPr id="7" name="Title 6"/>
+          <p:cNvSpPr>
+            <a:spLocks noGrp="1"/>
+          </p:cNvSpPr>
+          <p:nvPr>
+            <p:ph type="title"/>
+          </p:nvPr>
+        </p:nvSpPr>
+        <p:spPr/>
+        <p:txBody>
+          <a:bodyPr/>
+          <a:lstStyle/>
+          <a:p>
+            <a:r>
+              <a:rPr lang="en-US" dirty="0"/>
+              <a:t>Example. The task</a:t>
+            </a:r>
+          </a:p>
+        </p:txBody>
+      </p:sp>
+      <p:sp>
+        <p:nvSpPr>
+          <p:cNvPr id="5" name="Slide Number Placeholder 4">
+            <a:extLst>
+              <a:ext uri="{FF2B5EF4-FFF2-40B4-BE49-F238E27FC236}">
+                <a16:creationId xmlns:a16="http://schemas.microsoft.com/office/drawing/2014/main" id="{A0B887B2-5B81-1D4E-A26D-E8BF86D8C354}"/>
+              </a:ext>
+            </a:extLst>
+          </p:cNvPr>
+          <p:cNvSpPr>
+            <a:spLocks noGrp="1"/>
+          </p:cNvSpPr>
+          <p:nvPr>
+            <p:ph type="sldNum" sz="quarter" idx="4"/>
+          </p:nvPr>
+        </p:nvSpPr>
+        <p:spPr/>
+        <p:txBody>
+          <a:bodyPr/>
+          <a:lstStyle/>
+          <a:p>
+            <a:pPr marL="0" marR="0" lvl="0" indent="0" algn="r" defTabSz="685800" rtl="0" eaLnBrk="1" fontAlgn="auto" latinLnBrk="0" hangingPunct="1">
+              <a:lnSpc>
+                <a:spcPct val="100000"/>
+              </a:lnSpc>
+              <a:spcBef>
+                <a:spcPts val="0"/>
+              </a:spcBef>
+              <a:spcAft>
+                <a:spcPts val="0"/>
+              </a:spcAft>
+              <a:buClrTx/>
+              <a:buSzTx/>
+              <a:buFontTx/>
+              <a:buNone/>
+              <a:tabLst/>
+              <a:defRPr/>
+            </a:pPr>
+            <a:fld id="{3A707DD9-E92B-45E8-BE0A-E6B2EDF345EB}" type="slidenum">
+              <a:rPr kumimoji="0" lang="en-US" sz="800" b="1" i="0" u="none" strike="noStrike" kern="1200" cap="none" spc="0" normalizeH="0" baseline="0" noProof="0" smtClean="0">
+                <a:ln>
+                  <a:noFill/>
+                </a:ln>
+                <a:solidFill>
+                  <a:srgbClr val="FEFEFE"/>
+                </a:solidFill>
+                <a:effectLst/>
+                <a:uLnTx/>
+                <a:uFillTx/>
+                <a:latin typeface="Calibri Light"/>
+                <a:ea typeface="+mn-ea"/>
+                <a:cs typeface="+mn-cs"/>
+              </a:rPr>
+              <a:pPr marL="0" marR="0" lvl="0" indent="0" algn="r" defTabSz="685800" rtl="0" eaLnBrk="1" fontAlgn="auto" latinLnBrk="0" hangingPunct="1">
+                <a:lnSpc>
+                  <a:spcPct val="100000"/>
+                </a:lnSpc>
+                <a:spcBef>
+                  <a:spcPts val="0"/>
+                </a:spcBef>
+                <a:spcAft>
+                  <a:spcPts val="0"/>
+                </a:spcAft>
+                <a:buClrTx/>
+                <a:buSzTx/>
+                <a:buFontTx/>
+                <a:buNone/>
+                <a:tabLst/>
+                <a:defRPr/>
+              </a:pPr>
+              <a:t>31</a:t>
+            </a:fld>
+            <a:endParaRPr kumimoji="0" lang="en-US" sz="800" b="1" i="0" u="none" strike="noStrike" kern="1200" cap="none" spc="0" normalizeH="0" baseline="0" noProof="0" dirty="0">
+              <a:ln>
+                <a:noFill/>
+              </a:ln>
+              <a:solidFill>
+                <a:srgbClr val="FEFEFE"/>
+              </a:solidFill>
+              <a:effectLst/>
+              <a:uLnTx/>
+              <a:uFillTx/>
+              <a:latin typeface="Calibri Light"/>
+              <a:ea typeface="+mn-ea"/>
+              <a:cs typeface="+mn-cs"/>
+            </a:endParaRPr>
+          </a:p>
+        </p:txBody>
+      </p:sp>
+    </p:spTree>
+    <p:extLst>
+      <p:ext uri="{BB962C8B-B14F-4D97-AF65-F5344CB8AC3E}">
+        <p14:creationId xmlns:p14="http://schemas.microsoft.com/office/powerpoint/2010/main" val="3504871719"/>
+      </p:ext>
+    </p:extLst>
+  </p:cSld>
+  <p:clrMapOvr>
+    <a:masterClrMapping/>
+  </p:clrMapOvr>
+</p:sld>
+</file>
+
+<file path=ppt/slides/slide32.xml><?xml version="1.0" encoding="utf-8"?>
+<p:sld xmlns:a="http://schemas.openxmlformats.org/drawingml/2006/main" xmlns:r="http://schemas.openxmlformats.org/officeDocument/2006/relationships" xmlns:p="http://schemas.openxmlformats.org/presentationml/2006/main">
+  <p:cSld>
+    <p:spTree>
+      <p:nvGrpSpPr>
+        <p:cNvPr id="1" name=""/>
+        <p:cNvGrpSpPr/>
+        <p:nvPr/>
+      </p:nvGrpSpPr>
+      <p:grpSpPr>
+        <a:xfrm>
+          <a:off x="0" y="0"/>
+          <a:ext cx="0" cy="0"/>
+          <a:chOff x="0" y="0"/>
+          <a:chExt cx="0" cy="0"/>
+        </a:xfrm>
+      </p:grpSpPr>
+      <p:sp>
+        <p:nvSpPr>
+          <p:cNvPr id="7" name="Title 6"/>
+          <p:cNvSpPr>
+            <a:spLocks noGrp="1"/>
+          </p:cNvSpPr>
+          <p:nvPr>
+            <p:ph type="title"/>
+          </p:nvPr>
+        </p:nvSpPr>
+        <p:spPr/>
+        <p:txBody>
+          <a:bodyPr/>
+          <a:lstStyle/>
+          <a:p>
+            <a:r>
+              <a:rPr lang="en-US" dirty="0"/>
+              <a:t>Example. The task resolution</a:t>
+            </a:r>
+          </a:p>
+        </p:txBody>
+      </p:sp>
+      <p:sp>
+        <p:nvSpPr>
+          <p:cNvPr id="5" name="Slide Number Placeholder 4">
+            <a:extLst>
+              <a:ext uri="{FF2B5EF4-FFF2-40B4-BE49-F238E27FC236}">
+                <a16:creationId xmlns:a16="http://schemas.microsoft.com/office/drawing/2014/main" id="{A0B887B2-5B81-1D4E-A26D-E8BF86D8C354}"/>
+              </a:ext>
+            </a:extLst>
+          </p:cNvPr>
+          <p:cNvSpPr>
+            <a:spLocks noGrp="1"/>
+          </p:cNvSpPr>
+          <p:nvPr>
+            <p:ph type="sldNum" sz="quarter" idx="4"/>
+          </p:nvPr>
+        </p:nvSpPr>
+        <p:spPr/>
+        <p:txBody>
+          <a:bodyPr/>
+          <a:lstStyle/>
+          <a:p>
+            <a:pPr marL="0" marR="0" lvl="0" indent="0" algn="r" defTabSz="685800" rtl="0" eaLnBrk="1" fontAlgn="auto" latinLnBrk="0" hangingPunct="1">
+              <a:lnSpc>
+                <a:spcPct val="100000"/>
+              </a:lnSpc>
+              <a:spcBef>
+                <a:spcPts val="0"/>
+              </a:spcBef>
+              <a:spcAft>
+                <a:spcPts val="0"/>
+              </a:spcAft>
+              <a:buClrTx/>
+              <a:buSzTx/>
+              <a:buFontTx/>
+              <a:buNone/>
+              <a:tabLst/>
+              <a:defRPr/>
+            </a:pPr>
+            <a:fld id="{3A707DD9-E92B-45E8-BE0A-E6B2EDF345EB}" type="slidenum">
+              <a:rPr kumimoji="0" lang="en-US" sz="800" b="1" i="0" u="none" strike="noStrike" kern="1200" cap="none" spc="0" normalizeH="0" baseline="0" noProof="0" smtClean="0">
+                <a:ln>
+                  <a:noFill/>
+                </a:ln>
+                <a:solidFill>
+                  <a:srgbClr val="FEFEFE"/>
+                </a:solidFill>
+                <a:effectLst/>
+                <a:uLnTx/>
+                <a:uFillTx/>
+                <a:latin typeface="Calibri Light"/>
+                <a:ea typeface="+mn-ea"/>
+                <a:cs typeface="+mn-cs"/>
+              </a:rPr>
+              <a:pPr marL="0" marR="0" lvl="0" indent="0" algn="r" defTabSz="685800" rtl="0" eaLnBrk="1" fontAlgn="auto" latinLnBrk="0" hangingPunct="1">
+                <a:lnSpc>
+                  <a:spcPct val="100000"/>
+                </a:lnSpc>
+                <a:spcBef>
+                  <a:spcPts val="0"/>
+                </a:spcBef>
+                <a:spcAft>
+                  <a:spcPts val="0"/>
+                </a:spcAft>
+                <a:buClrTx/>
+                <a:buSzTx/>
+                <a:buFontTx/>
+                <a:buNone/>
+                <a:tabLst/>
+                <a:defRPr/>
+              </a:pPr>
+              <a:t>32</a:t>
+            </a:fld>
+            <a:endParaRPr kumimoji="0" lang="en-US" sz="800" b="1" i="0" u="none" strike="noStrike" kern="1200" cap="none" spc="0" normalizeH="0" baseline="0" noProof="0" dirty="0">
+              <a:ln>
+                <a:noFill/>
+              </a:ln>
+              <a:solidFill>
+                <a:srgbClr val="FEFEFE"/>
+              </a:solidFill>
+              <a:effectLst/>
+              <a:uLnTx/>
+              <a:uFillTx/>
+              <a:latin typeface="Calibri Light"/>
+              <a:ea typeface="+mn-ea"/>
+              <a:cs typeface="+mn-cs"/>
+            </a:endParaRPr>
+          </a:p>
+        </p:txBody>
+      </p:sp>
+      <p:pic>
+        <p:nvPicPr>
+          <p:cNvPr id="3" name="Picture 2">
+            <a:extLst>
+              <a:ext uri="{FF2B5EF4-FFF2-40B4-BE49-F238E27FC236}">
+                <a16:creationId xmlns:a16="http://schemas.microsoft.com/office/drawing/2014/main" id="{49C0C7AC-1C41-472F-8C83-6A78E1362CA6}"/>
+              </a:ext>
+            </a:extLst>
+          </p:cNvPr>
+          <p:cNvPicPr>
+            <a:picLocks noChangeAspect="1"/>
+          </p:cNvPicPr>
+          <p:nvPr/>
+        </p:nvPicPr>
+        <p:blipFill>
+          <a:blip r:embed="rId2"/>
+          <a:stretch>
+            <a:fillRect/>
+          </a:stretch>
+        </p:blipFill>
+        <p:spPr>
+          <a:xfrm>
+            <a:off x="1074188" y="972561"/>
+            <a:ext cx="6339253" cy="3548604"/>
+          </a:xfrm>
+          <a:prstGeom prst="rect">
+            <a:avLst/>
+          </a:prstGeom>
+        </p:spPr>
+      </p:pic>
+    </p:spTree>
+    <p:extLst>
+      <p:ext uri="{BB962C8B-B14F-4D97-AF65-F5344CB8AC3E}">
+        <p14:creationId xmlns:p14="http://schemas.microsoft.com/office/powerpoint/2010/main" val="4161658628"/>
+      </p:ext>
+    </p:extLst>
+  </p:cSld>
+  <p:clrMapOvr>
+    <a:masterClrMapping/>
+  </p:clrMapOvr>
+</p:sld>
+</file>
+
+<file path=ppt/slides/slide33.xml><?xml version="1.0" encoding="utf-8"?>
+<p:sld xmlns:a="http://schemas.openxmlformats.org/drawingml/2006/main" xmlns:r="http://schemas.openxmlformats.org/officeDocument/2006/relationships" xmlns:p="http://schemas.openxmlformats.org/presentationml/2006/main">
+  <p:cSld>
+    <p:spTree>
+      <p:nvGrpSpPr>
+        <p:cNvPr id="1" name=""/>
+        <p:cNvGrpSpPr/>
+        <p:nvPr/>
+      </p:nvGrpSpPr>
+      <p:grpSpPr>
+        <a:xfrm>
+          <a:off x="0" y="0"/>
+          <a:ext cx="0" cy="0"/>
+          <a:chOff x="0" y="0"/>
+          <a:chExt cx="0" cy="0"/>
+        </a:xfrm>
+      </p:grpSpPr>
+      <p:sp>
+        <p:nvSpPr>
+          <p:cNvPr id="2" name="Title 1"/>
+          <p:cNvSpPr>
+            <a:spLocks noGrp="1"/>
+          </p:cNvSpPr>
+          <p:nvPr>
+            <p:ph type="title"/>
+          </p:nvPr>
+        </p:nvSpPr>
+        <p:spPr/>
+        <p:txBody>
+          <a:bodyPr/>
+          <a:lstStyle/>
+          <a:p>
+            <a:r>
+              <a:rPr lang="en-US" dirty="0"/>
+              <a:t>Two types of adapter realization</a:t>
+            </a:r>
+          </a:p>
+        </p:txBody>
+      </p:sp>
+      <p:sp>
+        <p:nvSpPr>
+          <p:cNvPr id="3" name="Content Placeholder 2"/>
+          <p:cNvSpPr>
+            <a:spLocks noGrp="1"/>
+          </p:cNvSpPr>
+          <p:nvPr>
+            <p:ph sz="quarter" idx="10"/>
+          </p:nvPr>
+        </p:nvSpPr>
+        <p:spPr>
+          <a:xfrm>
+            <a:off x="357188" y="1079500"/>
+            <a:ext cx="8429625" cy="1675423"/>
+          </a:xfrm>
+        </p:spPr>
+        <p:txBody>
+          <a:bodyPr/>
+          <a:lstStyle/>
+          <a:p>
+            <a:r>
+              <a:rPr lang="en-US" dirty="0"/>
+              <a:t>object realization via composition;</a:t>
+            </a:r>
+          </a:p>
+          <a:p>
+            <a:r>
+              <a:rPr lang="en-US" dirty="0"/>
+              <a:t>class realization via inheritance.</a:t>
+            </a:r>
+            <a:endParaRPr lang="en-US" sz="1600" dirty="0"/>
+          </a:p>
+        </p:txBody>
+      </p:sp>
+      <p:sp>
+        <p:nvSpPr>
+          <p:cNvPr id="4" name="TextBox 3">
+            <a:extLst>
+              <a:ext uri="{FF2B5EF4-FFF2-40B4-BE49-F238E27FC236}">
+                <a16:creationId xmlns:a16="http://schemas.microsoft.com/office/drawing/2014/main" id="{A5550BAA-4A93-7C4F-9F93-F6DAD9B885B8}"/>
+              </a:ext>
+            </a:extLst>
+          </p:cNvPr>
+          <p:cNvSpPr txBox="1"/>
+          <p:nvPr/>
+        </p:nvSpPr>
+        <p:spPr>
+          <a:xfrm>
+            <a:off x="943583" y="4877348"/>
+            <a:ext cx="2422187" cy="200055"/>
+          </a:xfrm>
+          <a:prstGeom prst="rect">
+            <a:avLst/>
+          </a:prstGeom>
+          <a:noFill/>
+        </p:spPr>
+        <p:txBody>
+          <a:bodyPr wrap="square" rtlCol="0">
+            <a:spAutoFit/>
+          </a:bodyPr>
+          <a:lstStyle/>
+          <a:p>
+            <a:pPr marL="0" marR="0" lvl="0" indent="0" algn="l" defTabSz="685800" rtl="0" eaLnBrk="1" fontAlgn="auto" latinLnBrk="0" hangingPunct="1">
+              <a:lnSpc>
+                <a:spcPct val="100000"/>
+              </a:lnSpc>
+              <a:spcBef>
+                <a:spcPts val="0"/>
+              </a:spcBef>
+              <a:spcAft>
+                <a:spcPts val="0"/>
+              </a:spcAft>
+              <a:buClrTx/>
+              <a:buSzTx/>
+              <a:buFontTx/>
+              <a:buNone/>
+              <a:tabLst/>
+              <a:defRPr/>
+            </a:pPr>
+            <a:r>
+              <a:rPr kumimoji="0" lang="en-US" sz="700" b="0" i="0" u="none" strike="noStrike" kern="1200" cap="none" spc="0" normalizeH="0" baseline="0" noProof="0" dirty="0">
+                <a:ln>
+                  <a:noFill/>
+                </a:ln>
+                <a:solidFill>
+                  <a:srgbClr val="FFFFFF"/>
+                </a:solidFill>
+                <a:effectLst/>
+                <a:uLnTx/>
+                <a:uFillTx/>
+                <a:latin typeface="Calibri Light"/>
+                <a:ea typeface="+mn-ea"/>
+                <a:cs typeface="+mn-cs"/>
+              </a:rPr>
+              <a:t>CONFIDENTIAL  |  © 2019 EPAM Systems, Inc.</a:t>
+            </a:r>
+            <a:endParaRPr kumimoji="0" lang="en-US" sz="700" b="0" i="0" u="none" strike="noStrike" kern="1200" cap="none" spc="0" normalizeH="0" baseline="0" noProof="0" dirty="0">
+              <a:ln>
+                <a:noFill/>
+              </a:ln>
+              <a:solidFill>
+                <a:srgbClr val="222222"/>
+              </a:solidFill>
+              <a:effectLst/>
+              <a:uLnTx/>
+              <a:uFillTx/>
+              <a:latin typeface="Calibri Light"/>
+              <a:ea typeface="+mn-ea"/>
+              <a:cs typeface="+mn-cs"/>
+            </a:endParaRPr>
+          </a:p>
+        </p:txBody>
+      </p:sp>
+    </p:spTree>
+    <p:extLst>
+      <p:ext uri="{BB962C8B-B14F-4D97-AF65-F5344CB8AC3E}">
+        <p14:creationId xmlns:p14="http://schemas.microsoft.com/office/powerpoint/2010/main" val="2455055120"/>
+      </p:ext>
+    </p:extLst>
+  </p:cSld>
+  <p:clrMapOvr>
+    <a:masterClrMapping/>
+  </p:clrMapOvr>
+</p:sld>
+</file>
+
+<file path=ppt/slides/slide34.xml><?xml version="1.0" encoding="utf-8"?>
+<p:sld xmlns:a="http://schemas.openxmlformats.org/drawingml/2006/main" xmlns:r="http://schemas.openxmlformats.org/officeDocument/2006/relationships" xmlns:p="http://schemas.openxmlformats.org/presentationml/2006/main">
+  <p:cSld>
+    <p:spTree>
+      <p:nvGrpSpPr>
+        <p:cNvPr id="1" name=""/>
+        <p:cNvGrpSpPr/>
+        <p:nvPr/>
+      </p:nvGrpSpPr>
+      <p:grpSpPr>
+        <a:xfrm>
+          <a:off x="0" y="0"/>
+          <a:ext cx="0" cy="0"/>
+          <a:chOff x="0" y="0"/>
+          <a:chExt cx="0" cy="0"/>
+        </a:xfrm>
+      </p:grpSpPr>
+      <p:sp>
+        <p:nvSpPr>
+          <p:cNvPr id="3" name="Title 2"/>
+          <p:cNvSpPr>
+            <a:spLocks noGrp="1"/>
+          </p:cNvSpPr>
+          <p:nvPr>
+            <p:ph type="title"/>
+          </p:nvPr>
+        </p:nvSpPr>
+        <p:spPr/>
+        <p:txBody>
+          <a:bodyPr/>
+          <a:lstStyle/>
+          <a:p>
+            <a:r>
+              <a:rPr lang="en-US" dirty="0"/>
+              <a:t>Applicability</a:t>
+            </a:r>
+          </a:p>
+        </p:txBody>
+      </p:sp>
+      <p:sp>
+        <p:nvSpPr>
+          <p:cNvPr id="4" name="Content Placeholder 3"/>
+          <p:cNvSpPr>
+            <a:spLocks noGrp="1"/>
+          </p:cNvSpPr>
+          <p:nvPr>
+            <p:ph sz="quarter" idx="10"/>
+          </p:nvPr>
+        </p:nvSpPr>
+        <p:spPr>
+          <a:xfrm>
+            <a:off x="357189" y="1422400"/>
+            <a:ext cx="6506674" cy="1350108"/>
+          </a:xfrm>
+        </p:spPr>
+        <p:txBody>
+          <a:bodyPr/>
+          <a:lstStyle/>
+          <a:p>
+            <a:r>
+              <a:rPr lang="en-US" dirty="0"/>
+              <a:t>you want to use an existing class, and its interface does not match the one you need.</a:t>
+            </a:r>
+          </a:p>
+          <a:p>
+            <a:r>
+              <a:rPr lang="en-US" dirty="0"/>
+              <a:t>you want to create a reusable class that cooperates with unrelated or unforeseen classes, that is, classes that don’t necessarily have compatible interfaces.</a:t>
+            </a:r>
+          </a:p>
+          <a:p>
+            <a:r>
+              <a:rPr lang="en-US" dirty="0"/>
+              <a:t>(object adapter only) you need to use several existing subclasses, but it’s unpractical to adapt their interface by </a:t>
+            </a:r>
+            <a:r>
+              <a:rPr lang="en-US" dirty="0" err="1"/>
+              <a:t>subclassing</a:t>
+            </a:r>
+            <a:r>
+              <a:rPr lang="en-US" dirty="0"/>
+              <a:t> every one. An object adapter can adapt the interface of its parent class.</a:t>
+            </a:r>
+          </a:p>
+        </p:txBody>
+      </p:sp>
+      <p:sp>
+        <p:nvSpPr>
+          <p:cNvPr id="5" name="Slide Number Placeholder 4">
+            <a:extLst>
+              <a:ext uri="{FF2B5EF4-FFF2-40B4-BE49-F238E27FC236}">
+                <a16:creationId xmlns:a16="http://schemas.microsoft.com/office/drawing/2014/main" id="{D695E08B-236F-5B4F-801C-4C75369E005C}"/>
+              </a:ext>
+            </a:extLst>
+          </p:cNvPr>
+          <p:cNvSpPr>
+            <a:spLocks noGrp="1"/>
+          </p:cNvSpPr>
+          <p:nvPr>
+            <p:ph type="sldNum" sz="quarter" idx="4"/>
+          </p:nvPr>
+        </p:nvSpPr>
+        <p:spPr/>
+        <p:txBody>
+          <a:bodyPr/>
+          <a:lstStyle/>
+          <a:p>
+            <a:pPr marL="0" marR="0" lvl="0" indent="0" algn="r" defTabSz="685800" rtl="0" eaLnBrk="1" fontAlgn="auto" latinLnBrk="0" hangingPunct="1">
+              <a:lnSpc>
+                <a:spcPct val="100000"/>
+              </a:lnSpc>
+              <a:spcBef>
+                <a:spcPts val="0"/>
+              </a:spcBef>
+              <a:spcAft>
+                <a:spcPts val="0"/>
+              </a:spcAft>
+              <a:buClrTx/>
+              <a:buSzTx/>
+              <a:buFontTx/>
+              <a:buNone/>
+              <a:tabLst/>
+              <a:defRPr/>
+            </a:pPr>
+            <a:fld id="{3A707DD9-E92B-45E8-BE0A-E6B2EDF345EB}" type="slidenum">
+              <a:rPr kumimoji="0" lang="en-US" sz="800" b="1" i="0" u="none" strike="noStrike" kern="1200" cap="none" spc="0" normalizeH="0" baseline="0" noProof="0" smtClean="0">
+                <a:ln>
+                  <a:noFill/>
+                </a:ln>
+                <a:solidFill>
+                  <a:srgbClr val="FEFEFE"/>
+                </a:solidFill>
+                <a:effectLst/>
+                <a:uLnTx/>
+                <a:uFillTx/>
+                <a:latin typeface="Calibri Light"/>
+                <a:ea typeface="+mn-ea"/>
+                <a:cs typeface="+mn-cs"/>
+              </a:rPr>
+              <a:pPr marL="0" marR="0" lvl="0" indent="0" algn="r" defTabSz="685800" rtl="0" eaLnBrk="1" fontAlgn="auto" latinLnBrk="0" hangingPunct="1">
+                <a:lnSpc>
+                  <a:spcPct val="100000"/>
+                </a:lnSpc>
+                <a:spcBef>
+                  <a:spcPts val="0"/>
+                </a:spcBef>
+                <a:spcAft>
+                  <a:spcPts val="0"/>
+                </a:spcAft>
+                <a:buClrTx/>
+                <a:buSzTx/>
+                <a:buFontTx/>
+                <a:buNone/>
+                <a:tabLst/>
+                <a:defRPr/>
+              </a:pPr>
+              <a:t>34</a:t>
+            </a:fld>
+            <a:endParaRPr kumimoji="0" lang="en-US" sz="800" b="1" i="0" u="none" strike="noStrike" kern="1200" cap="none" spc="0" normalizeH="0" baseline="0" noProof="0" dirty="0">
+              <a:ln>
+                <a:noFill/>
+              </a:ln>
+              <a:solidFill>
+                <a:srgbClr val="FEFEFE"/>
+              </a:solidFill>
+              <a:effectLst/>
+              <a:uLnTx/>
+              <a:uFillTx/>
+              <a:latin typeface="Calibri Light"/>
+              <a:ea typeface="+mn-ea"/>
+              <a:cs typeface="+mn-cs"/>
+            </a:endParaRPr>
+          </a:p>
+        </p:txBody>
+      </p:sp>
+    </p:spTree>
+    <p:extLst>
+      <p:ext uri="{BB962C8B-B14F-4D97-AF65-F5344CB8AC3E}">
+        <p14:creationId xmlns:p14="http://schemas.microsoft.com/office/powerpoint/2010/main" val="119989886"/>
+      </p:ext>
+    </p:extLst>
+  </p:cSld>
+  <p:clrMapOvr>
+    <a:masterClrMapping/>
+  </p:clrMapOvr>
+</p:sld>
+</file>
+
+<file path=ppt/slides/slide35.xml><?xml version="1.0" encoding="utf-8"?>
+<p:sld xmlns:a="http://schemas.openxmlformats.org/drawingml/2006/main" xmlns:r="http://schemas.openxmlformats.org/officeDocument/2006/relationships" xmlns:p="http://schemas.openxmlformats.org/presentationml/2006/main">
+  <p:cSld>
+    <p:spTree>
+      <p:nvGrpSpPr>
+        <p:cNvPr id="1" name=""/>
+        <p:cNvGrpSpPr/>
+        <p:nvPr/>
+      </p:nvGrpSpPr>
+      <p:grpSpPr>
+        <a:xfrm>
+          <a:off x="0" y="0"/>
+          <a:ext cx="0" cy="0"/>
+          <a:chOff x="0" y="0"/>
+          <a:chExt cx="0" cy="0"/>
+        </a:xfrm>
+      </p:grpSpPr>
+      <p:sp>
+        <p:nvSpPr>
+          <p:cNvPr id="7" name="Title 6"/>
+          <p:cNvSpPr>
+            <a:spLocks noGrp="1"/>
+          </p:cNvSpPr>
+          <p:nvPr>
+            <p:ph type="title"/>
+          </p:nvPr>
+        </p:nvSpPr>
+        <p:spPr/>
+        <p:txBody>
+          <a:bodyPr/>
+          <a:lstStyle/>
+          <a:p>
+            <a:endParaRPr lang="en-US"/>
+          </a:p>
+        </p:txBody>
+      </p:sp>
+      <p:sp>
+        <p:nvSpPr>
+          <p:cNvPr id="8" name="Content Placeholder 7"/>
+          <p:cNvSpPr>
+            <a:spLocks noGrp="1"/>
+          </p:cNvSpPr>
+          <p:nvPr>
+            <p:ph sz="quarter" idx="10"/>
+          </p:nvPr>
+        </p:nvSpPr>
+        <p:spPr/>
+        <p:txBody>
+          <a:bodyPr/>
+          <a:lstStyle/>
+          <a:p>
+            <a:endParaRPr lang="en-US" dirty="0"/>
+          </a:p>
+        </p:txBody>
+      </p:sp>
+      <p:sp>
+        <p:nvSpPr>
+          <p:cNvPr id="9" name="Content Placeholder 8"/>
+          <p:cNvSpPr>
+            <a:spLocks noGrp="1"/>
+          </p:cNvSpPr>
+          <p:nvPr>
+            <p:ph sz="quarter" idx="11"/>
+          </p:nvPr>
+        </p:nvSpPr>
+        <p:spPr/>
+        <p:txBody>
+          <a:bodyPr/>
+          <a:lstStyle/>
+          <a:p>
+            <a:endParaRPr lang="en-US"/>
+          </a:p>
+        </p:txBody>
+      </p:sp>
+      <p:sp>
+        <p:nvSpPr>
+          <p:cNvPr id="5" name="Slide Number Placeholder 4">
+            <a:extLst>
+              <a:ext uri="{FF2B5EF4-FFF2-40B4-BE49-F238E27FC236}">
+                <a16:creationId xmlns:a16="http://schemas.microsoft.com/office/drawing/2014/main" id="{A0B887B2-5B81-1D4E-A26D-E8BF86D8C354}"/>
+              </a:ext>
+            </a:extLst>
+          </p:cNvPr>
+          <p:cNvSpPr>
+            <a:spLocks noGrp="1"/>
+          </p:cNvSpPr>
+          <p:nvPr>
+            <p:ph type="sldNum" sz="quarter" idx="4"/>
+          </p:nvPr>
+        </p:nvSpPr>
+        <p:spPr/>
+        <p:txBody>
+          <a:bodyPr/>
+          <a:lstStyle/>
+          <a:p>
+            <a:fld id="{3A707DD9-E92B-45E8-BE0A-E6B2EDF345EB}" type="slidenum">
+              <a:rPr lang="en-US" smtClean="0"/>
+              <a:pPr/>
+              <a:t>35</a:t>
+            </a:fld>
+            <a:endParaRPr lang="en-US" dirty="0"/>
+          </a:p>
+        </p:txBody>
+      </p:sp>
+    </p:spTree>
+    <p:extLst>
+      <p:ext uri="{BB962C8B-B14F-4D97-AF65-F5344CB8AC3E}">
+        <p14:creationId xmlns:p14="http://schemas.microsoft.com/office/powerpoint/2010/main" val="1741000056"/>
+      </p:ext>
+    </p:extLst>
+  </p:cSld>
+  <p:clrMapOvr>
+    <a:masterClrMapping/>
+  </p:clrMapOvr>
+</p:sld>
+</file>
+
+<file path=ppt/slides/slide36.xml><?xml version="1.0" encoding="utf-8"?>
+<p:sld xmlns:a="http://schemas.openxmlformats.org/drawingml/2006/main" xmlns:r="http://schemas.openxmlformats.org/officeDocument/2006/relationships" xmlns:p="http://schemas.openxmlformats.org/presentationml/2006/main">
+  <p:cSld>
+    <p:spTree>
+      <p:nvGrpSpPr>
+        <p:cNvPr id="1" name=""/>
+        <p:cNvGrpSpPr/>
+        <p:nvPr/>
+      </p:nvGrpSpPr>
+      <p:grpSpPr>
+        <a:xfrm>
+          <a:off x="0" y="0"/>
+          <a:ext cx="0" cy="0"/>
+          <a:chOff x="0" y="0"/>
+          <a:chExt cx="0" cy="0"/>
+        </a:xfrm>
+      </p:grpSpPr>
+      <p:sp>
+        <p:nvSpPr>
+          <p:cNvPr id="3" name="Title 2"/>
+          <p:cNvSpPr>
+            <a:spLocks noGrp="1"/>
+          </p:cNvSpPr>
+          <p:nvPr>
+            <p:ph type="title"/>
+          </p:nvPr>
+        </p:nvSpPr>
+        <p:spPr/>
+        <p:txBody>
+          <a:bodyPr/>
+          <a:lstStyle/>
+          <a:p>
+            <a:endParaRPr lang="en-US"/>
+          </a:p>
+        </p:txBody>
+      </p:sp>
+      <p:sp>
+        <p:nvSpPr>
+          <p:cNvPr id="4" name="Content Placeholder 3"/>
+          <p:cNvSpPr>
+            <a:spLocks noGrp="1"/>
+          </p:cNvSpPr>
+          <p:nvPr>
+            <p:ph sz="quarter" idx="10"/>
+          </p:nvPr>
+        </p:nvSpPr>
+        <p:spPr/>
+        <p:txBody>
+          <a:bodyPr/>
+          <a:lstStyle/>
+          <a:p>
+            <a:endParaRPr lang="en-US"/>
+          </a:p>
+        </p:txBody>
+      </p:sp>
+      <p:sp>
+        <p:nvSpPr>
+          <p:cNvPr id="9" name="Text Placeholder 8"/>
+          <p:cNvSpPr>
+            <a:spLocks noGrp="1"/>
+          </p:cNvSpPr>
+          <p:nvPr>
+            <p:ph type="body" sz="quarter" idx="11"/>
+          </p:nvPr>
+        </p:nvSpPr>
+        <p:spPr/>
+        <p:txBody>
+          <a:bodyPr/>
+          <a:lstStyle/>
+          <a:p>
+            <a:endParaRPr lang="en-US"/>
+          </a:p>
+        </p:txBody>
+      </p:sp>
+      <p:sp>
+        <p:nvSpPr>
+          <p:cNvPr id="5" name="Slide Number Placeholder 4">
+            <a:extLst>
+              <a:ext uri="{FF2B5EF4-FFF2-40B4-BE49-F238E27FC236}">
+                <a16:creationId xmlns:a16="http://schemas.microsoft.com/office/drawing/2014/main" id="{D695E08B-236F-5B4F-801C-4C75369E005C}"/>
+              </a:ext>
+            </a:extLst>
+          </p:cNvPr>
+          <p:cNvSpPr>
+            <a:spLocks noGrp="1"/>
+          </p:cNvSpPr>
+          <p:nvPr>
+            <p:ph type="sldNum" sz="quarter" idx="4"/>
+          </p:nvPr>
+        </p:nvSpPr>
+        <p:spPr/>
+        <p:txBody>
+          <a:bodyPr/>
+          <a:lstStyle/>
+          <a:p>
+            <a:fld id="{3A707DD9-E92B-45E8-BE0A-E6B2EDF345EB}" type="slidenum">
+              <a:rPr lang="en-US" smtClean="0"/>
+              <a:pPr/>
+              <a:t>36</a:t>
+            </a:fld>
+            <a:endParaRPr lang="en-US" dirty="0"/>
+          </a:p>
+        </p:txBody>
+      </p:sp>
+    </p:spTree>
+    <p:extLst>
+      <p:ext uri="{BB962C8B-B14F-4D97-AF65-F5344CB8AC3E}">
+        <p14:creationId xmlns:p14="http://schemas.microsoft.com/office/powerpoint/2010/main" val="2383520111"/>
+      </p:ext>
+    </p:extLst>
+  </p:cSld>
+  <p:clrMapOvr>
+    <a:masterClrMapping/>
+  </p:clrMapOvr>
+</p:sld>
+</file>
+
+<file path=ppt/slides/slide37.xml><?xml version="1.0" encoding="utf-8"?>
+<p:sld xmlns:a="http://schemas.openxmlformats.org/drawingml/2006/main" xmlns:r="http://schemas.openxmlformats.org/officeDocument/2006/relationships" xmlns:p="http://schemas.openxmlformats.org/presentationml/2006/main">
+  <p:cSld>
+    <p:spTree>
+      <p:nvGrpSpPr>
+        <p:cNvPr id="1" name=""/>
+        <p:cNvGrpSpPr/>
+        <p:nvPr/>
+      </p:nvGrpSpPr>
+      <p:grpSpPr>
+        <a:xfrm>
+          <a:off x="0" y="0"/>
+          <a:ext cx="0" cy="0"/>
+          <a:chOff x="0" y="0"/>
+          <a:chExt cx="0" cy="0"/>
+        </a:xfrm>
+      </p:grpSpPr>
+      <p:sp>
+        <p:nvSpPr>
+          <p:cNvPr id="3" name="Title 2"/>
+          <p:cNvSpPr>
+            <a:spLocks noGrp="1"/>
+          </p:cNvSpPr>
+          <p:nvPr>
+            <p:ph type="title"/>
+          </p:nvPr>
+        </p:nvSpPr>
+        <p:spPr/>
+        <p:txBody>
+          <a:bodyPr/>
+          <a:lstStyle/>
+          <a:p>
+            <a:endParaRPr lang="en-US"/>
+          </a:p>
+        </p:txBody>
+      </p:sp>
+      <p:sp>
+        <p:nvSpPr>
+          <p:cNvPr id="4" name="Content Placeholder 3"/>
+          <p:cNvSpPr>
+            <a:spLocks noGrp="1"/>
+          </p:cNvSpPr>
+          <p:nvPr>
+            <p:ph sz="quarter" idx="10"/>
+          </p:nvPr>
+        </p:nvSpPr>
+        <p:spPr/>
+        <p:txBody>
+          <a:bodyPr/>
+          <a:lstStyle/>
+          <a:p>
+            <a:endParaRPr lang="en-US"/>
+          </a:p>
+        </p:txBody>
+      </p:sp>
+      <p:sp>
+        <p:nvSpPr>
+          <p:cNvPr id="11" name="Text Placeholder 10"/>
+          <p:cNvSpPr>
+            <a:spLocks noGrp="1"/>
+          </p:cNvSpPr>
+          <p:nvPr>
+            <p:ph type="body" sz="quarter" idx="11"/>
+          </p:nvPr>
+        </p:nvSpPr>
+        <p:spPr/>
+        <p:txBody>
+          <a:bodyPr/>
+          <a:lstStyle/>
+          <a:p>
+            <a:endParaRPr lang="en-US"/>
+          </a:p>
+        </p:txBody>
+      </p:sp>
+      <p:sp>
+        <p:nvSpPr>
+          <p:cNvPr id="12" name="Content Placeholder 11"/>
+          <p:cNvSpPr>
+            <a:spLocks noGrp="1"/>
+          </p:cNvSpPr>
+          <p:nvPr>
+            <p:ph sz="quarter" idx="12"/>
+          </p:nvPr>
+        </p:nvSpPr>
+        <p:spPr/>
+        <p:txBody>
+          <a:bodyPr/>
+          <a:lstStyle/>
+          <a:p>
+            <a:endParaRPr lang="en-US"/>
+          </a:p>
+        </p:txBody>
+      </p:sp>
+      <p:sp>
+        <p:nvSpPr>
+          <p:cNvPr id="13" name="Text Placeholder 12"/>
+          <p:cNvSpPr>
+            <a:spLocks noGrp="1"/>
+          </p:cNvSpPr>
+          <p:nvPr>
+            <p:ph type="body" sz="quarter" idx="13"/>
+          </p:nvPr>
+        </p:nvSpPr>
+        <p:spPr/>
+        <p:txBody>
+          <a:bodyPr/>
+          <a:lstStyle/>
+          <a:p>
+            <a:endParaRPr lang="en-US"/>
+          </a:p>
+        </p:txBody>
+      </p:sp>
+      <p:sp>
+        <p:nvSpPr>
+          <p:cNvPr id="5" name="Slide Number Placeholder 4">
+            <a:extLst>
+              <a:ext uri="{FF2B5EF4-FFF2-40B4-BE49-F238E27FC236}">
+                <a16:creationId xmlns:a16="http://schemas.microsoft.com/office/drawing/2014/main" id="{E20845A9-188B-8049-BCF6-C7A00D112623}"/>
+              </a:ext>
+            </a:extLst>
+          </p:cNvPr>
+          <p:cNvSpPr>
+            <a:spLocks noGrp="1"/>
+          </p:cNvSpPr>
+          <p:nvPr>
+            <p:ph type="sldNum" sz="quarter" idx="4"/>
+          </p:nvPr>
+        </p:nvSpPr>
+        <p:spPr/>
+        <p:txBody>
+          <a:bodyPr/>
+          <a:lstStyle/>
+          <a:p>
+            <a:fld id="{3A707DD9-E92B-45E8-BE0A-E6B2EDF345EB}" type="slidenum">
+              <a:rPr lang="en-US" smtClean="0"/>
+              <a:pPr/>
+              <a:t>37</a:t>
+            </a:fld>
+            <a:endParaRPr lang="en-US" dirty="0"/>
+          </a:p>
+        </p:txBody>
+      </p:sp>
+    </p:spTree>
+    <p:extLst>
+      <p:ext uri="{BB962C8B-B14F-4D97-AF65-F5344CB8AC3E}">
+        <p14:creationId xmlns:p14="http://schemas.microsoft.com/office/powerpoint/2010/main" val="45426372"/>
+      </p:ext>
+    </p:extLst>
+  </p:cSld>
+  <p:clrMapOvr>
+    <a:masterClrMapping/>
+  </p:clrMapOvr>
+</p:sld>
+</file>
+
+<file path=ppt/slides/slide38.xml><?xml version="1.0" encoding="utf-8"?>
+<p:sld xmlns:a="http://schemas.openxmlformats.org/drawingml/2006/main" xmlns:r="http://schemas.openxmlformats.org/officeDocument/2006/relationships" xmlns:p="http://schemas.openxmlformats.org/presentationml/2006/main">
+  <p:cSld>
+    <p:spTree>
+      <p:nvGrpSpPr>
+        <p:cNvPr id="1" name=""/>
+        <p:cNvGrpSpPr/>
+        <p:nvPr/>
+      </p:nvGrpSpPr>
+      <p:grpSpPr>
+        <a:xfrm>
+          <a:off x="0" y="0"/>
+          <a:ext cx="0" cy="0"/>
+          <a:chOff x="0" y="0"/>
+          <a:chExt cx="0" cy="0"/>
+        </a:xfrm>
+      </p:grpSpPr>
+      <p:sp>
+        <p:nvSpPr>
+          <p:cNvPr id="3" name="Title 2"/>
+          <p:cNvSpPr>
+            <a:spLocks noGrp="1"/>
+          </p:cNvSpPr>
+          <p:nvPr>
+            <p:ph type="title"/>
+          </p:nvPr>
+        </p:nvSpPr>
+        <p:spPr/>
+        <p:txBody>
+          <a:bodyPr/>
+          <a:lstStyle/>
+          <a:p>
+            <a:endParaRPr lang="en-US"/>
+          </a:p>
+        </p:txBody>
+      </p:sp>
+      <p:sp>
+        <p:nvSpPr>
+          <p:cNvPr id="4" name="Content Placeholder 3"/>
+          <p:cNvSpPr>
+            <a:spLocks noGrp="1"/>
+          </p:cNvSpPr>
+          <p:nvPr>
+            <p:ph sz="quarter" idx="10"/>
+          </p:nvPr>
+        </p:nvSpPr>
+        <p:spPr/>
+        <p:txBody>
+          <a:bodyPr/>
+          <a:lstStyle/>
+          <a:p>
+            <a:endParaRPr lang="en-US"/>
+          </a:p>
+        </p:txBody>
+      </p:sp>
+      <p:sp>
+        <p:nvSpPr>
+          <p:cNvPr id="5" name="Picture Placeholder 4"/>
+          <p:cNvSpPr>
+            <a:spLocks noGrp="1"/>
+          </p:cNvSpPr>
+          <p:nvPr>
+            <p:ph type="pic" sz="quarter" idx="11"/>
+          </p:nvPr>
+        </p:nvSpPr>
+        <p:spPr/>
+      </p:sp>
+      <p:sp>
+        <p:nvSpPr>
+          <p:cNvPr id="7" name="Slide Number Placeholder 6">
+            <a:extLst>
+              <a:ext uri="{FF2B5EF4-FFF2-40B4-BE49-F238E27FC236}">
+                <a16:creationId xmlns:a16="http://schemas.microsoft.com/office/drawing/2014/main" id="{82727CB5-094D-B940-A7AF-F67F1ED37934}"/>
+              </a:ext>
+            </a:extLst>
+          </p:cNvPr>
+          <p:cNvSpPr>
+            <a:spLocks noGrp="1"/>
+          </p:cNvSpPr>
+          <p:nvPr>
+            <p:ph type="sldNum" sz="quarter" idx="4"/>
+          </p:nvPr>
+        </p:nvSpPr>
+        <p:spPr/>
+        <p:txBody>
+          <a:bodyPr/>
+          <a:lstStyle/>
+          <a:p>
+            <a:fld id="{3A707DD9-E92B-45E8-BE0A-E6B2EDF345EB}" type="slidenum">
+              <a:rPr lang="en-US" smtClean="0"/>
+              <a:pPr/>
+              <a:t>38</a:t>
+            </a:fld>
+            <a:endParaRPr lang="en-US" dirty="0"/>
+          </a:p>
+        </p:txBody>
+      </p:sp>
+    </p:spTree>
+    <p:extLst>
+      <p:ext uri="{BB962C8B-B14F-4D97-AF65-F5344CB8AC3E}">
+        <p14:creationId xmlns:p14="http://schemas.microsoft.com/office/powerpoint/2010/main" val="1758515591"/>
+      </p:ext>
+    </p:extLst>
+  </p:cSld>
+  <p:clrMapOvr>
+    <a:masterClrMapping/>
+  </p:clrMapOvr>
+</p:sld>
+</file>
+
+<file path=ppt/slides/slide39.xml><?xml version="1.0" encoding="utf-8"?>
+<p:sld xmlns:a="http://schemas.openxmlformats.org/drawingml/2006/main" xmlns:r="http://schemas.openxmlformats.org/officeDocument/2006/relationships" xmlns:p="http://schemas.openxmlformats.org/presentationml/2006/main">
+  <p:cSld>
+    <p:spTree>
+      <p:nvGrpSpPr>
+        <p:cNvPr id="1" name=""/>
+        <p:cNvGrpSpPr/>
+        <p:nvPr/>
+      </p:nvGrpSpPr>
+      <p:grpSpPr>
+        <a:xfrm>
+          <a:off x="0" y="0"/>
+          <a:ext cx="0" cy="0"/>
+          <a:chOff x="0" y="0"/>
+          <a:chExt cx="0" cy="0"/>
+        </a:xfrm>
+      </p:grpSpPr>
+      <p:sp>
+        <p:nvSpPr>
+          <p:cNvPr id="3" name="Title 2"/>
+          <p:cNvSpPr>
+            <a:spLocks noGrp="1"/>
+          </p:cNvSpPr>
+          <p:nvPr>
+            <p:ph type="title"/>
+          </p:nvPr>
+        </p:nvSpPr>
+        <p:spPr/>
+        <p:txBody>
+          <a:bodyPr/>
+          <a:lstStyle/>
+          <a:p>
+            <a:endParaRPr lang="en-US"/>
+          </a:p>
+        </p:txBody>
+      </p:sp>
+      <p:sp>
+        <p:nvSpPr>
+          <p:cNvPr id="4" name="Content Placeholder 3"/>
+          <p:cNvSpPr>
+            <a:spLocks noGrp="1"/>
+          </p:cNvSpPr>
+          <p:nvPr>
+            <p:ph sz="quarter" idx="10"/>
+          </p:nvPr>
+        </p:nvSpPr>
+        <p:spPr/>
+        <p:txBody>
+          <a:bodyPr/>
+          <a:lstStyle/>
+          <a:p>
+            <a:endParaRPr lang="en-US"/>
+          </a:p>
+        </p:txBody>
+      </p:sp>
+      <p:sp>
+        <p:nvSpPr>
+          <p:cNvPr id="10" name="Picture Placeholder 9"/>
+          <p:cNvSpPr>
+            <a:spLocks noGrp="1"/>
+          </p:cNvSpPr>
+          <p:nvPr>
+            <p:ph type="pic" sz="quarter" idx="11"/>
+          </p:nvPr>
+        </p:nvSpPr>
+        <p:spPr/>
+      </p:sp>
+      <p:sp>
+        <p:nvSpPr>
+          <p:cNvPr id="11" name="Text Placeholder 10"/>
+          <p:cNvSpPr>
+            <a:spLocks noGrp="1"/>
+          </p:cNvSpPr>
+          <p:nvPr>
+            <p:ph type="body" sz="quarter" idx="12"/>
+          </p:nvPr>
+        </p:nvSpPr>
+        <p:spPr/>
+        <p:txBody>
+          <a:bodyPr/>
+          <a:lstStyle/>
+          <a:p>
+            <a:endParaRPr lang="en-US"/>
+          </a:p>
+        </p:txBody>
+      </p:sp>
+      <p:sp>
+        <p:nvSpPr>
+          <p:cNvPr id="5" name="Slide Number Placeholder 4">
+            <a:extLst>
+              <a:ext uri="{FF2B5EF4-FFF2-40B4-BE49-F238E27FC236}">
+                <a16:creationId xmlns:a16="http://schemas.microsoft.com/office/drawing/2014/main" id="{67800160-BC63-054B-87DD-D877764D4BC8}"/>
+              </a:ext>
+            </a:extLst>
+          </p:cNvPr>
+          <p:cNvSpPr>
+            <a:spLocks noGrp="1"/>
+          </p:cNvSpPr>
+          <p:nvPr>
+            <p:ph type="sldNum" sz="quarter" idx="4"/>
+          </p:nvPr>
+        </p:nvSpPr>
+        <p:spPr/>
+        <p:txBody>
+          <a:bodyPr/>
+          <a:lstStyle/>
+          <a:p>
+            <a:fld id="{3A707DD9-E92B-45E8-BE0A-E6B2EDF345EB}" type="slidenum">
+              <a:rPr lang="en-US" smtClean="0"/>
+              <a:pPr/>
+              <a:t>39</a:t>
+            </a:fld>
+            <a:endParaRPr lang="en-US" dirty="0"/>
+          </a:p>
+        </p:txBody>
+      </p:sp>
+    </p:spTree>
+    <p:extLst>
+      <p:ext uri="{BB962C8B-B14F-4D97-AF65-F5344CB8AC3E}">
+        <p14:creationId xmlns:p14="http://schemas.microsoft.com/office/powerpoint/2010/main" val="3499599598"/>
+      </p:ext>
+    </p:extLst>
+  </p:cSld>
+  <p:clrMapOvr>
+    <a:masterClrMapping/>
+  </p:clrMapOvr>
+</p:sld>
+</file>
+
+<file path=ppt/slides/slide4.xml><?xml version="1.0" encoding="utf-8"?>
+<p:sld xmlns:a="http://schemas.openxmlformats.org/drawingml/2006/main" xmlns:r="http://schemas.openxmlformats.org/officeDocument/2006/relationships" xmlns:p="http://schemas.openxmlformats.org/presentationml/2006/main">
+  <p:cSld>
+    <p:spTree>
+      <p:nvGrpSpPr>
+        <p:cNvPr id="1" name=""/>
+        <p:cNvGrpSpPr/>
+        <p:nvPr/>
+      </p:nvGrpSpPr>
+      <p:grpSpPr>
+        <a:xfrm>
+          <a:off x="0" y="0"/>
+          <a:ext cx="0" cy="0"/>
+          <a:chOff x="0" y="0"/>
+          <a:chExt cx="0" cy="0"/>
+        </a:xfrm>
+      </p:grpSpPr>
+      <p:sp>
+        <p:nvSpPr>
+          <p:cNvPr id="2" name="Title 1"/>
+          <p:cNvSpPr>
+            <a:spLocks noGrp="1"/>
+          </p:cNvSpPr>
+          <p:nvPr>
+            <p:ph type="title"/>
+          </p:nvPr>
+        </p:nvSpPr>
+        <p:spPr/>
+        <p:txBody>
+          <a:bodyPr/>
+          <a:lstStyle/>
+          <a:p>
+            <a:r>
+              <a:rPr lang="en-US" dirty="0"/>
+              <a:t>Roots</a:t>
+            </a:r>
+          </a:p>
+        </p:txBody>
+      </p:sp>
+      <p:sp>
+        <p:nvSpPr>
+          <p:cNvPr id="3" name="Content Placeholder 2"/>
+          <p:cNvSpPr>
+            <a:spLocks noGrp="1"/>
+          </p:cNvSpPr>
+          <p:nvPr>
+            <p:ph sz="quarter" idx="10"/>
+          </p:nvPr>
+        </p:nvSpPr>
+        <p:spPr/>
+        <p:txBody>
+          <a:bodyPr/>
+          <a:lstStyle/>
+          <a:p>
+            <a:pPr marL="0" indent="0">
+              <a:buNone/>
+            </a:pPr>
+            <a:endParaRPr lang="en-US" sz="1800" dirty="0"/>
+          </a:p>
+          <a:p>
+            <a:pPr marL="0" indent="0">
+              <a:buNone/>
+            </a:pPr>
+            <a:endParaRPr lang="en-US" sz="1800" dirty="0"/>
+          </a:p>
+          <a:p>
+            <a:pPr marL="0" indent="0">
+              <a:buNone/>
+            </a:pPr>
+            <a:endParaRPr lang="en-US" sz="1800" dirty="0"/>
+          </a:p>
+          <a:p>
+            <a:pPr marL="0" indent="0">
+              <a:buNone/>
+            </a:pPr>
+            <a:endParaRPr lang="en-US" sz="1800" dirty="0"/>
+          </a:p>
+          <a:p>
+            <a:pPr marL="0" indent="0">
+              <a:buNone/>
+            </a:pPr>
+            <a:r>
+              <a:rPr lang="en-US" sz="1800" dirty="0"/>
+              <a:t>The idea was introduced by the architect </a:t>
+            </a:r>
+            <a:r>
+              <a:rPr lang="en-US" sz="1800" dirty="0">
+                <a:solidFill>
+                  <a:schemeClr val="accent3">
+                    <a:lumMod val="75000"/>
+                  </a:schemeClr>
+                </a:solidFill>
+              </a:rPr>
+              <a:t>Christopher Alexander </a:t>
+            </a:r>
+            <a:r>
+              <a:rPr lang="en-US" sz="1800" dirty="0"/>
+              <a:t>and has been adapted for </a:t>
+            </a:r>
+          </a:p>
+          <a:p>
+            <a:pPr marL="0" indent="0">
+              <a:buNone/>
+            </a:pPr>
+            <a:r>
+              <a:rPr lang="en-US" sz="1800" dirty="0"/>
+              <a:t>various other disciplines, most notably computer science.</a:t>
+            </a:r>
+            <a:endParaRPr lang="en-US" sz="2000" dirty="0"/>
+          </a:p>
+        </p:txBody>
+      </p:sp>
+      <p:sp>
+        <p:nvSpPr>
+          <p:cNvPr id="4" name="TextBox 3">
+            <a:extLst>
+              <a:ext uri="{FF2B5EF4-FFF2-40B4-BE49-F238E27FC236}">
+                <a16:creationId xmlns:a16="http://schemas.microsoft.com/office/drawing/2014/main" id="{A5550BAA-4A93-7C4F-9F93-F6DAD9B885B8}"/>
+              </a:ext>
+            </a:extLst>
+          </p:cNvPr>
+          <p:cNvSpPr txBox="1"/>
+          <p:nvPr/>
+        </p:nvSpPr>
+        <p:spPr>
+          <a:xfrm>
+            <a:off x="943583" y="4877348"/>
+            <a:ext cx="2422187" cy="200055"/>
+          </a:xfrm>
+          <a:prstGeom prst="rect">
+            <a:avLst/>
+          </a:prstGeom>
+          <a:noFill/>
+        </p:spPr>
+        <p:txBody>
+          <a:bodyPr wrap="square" rtlCol="0">
+            <a:spAutoFit/>
+          </a:bodyPr>
+          <a:lstStyle/>
+          <a:p>
+            <a:pPr marL="0" marR="0" lvl="0" indent="0" algn="l" defTabSz="685800" rtl="0" eaLnBrk="1" fontAlgn="auto" latinLnBrk="0" hangingPunct="1">
+              <a:lnSpc>
+                <a:spcPct val="100000"/>
+              </a:lnSpc>
+              <a:spcBef>
+                <a:spcPts val="0"/>
+              </a:spcBef>
+              <a:spcAft>
+                <a:spcPts val="0"/>
+              </a:spcAft>
+              <a:buClrTx/>
+              <a:buSzTx/>
+              <a:buFontTx/>
+              <a:buNone/>
+              <a:tabLst/>
+              <a:defRPr/>
+            </a:pPr>
+            <a:r>
+              <a:rPr lang="en-US" sz="700" dirty="0">
+                <a:solidFill>
+                  <a:schemeClr val="bg1"/>
+                </a:solidFill>
+                <a:latin typeface="+mj-lt"/>
+              </a:rPr>
+              <a:t>CONFIDENTIAL  |  </a:t>
+            </a:r>
+            <a:r>
+              <a:rPr lang="en-US" sz="700" b="0" i="0" u="none" strike="noStrike" kern="1200" baseline="0" dirty="0">
+                <a:solidFill>
+                  <a:schemeClr val="bg1"/>
+                </a:solidFill>
+                <a:effectLst/>
+                <a:latin typeface="+mj-lt"/>
+                <a:ea typeface="+mn-ea"/>
+                <a:cs typeface="+mn-cs"/>
+              </a:rPr>
+              <a:t>© 2019 EPAM Systems, Inc.</a:t>
+            </a:r>
+            <a:endParaRPr lang="en-US" sz="700" dirty="0">
+              <a:latin typeface="+mj-lt"/>
+            </a:endParaRPr>
+          </a:p>
+        </p:txBody>
+      </p:sp>
+    </p:spTree>
+    <p:extLst>
+      <p:ext uri="{BB962C8B-B14F-4D97-AF65-F5344CB8AC3E}">
+        <p14:creationId xmlns:p14="http://schemas.microsoft.com/office/powerpoint/2010/main" val="2685253665"/>
+      </p:ext>
+    </p:extLst>
+  </p:cSld>
+  <p:clrMapOvr>
+    <a:masterClrMapping/>
+  </p:clrMapOvr>
+</p:sld>
+</file>
+
+<file path=ppt/slides/slide40.xml><?xml version="1.0" encoding="utf-8"?>
+<p:sld xmlns:a="http://schemas.openxmlformats.org/drawingml/2006/main" xmlns:r="http://schemas.openxmlformats.org/officeDocument/2006/relationships" xmlns:p="http://schemas.openxmlformats.org/presentationml/2006/main">
+  <p:cSld>
+    <p:spTree>
+      <p:nvGrpSpPr>
+        <p:cNvPr id="1" name=""/>
+        <p:cNvGrpSpPr/>
+        <p:nvPr/>
+      </p:nvGrpSpPr>
+      <p:grpSpPr>
+        <a:xfrm>
+          <a:off x="0" y="0"/>
+          <a:ext cx="0" cy="0"/>
+          <a:chOff x="0" y="0"/>
+          <a:chExt cx="0" cy="0"/>
+        </a:xfrm>
+      </p:grpSpPr>
+      <p:sp>
+        <p:nvSpPr>
+          <p:cNvPr id="3" name="Title 2"/>
+          <p:cNvSpPr>
+            <a:spLocks noGrp="1"/>
+          </p:cNvSpPr>
+          <p:nvPr>
+            <p:ph type="title"/>
+          </p:nvPr>
+        </p:nvSpPr>
+        <p:spPr/>
+        <p:txBody>
+          <a:bodyPr/>
+          <a:lstStyle/>
+          <a:p>
+            <a:endParaRPr lang="en-US"/>
+          </a:p>
+        </p:txBody>
+      </p:sp>
+      <p:sp>
+        <p:nvSpPr>
+          <p:cNvPr id="4" name="Picture Placeholder 3"/>
+          <p:cNvSpPr>
+            <a:spLocks noGrp="1"/>
+          </p:cNvSpPr>
+          <p:nvPr>
+            <p:ph type="pic" sz="quarter" idx="11"/>
+          </p:nvPr>
+        </p:nvSpPr>
+        <p:spPr/>
+      </p:sp>
+      <p:sp>
+        <p:nvSpPr>
+          <p:cNvPr id="5" name="Text Placeholder 4"/>
+          <p:cNvSpPr>
+            <a:spLocks noGrp="1"/>
+          </p:cNvSpPr>
+          <p:nvPr>
+            <p:ph type="body" sz="quarter" idx="12"/>
+          </p:nvPr>
+        </p:nvSpPr>
+        <p:spPr/>
+        <p:txBody>
+          <a:bodyPr/>
+          <a:lstStyle/>
+          <a:p>
+            <a:endParaRPr lang="en-US"/>
+          </a:p>
+        </p:txBody>
+      </p:sp>
+      <p:sp>
+        <p:nvSpPr>
+          <p:cNvPr id="21" name="Text Placeholder 20"/>
+          <p:cNvSpPr>
+            <a:spLocks noGrp="1"/>
+          </p:cNvSpPr>
+          <p:nvPr>
+            <p:ph type="body" sz="quarter" idx="13"/>
+          </p:nvPr>
+        </p:nvSpPr>
+        <p:spPr/>
+        <p:txBody>
+          <a:bodyPr/>
+          <a:lstStyle/>
+          <a:p>
+            <a:endParaRPr lang="en-US"/>
+          </a:p>
+        </p:txBody>
+      </p:sp>
+      <p:sp>
+        <p:nvSpPr>
+          <p:cNvPr id="22" name="Text Placeholder 21"/>
+          <p:cNvSpPr>
+            <a:spLocks noGrp="1"/>
+          </p:cNvSpPr>
+          <p:nvPr>
+            <p:ph type="body" sz="quarter" idx="14"/>
+          </p:nvPr>
+        </p:nvSpPr>
+        <p:spPr/>
+        <p:txBody>
+          <a:bodyPr/>
+          <a:lstStyle/>
+          <a:p>
+            <a:endParaRPr lang="en-US"/>
+          </a:p>
+        </p:txBody>
+      </p:sp>
+      <p:sp>
+        <p:nvSpPr>
+          <p:cNvPr id="23" name="Text Placeholder 22"/>
+          <p:cNvSpPr>
+            <a:spLocks noGrp="1"/>
+          </p:cNvSpPr>
+          <p:nvPr>
+            <p:ph type="body" sz="quarter" idx="15"/>
+          </p:nvPr>
+        </p:nvSpPr>
+        <p:spPr/>
+        <p:txBody>
+          <a:bodyPr/>
+          <a:lstStyle/>
+          <a:p>
+            <a:endParaRPr lang="en-US"/>
+          </a:p>
+        </p:txBody>
+      </p:sp>
+      <p:sp>
+        <p:nvSpPr>
+          <p:cNvPr id="24" name="Text Placeholder 23"/>
+          <p:cNvSpPr>
+            <a:spLocks noGrp="1"/>
+          </p:cNvSpPr>
+          <p:nvPr>
+            <p:ph type="body" sz="quarter" idx="16"/>
+          </p:nvPr>
+        </p:nvSpPr>
+        <p:spPr/>
+        <p:txBody>
+          <a:bodyPr/>
+          <a:lstStyle/>
+          <a:p>
+            <a:endParaRPr lang="en-US"/>
+          </a:p>
+        </p:txBody>
+      </p:sp>
+      <p:sp>
+        <p:nvSpPr>
+          <p:cNvPr id="25" name="Text Placeholder 24"/>
+          <p:cNvSpPr>
+            <a:spLocks noGrp="1"/>
+          </p:cNvSpPr>
+          <p:nvPr>
+            <p:ph type="body" sz="quarter" idx="17"/>
+          </p:nvPr>
+        </p:nvSpPr>
+        <p:spPr/>
+        <p:txBody>
+          <a:bodyPr/>
+          <a:lstStyle/>
+          <a:p>
+            <a:endParaRPr lang="en-US"/>
+          </a:p>
+        </p:txBody>
+      </p:sp>
+      <p:sp>
+        <p:nvSpPr>
+          <p:cNvPr id="26" name="Text Placeholder 25"/>
+          <p:cNvSpPr>
+            <a:spLocks noGrp="1"/>
+          </p:cNvSpPr>
+          <p:nvPr>
+            <p:ph type="body" sz="quarter" idx="18"/>
+          </p:nvPr>
+        </p:nvSpPr>
+        <p:spPr/>
+        <p:txBody>
+          <a:bodyPr/>
+          <a:lstStyle/>
+          <a:p>
+            <a:endParaRPr lang="en-US"/>
+          </a:p>
+        </p:txBody>
+      </p:sp>
+      <p:sp>
+        <p:nvSpPr>
+          <p:cNvPr id="27" name="Text Placeholder 26"/>
+          <p:cNvSpPr>
+            <a:spLocks noGrp="1"/>
+          </p:cNvSpPr>
+          <p:nvPr>
+            <p:ph type="body" sz="quarter" idx="19"/>
+          </p:nvPr>
+        </p:nvSpPr>
+        <p:spPr/>
+        <p:txBody>
+          <a:bodyPr/>
+          <a:lstStyle/>
+          <a:p>
+            <a:endParaRPr lang="en-US"/>
+          </a:p>
+        </p:txBody>
+      </p:sp>
+      <p:sp>
+        <p:nvSpPr>
+          <p:cNvPr id="28" name="Text Placeholder 27"/>
+          <p:cNvSpPr>
+            <a:spLocks noGrp="1"/>
+          </p:cNvSpPr>
+          <p:nvPr>
+            <p:ph type="body" sz="quarter" idx="20"/>
+          </p:nvPr>
+        </p:nvSpPr>
+        <p:spPr/>
+        <p:txBody>
+          <a:bodyPr/>
+          <a:lstStyle/>
+          <a:p>
+            <a:endParaRPr lang="en-US"/>
+          </a:p>
+        </p:txBody>
+      </p:sp>
+      <p:sp>
+        <p:nvSpPr>
+          <p:cNvPr id="29" name="Text Placeholder 28"/>
+          <p:cNvSpPr>
+            <a:spLocks noGrp="1"/>
+          </p:cNvSpPr>
+          <p:nvPr>
+            <p:ph type="body" sz="quarter" idx="21"/>
+          </p:nvPr>
+        </p:nvSpPr>
+        <p:spPr/>
+        <p:txBody>
+          <a:bodyPr/>
+          <a:lstStyle/>
+          <a:p>
+            <a:endParaRPr lang="en-US"/>
+          </a:p>
+        </p:txBody>
+      </p:sp>
+      <p:sp>
+        <p:nvSpPr>
+          <p:cNvPr id="30" name="Text Placeholder 29"/>
+          <p:cNvSpPr>
+            <a:spLocks noGrp="1"/>
+          </p:cNvSpPr>
+          <p:nvPr>
+            <p:ph type="body" sz="quarter" idx="22"/>
+          </p:nvPr>
+        </p:nvSpPr>
+        <p:spPr/>
+        <p:txBody>
+          <a:bodyPr/>
+          <a:lstStyle/>
+          <a:p>
+            <a:endParaRPr lang="en-US"/>
+          </a:p>
+        </p:txBody>
+      </p:sp>
+      <p:sp>
+        <p:nvSpPr>
+          <p:cNvPr id="31" name="Text Placeholder 30"/>
+          <p:cNvSpPr>
+            <a:spLocks noGrp="1"/>
+          </p:cNvSpPr>
+          <p:nvPr>
+            <p:ph type="body" sz="quarter" idx="23"/>
+          </p:nvPr>
+        </p:nvSpPr>
+        <p:spPr/>
+        <p:txBody>
+          <a:bodyPr/>
+          <a:lstStyle/>
+          <a:p>
+            <a:endParaRPr lang="en-US"/>
+          </a:p>
+        </p:txBody>
+      </p:sp>
+      <p:sp>
+        <p:nvSpPr>
+          <p:cNvPr id="6" name="Slide Number Placeholder 5">
+            <a:extLst>
+              <a:ext uri="{FF2B5EF4-FFF2-40B4-BE49-F238E27FC236}">
+                <a16:creationId xmlns:a16="http://schemas.microsoft.com/office/drawing/2014/main" id="{EB11C89A-3E1B-FF47-B76F-3E8ED7756FCF}"/>
+              </a:ext>
+            </a:extLst>
+          </p:cNvPr>
+          <p:cNvSpPr>
+            <a:spLocks noGrp="1"/>
+          </p:cNvSpPr>
+          <p:nvPr>
+            <p:ph type="sldNum" sz="quarter" idx="4"/>
+          </p:nvPr>
+        </p:nvSpPr>
+        <p:spPr/>
+        <p:txBody>
+          <a:bodyPr/>
+          <a:lstStyle/>
+          <a:p>
+            <a:fld id="{3A707DD9-E92B-45E8-BE0A-E6B2EDF345EB}" type="slidenum">
+              <a:rPr lang="en-US" smtClean="0"/>
+              <a:pPr/>
+              <a:t>40</a:t>
+            </a:fld>
+            <a:endParaRPr lang="en-US" dirty="0"/>
+          </a:p>
+        </p:txBody>
+      </p:sp>
+    </p:spTree>
+    <p:extLst>
+      <p:ext uri="{BB962C8B-B14F-4D97-AF65-F5344CB8AC3E}">
+        <p14:creationId xmlns:p14="http://schemas.microsoft.com/office/powerpoint/2010/main" val="3568211985"/>
+      </p:ext>
+    </p:extLst>
+  </p:cSld>
+  <p:clrMapOvr>
+    <a:masterClrMapping/>
+  </p:clrMapOvr>
+</p:sld>
+</file>
+
+<file path=ppt/slides/slide41.xml><?xml version="1.0" encoding="utf-8"?>
+<p:sld xmlns:a="http://schemas.openxmlformats.org/drawingml/2006/main" xmlns:r="http://schemas.openxmlformats.org/officeDocument/2006/relationships" xmlns:p="http://schemas.openxmlformats.org/presentationml/2006/main">
+  <p:cSld>
+    <p:spTree>
+      <p:nvGrpSpPr>
+        <p:cNvPr id="1" name=""/>
+        <p:cNvGrpSpPr/>
+        <p:nvPr/>
+      </p:nvGrpSpPr>
+      <p:grpSpPr>
+        <a:xfrm>
+          <a:off x="0" y="0"/>
+          <a:ext cx="0" cy="0"/>
+          <a:chOff x="0" y="0"/>
+          <a:chExt cx="0" cy="0"/>
+        </a:xfrm>
+      </p:grpSpPr>
+      <p:sp>
+        <p:nvSpPr>
+          <p:cNvPr id="3" name="Content Placeholder 2"/>
+          <p:cNvSpPr>
+            <a:spLocks noGrp="1"/>
+          </p:cNvSpPr>
+          <p:nvPr>
+            <p:ph sz="quarter" idx="10"/>
+          </p:nvPr>
+        </p:nvSpPr>
+        <p:spPr/>
+        <p:txBody>
+          <a:bodyPr/>
+          <a:lstStyle/>
+          <a:p>
+            <a:endParaRPr lang="en-US"/>
+          </a:p>
+        </p:txBody>
+      </p:sp>
+      <p:sp>
+        <p:nvSpPr>
+          <p:cNvPr id="4" name="Text Placeholder 3"/>
+          <p:cNvSpPr>
+            <a:spLocks noGrp="1"/>
+          </p:cNvSpPr>
+          <p:nvPr>
+            <p:ph type="body" sz="quarter" idx="12"/>
+          </p:nvPr>
+        </p:nvSpPr>
+        <p:spPr/>
+        <p:txBody>
+          <a:bodyPr/>
+          <a:lstStyle/>
+          <a:p>
+            <a:endParaRPr lang="en-US"/>
+          </a:p>
+        </p:txBody>
+      </p:sp>
+      <p:sp>
+        <p:nvSpPr>
+          <p:cNvPr id="16" name="Slide Number Placeholder 15">
+            <a:extLst>
+              <a:ext uri="{FF2B5EF4-FFF2-40B4-BE49-F238E27FC236}">
+                <a16:creationId xmlns:a16="http://schemas.microsoft.com/office/drawing/2014/main" id="{4EC5A070-E99C-6143-B73A-CC95BE86F528}"/>
+              </a:ext>
+            </a:extLst>
+          </p:cNvPr>
+          <p:cNvSpPr>
+            <a:spLocks noGrp="1"/>
+          </p:cNvSpPr>
+          <p:nvPr>
+            <p:ph type="sldNum" sz="quarter" idx="4"/>
+          </p:nvPr>
+        </p:nvSpPr>
+        <p:spPr/>
+        <p:txBody>
+          <a:bodyPr/>
+          <a:lstStyle/>
+          <a:p>
+            <a:fld id="{3A707DD9-E92B-45E8-BE0A-E6B2EDF345EB}" type="slidenum">
+              <a:rPr lang="en-US" smtClean="0"/>
+              <a:pPr/>
+              <a:t>41</a:t>
+            </a:fld>
+            <a:endParaRPr lang="en-US" dirty="0"/>
+          </a:p>
+        </p:txBody>
+      </p:sp>
+      <p:sp>
+        <p:nvSpPr>
+          <p:cNvPr id="6" name="Text Placeholder 5"/>
+          <p:cNvSpPr>
+            <a:spLocks noGrp="1"/>
+          </p:cNvSpPr>
+          <p:nvPr>
+            <p:ph type="body" sz="quarter" idx="15"/>
+          </p:nvPr>
+        </p:nvSpPr>
+        <p:spPr/>
+        <p:txBody>
+          <a:bodyPr/>
+          <a:lstStyle/>
+          <a:p>
+            <a:endParaRPr lang="en-US"/>
+          </a:p>
+        </p:txBody>
+      </p:sp>
+      <p:sp>
+        <p:nvSpPr>
+          <p:cNvPr id="5" name="Picture Placeholder 4"/>
+          <p:cNvSpPr>
+            <a:spLocks noGrp="1"/>
+          </p:cNvSpPr>
+          <p:nvPr>
+            <p:ph type="pic" sz="quarter" idx="14"/>
+          </p:nvPr>
+        </p:nvSpPr>
+        <p:spPr/>
+      </p:sp>
+    </p:spTree>
+    <p:extLst>
+      <p:ext uri="{BB962C8B-B14F-4D97-AF65-F5344CB8AC3E}">
+        <p14:creationId xmlns:p14="http://schemas.microsoft.com/office/powerpoint/2010/main" val="3023122545"/>
+      </p:ext>
+    </p:extLst>
+  </p:cSld>
+  <p:clrMapOvr>
+    <a:masterClrMapping/>
+  </p:clrMapOvr>
+</p:sld>
+</file>
+
+<file path=ppt/slides/slide42.xml><?xml version="1.0" encoding="utf-8"?>
 <p:sld xmlns:a="http://schemas.openxmlformats.org/drawingml/2006/main" xmlns:r="http://schemas.openxmlformats.org/officeDocument/2006/relationships" xmlns:p="http://schemas.openxmlformats.org/presentationml/2006/main">
   <p:cSld>
     <p:spTree>
@@ -23786,7 +28132,7 @@
             <a:fld id="{3A707DD9-E92B-45E8-BE0A-E6B2EDF345EB}" type="slidenum">
               <a:rPr lang="en-US" smtClean="0"/>
               <a:pPr/>
-              <a:t>20</a:t>
+              <a:t>42</a:t>
             </a:fld>
             <a:endParaRPr lang="en-US" dirty="0"/>
           </a:p>
@@ -23805,7 +28151,7 @@
 </p:sld>
 </file>
 
-<file path=ppt/slides/slide21.xml><?xml version="1.0" encoding="utf-8"?>
+<file path=ppt/slides/slide43.xml><?xml version="1.0" encoding="utf-8"?>
 <p:sld xmlns:a="http://schemas.openxmlformats.org/drawingml/2006/main" xmlns:r="http://schemas.openxmlformats.org/officeDocument/2006/relationships" xmlns:p="http://schemas.openxmlformats.org/presentationml/2006/main">
   <p:cSld>
     <p:spTree>
@@ -23884,7 +28230,7 @@
             <a:fld id="{3A707DD9-E92B-45E8-BE0A-E6B2EDF345EB}" type="slidenum">
               <a:rPr lang="en-US" smtClean="0"/>
               <a:pPr/>
-              <a:t>21</a:t>
+              <a:t>43</a:t>
             </a:fld>
             <a:endParaRPr lang="en-US" dirty="0"/>
           </a:p>
@@ -23903,7 +28249,7 @@
 </p:sld>
 </file>
 
-<file path=ppt/slides/slide22.xml><?xml version="1.0" encoding="utf-8"?>
+<file path=ppt/slides/slide44.xml><?xml version="1.0" encoding="utf-8"?>
 <p:sld xmlns:a="http://schemas.openxmlformats.org/drawingml/2006/main" xmlns:r="http://schemas.openxmlformats.org/officeDocument/2006/relationships" xmlns:p="http://schemas.openxmlformats.org/presentationml/2006/main">
   <p:cSld>
     <p:spTree>
@@ -24020,7 +28366,7 @@
             <a:fld id="{3A707DD9-E92B-45E8-BE0A-E6B2EDF345EB}" type="slidenum">
               <a:rPr lang="en-US" smtClean="0"/>
               <a:pPr/>
-              <a:t>22</a:t>
+              <a:t>44</a:t>
             </a:fld>
             <a:endParaRPr lang="en-US" dirty="0"/>
           </a:p>
@@ -24077,7 +28423,7 @@
 </p:sld>
 </file>
 
-<file path=ppt/slides/slide23.xml><?xml version="1.0" encoding="utf-8"?>
+<file path=ppt/slides/slide45.xml><?xml version="1.0" encoding="utf-8"?>
 <p:sld xmlns:a="http://schemas.openxmlformats.org/drawingml/2006/main" xmlns:r="http://schemas.openxmlformats.org/officeDocument/2006/relationships" xmlns:p="http://schemas.openxmlformats.org/presentationml/2006/main">
   <p:cSld>
     <p:spTree>
@@ -24143,7 +28489,7 @@
             <a:fld id="{3A707DD9-E92B-45E8-BE0A-E6B2EDF345EB}" type="slidenum">
               <a:rPr lang="en-US" smtClean="0"/>
               <a:pPr/>
-              <a:t>23</a:t>
+              <a:t>45</a:t>
             </a:fld>
             <a:endParaRPr lang="en-US" dirty="0"/>
           </a:p>
@@ -24162,7 +28508,7 @@
 </p:sld>
 </file>
 
-<file path=ppt/slides/slide24.xml><?xml version="1.0" encoding="utf-8"?>
+<file path=ppt/slides/slide46.xml><?xml version="1.0" encoding="utf-8"?>
 <p:sld xmlns:a="http://schemas.openxmlformats.org/drawingml/2006/main" xmlns:r="http://schemas.openxmlformats.org/officeDocument/2006/relationships" xmlns:p="http://schemas.openxmlformats.org/presentationml/2006/main">
   <p:cSld>
     <p:spTree>
@@ -24228,7 +28574,7 @@
             <a:fld id="{3A707DD9-E92B-45E8-BE0A-E6B2EDF345EB}" type="slidenum">
               <a:rPr lang="en-US" smtClean="0"/>
               <a:pPr/>
-              <a:t>24</a:t>
+              <a:t>46</a:t>
             </a:fld>
             <a:endParaRPr lang="en-US" dirty="0"/>
           </a:p>
@@ -24247,7 +28593,7 @@
 </p:sld>
 </file>
 
-<file path=ppt/slides/slide25.xml><?xml version="1.0" encoding="utf-8"?>
+<file path=ppt/slides/slide47.xml><?xml version="1.0" encoding="utf-8"?>
 <p:sld xmlns:a="http://schemas.openxmlformats.org/drawingml/2006/main" xmlns:r="http://schemas.openxmlformats.org/officeDocument/2006/relationships" xmlns:p="http://schemas.openxmlformats.org/presentationml/2006/main">
   <p:cSld>
     <p:spTree>
@@ -24288,7 +28634,7 @@
             <a:fld id="{3A707DD9-E92B-45E8-BE0A-E6B2EDF345EB}" type="slidenum">
               <a:rPr lang="en-US" smtClean="0"/>
               <a:pPr/>
-              <a:t>25</a:t>
+              <a:t>47</a:t>
             </a:fld>
             <a:endParaRPr lang="en-US" dirty="0"/>
           </a:p>
@@ -24307,7 +28653,7 @@
 </p:sld>
 </file>
 
-<file path=ppt/slides/slide26.xml><?xml version="1.0" encoding="utf-8"?>
+<file path=ppt/slides/slide48.xml><?xml version="1.0" encoding="utf-8"?>
 <p:sld xmlns:a="http://schemas.openxmlformats.org/drawingml/2006/main" xmlns:r="http://schemas.openxmlformats.org/officeDocument/2006/relationships" xmlns:p="http://schemas.openxmlformats.org/presentationml/2006/main">
   <p:cSld>
     <p:spTree>
@@ -24373,7 +28719,7 @@
             <a:fld id="{3A707DD9-E92B-45E8-BE0A-E6B2EDF345EB}" type="slidenum">
               <a:rPr lang="en-US" smtClean="0"/>
               <a:pPr/>
-              <a:t>26</a:t>
+              <a:t>48</a:t>
             </a:fld>
             <a:endParaRPr lang="en-US" dirty="0"/>
           </a:p>
@@ -24485,7 +28831,7 @@
 </p:sld>
 </file>
 
-<file path=ppt/slides/slide27.xml><?xml version="1.0" encoding="utf-8"?>
+<file path=ppt/slides/slide49.xml><?xml version="1.0" encoding="utf-8"?>
 <p:sld xmlns:a="http://schemas.openxmlformats.org/drawingml/2006/main" xmlns:r="http://schemas.openxmlformats.org/officeDocument/2006/relationships" xmlns:p="http://schemas.openxmlformats.org/presentationml/2006/main">
   <p:cSld>
     <p:spTree>
@@ -24553,7 +28899,7 @@
             <a:fld id="{3A707DD9-E92B-45E8-BE0A-E6B2EDF345EB}" type="slidenum">
               <a:rPr lang="en-US" smtClean="0"/>
               <a:pPr/>
-              <a:t>27</a:t>
+              <a:t>49</a:t>
             </a:fld>
             <a:endParaRPr lang="en-US" dirty="0"/>
           </a:p>
@@ -24569,566 +28915,6 @@
   <p:clrMapOvr>
     <a:masterClrMapping/>
   </p:clrMapOvr>
-</p:sld>
-</file>
-
-<file path=ppt/slides/slide28.xml><?xml version="1.0" encoding="utf-8"?>
-<p:sld xmlns:a="http://schemas.openxmlformats.org/drawingml/2006/main" xmlns:r="http://schemas.openxmlformats.org/officeDocument/2006/relationships" xmlns:p="http://schemas.openxmlformats.org/presentationml/2006/main">
-  <p:cSld>
-    <p:spTree>
-      <p:nvGrpSpPr>
-        <p:cNvPr id="1" name=""/>
-        <p:cNvGrpSpPr/>
-        <p:nvPr/>
-      </p:nvGrpSpPr>
-      <p:grpSpPr>
-        <a:xfrm>
-          <a:off x="0" y="0"/>
-          <a:ext cx="0" cy="0"/>
-          <a:chOff x="0" y="0"/>
-          <a:chExt cx="0" cy="0"/>
-        </a:xfrm>
-      </p:grpSpPr>
-      <p:sp>
-        <p:nvSpPr>
-          <p:cNvPr id="3" name="Title 2"/>
-          <p:cNvSpPr>
-            <a:spLocks noGrp="1"/>
-          </p:cNvSpPr>
-          <p:nvPr>
-            <p:ph type="title"/>
-          </p:nvPr>
-        </p:nvSpPr>
-        <p:spPr/>
-        <p:txBody>
-          <a:bodyPr/>
-          <a:lstStyle/>
-          <a:p>
-            <a:endParaRPr lang="en-US"/>
-          </a:p>
-        </p:txBody>
-      </p:sp>
-    </p:spTree>
-    <p:extLst>
-      <p:ext uri="{BB962C8B-B14F-4D97-AF65-F5344CB8AC3E}">
-        <p14:creationId xmlns:p14="http://schemas.microsoft.com/office/powerpoint/2010/main" val="3773324485"/>
-      </p:ext>
-    </p:extLst>
-  </p:cSld>
-  <p:clrMapOvr>
-    <a:masterClrMapping/>
-  </p:clrMapOvr>
-</p:sld>
-</file>
-
-<file path=ppt/slides/slide29.xml><?xml version="1.0" encoding="utf-8"?>
-<p:sld xmlns:a="http://schemas.openxmlformats.org/drawingml/2006/main" xmlns:r="http://schemas.openxmlformats.org/officeDocument/2006/relationships" xmlns:p="http://schemas.openxmlformats.org/presentationml/2006/main">
-  <p:cSld>
-    <p:spTree>
-      <p:nvGrpSpPr>
-        <p:cNvPr id="1" name=""/>
-        <p:cNvGrpSpPr/>
-        <p:nvPr/>
-      </p:nvGrpSpPr>
-      <p:grpSpPr>
-        <a:xfrm>
-          <a:off x="0" y="0"/>
-          <a:ext cx="0" cy="0"/>
-          <a:chOff x="0" y="0"/>
-          <a:chExt cx="0" cy="0"/>
-        </a:xfrm>
-      </p:grpSpPr>
-      <p:sp>
-        <p:nvSpPr>
-          <p:cNvPr id="2" name="Title 1"/>
-          <p:cNvSpPr>
-            <a:spLocks noGrp="1"/>
-          </p:cNvSpPr>
-          <p:nvPr>
-            <p:ph type="title"/>
-          </p:nvPr>
-        </p:nvSpPr>
-        <p:spPr/>
-        <p:txBody>
-          <a:bodyPr/>
-          <a:lstStyle/>
-          <a:p>
-            <a:endParaRPr lang="en-US"/>
-          </a:p>
-        </p:txBody>
-      </p:sp>
-    </p:spTree>
-    <p:extLst>
-      <p:ext uri="{BB962C8B-B14F-4D97-AF65-F5344CB8AC3E}">
-        <p14:creationId xmlns:p14="http://schemas.microsoft.com/office/powerpoint/2010/main" val="3161395204"/>
-      </p:ext>
-    </p:extLst>
-  </p:cSld>
-  <p:clrMapOvr>
-    <a:masterClrMapping/>
-  </p:clrMapOvr>
-</p:sld>
-</file>
-
-<file path=ppt/slides/slide3.xml><?xml version="1.0" encoding="utf-8"?>
-<p:sld xmlns:a="http://schemas.openxmlformats.org/drawingml/2006/main" xmlns:r="http://schemas.openxmlformats.org/officeDocument/2006/relationships" xmlns:p="http://schemas.openxmlformats.org/presentationml/2006/main">
-  <p:cSld>
-    <p:spTree>
-      <p:nvGrpSpPr>
-        <p:cNvPr id="1" name=""/>
-        <p:cNvGrpSpPr/>
-        <p:nvPr/>
-      </p:nvGrpSpPr>
-      <p:grpSpPr>
-        <a:xfrm>
-          <a:off x="0" y="0"/>
-          <a:ext cx="0" cy="0"/>
-          <a:chOff x="0" y="0"/>
-          <a:chExt cx="0" cy="0"/>
-        </a:xfrm>
-      </p:grpSpPr>
-      <p:sp>
-        <p:nvSpPr>
-          <p:cNvPr id="2" name="Title 1"/>
-          <p:cNvSpPr>
-            <a:spLocks noGrp="1"/>
-          </p:cNvSpPr>
-          <p:nvPr>
-            <p:ph type="title"/>
-          </p:nvPr>
-        </p:nvSpPr>
-        <p:spPr/>
-        <p:txBody>
-          <a:bodyPr/>
-          <a:lstStyle/>
-          <a:p>
-            <a:r>
-              <a:rPr lang="en-US" dirty="0" smtClean="0"/>
-              <a:t>Definition</a:t>
-            </a:r>
-            <a:endParaRPr lang="en-US" dirty="0"/>
-          </a:p>
-        </p:txBody>
-      </p:sp>
-      <p:sp>
-        <p:nvSpPr>
-          <p:cNvPr id="3" name="Content Placeholder 2"/>
-          <p:cNvSpPr>
-            <a:spLocks noGrp="1"/>
-          </p:cNvSpPr>
-          <p:nvPr>
-            <p:ph sz="quarter" idx="10"/>
-          </p:nvPr>
-        </p:nvSpPr>
-        <p:spPr/>
-        <p:txBody>
-          <a:bodyPr/>
-          <a:lstStyle/>
-          <a:p>
-            <a:pPr marL="0" indent="0">
-              <a:buNone/>
-            </a:pPr>
-            <a:endParaRPr lang="en-US" sz="1800" dirty="0" smtClean="0"/>
-          </a:p>
-          <a:p>
-            <a:pPr marL="0" indent="0">
-              <a:buNone/>
-            </a:pPr>
-            <a:endParaRPr lang="en-US" sz="2000" dirty="0" smtClean="0"/>
-          </a:p>
-          <a:p>
-            <a:pPr marL="0" indent="0">
-              <a:buNone/>
-            </a:pPr>
-            <a:r>
-              <a:rPr lang="en-US" sz="2000" dirty="0" smtClean="0"/>
-              <a:t>In </a:t>
-            </a:r>
-            <a:r>
-              <a:rPr lang="en-US" sz="2000" dirty="0"/>
-              <a:t>software engineering, a software design pattern is a general, reusable </a:t>
-            </a:r>
-            <a:r>
-              <a:rPr lang="en-US" sz="2000" dirty="0" smtClean="0"/>
-              <a:t>solution</a:t>
-            </a:r>
-          </a:p>
-          <a:p>
-            <a:pPr marL="0" indent="0">
-              <a:buNone/>
-            </a:pPr>
-            <a:r>
-              <a:rPr lang="en-US" sz="2000" dirty="0" smtClean="0"/>
-              <a:t>to </a:t>
-            </a:r>
-            <a:r>
-              <a:rPr lang="en-US" sz="2000" dirty="0"/>
-              <a:t>a </a:t>
-            </a:r>
-            <a:r>
-              <a:rPr lang="en-US" sz="2000" dirty="0" smtClean="0"/>
-              <a:t>commonly </a:t>
-            </a:r>
-            <a:r>
-              <a:rPr lang="en-US" sz="2000" dirty="0"/>
-              <a:t>occurring problem within a given context in software design.</a:t>
-            </a:r>
-            <a:endParaRPr lang="en-US" sz="2000" dirty="0"/>
-          </a:p>
-        </p:txBody>
-      </p:sp>
-      <p:sp>
-        <p:nvSpPr>
-          <p:cNvPr id="4" name="TextBox 3">
-            <a:extLst>
-              <a:ext uri="{FF2B5EF4-FFF2-40B4-BE49-F238E27FC236}">
-                <a16:creationId xmlns:a16="http://schemas.microsoft.com/office/drawing/2014/main" id="{A5550BAA-4A93-7C4F-9F93-F6DAD9B885B8}"/>
-              </a:ext>
-            </a:extLst>
-          </p:cNvPr>
-          <p:cNvSpPr txBox="1"/>
-          <p:nvPr/>
-        </p:nvSpPr>
-        <p:spPr>
-          <a:xfrm>
-            <a:off x="943583" y="4877348"/>
-            <a:ext cx="2422187" cy="200055"/>
-          </a:xfrm>
-          <a:prstGeom prst="rect">
-            <a:avLst/>
-          </a:prstGeom>
-          <a:noFill/>
-        </p:spPr>
-        <p:txBody>
-          <a:bodyPr wrap="square" rtlCol="0">
-            <a:spAutoFit/>
-          </a:bodyPr>
-          <a:lstStyle/>
-          <a:p>
-            <a:pPr marL="0" marR="0" lvl="0" indent="0" algn="l" defTabSz="685800" rtl="0" eaLnBrk="1" fontAlgn="auto" latinLnBrk="0" hangingPunct="1">
-              <a:lnSpc>
-                <a:spcPct val="100000"/>
-              </a:lnSpc>
-              <a:spcBef>
-                <a:spcPts val="0"/>
-              </a:spcBef>
-              <a:spcAft>
-                <a:spcPts val="0"/>
-              </a:spcAft>
-              <a:buClrTx/>
-              <a:buSzTx/>
-              <a:buFontTx/>
-              <a:buNone/>
-              <a:tabLst/>
-              <a:defRPr/>
-            </a:pPr>
-            <a:r>
-              <a:rPr lang="en-US" sz="700" dirty="0">
-                <a:solidFill>
-                  <a:schemeClr val="bg1"/>
-                </a:solidFill>
-                <a:latin typeface="+mj-lt"/>
-              </a:rPr>
-              <a:t>CONFIDENTIAL  |  </a:t>
-            </a:r>
-            <a:r>
-              <a:rPr lang="en-US" sz="700" b="0" i="0" u="none" strike="noStrike" kern="1200" baseline="0" dirty="0">
-                <a:solidFill>
-                  <a:schemeClr val="bg1"/>
-                </a:solidFill>
-                <a:effectLst/>
-                <a:latin typeface="+mj-lt"/>
-                <a:ea typeface="+mn-ea"/>
-                <a:cs typeface="+mn-cs"/>
-              </a:rPr>
-              <a:t>© 2019 EPAM Systems, Inc.</a:t>
-            </a:r>
-            <a:endParaRPr lang="en-US" sz="700" dirty="0">
-              <a:latin typeface="+mj-lt"/>
-            </a:endParaRPr>
-          </a:p>
-        </p:txBody>
-      </p:sp>
-    </p:spTree>
-    <p:extLst>
-      <p:ext uri="{BB962C8B-B14F-4D97-AF65-F5344CB8AC3E}">
-        <p14:creationId xmlns:p14="http://schemas.microsoft.com/office/powerpoint/2010/main" val="3711491439"/>
-      </p:ext>
-    </p:extLst>
-  </p:cSld>
-  <p:clrMapOvr>
-    <a:masterClrMapping/>
-  </p:clrMapOvr>
-  <p:timing>
-    <p:tnLst>
-      <p:par>
-        <p:cTn id="1" dur="indefinite" restart="never" nodeType="tmRoot"/>
-      </p:par>
-    </p:tnLst>
-  </p:timing>
-</p:sld>
-</file>
-
-<file path=ppt/slides/slide30.xml><?xml version="1.0" encoding="utf-8"?>
-<p:sld xmlns:a="http://schemas.openxmlformats.org/drawingml/2006/main" xmlns:r="http://schemas.openxmlformats.org/officeDocument/2006/relationships" xmlns:p="http://schemas.openxmlformats.org/presentationml/2006/main">
-  <p:cSld>
-    <p:spTree>
-      <p:nvGrpSpPr>
-        <p:cNvPr id="1" name=""/>
-        <p:cNvGrpSpPr/>
-        <p:nvPr/>
-      </p:nvGrpSpPr>
-      <p:grpSpPr>
-        <a:xfrm>
-          <a:off x="0" y="0"/>
-          <a:ext cx="0" cy="0"/>
-          <a:chOff x="0" y="0"/>
-          <a:chExt cx="0" cy="0"/>
-        </a:xfrm>
-      </p:grpSpPr>
-      <p:sp>
-        <p:nvSpPr>
-          <p:cNvPr id="2" name="Title 1"/>
-          <p:cNvSpPr>
-            <a:spLocks noGrp="1"/>
-          </p:cNvSpPr>
-          <p:nvPr>
-            <p:ph type="title"/>
-          </p:nvPr>
-        </p:nvSpPr>
-        <p:spPr/>
-        <p:txBody>
-          <a:bodyPr/>
-          <a:lstStyle/>
-          <a:p>
-            <a:endParaRPr lang="en-US"/>
-          </a:p>
-        </p:txBody>
-      </p:sp>
-    </p:spTree>
-    <p:extLst>
-      <p:ext uri="{BB962C8B-B14F-4D97-AF65-F5344CB8AC3E}">
-        <p14:creationId xmlns:p14="http://schemas.microsoft.com/office/powerpoint/2010/main" val="1087199906"/>
-      </p:ext>
-    </p:extLst>
-  </p:cSld>
-  <p:clrMapOvr>
-    <a:masterClrMapping/>
-  </p:clrMapOvr>
-</p:sld>
-</file>
-
-<file path=ppt/slides/slide4.xml><?xml version="1.0" encoding="utf-8"?>
-<p:sld xmlns:a="http://schemas.openxmlformats.org/drawingml/2006/main" xmlns:r="http://schemas.openxmlformats.org/officeDocument/2006/relationships" xmlns:p="http://schemas.openxmlformats.org/presentationml/2006/main">
-  <p:cSld>
-    <p:spTree>
-      <p:nvGrpSpPr>
-        <p:cNvPr id="1" name=""/>
-        <p:cNvGrpSpPr/>
-        <p:nvPr/>
-      </p:nvGrpSpPr>
-      <p:grpSpPr>
-        <a:xfrm>
-          <a:off x="0" y="0"/>
-          <a:ext cx="0" cy="0"/>
-          <a:chOff x="0" y="0"/>
-          <a:chExt cx="0" cy="0"/>
-        </a:xfrm>
-      </p:grpSpPr>
-      <p:sp>
-        <p:nvSpPr>
-          <p:cNvPr id="2" name="Title 1"/>
-          <p:cNvSpPr>
-            <a:spLocks noGrp="1"/>
-          </p:cNvSpPr>
-          <p:nvPr>
-            <p:ph type="title"/>
-          </p:nvPr>
-        </p:nvSpPr>
-        <p:spPr/>
-        <p:txBody>
-          <a:bodyPr/>
-          <a:lstStyle/>
-          <a:p>
-            <a:r>
-              <a:rPr lang="en-US" dirty="0" smtClean="0"/>
-              <a:t>Roots</a:t>
-            </a:r>
-            <a:endParaRPr lang="en-US" dirty="0"/>
-          </a:p>
-        </p:txBody>
-      </p:sp>
-      <p:sp>
-        <p:nvSpPr>
-          <p:cNvPr id="3" name="Content Placeholder 2"/>
-          <p:cNvSpPr>
-            <a:spLocks noGrp="1"/>
-          </p:cNvSpPr>
-          <p:nvPr>
-            <p:ph sz="quarter" idx="10"/>
-          </p:nvPr>
-        </p:nvSpPr>
-        <p:spPr/>
-        <p:txBody>
-          <a:bodyPr/>
-          <a:lstStyle/>
-          <a:p>
-            <a:pPr marL="0" indent="0">
-              <a:buNone/>
-            </a:pPr>
-            <a:endParaRPr lang="en-US" sz="1800" dirty="0" smtClean="0"/>
-          </a:p>
-          <a:p>
-            <a:pPr marL="0" indent="0">
-              <a:buNone/>
-            </a:pPr>
-            <a:endParaRPr lang="en-US" sz="1800" dirty="0" smtClean="0"/>
-          </a:p>
-          <a:p>
-            <a:pPr marL="0" indent="0">
-              <a:buNone/>
-            </a:pPr>
-            <a:endParaRPr lang="en-US" sz="1800" dirty="0" smtClean="0"/>
-          </a:p>
-          <a:p>
-            <a:pPr marL="0" indent="0">
-              <a:buNone/>
-            </a:pPr>
-            <a:endParaRPr lang="en-US" sz="1800" dirty="0"/>
-          </a:p>
-          <a:p>
-            <a:pPr marL="0" indent="0">
-              <a:buNone/>
-            </a:pPr>
-            <a:r>
-              <a:rPr lang="en-US" sz="1800" dirty="0" smtClean="0"/>
-              <a:t>The </a:t>
-            </a:r>
-            <a:r>
-              <a:rPr lang="en-US" sz="1800" dirty="0"/>
-              <a:t>idea was introduced by the architect </a:t>
-            </a:r>
-            <a:r>
-              <a:rPr lang="en-US" sz="1800" dirty="0">
-                <a:solidFill>
-                  <a:schemeClr val="accent3">
-                    <a:lumMod val="75000"/>
-                  </a:schemeClr>
-                </a:solidFill>
-              </a:rPr>
-              <a:t>Christopher Alexander </a:t>
-            </a:r>
-            <a:r>
-              <a:rPr lang="en-US" sz="1800" dirty="0"/>
-              <a:t>and has been adapted for </a:t>
-            </a:r>
-            <a:endParaRPr lang="en-US" sz="1800" dirty="0" smtClean="0"/>
-          </a:p>
-          <a:p>
-            <a:pPr marL="0" indent="0">
-              <a:buNone/>
-            </a:pPr>
-            <a:r>
-              <a:rPr lang="en-US" sz="1800" dirty="0" smtClean="0"/>
-              <a:t>various </a:t>
-            </a:r>
-            <a:r>
-              <a:rPr lang="en-US" sz="1800" dirty="0"/>
-              <a:t>other disciplines, most notably computer science.</a:t>
-            </a:r>
-            <a:endParaRPr lang="en-US" sz="2000" dirty="0"/>
-          </a:p>
-        </p:txBody>
-      </p:sp>
-      <p:sp>
-        <p:nvSpPr>
-          <p:cNvPr id="4" name="TextBox 3">
-            <a:extLst>
-              <a:ext uri="{FF2B5EF4-FFF2-40B4-BE49-F238E27FC236}">
-                <a16:creationId xmlns:a16="http://schemas.microsoft.com/office/drawing/2014/main" id="{A5550BAA-4A93-7C4F-9F93-F6DAD9B885B8}"/>
-              </a:ext>
-            </a:extLst>
-          </p:cNvPr>
-          <p:cNvSpPr txBox="1"/>
-          <p:nvPr/>
-        </p:nvSpPr>
-        <p:spPr>
-          <a:xfrm>
-            <a:off x="943583" y="4877348"/>
-            <a:ext cx="2422187" cy="200055"/>
-          </a:xfrm>
-          <a:prstGeom prst="rect">
-            <a:avLst/>
-          </a:prstGeom>
-          <a:noFill/>
-        </p:spPr>
-        <p:txBody>
-          <a:bodyPr wrap="square" rtlCol="0">
-            <a:spAutoFit/>
-          </a:bodyPr>
-          <a:lstStyle/>
-          <a:p>
-            <a:pPr marL="0" marR="0" lvl="0" indent="0" algn="l" defTabSz="685800" rtl="0" eaLnBrk="1" fontAlgn="auto" latinLnBrk="0" hangingPunct="1">
-              <a:lnSpc>
-                <a:spcPct val="100000"/>
-              </a:lnSpc>
-              <a:spcBef>
-                <a:spcPts val="0"/>
-              </a:spcBef>
-              <a:spcAft>
-                <a:spcPts val="0"/>
-              </a:spcAft>
-              <a:buClrTx/>
-              <a:buSzTx/>
-              <a:buFontTx/>
-              <a:buNone/>
-              <a:tabLst/>
-              <a:defRPr/>
-            </a:pPr>
-            <a:r>
-              <a:rPr lang="en-US" sz="700" dirty="0">
-                <a:solidFill>
-                  <a:schemeClr val="bg1"/>
-                </a:solidFill>
-                <a:latin typeface="+mj-lt"/>
-              </a:rPr>
-              <a:t>CONFIDENTIAL  |  </a:t>
-            </a:r>
-            <a:r>
-              <a:rPr lang="en-US" sz="700" b="0" i="0" u="none" strike="noStrike" kern="1200" baseline="0" dirty="0">
-                <a:solidFill>
-                  <a:schemeClr val="bg1"/>
-                </a:solidFill>
-                <a:effectLst/>
-                <a:latin typeface="+mj-lt"/>
-                <a:ea typeface="+mn-ea"/>
-                <a:cs typeface="+mn-cs"/>
-              </a:rPr>
-              <a:t>© 2019 EPAM Systems, Inc.</a:t>
-            </a:r>
-            <a:endParaRPr lang="en-US" sz="700" dirty="0">
-              <a:latin typeface="+mj-lt"/>
-            </a:endParaRPr>
-          </a:p>
-        </p:txBody>
-      </p:sp>
-    </p:spTree>
-    <p:extLst>
-      <p:ext uri="{BB962C8B-B14F-4D97-AF65-F5344CB8AC3E}">
-        <p14:creationId xmlns:p14="http://schemas.microsoft.com/office/powerpoint/2010/main" val="2685253665"/>
-      </p:ext>
-    </p:extLst>
-  </p:cSld>
-  <p:clrMapOvr>
-    <a:masterClrMapping/>
-  </p:clrMapOvr>
-  <p:timing>
-    <p:tnLst>
-      <p:par>
-        <p:cTn id="1" dur="indefinite" restart="never" nodeType="tmRoot"/>
-      </p:par>
-    </p:tnLst>
-  </p:timing>
 </p:sld>
 </file>
 
@@ -25172,25 +28958,16 @@
           <a:p>
             <a:r>
               <a:rPr lang="en-US" dirty="0"/>
-              <a:t>The elements of </a:t>
-            </a:r>
-            <a:r>
-              <a:rPr lang="en-US" dirty="0" smtClean="0"/>
-              <a:t>this (</a:t>
-            </a:r>
-            <a:r>
-              <a:rPr lang="en-US" dirty="0" err="1" smtClean="0"/>
+              <a:t>The elements of this (</a:t>
+            </a:r>
+            <a:r>
+              <a:rPr lang="en-US" dirty="0" err="1"/>
               <a:t>architechture</a:t>
             </a:r>
             <a:r>
-              <a:rPr lang="en-US" dirty="0" smtClean="0"/>
-              <a:t>) </a:t>
-            </a:r>
-            <a:r>
-              <a:rPr lang="en-US" dirty="0"/>
-              <a:t>language are entities called patterns. Each pattern describes a problem that occurs over and over again in our environment, and then describes the core of the solution to that problem, in such a way that you can use this solution a million times over, without ever doing it the same way twice. — Christopher Alexander</a:t>
-            </a:r>
-            <a:endParaRPr lang="en-US" dirty="0"/>
+              <a:rPr lang="en-US" dirty="0"/>
+              <a:t>) language are entities called patterns. Each pattern describes a problem that occurs over and over again in our environment, and then describes the core of the solution to that problem, in such a way that you can use this solution a million times over, without ever doing it the same way twice. — Christopher Alexander</a:t>
+            </a:r>
           </a:p>
         </p:txBody>
       </p:sp>
@@ -25228,6 +29005,153 @@
     <p:extLst>
       <p:ext uri="{BB962C8B-B14F-4D97-AF65-F5344CB8AC3E}">
         <p14:creationId xmlns:p14="http://schemas.microsoft.com/office/powerpoint/2010/main" val="2889391310"/>
+      </p:ext>
+    </p:extLst>
+  </p:cSld>
+  <p:clrMapOvr>
+    <a:masterClrMapping/>
+  </p:clrMapOvr>
+</p:sld>
+</file>
+
+<file path=ppt/slides/slide50.xml><?xml version="1.0" encoding="utf-8"?>
+<p:sld xmlns:a="http://schemas.openxmlformats.org/drawingml/2006/main" xmlns:r="http://schemas.openxmlformats.org/officeDocument/2006/relationships" xmlns:p="http://schemas.openxmlformats.org/presentationml/2006/main">
+  <p:cSld>
+    <p:spTree>
+      <p:nvGrpSpPr>
+        <p:cNvPr id="1" name=""/>
+        <p:cNvGrpSpPr/>
+        <p:nvPr/>
+      </p:nvGrpSpPr>
+      <p:grpSpPr>
+        <a:xfrm>
+          <a:off x="0" y="0"/>
+          <a:ext cx="0" cy="0"/>
+          <a:chOff x="0" y="0"/>
+          <a:chExt cx="0" cy="0"/>
+        </a:xfrm>
+      </p:grpSpPr>
+      <p:sp>
+        <p:nvSpPr>
+          <p:cNvPr id="3" name="Title 2"/>
+          <p:cNvSpPr>
+            <a:spLocks noGrp="1"/>
+          </p:cNvSpPr>
+          <p:nvPr>
+            <p:ph type="title"/>
+          </p:nvPr>
+        </p:nvSpPr>
+        <p:spPr/>
+        <p:txBody>
+          <a:bodyPr/>
+          <a:lstStyle/>
+          <a:p>
+            <a:endParaRPr lang="en-US"/>
+          </a:p>
+        </p:txBody>
+      </p:sp>
+    </p:spTree>
+    <p:extLst>
+      <p:ext uri="{BB962C8B-B14F-4D97-AF65-F5344CB8AC3E}">
+        <p14:creationId xmlns:p14="http://schemas.microsoft.com/office/powerpoint/2010/main" val="3773324485"/>
+      </p:ext>
+    </p:extLst>
+  </p:cSld>
+  <p:clrMapOvr>
+    <a:masterClrMapping/>
+  </p:clrMapOvr>
+</p:sld>
+</file>
+
+<file path=ppt/slides/slide51.xml><?xml version="1.0" encoding="utf-8"?>
+<p:sld xmlns:a="http://schemas.openxmlformats.org/drawingml/2006/main" xmlns:r="http://schemas.openxmlformats.org/officeDocument/2006/relationships" xmlns:p="http://schemas.openxmlformats.org/presentationml/2006/main">
+  <p:cSld>
+    <p:spTree>
+      <p:nvGrpSpPr>
+        <p:cNvPr id="1" name=""/>
+        <p:cNvGrpSpPr/>
+        <p:nvPr/>
+      </p:nvGrpSpPr>
+      <p:grpSpPr>
+        <a:xfrm>
+          <a:off x="0" y="0"/>
+          <a:ext cx="0" cy="0"/>
+          <a:chOff x="0" y="0"/>
+          <a:chExt cx="0" cy="0"/>
+        </a:xfrm>
+      </p:grpSpPr>
+      <p:sp>
+        <p:nvSpPr>
+          <p:cNvPr id="2" name="Title 1"/>
+          <p:cNvSpPr>
+            <a:spLocks noGrp="1"/>
+          </p:cNvSpPr>
+          <p:nvPr>
+            <p:ph type="title"/>
+          </p:nvPr>
+        </p:nvSpPr>
+        <p:spPr/>
+        <p:txBody>
+          <a:bodyPr/>
+          <a:lstStyle/>
+          <a:p>
+            <a:endParaRPr lang="en-US"/>
+          </a:p>
+        </p:txBody>
+      </p:sp>
+    </p:spTree>
+    <p:extLst>
+      <p:ext uri="{BB962C8B-B14F-4D97-AF65-F5344CB8AC3E}">
+        <p14:creationId xmlns:p14="http://schemas.microsoft.com/office/powerpoint/2010/main" val="3161395204"/>
+      </p:ext>
+    </p:extLst>
+  </p:cSld>
+  <p:clrMapOvr>
+    <a:masterClrMapping/>
+  </p:clrMapOvr>
+</p:sld>
+</file>
+
+<file path=ppt/slides/slide52.xml><?xml version="1.0" encoding="utf-8"?>
+<p:sld xmlns:a="http://schemas.openxmlformats.org/drawingml/2006/main" xmlns:r="http://schemas.openxmlformats.org/officeDocument/2006/relationships" xmlns:p="http://schemas.openxmlformats.org/presentationml/2006/main">
+  <p:cSld>
+    <p:spTree>
+      <p:nvGrpSpPr>
+        <p:cNvPr id="1" name=""/>
+        <p:cNvGrpSpPr/>
+        <p:nvPr/>
+      </p:nvGrpSpPr>
+      <p:grpSpPr>
+        <a:xfrm>
+          <a:off x="0" y="0"/>
+          <a:ext cx="0" cy="0"/>
+          <a:chOff x="0" y="0"/>
+          <a:chExt cx="0" cy="0"/>
+        </a:xfrm>
+      </p:grpSpPr>
+      <p:sp>
+        <p:nvSpPr>
+          <p:cNvPr id="2" name="Title 1"/>
+          <p:cNvSpPr>
+            <a:spLocks noGrp="1"/>
+          </p:cNvSpPr>
+          <p:nvPr>
+            <p:ph type="title"/>
+          </p:nvPr>
+        </p:nvSpPr>
+        <p:spPr/>
+        <p:txBody>
+          <a:bodyPr/>
+          <a:lstStyle/>
+          <a:p>
+            <a:endParaRPr lang="en-US"/>
+          </a:p>
+        </p:txBody>
+      </p:sp>
+    </p:spTree>
+    <p:extLst>
+      <p:ext uri="{BB962C8B-B14F-4D97-AF65-F5344CB8AC3E}">
+        <p14:creationId xmlns:p14="http://schemas.microsoft.com/office/powerpoint/2010/main" val="1087199906"/>
       </p:ext>
     </p:extLst>
   </p:cSld>
@@ -25280,7 +29204,7 @@
               <a:t>Christopher Alexander is the architect who ﬁrst studied patterns in buildings and communications and developed "pattern language" for generating them. His work has inspired us time and again. There are many ways in which our work is like Alexander’s. Both are based on observing existing systems and looking for patterns in them. Both have templates for describing patterns. Both rely on natural language and lots of examples to described patterns rather than formal languages, and both give rationales for each pattern. — Design Patterns.— </a:t>
             </a:r>
             <a:r>
-              <a:rPr lang="en-US" dirty="0" err="1" smtClean="0"/>
+              <a:rPr lang="en-US" dirty="0" err="1"/>
               <a:t>GoF</a:t>
             </a:r>
             <a:endParaRPr lang="en-US" dirty="0"/>
@@ -25366,7 +29290,6 @@
               <a:rPr lang="en-US" dirty="0"/>
               <a:t>Why do I need to study patterns</a:t>
             </a:r>
-            <a:endParaRPr lang="en-US" dirty="0"/>
           </a:p>
         </p:txBody>
       </p:sp>
@@ -25389,43 +29312,24 @@
               <a:rPr lang="en-US" dirty="0"/>
               <a:t>Reusability; </a:t>
             </a:r>
-            <a:endParaRPr lang="en-US" dirty="0" smtClean="0"/>
-          </a:p>
-          <a:p>
-            <a:r>
-              <a:rPr lang="en-US" dirty="0" smtClean="0"/>
-              <a:t>The </a:t>
-            </a:r>
-            <a:r>
-              <a:rPr lang="en-US" dirty="0"/>
-              <a:t>use of common terminology; </a:t>
-            </a:r>
-            <a:endParaRPr lang="en-US" dirty="0" smtClean="0"/>
-          </a:p>
-          <a:p>
-            <a:r>
-              <a:rPr lang="en-US" dirty="0" smtClean="0"/>
-              <a:t>Design </a:t>
-            </a:r>
-            <a:r>
-              <a:rPr lang="en-US" dirty="0"/>
-              <a:t>patterns provide us with an abstract, high-level view of both the problem and the whole process of object-oriented </a:t>
-            </a:r>
-            <a:r>
-              <a:rPr lang="en-US" dirty="0" smtClean="0"/>
-              <a:t>development;</a:t>
-            </a:r>
-          </a:p>
-          <a:p>
-            <a:r>
-              <a:rPr lang="en-US" dirty="0" smtClean="0"/>
-              <a:t>Design </a:t>
-            </a:r>
-            <a:r>
-              <a:rPr lang="en-US" dirty="0"/>
-              <a:t>patterns allow a developer or a group of developers to ﬁnd design solutions for complex problems without creating a cumbersome class inheritance hierarchy.</a:t>
-            </a:r>
-            <a:endParaRPr lang="en-US" dirty="0"/>
+          </a:p>
+          <a:p>
+            <a:r>
+              <a:rPr lang="en-US" dirty="0"/>
+              <a:t>The use of common terminology; </a:t>
+            </a:r>
+          </a:p>
+          <a:p>
+            <a:r>
+              <a:rPr lang="en-US" dirty="0"/>
+              <a:t>Design patterns provide us with an abstract, high-level view of both the problem and the whole process of object-oriented development;</a:t>
+            </a:r>
+          </a:p>
+          <a:p>
+            <a:r>
+              <a:rPr lang="en-US" dirty="0"/>
+              <a:t>Design patterns allow a developer or a group of developers to ﬁnd design solutions for complex problems without creating a cumbersome class inheritance hierarchy.</a:t>
+            </a:r>
           </a:p>
         </p:txBody>
       </p:sp>
@@ -25528,41 +29432,20 @@
           <a:p>
             <a:r>
               <a:rPr lang="en-US" dirty="0"/>
-              <a:t>Eﬃciency improvement of single developers and whole group of </a:t>
-            </a:r>
-            <a:r>
-              <a:rPr lang="en-US" dirty="0" smtClean="0"/>
-              <a:t>developers;</a:t>
-            </a:r>
-          </a:p>
-          <a:p>
-            <a:r>
-              <a:rPr lang="en-US" dirty="0" smtClean="0"/>
-              <a:t>The </a:t>
-            </a:r>
-            <a:r>
-              <a:rPr lang="en-US" dirty="0"/>
-              <a:t>use of many design patterns also allows you to create more modiﬁable and ﬂexible </a:t>
-            </a:r>
-            <a:r>
-              <a:rPr lang="en-US" dirty="0" smtClean="0"/>
-              <a:t>software;</a:t>
-            </a:r>
-          </a:p>
-          <a:p>
-            <a:r>
-              <a:rPr lang="en-US" dirty="0" smtClean="0"/>
-              <a:t>Properly </a:t>
-            </a:r>
-            <a:r>
-              <a:rPr lang="en-US" dirty="0"/>
-              <a:t>studied design patterns greatly assist in a common understanding of the basic principles of object-oriented </a:t>
-            </a:r>
-            <a:r>
-              <a:rPr lang="en-US" dirty="0" smtClean="0"/>
-              <a:t>design.</a:t>
-            </a:r>
-            <a:endParaRPr lang="en-US" dirty="0"/>
+              <a:t>Eﬃciency improvement of single developers and whole group of developers;</a:t>
+            </a:r>
+          </a:p>
+          <a:p>
+            <a:r>
+              <a:rPr lang="en-US" dirty="0"/>
+              <a:t>The use of many design patterns also allows you to create more modiﬁable and ﬂexible software;</a:t>
+            </a:r>
+          </a:p>
+          <a:p>
+            <a:r>
+              <a:rPr lang="en-US" dirty="0"/>
+              <a:t>Properly studied design patterns greatly assist in a common understanding of the basic principles of object-oriented design.</a:t>
+            </a:r>
           </a:p>
         </p:txBody>
       </p:sp>
@@ -25642,17 +29525,16 @@
           <a:lstStyle/>
           <a:p>
             <a:r>
-              <a:rPr lang="en-US" dirty="0" smtClean="0"/>
+              <a:rPr lang="en-US" dirty="0"/>
               <a:t>Design</a:t>
             </a:r>
             <a:br>
-              <a:rPr lang="en-US" dirty="0" smtClean="0"/>
+              <a:rPr lang="en-US" dirty="0"/>
             </a:br>
             <a:r>
-              <a:rPr lang="en-US" dirty="0" smtClean="0"/>
+              <a:rPr lang="en-US" dirty="0"/>
               <a:t>Patterns</a:t>
             </a:r>
-            <a:endParaRPr lang="en-US" dirty="0"/>
           </a:p>
         </p:txBody>
       </p:sp>
@@ -25751,30 +29633,26 @@
           <a:lstStyle/>
           <a:p>
             <a:r>
-              <a:rPr lang="en-US" dirty="0" smtClean="0"/>
-              <a:t>Structural Patterns</a:t>
-            </a:r>
-            <a:endParaRPr lang="en-US" dirty="0"/>
+              <a:rPr lang="en-US" b="0" dirty="0"/>
+              <a:t>UML reminder</a:t>
+            </a:r>
+            <a:r>
+              <a:rPr lang="en-US" dirty="0"/>
+              <a:t> </a:t>
+            </a:r>
           </a:p>
         </p:txBody>
       </p:sp>
     </p:spTree>
     <p:extLst>
       <p:ext uri="{BB962C8B-B14F-4D97-AF65-F5344CB8AC3E}">
-        <p14:creationId xmlns:p14="http://schemas.microsoft.com/office/powerpoint/2010/main" val="2655076616"/>
+        <p14:creationId xmlns:p14="http://schemas.microsoft.com/office/powerpoint/2010/main" val="1613587329"/>
       </p:ext>
     </p:extLst>
   </p:cSld>
   <p:clrMapOvr>
     <a:masterClrMapping/>
   </p:clrMapOvr>
-  <p:timing>
-    <p:tnLst>
-      <p:par>
-        <p:cTn id="1" dur="indefinite" restart="never" nodeType="tmRoot"/>
-      </p:par>
-    </p:tnLst>
-  </p:timing>
 </p:sld>
 </file>
 

--- a/DesignPatterns.pptx
+++ b/DesignPatterns.pptx
@@ -7,10 +7,10 @@
     <p:sldMasterId id="2147483663" r:id="rId3"/>
   </p:sldMasterIdLst>
   <p:notesMasterIdLst>
-    <p:notesMasterId r:id="rId56"/>
+    <p:notesMasterId r:id="rId43"/>
   </p:notesMasterIdLst>
   <p:handoutMasterIdLst>
-    <p:handoutMasterId r:id="rId57"/>
+    <p:handoutMasterId r:id="rId44"/>
   </p:handoutMasterIdLst>
   <p:sldIdLst>
     <p:sldId id="256" r:id="rId4"/>
@@ -45,26 +45,13 @@
     <p:sldId id="307" r:id="rId33"/>
     <p:sldId id="308" r:id="rId34"/>
     <p:sldId id="309" r:id="rId35"/>
-    <p:sldId id="310" r:id="rId36"/>
-    <p:sldId id="311" r:id="rId37"/>
-    <p:sldId id="259" r:id="rId38"/>
-    <p:sldId id="260" r:id="rId39"/>
-    <p:sldId id="261" r:id="rId40"/>
-    <p:sldId id="262" r:id="rId41"/>
-    <p:sldId id="263" r:id="rId42"/>
-    <p:sldId id="264" r:id="rId43"/>
-    <p:sldId id="265" r:id="rId44"/>
-    <p:sldId id="266" r:id="rId45"/>
-    <p:sldId id="267" r:id="rId46"/>
-    <p:sldId id="268" r:id="rId47"/>
-    <p:sldId id="269" r:id="rId48"/>
-    <p:sldId id="270" r:id="rId49"/>
-    <p:sldId id="271" r:id="rId50"/>
-    <p:sldId id="277" r:id="rId51"/>
-    <p:sldId id="272" r:id="rId52"/>
-    <p:sldId id="273" r:id="rId53"/>
-    <p:sldId id="274" r:id="rId54"/>
-    <p:sldId id="275" r:id="rId55"/>
+    <p:sldId id="311" r:id="rId36"/>
+    <p:sldId id="312" r:id="rId37"/>
+    <p:sldId id="313" r:id="rId38"/>
+    <p:sldId id="314" r:id="rId39"/>
+    <p:sldId id="318" r:id="rId40"/>
+    <p:sldId id="315" r:id="rId41"/>
+    <p:sldId id="317" r:id="rId42"/>
   </p:sldIdLst>
   <p:sldSz cx="9144000" cy="5143500" type="screen16x9"/>
   <p:notesSz cx="6858000" cy="9144000"/>
@@ -267,7 +254,7 @@
           <a:p>
             <a:fld id="{3FDC14FC-A894-4869-A797-1EC82735D106}" type="datetimeFigureOut">
               <a:rPr lang="en-US" smtClean="0"/>
-              <a:t>4/29/2019</a:t>
+              <a:t>5/1/2019</a:t>
             </a:fld>
             <a:endParaRPr lang="en-US"/>
           </a:p>
@@ -432,7 +419,7 @@
           <a:p>
             <a:fld id="{B4F99C05-63F9-4248-8E20-3ACD9DF9DE7F}" type="datetimeFigureOut">
               <a:rPr lang="en-US" smtClean="0"/>
-              <a:t>4/29/2019</a:t>
+              <a:t>5/1/2019</a:t>
             </a:fld>
             <a:endParaRPr lang="en-US"/>
           </a:p>
@@ -9552,7 +9539,7 @@
           </a:ln>
           <a:extLst>
             <a:ext uri="{C572A759-6A51-4108-AA02-DFA0A04FC94B}">
-              <ma14:wrappingTextBoxFlag xmlns:ma14="http://schemas.microsoft.com/office/mac/drawingml/2011/main" xmlns="" val="1"/>
+              <ma14:wrappingTextBoxFlag xmlns="" xmlns:ma14="http://schemas.microsoft.com/office/mac/drawingml/2011/main" val="1"/>
             </a:ext>
           </a:extLst>
         </p:spPr>
@@ -22845,67 +22832,6 @@
           </a:p>
         </p:txBody>
       </p:sp>
-      <p:sp>
-        <p:nvSpPr>
-          <p:cNvPr id="3" name="Rectangle 2">
-            <a:extLst>
-              <a:ext uri="{FF2B5EF4-FFF2-40B4-BE49-F238E27FC236}">
-                <a16:creationId xmlns:a16="http://schemas.microsoft.com/office/drawing/2014/main" id="{9B9A836F-79A5-45FC-8C4B-9A25DB7C47EB}"/>
-              </a:ext>
-            </a:extLst>
-          </p:cNvPr>
-          <p:cNvSpPr/>
-          <p:nvPr/>
-        </p:nvSpPr>
-        <p:spPr>
-          <a:xfrm>
-            <a:off x="2286000" y="2217807"/>
-            <a:ext cx="4572000" cy="707886"/>
-          </a:xfrm>
-          <a:prstGeom prst="rect">
-            <a:avLst/>
-          </a:prstGeom>
-        </p:spPr>
-        <p:txBody>
-          <a:bodyPr>
-            <a:spAutoFit/>
-          </a:bodyPr>
-          <a:lstStyle/>
-          <a:p>
-            <a:r>
-              <a:rPr lang="en-US" sz="1000" dirty="0">
-                <a:latin typeface="SFRM1000"/>
-              </a:rPr>
-              <a:t>you want to provide a simple interface to a complex subsystem;</a:t>
-            </a:r>
-          </a:p>
-          <a:p>
-            <a:r>
-              <a:rPr lang="en-US" sz="1000" dirty="0">
-                <a:latin typeface="SFRM1000"/>
-              </a:rPr>
-              <a:t>there are many dependencies between clients and the</a:t>
-            </a:r>
-          </a:p>
-          <a:p>
-            <a:r>
-              <a:rPr lang="en-US" sz="1000" dirty="0">
-                <a:latin typeface="SFRM1000"/>
-              </a:rPr>
-              <a:t>implementation classes of an abstraction;</a:t>
-            </a:r>
-          </a:p>
-          <a:p>
-            <a:r>
-              <a:rPr lang="en-US" sz="1000" dirty="0">
-                <a:latin typeface="SFRM1000"/>
-              </a:rPr>
-              <a:t>you want to layer your subsystems.</a:t>
-            </a:r>
-            <a:endParaRPr lang="en-US" dirty="0"/>
-          </a:p>
-        </p:txBody>
-      </p:sp>
     </p:spTree>
     <p:extLst>
       <p:ext uri="{BB962C8B-B14F-4D97-AF65-F5344CB8AC3E}">
@@ -26212,6 +26138,30 @@
           </a:p>
         </p:txBody>
       </p:sp>
+      <p:pic>
+        <p:nvPicPr>
+          <p:cNvPr id="2" name="Picture 1"/>
+          <p:cNvPicPr>
+            <a:picLocks noChangeAspect="1"/>
+          </p:cNvPicPr>
+          <p:nvPr/>
+        </p:nvPicPr>
+        <p:blipFill>
+          <a:blip r:embed="rId2"/>
+          <a:stretch>
+            <a:fillRect/>
+          </a:stretch>
+        </p:blipFill>
+        <p:spPr>
+          <a:xfrm>
+            <a:off x="1603696" y="694433"/>
+            <a:ext cx="5277327" cy="3561123"/>
+          </a:xfrm>
+          <a:prstGeom prst="rect">
+            <a:avLst/>
+          </a:prstGeom>
+        </p:spPr>
+      </p:pic>
     </p:spTree>
     <p:extLst>
       <p:ext uri="{BB962C8B-B14F-4D97-AF65-F5344CB8AC3E}">
@@ -26355,13 +26305,7 @@
       </p:sp>
       <p:pic>
         <p:nvPicPr>
-          <p:cNvPr id="3" name="Picture 2">
-            <a:extLst>
-              <a:ext uri="{FF2B5EF4-FFF2-40B4-BE49-F238E27FC236}">
-                <a16:creationId xmlns:a16="http://schemas.microsoft.com/office/drawing/2014/main" id="{49C0C7AC-1C41-472F-8C83-6A78E1362CA6}"/>
-              </a:ext>
-            </a:extLst>
-          </p:cNvPr>
+          <p:cNvPr id="8" name="Picture 7"/>
           <p:cNvPicPr>
             <a:picLocks noChangeAspect="1"/>
           </p:cNvPicPr>
@@ -26375,8 +26319,8 @@
         </p:blipFill>
         <p:spPr>
           <a:xfrm>
-            <a:off x="1074188" y="972561"/>
-            <a:ext cx="6339253" cy="3548604"/>
+            <a:off x="519695" y="1102888"/>
+            <a:ext cx="8163816" cy="3061250"/>
           </a:xfrm>
           <a:prstGeom prst="rect">
             <a:avLst/>
@@ -26415,171 +26359,6 @@
       </p:grpSpPr>
       <p:sp>
         <p:nvSpPr>
-          <p:cNvPr id="2" name="Title 1"/>
-          <p:cNvSpPr>
-            <a:spLocks noGrp="1"/>
-          </p:cNvSpPr>
-          <p:nvPr>
-            <p:ph type="title"/>
-          </p:nvPr>
-        </p:nvSpPr>
-        <p:spPr/>
-        <p:txBody>
-          <a:bodyPr/>
-          <a:lstStyle/>
-          <a:p>
-            <a:r>
-              <a:rPr lang="en-US" dirty="0"/>
-              <a:t>Two types of adapter realization</a:t>
-            </a:r>
-          </a:p>
-        </p:txBody>
-      </p:sp>
-      <p:sp>
-        <p:nvSpPr>
-          <p:cNvPr id="3" name="Content Placeholder 2"/>
-          <p:cNvSpPr>
-            <a:spLocks noGrp="1"/>
-          </p:cNvSpPr>
-          <p:nvPr>
-            <p:ph sz="quarter" idx="10"/>
-          </p:nvPr>
-        </p:nvSpPr>
-        <p:spPr>
-          <a:xfrm>
-            <a:off x="357188" y="1079500"/>
-            <a:ext cx="8429625" cy="1675423"/>
-          </a:xfrm>
-        </p:spPr>
-        <p:txBody>
-          <a:bodyPr/>
-          <a:lstStyle/>
-          <a:p>
-            <a:r>
-              <a:rPr lang="en-US" dirty="0"/>
-              <a:t>object realization via composition;</a:t>
-            </a:r>
-          </a:p>
-          <a:p>
-            <a:r>
-              <a:rPr lang="en-US" dirty="0"/>
-              <a:t>class realization via inheritance.</a:t>
-            </a:r>
-            <a:endParaRPr lang="en-US" sz="1600" dirty="0"/>
-          </a:p>
-        </p:txBody>
-      </p:sp>
-      <p:sp>
-        <p:nvSpPr>
-          <p:cNvPr id="4" name="TextBox 3">
-            <a:extLst>
-              <a:ext uri="{FF2B5EF4-FFF2-40B4-BE49-F238E27FC236}">
-                <a16:creationId xmlns:a16="http://schemas.microsoft.com/office/drawing/2014/main" id="{A5550BAA-4A93-7C4F-9F93-F6DAD9B885B8}"/>
-              </a:ext>
-            </a:extLst>
-          </p:cNvPr>
-          <p:cNvSpPr txBox="1"/>
-          <p:nvPr/>
-        </p:nvSpPr>
-        <p:spPr>
-          <a:xfrm>
-            <a:off x="943583" y="4877348"/>
-            <a:ext cx="2422187" cy="200055"/>
-          </a:xfrm>
-          <a:prstGeom prst="rect">
-            <a:avLst/>
-          </a:prstGeom>
-          <a:noFill/>
-        </p:spPr>
-        <p:txBody>
-          <a:bodyPr wrap="square" rtlCol="0">
-            <a:spAutoFit/>
-          </a:bodyPr>
-          <a:lstStyle/>
-          <a:p>
-            <a:pPr marL="0" marR="0" lvl="0" indent="0" algn="l" defTabSz="685800" rtl="0" eaLnBrk="1" fontAlgn="auto" latinLnBrk="0" hangingPunct="1">
-              <a:lnSpc>
-                <a:spcPct val="100000"/>
-              </a:lnSpc>
-              <a:spcBef>
-                <a:spcPts val="0"/>
-              </a:spcBef>
-              <a:spcAft>
-                <a:spcPts val="0"/>
-              </a:spcAft>
-              <a:buClrTx/>
-              <a:buSzTx/>
-              <a:buFontTx/>
-              <a:buNone/>
-              <a:tabLst/>
-              <a:defRPr/>
-            </a:pPr>
-            <a:r>
-              <a:rPr kumimoji="0" lang="en-US" sz="700" b="0" i="0" u="none" strike="noStrike" kern="1200" cap="none" spc="0" normalizeH="0" baseline="0" noProof="0" dirty="0">
-                <a:ln>
-                  <a:noFill/>
-                </a:ln>
-                <a:solidFill>
-                  <a:srgbClr val="FFFFFF"/>
-                </a:solidFill>
-                <a:effectLst/>
-                <a:uLnTx/>
-                <a:uFillTx/>
-                <a:latin typeface="Calibri Light"/>
-                <a:ea typeface="+mn-ea"/>
-                <a:cs typeface="+mn-cs"/>
-              </a:rPr>
-              <a:t>CONFIDENTIAL  |  © 2019 EPAM Systems, Inc.</a:t>
-            </a:r>
-            <a:endParaRPr kumimoji="0" lang="en-US" sz="700" b="0" i="0" u="none" strike="noStrike" kern="1200" cap="none" spc="0" normalizeH="0" baseline="0" noProof="0" dirty="0">
-              <a:ln>
-                <a:noFill/>
-              </a:ln>
-              <a:solidFill>
-                <a:srgbClr val="222222"/>
-              </a:solidFill>
-              <a:effectLst/>
-              <a:uLnTx/>
-              <a:uFillTx/>
-              <a:latin typeface="Calibri Light"/>
-              <a:ea typeface="+mn-ea"/>
-              <a:cs typeface="+mn-cs"/>
-            </a:endParaRPr>
-          </a:p>
-        </p:txBody>
-      </p:sp>
-    </p:spTree>
-    <p:extLst>
-      <p:ext uri="{BB962C8B-B14F-4D97-AF65-F5344CB8AC3E}">
-        <p14:creationId xmlns:p14="http://schemas.microsoft.com/office/powerpoint/2010/main" val="2455055120"/>
-      </p:ext>
-    </p:extLst>
-  </p:cSld>
-  <p:clrMapOvr>
-    <a:masterClrMapping/>
-  </p:clrMapOvr>
-</p:sld>
-</file>
-
-<file path=ppt/slides/slide34.xml><?xml version="1.0" encoding="utf-8"?>
-<p:sld xmlns:a="http://schemas.openxmlformats.org/drawingml/2006/main" xmlns:r="http://schemas.openxmlformats.org/officeDocument/2006/relationships" xmlns:p="http://schemas.openxmlformats.org/presentationml/2006/main">
-  <p:cSld>
-    <p:spTree>
-      <p:nvGrpSpPr>
-        <p:cNvPr id="1" name=""/>
-        <p:cNvGrpSpPr/>
-        <p:nvPr/>
-      </p:nvGrpSpPr>
-      <p:grpSpPr>
-        <a:xfrm>
-          <a:off x="0" y="0"/>
-          <a:ext cx="0" cy="0"/>
-          <a:chOff x="0" y="0"/>
-          <a:chExt cx="0" cy="0"/>
-        </a:xfrm>
-      </p:grpSpPr>
-      <p:sp>
-        <p:nvSpPr>
           <p:cNvPr id="3" name="Title 2"/>
           <p:cNvSpPr>
             <a:spLocks noGrp="1"/>
@@ -26621,28 +26400,53 @@
           <a:lstStyle/>
           <a:p>
             <a:r>
-              <a:rPr lang="en-US" dirty="0"/>
-              <a:t>you want to use an existing class, and its interface does not match the one you need.</a:t>
-            </a:r>
-          </a:p>
-          <a:p>
-            <a:r>
-              <a:rPr lang="en-US" dirty="0"/>
-              <a:t>you want to create a reusable class that cooperates with unrelated or unforeseen classes, that is, classes that don’t necessarily have compatible interfaces.</a:t>
-            </a:r>
-          </a:p>
-          <a:p>
-            <a:r>
-              <a:rPr lang="en-US" dirty="0"/>
-              <a:t>(object adapter only) you need to use several existing subclasses, but it’s unpractical to adapt their interface by </a:t>
-            </a:r>
-            <a:r>
-              <a:rPr lang="en-US" dirty="0" err="1"/>
-              <a:t>subclassing</a:t>
-            </a:r>
-            <a:r>
-              <a:rPr lang="en-US" dirty="0"/>
-              <a:t> every one. An object adapter can adapt the interface of its parent class.</a:t>
+              <a:rPr lang="en-US" dirty="0" smtClean="0"/>
+              <a:t>you </a:t>
+            </a:r>
+            <a:r>
+              <a:rPr lang="en-US" dirty="0"/>
+              <a:t>want to </a:t>
+            </a:r>
+            <a:r>
+              <a:rPr lang="en-US" dirty="0" smtClean="0"/>
+              <a:t>avoid </a:t>
+            </a:r>
+            <a:r>
+              <a:rPr lang="en-US" dirty="0"/>
+              <a:t>a permanent </a:t>
+            </a:r>
+            <a:r>
+              <a:rPr lang="en-US" dirty="0" smtClean="0"/>
+              <a:t>binding between </a:t>
+            </a:r>
+            <a:r>
+              <a:rPr lang="en-US" dirty="0"/>
+              <a:t>an abstraction </a:t>
+            </a:r>
+            <a:r>
+              <a:rPr lang="en-US" dirty="0" smtClean="0"/>
+              <a:t>and its implementation. For example, when the implementation must be selected at run-time;</a:t>
+            </a:r>
+            <a:endParaRPr lang="en-US" dirty="0"/>
+          </a:p>
+          <a:p>
+            <a:r>
+              <a:rPr lang="pt-BR" dirty="0"/>
+              <a:t>both </a:t>
+            </a:r>
+            <a:r>
+              <a:rPr lang="pt-BR" dirty="0" smtClean="0"/>
+              <a:t>the abstractions and their should be extensible by subclassing;</a:t>
+            </a:r>
+          </a:p>
+          <a:p>
+            <a:r>
+              <a:rPr lang="pt-BR" dirty="0"/>
+              <a:t>c</a:t>
+            </a:r>
+            <a:r>
+              <a:rPr lang="pt-BR" dirty="0" smtClean="0"/>
+              <a:t>hanges in the implementation of an abstraction should have no impact on clients;</a:t>
             </a:r>
           </a:p>
         </p:txBody>
@@ -26717,7 +26521,7 @@
                 <a:tabLst/>
                 <a:defRPr/>
               </a:pPr>
-              <a:t>34</a:t>
+              <a:t>33</a:t>
             </a:fld>
             <a:endParaRPr kumimoji="0" lang="en-US" sz="800" b="1" i="0" u="none" strike="noStrike" kern="1200" cap="none" spc="0" normalizeH="0" baseline="0" noProof="0" dirty="0">
               <a:ln>
@@ -26749,7 +26553,521 @@
 </p:sld>
 </file>
 
+<file path=ppt/slides/slide34.xml><?xml version="1.0" encoding="utf-8"?>
+<p:sld xmlns:a="http://schemas.openxmlformats.org/drawingml/2006/main" xmlns:r="http://schemas.openxmlformats.org/officeDocument/2006/relationships" xmlns:p="http://schemas.openxmlformats.org/presentationml/2006/main">
+  <p:cSld>
+    <p:spTree>
+      <p:nvGrpSpPr>
+        <p:cNvPr id="1" name=""/>
+        <p:cNvGrpSpPr/>
+        <p:nvPr/>
+      </p:nvGrpSpPr>
+      <p:grpSpPr>
+        <a:xfrm>
+          <a:off x="0" y="0"/>
+          <a:ext cx="0" cy="0"/>
+          <a:chOff x="0" y="0"/>
+          <a:chExt cx="0" cy="0"/>
+        </a:xfrm>
+      </p:grpSpPr>
+      <p:sp>
+        <p:nvSpPr>
+          <p:cNvPr id="4" name="Title 3"/>
+          <p:cNvSpPr>
+            <a:spLocks noGrp="1"/>
+          </p:cNvSpPr>
+          <p:nvPr>
+            <p:ph type="title"/>
+          </p:nvPr>
+        </p:nvSpPr>
+        <p:spPr/>
+        <p:txBody>
+          <a:bodyPr/>
+          <a:lstStyle/>
+          <a:p>
+            <a:r>
+              <a:rPr lang="en-US" dirty="0"/>
+              <a:t>Design</a:t>
+            </a:r>
+            <a:br>
+              <a:rPr lang="en-US" dirty="0"/>
+            </a:br>
+            <a:r>
+              <a:rPr lang="en-US" dirty="0"/>
+              <a:t>Patterns</a:t>
+            </a:r>
+          </a:p>
+        </p:txBody>
+      </p:sp>
+      <p:sp>
+        <p:nvSpPr>
+          <p:cNvPr id="6" name="TextBox 5">
+            <a:extLst>
+              <a:ext uri="{FF2B5EF4-FFF2-40B4-BE49-F238E27FC236}">
+                <a16:creationId xmlns:a16="http://schemas.microsoft.com/office/drawing/2014/main" id="{16AD212A-E369-CB46-BE9C-0744152A0BAF}"/>
+              </a:ext>
+            </a:extLst>
+          </p:cNvPr>
+          <p:cNvSpPr txBox="1"/>
+          <p:nvPr/>
+        </p:nvSpPr>
+        <p:spPr>
+          <a:xfrm>
+            <a:off x="531466" y="4877348"/>
+            <a:ext cx="2422187" cy="200055"/>
+          </a:xfrm>
+          <a:prstGeom prst="rect">
+            <a:avLst/>
+          </a:prstGeom>
+          <a:noFill/>
+        </p:spPr>
+        <p:txBody>
+          <a:bodyPr wrap="square" rtlCol="0">
+            <a:spAutoFit/>
+          </a:bodyPr>
+          <a:lstStyle/>
+          <a:p>
+            <a:pPr marL="0" marR="0" lvl="0" indent="0" algn="l" defTabSz="685800" rtl="0" eaLnBrk="1" fontAlgn="auto" latinLnBrk="0" hangingPunct="1">
+              <a:lnSpc>
+                <a:spcPct val="100000"/>
+              </a:lnSpc>
+              <a:spcBef>
+                <a:spcPts val="0"/>
+              </a:spcBef>
+              <a:spcAft>
+                <a:spcPts val="0"/>
+              </a:spcAft>
+              <a:buClrTx/>
+              <a:buSzTx/>
+              <a:buFontTx/>
+              <a:buNone/>
+              <a:tabLst/>
+              <a:defRPr/>
+            </a:pPr>
+            <a:r>
+              <a:rPr kumimoji="0" lang="en-US" sz="700" b="0" i="0" u="none" strike="noStrike" kern="1200" cap="none" spc="0" normalizeH="0" baseline="0" noProof="0" dirty="0">
+                <a:ln>
+                  <a:noFill/>
+                </a:ln>
+                <a:solidFill>
+                  <a:srgbClr val="FFFFFF"/>
+                </a:solidFill>
+                <a:effectLst/>
+                <a:uLnTx/>
+                <a:uFillTx/>
+                <a:latin typeface="Calibri Light"/>
+                <a:ea typeface="+mn-ea"/>
+                <a:cs typeface="+mn-cs"/>
+              </a:rPr>
+              <a:t>CONFIDENTIAL  |  © 2019 EPAM Systems, Inc.</a:t>
+            </a:r>
+            <a:endParaRPr kumimoji="0" lang="en-US" sz="700" b="0" i="0" u="none" strike="noStrike" kern="1200" cap="none" spc="0" normalizeH="0" baseline="0" noProof="0" dirty="0">
+              <a:ln>
+                <a:noFill/>
+              </a:ln>
+              <a:solidFill>
+                <a:srgbClr val="222222"/>
+              </a:solidFill>
+              <a:effectLst/>
+              <a:uLnTx/>
+              <a:uFillTx/>
+              <a:latin typeface="Calibri Light"/>
+              <a:ea typeface="+mn-ea"/>
+              <a:cs typeface="+mn-cs"/>
+            </a:endParaRPr>
+          </a:p>
+        </p:txBody>
+      </p:sp>
+      <p:sp>
+        <p:nvSpPr>
+          <p:cNvPr id="2" name="Text Placeholder 1"/>
+          <p:cNvSpPr>
+            <a:spLocks noGrp="1"/>
+          </p:cNvSpPr>
+          <p:nvPr>
+            <p:ph type="body" sz="quarter" idx="11"/>
+          </p:nvPr>
+        </p:nvSpPr>
+        <p:spPr/>
+        <p:txBody>
+          <a:bodyPr/>
+          <a:lstStyle/>
+          <a:p>
+            <a:r>
+              <a:rPr lang="en-US" dirty="0" smtClean="0"/>
+              <a:t>Decorator</a:t>
+            </a:r>
+            <a:endParaRPr lang="en-US" dirty="0"/>
+          </a:p>
+        </p:txBody>
+      </p:sp>
+    </p:spTree>
+    <p:extLst>
+      <p:ext uri="{BB962C8B-B14F-4D97-AF65-F5344CB8AC3E}">
+        <p14:creationId xmlns:p14="http://schemas.microsoft.com/office/powerpoint/2010/main" val="3433061880"/>
+      </p:ext>
+    </p:extLst>
+  </p:cSld>
+  <p:clrMapOvr>
+    <a:masterClrMapping/>
+  </p:clrMapOvr>
+</p:sld>
+</file>
+
 <file path=ppt/slides/slide35.xml><?xml version="1.0" encoding="utf-8"?>
+<p:sld xmlns:a="http://schemas.openxmlformats.org/drawingml/2006/main" xmlns:r="http://schemas.openxmlformats.org/officeDocument/2006/relationships" xmlns:p="http://schemas.openxmlformats.org/presentationml/2006/main">
+  <p:cSld>
+    <p:spTree>
+      <p:nvGrpSpPr>
+        <p:cNvPr id="1" name=""/>
+        <p:cNvGrpSpPr/>
+        <p:nvPr/>
+      </p:nvGrpSpPr>
+      <p:grpSpPr>
+        <a:xfrm>
+          <a:off x="0" y="0"/>
+          <a:ext cx="0" cy="0"/>
+          <a:chOff x="0" y="0"/>
+          <a:chExt cx="0" cy="0"/>
+        </a:xfrm>
+      </p:grpSpPr>
+      <p:sp>
+        <p:nvSpPr>
+          <p:cNvPr id="2" name="Title 1"/>
+          <p:cNvSpPr>
+            <a:spLocks noGrp="1"/>
+          </p:cNvSpPr>
+          <p:nvPr>
+            <p:ph type="title"/>
+          </p:nvPr>
+        </p:nvSpPr>
+        <p:spPr/>
+        <p:txBody>
+          <a:bodyPr/>
+          <a:lstStyle/>
+          <a:p>
+            <a:r>
+              <a:rPr lang="en-US" dirty="0"/>
+              <a:t>Intent</a:t>
+            </a:r>
+          </a:p>
+        </p:txBody>
+      </p:sp>
+      <p:sp>
+        <p:nvSpPr>
+          <p:cNvPr id="3" name="Content Placeholder 2"/>
+          <p:cNvSpPr>
+            <a:spLocks noGrp="1"/>
+          </p:cNvSpPr>
+          <p:nvPr>
+            <p:ph sz="quarter" idx="10"/>
+          </p:nvPr>
+        </p:nvSpPr>
+        <p:spPr>
+          <a:xfrm>
+            <a:off x="357188" y="1079500"/>
+            <a:ext cx="8429625" cy="1675423"/>
+          </a:xfrm>
+        </p:spPr>
+        <p:txBody>
+          <a:bodyPr/>
+          <a:lstStyle/>
+          <a:p>
+            <a:pPr marL="0" indent="0">
+              <a:buNone/>
+            </a:pPr>
+            <a:endParaRPr lang="en-US" sz="2800" dirty="0" smtClean="0"/>
+          </a:p>
+          <a:p>
+            <a:pPr marL="0" indent="0">
+              <a:buNone/>
+            </a:pPr>
+            <a:endParaRPr lang="en-US" sz="1800" dirty="0" smtClean="0"/>
+          </a:p>
+          <a:p>
+            <a:pPr marL="0" indent="0">
+              <a:buNone/>
+            </a:pPr>
+            <a:r>
+              <a:rPr lang="en-US" sz="1800" dirty="0" smtClean="0"/>
+              <a:t>Attach additional responsibilities to an object dynamically. Decorators provide a flexible </a:t>
+            </a:r>
+          </a:p>
+          <a:p>
+            <a:pPr marL="0" indent="0">
+              <a:buNone/>
+            </a:pPr>
+            <a:r>
+              <a:rPr lang="en-US" sz="1800" dirty="0" smtClean="0"/>
+              <a:t>alternative to </a:t>
+            </a:r>
+            <a:r>
+              <a:rPr lang="en-US" sz="1800" dirty="0" err="1" smtClean="0"/>
+              <a:t>subclassing</a:t>
+            </a:r>
+            <a:r>
+              <a:rPr lang="en-US" sz="1800" dirty="0" smtClean="0"/>
+              <a:t> for extending functionality.	</a:t>
+            </a:r>
+            <a:endParaRPr lang="en-US" sz="1800" dirty="0"/>
+          </a:p>
+        </p:txBody>
+      </p:sp>
+      <p:sp>
+        <p:nvSpPr>
+          <p:cNvPr id="4" name="TextBox 3">
+            <a:extLst>
+              <a:ext uri="{FF2B5EF4-FFF2-40B4-BE49-F238E27FC236}">
+                <a16:creationId xmlns:a16="http://schemas.microsoft.com/office/drawing/2014/main" id="{A5550BAA-4A93-7C4F-9F93-F6DAD9B885B8}"/>
+              </a:ext>
+            </a:extLst>
+          </p:cNvPr>
+          <p:cNvSpPr txBox="1"/>
+          <p:nvPr/>
+        </p:nvSpPr>
+        <p:spPr>
+          <a:xfrm>
+            <a:off x="943583" y="4877348"/>
+            <a:ext cx="2422187" cy="200055"/>
+          </a:xfrm>
+          <a:prstGeom prst="rect">
+            <a:avLst/>
+          </a:prstGeom>
+          <a:noFill/>
+        </p:spPr>
+        <p:txBody>
+          <a:bodyPr wrap="square" rtlCol="0">
+            <a:spAutoFit/>
+          </a:bodyPr>
+          <a:lstStyle/>
+          <a:p>
+            <a:pPr marL="0" marR="0" lvl="0" indent="0" algn="l" defTabSz="685800" rtl="0" eaLnBrk="1" fontAlgn="auto" latinLnBrk="0" hangingPunct="1">
+              <a:lnSpc>
+                <a:spcPct val="100000"/>
+              </a:lnSpc>
+              <a:spcBef>
+                <a:spcPts val="0"/>
+              </a:spcBef>
+              <a:spcAft>
+                <a:spcPts val="0"/>
+              </a:spcAft>
+              <a:buClrTx/>
+              <a:buSzTx/>
+              <a:buFontTx/>
+              <a:buNone/>
+              <a:tabLst/>
+              <a:defRPr/>
+            </a:pPr>
+            <a:r>
+              <a:rPr kumimoji="0" lang="en-US" sz="700" b="0" i="0" u="none" strike="noStrike" kern="1200" cap="none" spc="0" normalizeH="0" baseline="0" noProof="0" dirty="0">
+                <a:ln>
+                  <a:noFill/>
+                </a:ln>
+                <a:solidFill>
+                  <a:srgbClr val="FFFFFF"/>
+                </a:solidFill>
+                <a:effectLst/>
+                <a:uLnTx/>
+                <a:uFillTx/>
+                <a:latin typeface="Calibri Light"/>
+                <a:ea typeface="+mn-ea"/>
+                <a:cs typeface="+mn-cs"/>
+              </a:rPr>
+              <a:t>CONFIDENTIAL  |  © 2019 EPAM Systems, Inc.</a:t>
+            </a:r>
+            <a:endParaRPr kumimoji="0" lang="en-US" sz="700" b="0" i="0" u="none" strike="noStrike" kern="1200" cap="none" spc="0" normalizeH="0" baseline="0" noProof="0" dirty="0">
+              <a:ln>
+                <a:noFill/>
+              </a:ln>
+              <a:solidFill>
+                <a:srgbClr val="222222"/>
+              </a:solidFill>
+              <a:effectLst/>
+              <a:uLnTx/>
+              <a:uFillTx/>
+              <a:latin typeface="Calibri Light"/>
+              <a:ea typeface="+mn-ea"/>
+              <a:cs typeface="+mn-cs"/>
+            </a:endParaRPr>
+          </a:p>
+        </p:txBody>
+      </p:sp>
+    </p:spTree>
+    <p:extLst>
+      <p:ext uri="{BB962C8B-B14F-4D97-AF65-F5344CB8AC3E}">
+        <p14:creationId xmlns:p14="http://schemas.microsoft.com/office/powerpoint/2010/main" val="1068128297"/>
+      </p:ext>
+    </p:extLst>
+  </p:cSld>
+  <p:clrMapOvr>
+    <a:masterClrMapping/>
+  </p:clrMapOvr>
+</p:sld>
+</file>
+
+<file path=ppt/slides/slide36.xml><?xml version="1.0" encoding="utf-8"?>
+<p:sld xmlns:a="http://schemas.openxmlformats.org/drawingml/2006/main" xmlns:r="http://schemas.openxmlformats.org/officeDocument/2006/relationships" xmlns:p="http://schemas.openxmlformats.org/presentationml/2006/main">
+  <p:cSld>
+    <p:spTree>
+      <p:nvGrpSpPr>
+        <p:cNvPr id="1" name=""/>
+        <p:cNvGrpSpPr/>
+        <p:nvPr/>
+      </p:nvGrpSpPr>
+      <p:grpSpPr>
+        <a:xfrm>
+          <a:off x="0" y="0"/>
+          <a:ext cx="0" cy="0"/>
+          <a:chOff x="0" y="0"/>
+          <a:chExt cx="0" cy="0"/>
+        </a:xfrm>
+      </p:grpSpPr>
+      <p:sp>
+        <p:nvSpPr>
+          <p:cNvPr id="2" name="Title 1"/>
+          <p:cNvSpPr>
+            <a:spLocks noGrp="1"/>
+          </p:cNvSpPr>
+          <p:nvPr>
+            <p:ph type="title"/>
+          </p:nvPr>
+        </p:nvSpPr>
+        <p:spPr/>
+        <p:txBody>
+          <a:bodyPr/>
+          <a:lstStyle/>
+          <a:p>
+            <a:r>
+              <a:rPr lang="en-US" dirty="0"/>
+              <a:t>Motivation</a:t>
+            </a:r>
+          </a:p>
+        </p:txBody>
+      </p:sp>
+      <p:sp>
+        <p:nvSpPr>
+          <p:cNvPr id="3" name="Content Placeholder 2"/>
+          <p:cNvSpPr>
+            <a:spLocks noGrp="1"/>
+          </p:cNvSpPr>
+          <p:nvPr>
+            <p:ph sz="quarter" idx="10"/>
+          </p:nvPr>
+        </p:nvSpPr>
+        <p:spPr>
+          <a:xfrm>
+            <a:off x="357188" y="1079500"/>
+            <a:ext cx="8429625" cy="1675423"/>
+          </a:xfrm>
+        </p:spPr>
+        <p:txBody>
+          <a:bodyPr/>
+          <a:lstStyle/>
+          <a:p>
+            <a:pPr marL="0" indent="0">
+              <a:buNone/>
+            </a:pPr>
+            <a:r>
+              <a:rPr lang="en-US" sz="1600" dirty="0" smtClean="0"/>
+              <a:t>Sometimes we want to add responsibilities to individual object, not an entire class</a:t>
+            </a:r>
+            <a:endParaRPr lang="en-US" sz="1600" dirty="0"/>
+          </a:p>
+        </p:txBody>
+      </p:sp>
+      <p:sp>
+        <p:nvSpPr>
+          <p:cNvPr id="4" name="TextBox 3">
+            <a:extLst>
+              <a:ext uri="{FF2B5EF4-FFF2-40B4-BE49-F238E27FC236}">
+                <a16:creationId xmlns:a16="http://schemas.microsoft.com/office/drawing/2014/main" id="{A5550BAA-4A93-7C4F-9F93-F6DAD9B885B8}"/>
+              </a:ext>
+            </a:extLst>
+          </p:cNvPr>
+          <p:cNvSpPr txBox="1"/>
+          <p:nvPr/>
+        </p:nvSpPr>
+        <p:spPr>
+          <a:xfrm>
+            <a:off x="943583" y="4877348"/>
+            <a:ext cx="2422187" cy="200055"/>
+          </a:xfrm>
+          <a:prstGeom prst="rect">
+            <a:avLst/>
+          </a:prstGeom>
+          <a:noFill/>
+        </p:spPr>
+        <p:txBody>
+          <a:bodyPr wrap="square" rtlCol="0">
+            <a:spAutoFit/>
+          </a:bodyPr>
+          <a:lstStyle/>
+          <a:p>
+            <a:pPr marL="0" marR="0" lvl="0" indent="0" algn="l" defTabSz="685800" rtl="0" eaLnBrk="1" fontAlgn="auto" latinLnBrk="0" hangingPunct="1">
+              <a:lnSpc>
+                <a:spcPct val="100000"/>
+              </a:lnSpc>
+              <a:spcBef>
+                <a:spcPts val="0"/>
+              </a:spcBef>
+              <a:spcAft>
+                <a:spcPts val="0"/>
+              </a:spcAft>
+              <a:buClrTx/>
+              <a:buSzTx/>
+              <a:buFontTx/>
+              <a:buNone/>
+              <a:tabLst/>
+              <a:defRPr/>
+            </a:pPr>
+            <a:r>
+              <a:rPr kumimoji="0" lang="en-US" sz="700" b="0" i="0" u="none" strike="noStrike" kern="1200" cap="none" spc="0" normalizeH="0" baseline="0" noProof="0" dirty="0">
+                <a:ln>
+                  <a:noFill/>
+                </a:ln>
+                <a:solidFill>
+                  <a:srgbClr val="FFFFFF"/>
+                </a:solidFill>
+                <a:effectLst/>
+                <a:uLnTx/>
+                <a:uFillTx/>
+                <a:latin typeface="Calibri Light"/>
+                <a:ea typeface="+mn-ea"/>
+                <a:cs typeface="+mn-cs"/>
+              </a:rPr>
+              <a:t>CONFIDENTIAL  |  © 2019 EPAM Systems, Inc.</a:t>
+            </a:r>
+            <a:endParaRPr kumimoji="0" lang="en-US" sz="700" b="0" i="0" u="none" strike="noStrike" kern="1200" cap="none" spc="0" normalizeH="0" baseline="0" noProof="0" dirty="0">
+              <a:ln>
+                <a:noFill/>
+              </a:ln>
+              <a:solidFill>
+                <a:srgbClr val="222222"/>
+              </a:solidFill>
+              <a:effectLst/>
+              <a:uLnTx/>
+              <a:uFillTx/>
+              <a:latin typeface="Calibri Light"/>
+              <a:ea typeface="+mn-ea"/>
+              <a:cs typeface="+mn-cs"/>
+            </a:endParaRPr>
+          </a:p>
+        </p:txBody>
+      </p:sp>
+    </p:spTree>
+    <p:extLst>
+      <p:ext uri="{BB962C8B-B14F-4D97-AF65-F5344CB8AC3E}">
+        <p14:creationId xmlns:p14="http://schemas.microsoft.com/office/powerpoint/2010/main" val="564523376"/>
+      </p:ext>
+    </p:extLst>
+  </p:cSld>
+  <p:clrMapOvr>
+    <a:masterClrMapping/>
+  </p:clrMapOvr>
+</p:sld>
+</file>
+
+<file path=ppt/slides/slide37.xml><?xml version="1.0" encoding="utf-8"?>
 <p:sld xmlns:a="http://schemas.openxmlformats.org/drawingml/2006/main" xmlns:r="http://schemas.openxmlformats.org/officeDocument/2006/relationships" xmlns:p="http://schemas.openxmlformats.org/presentationml/2006/main">
   <p:cSld>
     <p:spTree>
@@ -26781,45 +27099,11 @@
           <a:bodyPr/>
           <a:lstStyle/>
           <a:p>
-            <a:endParaRPr lang="en-US"/>
-          </a:p>
-        </p:txBody>
-      </p:sp>
-      <p:sp>
-        <p:nvSpPr>
-          <p:cNvPr id="8" name="Content Placeholder 7"/>
-          <p:cNvSpPr>
-            <a:spLocks noGrp="1"/>
-          </p:cNvSpPr>
-          <p:nvPr>
-            <p:ph sz="quarter" idx="10"/>
-          </p:nvPr>
-        </p:nvSpPr>
-        <p:spPr/>
-        <p:txBody>
-          <a:bodyPr/>
-          <a:lstStyle/>
-          <a:p>
+            <a:r>
+              <a:rPr lang="en-US" dirty="0" smtClean="0"/>
+              <a:t>Decorator scheme</a:t>
+            </a:r>
             <a:endParaRPr lang="en-US" dirty="0"/>
-          </a:p>
-        </p:txBody>
-      </p:sp>
-      <p:sp>
-        <p:nvSpPr>
-          <p:cNvPr id="9" name="Content Placeholder 8"/>
-          <p:cNvSpPr>
-            <a:spLocks noGrp="1"/>
-          </p:cNvSpPr>
-          <p:nvPr>
-            <p:ph sz="quarter" idx="11"/>
-          </p:nvPr>
-        </p:nvSpPr>
-        <p:spPr/>
-        <p:txBody>
-          <a:bodyPr/>
-          <a:lstStyle/>
-          <a:p>
-            <a:endParaRPr lang="en-US"/>
           </a:p>
         </p:txBody>
       </p:sp>
@@ -26844,291 +27128,102 @@
           <a:bodyPr/>
           <a:lstStyle/>
           <a:p>
+            <a:pPr marL="0" marR="0" lvl="0" indent="0" algn="r" defTabSz="685800" rtl="0" eaLnBrk="1" fontAlgn="auto" latinLnBrk="0" hangingPunct="1">
+              <a:lnSpc>
+                <a:spcPct val="100000"/>
+              </a:lnSpc>
+              <a:spcBef>
+                <a:spcPts val="0"/>
+              </a:spcBef>
+              <a:spcAft>
+                <a:spcPts val="0"/>
+              </a:spcAft>
+              <a:buClrTx/>
+              <a:buSzTx/>
+              <a:buFontTx/>
+              <a:buNone/>
+              <a:tabLst/>
+              <a:defRPr/>
+            </a:pPr>
             <a:fld id="{3A707DD9-E92B-45E8-BE0A-E6B2EDF345EB}" type="slidenum">
-              <a:rPr lang="en-US" smtClean="0"/>
-              <a:pPr/>
-              <a:t>35</a:t>
+              <a:rPr kumimoji="0" lang="en-US" sz="800" b="1" i="0" u="none" strike="noStrike" kern="1200" cap="none" spc="0" normalizeH="0" baseline="0" noProof="0" smtClean="0">
+                <a:ln>
+                  <a:noFill/>
+                </a:ln>
+                <a:solidFill>
+                  <a:srgbClr val="FEFEFE"/>
+                </a:solidFill>
+                <a:effectLst/>
+                <a:uLnTx/>
+                <a:uFillTx/>
+                <a:latin typeface="Calibri Light"/>
+                <a:ea typeface="+mn-ea"/>
+                <a:cs typeface="+mn-cs"/>
+              </a:rPr>
+              <a:pPr marL="0" marR="0" lvl="0" indent="0" algn="r" defTabSz="685800" rtl="0" eaLnBrk="1" fontAlgn="auto" latinLnBrk="0" hangingPunct="1">
+                <a:lnSpc>
+                  <a:spcPct val="100000"/>
+                </a:lnSpc>
+                <a:spcBef>
+                  <a:spcPts val="0"/>
+                </a:spcBef>
+                <a:spcAft>
+                  <a:spcPts val="0"/>
+                </a:spcAft>
+                <a:buClrTx/>
+                <a:buSzTx/>
+                <a:buFontTx/>
+                <a:buNone/>
+                <a:tabLst/>
+                <a:defRPr/>
+              </a:pPr>
+              <a:t>37</a:t>
             </a:fld>
-            <a:endParaRPr lang="en-US" dirty="0"/>
+            <a:endParaRPr kumimoji="0" lang="en-US" sz="800" b="1" i="0" u="none" strike="noStrike" kern="1200" cap="none" spc="0" normalizeH="0" baseline="0" noProof="0" dirty="0">
+              <a:ln>
+                <a:noFill/>
+              </a:ln>
+              <a:solidFill>
+                <a:srgbClr val="FEFEFE"/>
+              </a:solidFill>
+              <a:effectLst/>
+              <a:uLnTx/>
+              <a:uFillTx/>
+              <a:latin typeface="Calibri Light"/>
+              <a:ea typeface="+mn-ea"/>
+              <a:cs typeface="+mn-cs"/>
+            </a:endParaRPr>
           </a:p>
         </p:txBody>
       </p:sp>
+      <p:pic>
+        <p:nvPicPr>
+          <p:cNvPr id="3" name="Picture 2"/>
+          <p:cNvPicPr>
+            <a:picLocks noChangeAspect="1"/>
+          </p:cNvPicPr>
+          <p:nvPr/>
+        </p:nvPicPr>
+        <p:blipFill>
+          <a:blip r:embed="rId2"/>
+          <a:stretch>
+            <a:fillRect/>
+          </a:stretch>
+        </p:blipFill>
+        <p:spPr>
+          <a:xfrm>
+            <a:off x="1006498" y="1111753"/>
+            <a:ext cx="6037239" cy="3374522"/>
+          </a:xfrm>
+          <a:prstGeom prst="rect">
+            <a:avLst/>
+          </a:prstGeom>
+        </p:spPr>
+      </p:pic>
     </p:spTree>
     <p:extLst>
       <p:ext uri="{BB962C8B-B14F-4D97-AF65-F5344CB8AC3E}">
-        <p14:creationId xmlns:p14="http://schemas.microsoft.com/office/powerpoint/2010/main" val="1741000056"/>
-      </p:ext>
-    </p:extLst>
-  </p:cSld>
-  <p:clrMapOvr>
-    <a:masterClrMapping/>
-  </p:clrMapOvr>
-</p:sld>
-</file>
-
-<file path=ppt/slides/slide36.xml><?xml version="1.0" encoding="utf-8"?>
-<p:sld xmlns:a="http://schemas.openxmlformats.org/drawingml/2006/main" xmlns:r="http://schemas.openxmlformats.org/officeDocument/2006/relationships" xmlns:p="http://schemas.openxmlformats.org/presentationml/2006/main">
-  <p:cSld>
-    <p:spTree>
-      <p:nvGrpSpPr>
-        <p:cNvPr id="1" name=""/>
-        <p:cNvGrpSpPr/>
-        <p:nvPr/>
-      </p:nvGrpSpPr>
-      <p:grpSpPr>
-        <a:xfrm>
-          <a:off x="0" y="0"/>
-          <a:ext cx="0" cy="0"/>
-          <a:chOff x="0" y="0"/>
-          <a:chExt cx="0" cy="0"/>
-        </a:xfrm>
-      </p:grpSpPr>
-      <p:sp>
-        <p:nvSpPr>
-          <p:cNvPr id="3" name="Title 2"/>
-          <p:cNvSpPr>
-            <a:spLocks noGrp="1"/>
-          </p:cNvSpPr>
-          <p:nvPr>
-            <p:ph type="title"/>
-          </p:nvPr>
-        </p:nvSpPr>
-        <p:spPr/>
-        <p:txBody>
-          <a:bodyPr/>
-          <a:lstStyle/>
-          <a:p>
-            <a:endParaRPr lang="en-US"/>
-          </a:p>
-        </p:txBody>
-      </p:sp>
-      <p:sp>
-        <p:nvSpPr>
-          <p:cNvPr id="4" name="Content Placeholder 3"/>
-          <p:cNvSpPr>
-            <a:spLocks noGrp="1"/>
-          </p:cNvSpPr>
-          <p:nvPr>
-            <p:ph sz="quarter" idx="10"/>
-          </p:nvPr>
-        </p:nvSpPr>
-        <p:spPr/>
-        <p:txBody>
-          <a:bodyPr/>
-          <a:lstStyle/>
-          <a:p>
-            <a:endParaRPr lang="en-US"/>
-          </a:p>
-        </p:txBody>
-      </p:sp>
-      <p:sp>
-        <p:nvSpPr>
-          <p:cNvPr id="9" name="Text Placeholder 8"/>
-          <p:cNvSpPr>
-            <a:spLocks noGrp="1"/>
-          </p:cNvSpPr>
-          <p:nvPr>
-            <p:ph type="body" sz="quarter" idx="11"/>
-          </p:nvPr>
-        </p:nvSpPr>
-        <p:spPr/>
-        <p:txBody>
-          <a:bodyPr/>
-          <a:lstStyle/>
-          <a:p>
-            <a:endParaRPr lang="en-US"/>
-          </a:p>
-        </p:txBody>
-      </p:sp>
-      <p:sp>
-        <p:nvSpPr>
-          <p:cNvPr id="5" name="Slide Number Placeholder 4">
-            <a:extLst>
-              <a:ext uri="{FF2B5EF4-FFF2-40B4-BE49-F238E27FC236}">
-                <a16:creationId xmlns:a16="http://schemas.microsoft.com/office/drawing/2014/main" id="{D695E08B-236F-5B4F-801C-4C75369E005C}"/>
-              </a:ext>
-            </a:extLst>
-          </p:cNvPr>
-          <p:cNvSpPr>
-            <a:spLocks noGrp="1"/>
-          </p:cNvSpPr>
-          <p:nvPr>
-            <p:ph type="sldNum" sz="quarter" idx="4"/>
-          </p:nvPr>
-        </p:nvSpPr>
-        <p:spPr/>
-        <p:txBody>
-          <a:bodyPr/>
-          <a:lstStyle/>
-          <a:p>
-            <a:fld id="{3A707DD9-E92B-45E8-BE0A-E6B2EDF345EB}" type="slidenum">
-              <a:rPr lang="en-US" smtClean="0"/>
-              <a:pPr/>
-              <a:t>36</a:t>
-            </a:fld>
-            <a:endParaRPr lang="en-US" dirty="0"/>
-          </a:p>
-        </p:txBody>
-      </p:sp>
-    </p:spTree>
-    <p:extLst>
-      <p:ext uri="{BB962C8B-B14F-4D97-AF65-F5344CB8AC3E}">
-        <p14:creationId xmlns:p14="http://schemas.microsoft.com/office/powerpoint/2010/main" val="2383520111"/>
-      </p:ext>
-    </p:extLst>
-  </p:cSld>
-  <p:clrMapOvr>
-    <a:masterClrMapping/>
-  </p:clrMapOvr>
-</p:sld>
-</file>
-
-<file path=ppt/slides/slide37.xml><?xml version="1.0" encoding="utf-8"?>
-<p:sld xmlns:a="http://schemas.openxmlformats.org/drawingml/2006/main" xmlns:r="http://schemas.openxmlformats.org/officeDocument/2006/relationships" xmlns:p="http://schemas.openxmlformats.org/presentationml/2006/main">
-  <p:cSld>
-    <p:spTree>
-      <p:nvGrpSpPr>
-        <p:cNvPr id="1" name=""/>
-        <p:cNvGrpSpPr/>
-        <p:nvPr/>
-      </p:nvGrpSpPr>
-      <p:grpSpPr>
-        <a:xfrm>
-          <a:off x="0" y="0"/>
-          <a:ext cx="0" cy="0"/>
-          <a:chOff x="0" y="0"/>
-          <a:chExt cx="0" cy="0"/>
-        </a:xfrm>
-      </p:grpSpPr>
-      <p:sp>
-        <p:nvSpPr>
-          <p:cNvPr id="3" name="Title 2"/>
-          <p:cNvSpPr>
-            <a:spLocks noGrp="1"/>
-          </p:cNvSpPr>
-          <p:nvPr>
-            <p:ph type="title"/>
-          </p:nvPr>
-        </p:nvSpPr>
-        <p:spPr/>
-        <p:txBody>
-          <a:bodyPr/>
-          <a:lstStyle/>
-          <a:p>
-            <a:endParaRPr lang="en-US"/>
-          </a:p>
-        </p:txBody>
-      </p:sp>
-      <p:sp>
-        <p:nvSpPr>
-          <p:cNvPr id="4" name="Content Placeholder 3"/>
-          <p:cNvSpPr>
-            <a:spLocks noGrp="1"/>
-          </p:cNvSpPr>
-          <p:nvPr>
-            <p:ph sz="quarter" idx="10"/>
-          </p:nvPr>
-        </p:nvSpPr>
-        <p:spPr/>
-        <p:txBody>
-          <a:bodyPr/>
-          <a:lstStyle/>
-          <a:p>
-            <a:endParaRPr lang="en-US"/>
-          </a:p>
-        </p:txBody>
-      </p:sp>
-      <p:sp>
-        <p:nvSpPr>
-          <p:cNvPr id="11" name="Text Placeholder 10"/>
-          <p:cNvSpPr>
-            <a:spLocks noGrp="1"/>
-          </p:cNvSpPr>
-          <p:nvPr>
-            <p:ph type="body" sz="quarter" idx="11"/>
-          </p:nvPr>
-        </p:nvSpPr>
-        <p:spPr/>
-        <p:txBody>
-          <a:bodyPr/>
-          <a:lstStyle/>
-          <a:p>
-            <a:endParaRPr lang="en-US"/>
-          </a:p>
-        </p:txBody>
-      </p:sp>
-      <p:sp>
-        <p:nvSpPr>
-          <p:cNvPr id="12" name="Content Placeholder 11"/>
-          <p:cNvSpPr>
-            <a:spLocks noGrp="1"/>
-          </p:cNvSpPr>
-          <p:nvPr>
-            <p:ph sz="quarter" idx="12"/>
-          </p:nvPr>
-        </p:nvSpPr>
-        <p:spPr/>
-        <p:txBody>
-          <a:bodyPr/>
-          <a:lstStyle/>
-          <a:p>
-            <a:endParaRPr lang="en-US"/>
-          </a:p>
-        </p:txBody>
-      </p:sp>
-      <p:sp>
-        <p:nvSpPr>
-          <p:cNvPr id="13" name="Text Placeholder 12"/>
-          <p:cNvSpPr>
-            <a:spLocks noGrp="1"/>
-          </p:cNvSpPr>
-          <p:nvPr>
-            <p:ph type="body" sz="quarter" idx="13"/>
-          </p:nvPr>
-        </p:nvSpPr>
-        <p:spPr/>
-        <p:txBody>
-          <a:bodyPr/>
-          <a:lstStyle/>
-          <a:p>
-            <a:endParaRPr lang="en-US"/>
-          </a:p>
-        </p:txBody>
-      </p:sp>
-      <p:sp>
-        <p:nvSpPr>
-          <p:cNvPr id="5" name="Slide Number Placeholder 4">
-            <a:extLst>
-              <a:ext uri="{FF2B5EF4-FFF2-40B4-BE49-F238E27FC236}">
-                <a16:creationId xmlns:a16="http://schemas.microsoft.com/office/drawing/2014/main" id="{E20845A9-188B-8049-BCF6-C7A00D112623}"/>
-              </a:ext>
-            </a:extLst>
-          </p:cNvPr>
-          <p:cNvSpPr>
-            <a:spLocks noGrp="1"/>
-          </p:cNvSpPr>
-          <p:nvPr>
-            <p:ph type="sldNum" sz="quarter" idx="4"/>
-          </p:nvPr>
-        </p:nvSpPr>
-        <p:spPr/>
-        <p:txBody>
-          <a:bodyPr/>
-          <a:lstStyle/>
-          <a:p>
-            <a:fld id="{3A707DD9-E92B-45E8-BE0A-E6B2EDF345EB}" type="slidenum">
-              <a:rPr lang="en-US" smtClean="0"/>
-              <a:pPr/>
-              <a:t>37</a:t>
-            </a:fld>
-            <a:endParaRPr lang="en-US" dirty="0"/>
-          </a:p>
-        </p:txBody>
-      </p:sp>
-    </p:spTree>
-    <p:extLst>
-      <p:ext uri="{BB962C8B-B14F-4D97-AF65-F5344CB8AC3E}">
-        <p14:creationId xmlns:p14="http://schemas.microsoft.com/office/powerpoint/2010/main" val="45426372"/>
+        <p14:creationId xmlns:p14="http://schemas.microsoft.com/office/powerpoint/2010/main" val="3354713426"/>
       </p:ext>
     </p:extLst>
   </p:cSld>
@@ -27157,7 +27252,7 @@
       </p:grpSpPr>
       <p:sp>
         <p:nvSpPr>
-          <p:cNvPr id="3" name="Title 2"/>
+          <p:cNvPr id="7" name="Title 6"/>
           <p:cNvSpPr>
             <a:spLocks noGrp="1"/>
           </p:cNvSpPr>
@@ -27170,47 +27265,20 @@
           <a:bodyPr/>
           <a:lstStyle/>
           <a:p>
-            <a:endParaRPr lang="en-US"/>
+            <a:r>
+              <a:rPr lang="en-US" dirty="0" smtClean="0"/>
+              <a:t>Example</a:t>
+            </a:r>
+            <a:endParaRPr lang="en-US" dirty="0"/>
           </a:p>
         </p:txBody>
       </p:sp>
       <p:sp>
         <p:nvSpPr>
-          <p:cNvPr id="4" name="Content Placeholder 3"/>
-          <p:cNvSpPr>
-            <a:spLocks noGrp="1"/>
-          </p:cNvSpPr>
-          <p:nvPr>
-            <p:ph sz="quarter" idx="10"/>
-          </p:nvPr>
-        </p:nvSpPr>
-        <p:spPr/>
-        <p:txBody>
-          <a:bodyPr/>
-          <a:lstStyle/>
-          <a:p>
-            <a:endParaRPr lang="en-US"/>
-          </a:p>
-        </p:txBody>
-      </p:sp>
-      <p:sp>
-        <p:nvSpPr>
-          <p:cNvPr id="5" name="Picture Placeholder 4"/>
-          <p:cNvSpPr>
-            <a:spLocks noGrp="1"/>
-          </p:cNvSpPr>
-          <p:nvPr>
-            <p:ph type="pic" sz="quarter" idx="11"/>
-          </p:nvPr>
-        </p:nvSpPr>
-        <p:spPr/>
-      </p:sp>
-      <p:sp>
-        <p:nvSpPr>
-          <p:cNvPr id="7" name="Slide Number Placeholder 6">
+          <p:cNvPr id="5" name="Slide Number Placeholder 4">
             <a:extLst>
               <a:ext uri="{FF2B5EF4-FFF2-40B4-BE49-F238E27FC236}">
-                <a16:creationId xmlns:a16="http://schemas.microsoft.com/office/drawing/2014/main" id="{82727CB5-094D-B940-A7AF-F67F1ED37934}"/>
+                <a16:creationId xmlns:a16="http://schemas.microsoft.com/office/drawing/2014/main" id="{A0B887B2-5B81-1D4E-A26D-E8BF86D8C354}"/>
               </a:ext>
             </a:extLst>
           </p:cNvPr>
@@ -27226,19 +27294,102 @@
           <a:bodyPr/>
           <a:lstStyle/>
           <a:p>
+            <a:pPr marL="0" marR="0" lvl="0" indent="0" algn="r" defTabSz="685800" rtl="0" eaLnBrk="1" fontAlgn="auto" latinLnBrk="0" hangingPunct="1">
+              <a:lnSpc>
+                <a:spcPct val="100000"/>
+              </a:lnSpc>
+              <a:spcBef>
+                <a:spcPts val="0"/>
+              </a:spcBef>
+              <a:spcAft>
+                <a:spcPts val="0"/>
+              </a:spcAft>
+              <a:buClrTx/>
+              <a:buSzTx/>
+              <a:buFontTx/>
+              <a:buNone/>
+              <a:tabLst/>
+              <a:defRPr/>
+            </a:pPr>
             <a:fld id="{3A707DD9-E92B-45E8-BE0A-E6B2EDF345EB}" type="slidenum">
-              <a:rPr lang="en-US" smtClean="0"/>
-              <a:pPr/>
+              <a:rPr kumimoji="0" lang="en-US" sz="800" b="1" i="0" u="none" strike="noStrike" kern="1200" cap="none" spc="0" normalizeH="0" baseline="0" noProof="0" smtClean="0">
+                <a:ln>
+                  <a:noFill/>
+                </a:ln>
+                <a:solidFill>
+                  <a:srgbClr val="FEFEFE"/>
+                </a:solidFill>
+                <a:effectLst/>
+                <a:uLnTx/>
+                <a:uFillTx/>
+                <a:latin typeface="Calibri Light"/>
+                <a:ea typeface="+mn-ea"/>
+                <a:cs typeface="+mn-cs"/>
+              </a:rPr>
+              <a:pPr marL="0" marR="0" lvl="0" indent="0" algn="r" defTabSz="685800" rtl="0" eaLnBrk="1" fontAlgn="auto" latinLnBrk="0" hangingPunct="1">
+                <a:lnSpc>
+                  <a:spcPct val="100000"/>
+                </a:lnSpc>
+                <a:spcBef>
+                  <a:spcPts val="0"/>
+                </a:spcBef>
+                <a:spcAft>
+                  <a:spcPts val="0"/>
+                </a:spcAft>
+                <a:buClrTx/>
+                <a:buSzTx/>
+                <a:buFontTx/>
+                <a:buNone/>
+                <a:tabLst/>
+                <a:defRPr/>
+              </a:pPr>
               <a:t>38</a:t>
             </a:fld>
-            <a:endParaRPr lang="en-US" dirty="0"/>
+            <a:endParaRPr kumimoji="0" lang="en-US" sz="800" b="1" i="0" u="none" strike="noStrike" kern="1200" cap="none" spc="0" normalizeH="0" baseline="0" noProof="0" dirty="0">
+              <a:ln>
+                <a:noFill/>
+              </a:ln>
+              <a:solidFill>
+                <a:srgbClr val="FEFEFE"/>
+              </a:solidFill>
+              <a:effectLst/>
+              <a:uLnTx/>
+              <a:uFillTx/>
+              <a:latin typeface="Calibri Light"/>
+              <a:ea typeface="+mn-ea"/>
+              <a:cs typeface="+mn-cs"/>
+            </a:endParaRPr>
           </a:p>
         </p:txBody>
       </p:sp>
+      <p:pic>
+        <p:nvPicPr>
+          <p:cNvPr id="3" name="Picture 2"/>
+          <p:cNvPicPr>
+            <a:picLocks noChangeAspect="1"/>
+          </p:cNvPicPr>
+          <p:nvPr/>
+        </p:nvPicPr>
+        <p:blipFill>
+          <a:blip r:embed="rId2"/>
+          <a:stretch>
+            <a:fillRect/>
+          </a:stretch>
+        </p:blipFill>
+        <p:spPr>
+          <a:xfrm>
+            <a:off x="1029391" y="984119"/>
+            <a:ext cx="5799006" cy="2909821"/>
+          </a:xfrm>
+          <a:prstGeom prst="rect">
+            <a:avLst/>
+          </a:prstGeom>
+        </p:spPr>
+      </p:pic>
     </p:spTree>
     <p:extLst>
       <p:ext uri="{BB962C8B-B14F-4D97-AF65-F5344CB8AC3E}">
-        <p14:creationId xmlns:p14="http://schemas.microsoft.com/office/powerpoint/2010/main" val="1758515591"/>
+        <p14:creationId xmlns:p14="http://schemas.microsoft.com/office/powerpoint/2010/main" val="3116793907"/>
       </p:ext>
     </p:extLst>
   </p:cSld>
@@ -27280,7 +27431,10 @@
           <a:bodyPr/>
           <a:lstStyle/>
           <a:p>
-            <a:endParaRPr lang="en-US"/>
+            <a:r>
+              <a:rPr lang="en-US" dirty="0"/>
+              <a:t>Applicability</a:t>
+            </a:r>
           </a:p>
         </p:txBody>
       </p:sp>
@@ -27294,43 +27448,49 @@
             <p:ph sz="quarter" idx="10"/>
           </p:nvPr>
         </p:nvSpPr>
-        <p:spPr/>
+        <p:spPr>
+          <a:xfrm>
+            <a:off x="357189" y="1422400"/>
+            <a:ext cx="6506674" cy="1350108"/>
+          </a:xfrm>
+        </p:spPr>
         <p:txBody>
           <a:bodyPr/>
           <a:lstStyle/>
           <a:p>
-            <a:endParaRPr lang="en-US"/>
-          </a:p>
-        </p:txBody>
-      </p:sp>
-      <p:sp>
-        <p:nvSpPr>
-          <p:cNvPr id="10" name="Picture Placeholder 9"/>
-          <p:cNvSpPr>
-            <a:spLocks noGrp="1"/>
-          </p:cNvSpPr>
-          <p:nvPr>
-            <p:ph type="pic" sz="quarter" idx="11"/>
-          </p:nvPr>
-        </p:nvSpPr>
-        <p:spPr/>
-      </p:sp>
-      <p:sp>
-        <p:nvSpPr>
-          <p:cNvPr id="11" name="Text Placeholder 10"/>
-          <p:cNvSpPr>
-            <a:spLocks noGrp="1"/>
-          </p:cNvSpPr>
-          <p:nvPr>
-            <p:ph type="body" sz="quarter" idx="12"/>
-          </p:nvPr>
-        </p:nvSpPr>
-        <p:spPr/>
-        <p:txBody>
-          <a:bodyPr/>
-          <a:lstStyle/>
-          <a:p>
-            <a:endParaRPr lang="en-US"/>
+            <a:r>
+              <a:rPr lang="en-US" dirty="0"/>
+              <a:t>t</a:t>
+            </a:r>
+            <a:r>
+              <a:rPr lang="en-US" dirty="0" smtClean="0"/>
+              <a:t>o add responsibilities to individual objects dynamically and transparently, that is, without affecting other objects;</a:t>
+            </a:r>
+            <a:endParaRPr lang="en-US" dirty="0"/>
+          </a:p>
+          <a:p>
+            <a:r>
+              <a:rPr lang="pt-BR" dirty="0"/>
+              <a:t>f</a:t>
+            </a:r>
+            <a:r>
+              <a:rPr lang="pt-BR" dirty="0" smtClean="0"/>
+              <a:t>or responcibilities that can be </a:t>
+            </a:r>
+            <a:r>
+              <a:rPr lang="en-US" dirty="0" smtClean="0"/>
+              <a:t>withdrawn</a:t>
+            </a:r>
+            <a:r>
+              <a:rPr lang="pt-BR" dirty="0" smtClean="0"/>
+              <a:t>;</a:t>
+            </a:r>
+          </a:p>
+          <a:p>
+            <a:r>
+              <a:rPr lang="pt-BR" dirty="0" smtClean="0"/>
+              <a:t>When extension with is impractical.</a:t>
+            </a:r>
           </a:p>
         </p:txBody>
       </p:sp>
@@ -27339,7 +27499,7 @@
           <p:cNvPr id="5" name="Slide Number Placeholder 4">
             <a:extLst>
               <a:ext uri="{FF2B5EF4-FFF2-40B4-BE49-F238E27FC236}">
-                <a16:creationId xmlns:a16="http://schemas.microsoft.com/office/drawing/2014/main" id="{67800160-BC63-054B-87DD-D877764D4BC8}"/>
+                <a16:creationId xmlns:a16="http://schemas.microsoft.com/office/drawing/2014/main" id="{D695E08B-236F-5B4F-801C-4C75369E005C}"/>
               </a:ext>
             </a:extLst>
           </p:cNvPr>
@@ -27355,19 +27515,78 @@
           <a:bodyPr/>
           <a:lstStyle/>
           <a:p>
+            <a:pPr marL="0" marR="0" lvl="0" indent="0" algn="r" defTabSz="685800" rtl="0" eaLnBrk="1" fontAlgn="auto" latinLnBrk="0" hangingPunct="1">
+              <a:lnSpc>
+                <a:spcPct val="100000"/>
+              </a:lnSpc>
+              <a:spcBef>
+                <a:spcPts val="0"/>
+              </a:spcBef>
+              <a:spcAft>
+                <a:spcPts val="0"/>
+              </a:spcAft>
+              <a:buClrTx/>
+              <a:buSzTx/>
+              <a:buFontTx/>
+              <a:buNone/>
+              <a:tabLst/>
+              <a:defRPr/>
+            </a:pPr>
             <a:fld id="{3A707DD9-E92B-45E8-BE0A-E6B2EDF345EB}" type="slidenum">
-              <a:rPr lang="en-US" smtClean="0"/>
-              <a:pPr/>
+              <a:rPr kumimoji="0" lang="en-US" sz="800" b="1" i="0" u="none" strike="noStrike" kern="1200" cap="none" spc="0" normalizeH="0" baseline="0" noProof="0" smtClean="0">
+                <a:ln>
+                  <a:noFill/>
+                </a:ln>
+                <a:solidFill>
+                  <a:srgbClr val="FEFEFE"/>
+                </a:solidFill>
+                <a:effectLst/>
+                <a:uLnTx/>
+                <a:uFillTx/>
+                <a:latin typeface="Calibri Light"/>
+                <a:ea typeface="+mn-ea"/>
+                <a:cs typeface="+mn-cs"/>
+              </a:rPr>
+              <a:pPr marL="0" marR="0" lvl="0" indent="0" algn="r" defTabSz="685800" rtl="0" eaLnBrk="1" fontAlgn="auto" latinLnBrk="0" hangingPunct="1">
+                <a:lnSpc>
+                  <a:spcPct val="100000"/>
+                </a:lnSpc>
+                <a:spcBef>
+                  <a:spcPts val="0"/>
+                </a:spcBef>
+                <a:spcAft>
+                  <a:spcPts val="0"/>
+                </a:spcAft>
+                <a:buClrTx/>
+                <a:buSzTx/>
+                <a:buFontTx/>
+                <a:buNone/>
+                <a:tabLst/>
+                <a:defRPr/>
+              </a:pPr>
               <a:t>39</a:t>
             </a:fld>
-            <a:endParaRPr lang="en-US" dirty="0"/>
+            <a:endParaRPr kumimoji="0" lang="en-US" sz="800" b="1" i="0" u="none" strike="noStrike" kern="1200" cap="none" spc="0" normalizeH="0" baseline="0" noProof="0" dirty="0">
+              <a:ln>
+                <a:noFill/>
+              </a:ln>
+              <a:solidFill>
+                <a:srgbClr val="FEFEFE"/>
+              </a:solidFill>
+              <a:effectLst/>
+              <a:uLnTx/>
+              <a:uFillTx/>
+              <a:latin typeface="Calibri Light"/>
+              <a:ea typeface="+mn-ea"/>
+              <a:cs typeface="+mn-cs"/>
+            </a:endParaRPr>
           </a:p>
         </p:txBody>
       </p:sp>
     </p:spTree>
     <p:extLst>
       <p:ext uri="{BB962C8B-B14F-4D97-AF65-F5344CB8AC3E}">
-        <p14:creationId xmlns:p14="http://schemas.microsoft.com/office/powerpoint/2010/main" val="3499599598"/>
+        <p14:creationId xmlns:p14="http://schemas.microsoft.com/office/powerpoint/2010/main" val="2568942933"/>
       </p:ext>
     </p:extLst>
   </p:cSld>
@@ -27565,1350 +27784,6 @@
     <p:extLst>
       <p:ext uri="{BB962C8B-B14F-4D97-AF65-F5344CB8AC3E}">
         <p14:creationId xmlns:p14="http://schemas.microsoft.com/office/powerpoint/2010/main" val="2685253665"/>
-      </p:ext>
-    </p:extLst>
-  </p:cSld>
-  <p:clrMapOvr>
-    <a:masterClrMapping/>
-  </p:clrMapOvr>
-</p:sld>
-</file>
-
-<file path=ppt/slides/slide40.xml><?xml version="1.0" encoding="utf-8"?>
-<p:sld xmlns:a="http://schemas.openxmlformats.org/drawingml/2006/main" xmlns:r="http://schemas.openxmlformats.org/officeDocument/2006/relationships" xmlns:p="http://schemas.openxmlformats.org/presentationml/2006/main">
-  <p:cSld>
-    <p:spTree>
-      <p:nvGrpSpPr>
-        <p:cNvPr id="1" name=""/>
-        <p:cNvGrpSpPr/>
-        <p:nvPr/>
-      </p:nvGrpSpPr>
-      <p:grpSpPr>
-        <a:xfrm>
-          <a:off x="0" y="0"/>
-          <a:ext cx="0" cy="0"/>
-          <a:chOff x="0" y="0"/>
-          <a:chExt cx="0" cy="0"/>
-        </a:xfrm>
-      </p:grpSpPr>
-      <p:sp>
-        <p:nvSpPr>
-          <p:cNvPr id="3" name="Title 2"/>
-          <p:cNvSpPr>
-            <a:spLocks noGrp="1"/>
-          </p:cNvSpPr>
-          <p:nvPr>
-            <p:ph type="title"/>
-          </p:nvPr>
-        </p:nvSpPr>
-        <p:spPr/>
-        <p:txBody>
-          <a:bodyPr/>
-          <a:lstStyle/>
-          <a:p>
-            <a:endParaRPr lang="en-US"/>
-          </a:p>
-        </p:txBody>
-      </p:sp>
-      <p:sp>
-        <p:nvSpPr>
-          <p:cNvPr id="4" name="Picture Placeholder 3"/>
-          <p:cNvSpPr>
-            <a:spLocks noGrp="1"/>
-          </p:cNvSpPr>
-          <p:nvPr>
-            <p:ph type="pic" sz="quarter" idx="11"/>
-          </p:nvPr>
-        </p:nvSpPr>
-        <p:spPr/>
-      </p:sp>
-      <p:sp>
-        <p:nvSpPr>
-          <p:cNvPr id="5" name="Text Placeholder 4"/>
-          <p:cNvSpPr>
-            <a:spLocks noGrp="1"/>
-          </p:cNvSpPr>
-          <p:nvPr>
-            <p:ph type="body" sz="quarter" idx="12"/>
-          </p:nvPr>
-        </p:nvSpPr>
-        <p:spPr/>
-        <p:txBody>
-          <a:bodyPr/>
-          <a:lstStyle/>
-          <a:p>
-            <a:endParaRPr lang="en-US"/>
-          </a:p>
-        </p:txBody>
-      </p:sp>
-      <p:sp>
-        <p:nvSpPr>
-          <p:cNvPr id="21" name="Text Placeholder 20"/>
-          <p:cNvSpPr>
-            <a:spLocks noGrp="1"/>
-          </p:cNvSpPr>
-          <p:nvPr>
-            <p:ph type="body" sz="quarter" idx="13"/>
-          </p:nvPr>
-        </p:nvSpPr>
-        <p:spPr/>
-        <p:txBody>
-          <a:bodyPr/>
-          <a:lstStyle/>
-          <a:p>
-            <a:endParaRPr lang="en-US"/>
-          </a:p>
-        </p:txBody>
-      </p:sp>
-      <p:sp>
-        <p:nvSpPr>
-          <p:cNvPr id="22" name="Text Placeholder 21"/>
-          <p:cNvSpPr>
-            <a:spLocks noGrp="1"/>
-          </p:cNvSpPr>
-          <p:nvPr>
-            <p:ph type="body" sz="quarter" idx="14"/>
-          </p:nvPr>
-        </p:nvSpPr>
-        <p:spPr/>
-        <p:txBody>
-          <a:bodyPr/>
-          <a:lstStyle/>
-          <a:p>
-            <a:endParaRPr lang="en-US"/>
-          </a:p>
-        </p:txBody>
-      </p:sp>
-      <p:sp>
-        <p:nvSpPr>
-          <p:cNvPr id="23" name="Text Placeholder 22"/>
-          <p:cNvSpPr>
-            <a:spLocks noGrp="1"/>
-          </p:cNvSpPr>
-          <p:nvPr>
-            <p:ph type="body" sz="quarter" idx="15"/>
-          </p:nvPr>
-        </p:nvSpPr>
-        <p:spPr/>
-        <p:txBody>
-          <a:bodyPr/>
-          <a:lstStyle/>
-          <a:p>
-            <a:endParaRPr lang="en-US"/>
-          </a:p>
-        </p:txBody>
-      </p:sp>
-      <p:sp>
-        <p:nvSpPr>
-          <p:cNvPr id="24" name="Text Placeholder 23"/>
-          <p:cNvSpPr>
-            <a:spLocks noGrp="1"/>
-          </p:cNvSpPr>
-          <p:nvPr>
-            <p:ph type="body" sz="quarter" idx="16"/>
-          </p:nvPr>
-        </p:nvSpPr>
-        <p:spPr/>
-        <p:txBody>
-          <a:bodyPr/>
-          <a:lstStyle/>
-          <a:p>
-            <a:endParaRPr lang="en-US"/>
-          </a:p>
-        </p:txBody>
-      </p:sp>
-      <p:sp>
-        <p:nvSpPr>
-          <p:cNvPr id="25" name="Text Placeholder 24"/>
-          <p:cNvSpPr>
-            <a:spLocks noGrp="1"/>
-          </p:cNvSpPr>
-          <p:nvPr>
-            <p:ph type="body" sz="quarter" idx="17"/>
-          </p:nvPr>
-        </p:nvSpPr>
-        <p:spPr/>
-        <p:txBody>
-          <a:bodyPr/>
-          <a:lstStyle/>
-          <a:p>
-            <a:endParaRPr lang="en-US"/>
-          </a:p>
-        </p:txBody>
-      </p:sp>
-      <p:sp>
-        <p:nvSpPr>
-          <p:cNvPr id="26" name="Text Placeholder 25"/>
-          <p:cNvSpPr>
-            <a:spLocks noGrp="1"/>
-          </p:cNvSpPr>
-          <p:nvPr>
-            <p:ph type="body" sz="quarter" idx="18"/>
-          </p:nvPr>
-        </p:nvSpPr>
-        <p:spPr/>
-        <p:txBody>
-          <a:bodyPr/>
-          <a:lstStyle/>
-          <a:p>
-            <a:endParaRPr lang="en-US"/>
-          </a:p>
-        </p:txBody>
-      </p:sp>
-      <p:sp>
-        <p:nvSpPr>
-          <p:cNvPr id="27" name="Text Placeholder 26"/>
-          <p:cNvSpPr>
-            <a:spLocks noGrp="1"/>
-          </p:cNvSpPr>
-          <p:nvPr>
-            <p:ph type="body" sz="quarter" idx="19"/>
-          </p:nvPr>
-        </p:nvSpPr>
-        <p:spPr/>
-        <p:txBody>
-          <a:bodyPr/>
-          <a:lstStyle/>
-          <a:p>
-            <a:endParaRPr lang="en-US"/>
-          </a:p>
-        </p:txBody>
-      </p:sp>
-      <p:sp>
-        <p:nvSpPr>
-          <p:cNvPr id="28" name="Text Placeholder 27"/>
-          <p:cNvSpPr>
-            <a:spLocks noGrp="1"/>
-          </p:cNvSpPr>
-          <p:nvPr>
-            <p:ph type="body" sz="quarter" idx="20"/>
-          </p:nvPr>
-        </p:nvSpPr>
-        <p:spPr/>
-        <p:txBody>
-          <a:bodyPr/>
-          <a:lstStyle/>
-          <a:p>
-            <a:endParaRPr lang="en-US"/>
-          </a:p>
-        </p:txBody>
-      </p:sp>
-      <p:sp>
-        <p:nvSpPr>
-          <p:cNvPr id="29" name="Text Placeholder 28"/>
-          <p:cNvSpPr>
-            <a:spLocks noGrp="1"/>
-          </p:cNvSpPr>
-          <p:nvPr>
-            <p:ph type="body" sz="quarter" idx="21"/>
-          </p:nvPr>
-        </p:nvSpPr>
-        <p:spPr/>
-        <p:txBody>
-          <a:bodyPr/>
-          <a:lstStyle/>
-          <a:p>
-            <a:endParaRPr lang="en-US"/>
-          </a:p>
-        </p:txBody>
-      </p:sp>
-      <p:sp>
-        <p:nvSpPr>
-          <p:cNvPr id="30" name="Text Placeholder 29"/>
-          <p:cNvSpPr>
-            <a:spLocks noGrp="1"/>
-          </p:cNvSpPr>
-          <p:nvPr>
-            <p:ph type="body" sz="quarter" idx="22"/>
-          </p:nvPr>
-        </p:nvSpPr>
-        <p:spPr/>
-        <p:txBody>
-          <a:bodyPr/>
-          <a:lstStyle/>
-          <a:p>
-            <a:endParaRPr lang="en-US"/>
-          </a:p>
-        </p:txBody>
-      </p:sp>
-      <p:sp>
-        <p:nvSpPr>
-          <p:cNvPr id="31" name="Text Placeholder 30"/>
-          <p:cNvSpPr>
-            <a:spLocks noGrp="1"/>
-          </p:cNvSpPr>
-          <p:nvPr>
-            <p:ph type="body" sz="quarter" idx="23"/>
-          </p:nvPr>
-        </p:nvSpPr>
-        <p:spPr/>
-        <p:txBody>
-          <a:bodyPr/>
-          <a:lstStyle/>
-          <a:p>
-            <a:endParaRPr lang="en-US"/>
-          </a:p>
-        </p:txBody>
-      </p:sp>
-      <p:sp>
-        <p:nvSpPr>
-          <p:cNvPr id="6" name="Slide Number Placeholder 5">
-            <a:extLst>
-              <a:ext uri="{FF2B5EF4-FFF2-40B4-BE49-F238E27FC236}">
-                <a16:creationId xmlns:a16="http://schemas.microsoft.com/office/drawing/2014/main" id="{EB11C89A-3E1B-FF47-B76F-3E8ED7756FCF}"/>
-              </a:ext>
-            </a:extLst>
-          </p:cNvPr>
-          <p:cNvSpPr>
-            <a:spLocks noGrp="1"/>
-          </p:cNvSpPr>
-          <p:nvPr>
-            <p:ph type="sldNum" sz="quarter" idx="4"/>
-          </p:nvPr>
-        </p:nvSpPr>
-        <p:spPr/>
-        <p:txBody>
-          <a:bodyPr/>
-          <a:lstStyle/>
-          <a:p>
-            <a:fld id="{3A707DD9-E92B-45E8-BE0A-E6B2EDF345EB}" type="slidenum">
-              <a:rPr lang="en-US" smtClean="0"/>
-              <a:pPr/>
-              <a:t>40</a:t>
-            </a:fld>
-            <a:endParaRPr lang="en-US" dirty="0"/>
-          </a:p>
-        </p:txBody>
-      </p:sp>
-    </p:spTree>
-    <p:extLst>
-      <p:ext uri="{BB962C8B-B14F-4D97-AF65-F5344CB8AC3E}">
-        <p14:creationId xmlns:p14="http://schemas.microsoft.com/office/powerpoint/2010/main" val="3568211985"/>
-      </p:ext>
-    </p:extLst>
-  </p:cSld>
-  <p:clrMapOvr>
-    <a:masterClrMapping/>
-  </p:clrMapOvr>
-</p:sld>
-</file>
-
-<file path=ppt/slides/slide41.xml><?xml version="1.0" encoding="utf-8"?>
-<p:sld xmlns:a="http://schemas.openxmlformats.org/drawingml/2006/main" xmlns:r="http://schemas.openxmlformats.org/officeDocument/2006/relationships" xmlns:p="http://schemas.openxmlformats.org/presentationml/2006/main">
-  <p:cSld>
-    <p:spTree>
-      <p:nvGrpSpPr>
-        <p:cNvPr id="1" name=""/>
-        <p:cNvGrpSpPr/>
-        <p:nvPr/>
-      </p:nvGrpSpPr>
-      <p:grpSpPr>
-        <a:xfrm>
-          <a:off x="0" y="0"/>
-          <a:ext cx="0" cy="0"/>
-          <a:chOff x="0" y="0"/>
-          <a:chExt cx="0" cy="0"/>
-        </a:xfrm>
-      </p:grpSpPr>
-      <p:sp>
-        <p:nvSpPr>
-          <p:cNvPr id="3" name="Content Placeholder 2"/>
-          <p:cNvSpPr>
-            <a:spLocks noGrp="1"/>
-          </p:cNvSpPr>
-          <p:nvPr>
-            <p:ph sz="quarter" idx="10"/>
-          </p:nvPr>
-        </p:nvSpPr>
-        <p:spPr/>
-        <p:txBody>
-          <a:bodyPr/>
-          <a:lstStyle/>
-          <a:p>
-            <a:endParaRPr lang="en-US"/>
-          </a:p>
-        </p:txBody>
-      </p:sp>
-      <p:sp>
-        <p:nvSpPr>
-          <p:cNvPr id="4" name="Text Placeholder 3"/>
-          <p:cNvSpPr>
-            <a:spLocks noGrp="1"/>
-          </p:cNvSpPr>
-          <p:nvPr>
-            <p:ph type="body" sz="quarter" idx="12"/>
-          </p:nvPr>
-        </p:nvSpPr>
-        <p:spPr/>
-        <p:txBody>
-          <a:bodyPr/>
-          <a:lstStyle/>
-          <a:p>
-            <a:endParaRPr lang="en-US"/>
-          </a:p>
-        </p:txBody>
-      </p:sp>
-      <p:sp>
-        <p:nvSpPr>
-          <p:cNvPr id="16" name="Slide Number Placeholder 15">
-            <a:extLst>
-              <a:ext uri="{FF2B5EF4-FFF2-40B4-BE49-F238E27FC236}">
-                <a16:creationId xmlns:a16="http://schemas.microsoft.com/office/drawing/2014/main" id="{4EC5A070-E99C-6143-B73A-CC95BE86F528}"/>
-              </a:ext>
-            </a:extLst>
-          </p:cNvPr>
-          <p:cNvSpPr>
-            <a:spLocks noGrp="1"/>
-          </p:cNvSpPr>
-          <p:nvPr>
-            <p:ph type="sldNum" sz="quarter" idx="4"/>
-          </p:nvPr>
-        </p:nvSpPr>
-        <p:spPr/>
-        <p:txBody>
-          <a:bodyPr/>
-          <a:lstStyle/>
-          <a:p>
-            <a:fld id="{3A707DD9-E92B-45E8-BE0A-E6B2EDF345EB}" type="slidenum">
-              <a:rPr lang="en-US" smtClean="0"/>
-              <a:pPr/>
-              <a:t>41</a:t>
-            </a:fld>
-            <a:endParaRPr lang="en-US" dirty="0"/>
-          </a:p>
-        </p:txBody>
-      </p:sp>
-      <p:sp>
-        <p:nvSpPr>
-          <p:cNvPr id="6" name="Text Placeholder 5"/>
-          <p:cNvSpPr>
-            <a:spLocks noGrp="1"/>
-          </p:cNvSpPr>
-          <p:nvPr>
-            <p:ph type="body" sz="quarter" idx="15"/>
-          </p:nvPr>
-        </p:nvSpPr>
-        <p:spPr/>
-        <p:txBody>
-          <a:bodyPr/>
-          <a:lstStyle/>
-          <a:p>
-            <a:endParaRPr lang="en-US"/>
-          </a:p>
-        </p:txBody>
-      </p:sp>
-      <p:sp>
-        <p:nvSpPr>
-          <p:cNvPr id="5" name="Picture Placeholder 4"/>
-          <p:cNvSpPr>
-            <a:spLocks noGrp="1"/>
-          </p:cNvSpPr>
-          <p:nvPr>
-            <p:ph type="pic" sz="quarter" idx="14"/>
-          </p:nvPr>
-        </p:nvSpPr>
-        <p:spPr/>
-      </p:sp>
-    </p:spTree>
-    <p:extLst>
-      <p:ext uri="{BB962C8B-B14F-4D97-AF65-F5344CB8AC3E}">
-        <p14:creationId xmlns:p14="http://schemas.microsoft.com/office/powerpoint/2010/main" val="3023122545"/>
-      </p:ext>
-    </p:extLst>
-  </p:cSld>
-  <p:clrMapOvr>
-    <a:masterClrMapping/>
-  </p:clrMapOvr>
-</p:sld>
-</file>
-
-<file path=ppt/slides/slide42.xml><?xml version="1.0" encoding="utf-8"?>
-<p:sld xmlns:a="http://schemas.openxmlformats.org/drawingml/2006/main" xmlns:r="http://schemas.openxmlformats.org/officeDocument/2006/relationships" xmlns:p="http://schemas.openxmlformats.org/presentationml/2006/main">
-  <p:cSld>
-    <p:spTree>
-      <p:nvGrpSpPr>
-        <p:cNvPr id="1" name=""/>
-        <p:cNvGrpSpPr/>
-        <p:nvPr/>
-      </p:nvGrpSpPr>
-      <p:grpSpPr>
-        <a:xfrm>
-          <a:off x="0" y="0"/>
-          <a:ext cx="0" cy="0"/>
-          <a:chOff x="0" y="0"/>
-          <a:chExt cx="0" cy="0"/>
-        </a:xfrm>
-      </p:grpSpPr>
-      <p:sp>
-        <p:nvSpPr>
-          <p:cNvPr id="3" name="Content Placeholder 2"/>
-          <p:cNvSpPr>
-            <a:spLocks noGrp="1"/>
-          </p:cNvSpPr>
-          <p:nvPr>
-            <p:ph sz="quarter" idx="12"/>
-          </p:nvPr>
-        </p:nvSpPr>
-        <p:spPr/>
-        <p:txBody>
-          <a:bodyPr/>
-          <a:lstStyle/>
-          <a:p>
-            <a:endParaRPr lang="en-US"/>
-          </a:p>
-        </p:txBody>
-      </p:sp>
-      <p:sp>
-        <p:nvSpPr>
-          <p:cNvPr id="5" name="Text Placeholder 4"/>
-          <p:cNvSpPr>
-            <a:spLocks noGrp="1"/>
-          </p:cNvSpPr>
-          <p:nvPr>
-            <p:ph type="body" sz="quarter" idx="13"/>
-          </p:nvPr>
-        </p:nvSpPr>
-        <p:spPr/>
-        <p:txBody>
-          <a:bodyPr/>
-          <a:lstStyle/>
-          <a:p>
-            <a:endParaRPr lang="en-US"/>
-          </a:p>
-        </p:txBody>
-      </p:sp>
-      <p:sp>
-        <p:nvSpPr>
-          <p:cNvPr id="6" name="Picture Placeholder 5"/>
-          <p:cNvSpPr>
-            <a:spLocks noGrp="1"/>
-          </p:cNvSpPr>
-          <p:nvPr>
-            <p:ph type="pic" sz="quarter" idx="14"/>
-          </p:nvPr>
-        </p:nvSpPr>
-        <p:spPr/>
-      </p:sp>
-      <p:sp>
-        <p:nvSpPr>
-          <p:cNvPr id="11" name="Text Placeholder 10"/>
-          <p:cNvSpPr>
-            <a:spLocks noGrp="1"/>
-          </p:cNvSpPr>
-          <p:nvPr>
-            <p:ph type="body" sz="quarter" idx="15"/>
-          </p:nvPr>
-        </p:nvSpPr>
-        <p:spPr/>
-        <p:txBody>
-          <a:bodyPr/>
-          <a:lstStyle/>
-          <a:p>
-            <a:endParaRPr lang="en-US"/>
-          </a:p>
-        </p:txBody>
-      </p:sp>
-      <p:sp>
-        <p:nvSpPr>
-          <p:cNvPr id="4" name="Slide Number Placeholder 3">
-            <a:extLst>
-              <a:ext uri="{FF2B5EF4-FFF2-40B4-BE49-F238E27FC236}">
-                <a16:creationId xmlns:a16="http://schemas.microsoft.com/office/drawing/2014/main" id="{CAD771C0-F829-7149-B81C-0B9C21F15936}"/>
-              </a:ext>
-            </a:extLst>
-          </p:cNvPr>
-          <p:cNvSpPr>
-            <a:spLocks noGrp="1"/>
-          </p:cNvSpPr>
-          <p:nvPr>
-            <p:ph type="sldNum" sz="quarter" idx="4"/>
-          </p:nvPr>
-        </p:nvSpPr>
-        <p:spPr/>
-        <p:txBody>
-          <a:bodyPr/>
-          <a:lstStyle/>
-          <a:p>
-            <a:fld id="{3A707DD9-E92B-45E8-BE0A-E6B2EDF345EB}" type="slidenum">
-              <a:rPr lang="en-US" smtClean="0"/>
-              <a:pPr/>
-              <a:t>42</a:t>
-            </a:fld>
-            <a:endParaRPr lang="en-US" dirty="0"/>
-          </a:p>
-        </p:txBody>
-      </p:sp>
-    </p:spTree>
-    <p:extLst>
-      <p:ext uri="{BB962C8B-B14F-4D97-AF65-F5344CB8AC3E}">
-        <p14:creationId xmlns:p14="http://schemas.microsoft.com/office/powerpoint/2010/main" val="972541921"/>
-      </p:ext>
-    </p:extLst>
-  </p:cSld>
-  <p:clrMapOvr>
-    <a:masterClrMapping/>
-  </p:clrMapOvr>
-</p:sld>
-</file>
-
-<file path=ppt/slides/slide43.xml><?xml version="1.0" encoding="utf-8"?>
-<p:sld xmlns:a="http://schemas.openxmlformats.org/drawingml/2006/main" xmlns:r="http://schemas.openxmlformats.org/officeDocument/2006/relationships" xmlns:p="http://schemas.openxmlformats.org/presentationml/2006/main">
-  <p:cSld>
-    <p:spTree>
-      <p:nvGrpSpPr>
-        <p:cNvPr id="1" name=""/>
-        <p:cNvGrpSpPr/>
-        <p:nvPr/>
-      </p:nvGrpSpPr>
-      <p:grpSpPr>
-        <a:xfrm>
-          <a:off x="0" y="0"/>
-          <a:ext cx="0" cy="0"/>
-          <a:chOff x="0" y="0"/>
-          <a:chExt cx="0" cy="0"/>
-        </a:xfrm>
-      </p:grpSpPr>
-      <p:sp>
-        <p:nvSpPr>
-          <p:cNvPr id="3" name="Title 2"/>
-          <p:cNvSpPr>
-            <a:spLocks noGrp="1"/>
-          </p:cNvSpPr>
-          <p:nvPr>
-            <p:ph type="title"/>
-          </p:nvPr>
-        </p:nvSpPr>
-        <p:spPr/>
-        <p:txBody>
-          <a:bodyPr/>
-          <a:lstStyle/>
-          <a:p>
-            <a:endParaRPr lang="en-US"/>
-          </a:p>
-        </p:txBody>
-      </p:sp>
-      <p:sp>
-        <p:nvSpPr>
-          <p:cNvPr id="4" name="Content Placeholder 3"/>
-          <p:cNvSpPr>
-            <a:spLocks noGrp="1"/>
-          </p:cNvSpPr>
-          <p:nvPr>
-            <p:ph sz="quarter" idx="10"/>
-          </p:nvPr>
-        </p:nvSpPr>
-        <p:spPr/>
-        <p:txBody>
-          <a:bodyPr/>
-          <a:lstStyle/>
-          <a:p>
-            <a:endParaRPr lang="en-US"/>
-          </a:p>
-        </p:txBody>
-      </p:sp>
-      <p:sp>
-        <p:nvSpPr>
-          <p:cNvPr id="6" name="Slide Number Placeholder 5">
-            <a:extLst>
-              <a:ext uri="{FF2B5EF4-FFF2-40B4-BE49-F238E27FC236}">
-                <a16:creationId xmlns:a16="http://schemas.microsoft.com/office/drawing/2014/main" id="{FCA44C15-9EEF-5141-AFEA-8C8C2A1AEB36}"/>
-              </a:ext>
-            </a:extLst>
-          </p:cNvPr>
-          <p:cNvSpPr>
-            <a:spLocks noGrp="1"/>
-          </p:cNvSpPr>
-          <p:nvPr>
-            <p:ph type="sldNum" sz="quarter" idx="4"/>
-          </p:nvPr>
-        </p:nvSpPr>
-        <p:spPr/>
-        <p:txBody>
-          <a:bodyPr/>
-          <a:lstStyle/>
-          <a:p>
-            <a:fld id="{3A707DD9-E92B-45E8-BE0A-E6B2EDF345EB}" type="slidenum">
-              <a:rPr lang="en-US" smtClean="0"/>
-              <a:pPr/>
-              <a:t>43</a:t>
-            </a:fld>
-            <a:endParaRPr lang="en-US" dirty="0"/>
-          </a:p>
-        </p:txBody>
-      </p:sp>
-    </p:spTree>
-    <p:extLst>
-      <p:ext uri="{BB962C8B-B14F-4D97-AF65-F5344CB8AC3E}">
-        <p14:creationId xmlns:p14="http://schemas.microsoft.com/office/powerpoint/2010/main" val="3401797348"/>
-      </p:ext>
-    </p:extLst>
-  </p:cSld>
-  <p:clrMapOvr>
-    <a:masterClrMapping/>
-  </p:clrMapOvr>
-</p:sld>
-</file>
-
-<file path=ppt/slides/slide44.xml><?xml version="1.0" encoding="utf-8"?>
-<p:sld xmlns:a="http://schemas.openxmlformats.org/drawingml/2006/main" xmlns:r="http://schemas.openxmlformats.org/officeDocument/2006/relationships" xmlns:p="http://schemas.openxmlformats.org/presentationml/2006/main">
-  <p:cSld>
-    <p:spTree>
-      <p:nvGrpSpPr>
-        <p:cNvPr id="1" name=""/>
-        <p:cNvGrpSpPr/>
-        <p:nvPr/>
-      </p:nvGrpSpPr>
-      <p:grpSpPr>
-        <a:xfrm>
-          <a:off x="0" y="0"/>
-          <a:ext cx="0" cy="0"/>
-          <a:chOff x="0" y="0"/>
-          <a:chExt cx="0" cy="0"/>
-        </a:xfrm>
-      </p:grpSpPr>
-      <p:sp>
-        <p:nvSpPr>
-          <p:cNvPr id="7" name="Content Placeholder 6"/>
-          <p:cNvSpPr>
-            <a:spLocks noGrp="1"/>
-          </p:cNvSpPr>
-          <p:nvPr>
-            <p:ph sz="quarter" idx="16"/>
-          </p:nvPr>
-        </p:nvSpPr>
-        <p:spPr/>
-        <p:txBody>
-          <a:bodyPr/>
-          <a:lstStyle/>
-          <a:p>
-            <a:endParaRPr lang="en-US"/>
-          </a:p>
-        </p:txBody>
-      </p:sp>
-      <p:sp>
-        <p:nvSpPr>
-          <p:cNvPr id="5" name="Text Placeholder 4"/>
-          <p:cNvSpPr>
-            <a:spLocks noGrp="1"/>
-          </p:cNvSpPr>
-          <p:nvPr>
-            <p:ph type="body" sz="quarter" idx="11"/>
-          </p:nvPr>
-        </p:nvSpPr>
-        <p:spPr/>
-        <p:txBody>
-          <a:bodyPr/>
-          <a:lstStyle/>
-          <a:p>
-            <a:endParaRPr lang="en-US"/>
-          </a:p>
-        </p:txBody>
-      </p:sp>
-      <p:sp>
-        <p:nvSpPr>
-          <p:cNvPr id="3" name="Text Placeholder 2"/>
-          <p:cNvSpPr>
-            <a:spLocks noGrp="1"/>
-          </p:cNvSpPr>
-          <p:nvPr>
-            <p:ph type="body" sz="quarter" idx="10"/>
-          </p:nvPr>
-        </p:nvSpPr>
-        <p:spPr/>
-        <p:txBody>
-          <a:bodyPr/>
-          <a:lstStyle/>
-          <a:p>
-            <a:endParaRPr lang="en-US"/>
-          </a:p>
-        </p:txBody>
-      </p:sp>
-      <p:sp>
-        <p:nvSpPr>
-          <p:cNvPr id="6" name="Text Placeholder 5"/>
-          <p:cNvSpPr>
-            <a:spLocks noGrp="1"/>
-          </p:cNvSpPr>
-          <p:nvPr>
-            <p:ph type="body" sz="quarter" idx="12"/>
-          </p:nvPr>
-        </p:nvSpPr>
-        <p:spPr/>
-        <p:txBody>
-          <a:bodyPr/>
-          <a:lstStyle/>
-          <a:p>
-            <a:endParaRPr lang="en-US"/>
-          </a:p>
-        </p:txBody>
-      </p:sp>
-      <p:sp>
-        <p:nvSpPr>
-          <p:cNvPr id="4" name="Slide Number Placeholder 3">
-            <a:extLst>
-              <a:ext uri="{FF2B5EF4-FFF2-40B4-BE49-F238E27FC236}">
-                <a16:creationId xmlns:a16="http://schemas.microsoft.com/office/drawing/2014/main" id="{5CAD3D4B-614D-8845-BDC7-BFBDEFC5BEC3}"/>
-              </a:ext>
-            </a:extLst>
-          </p:cNvPr>
-          <p:cNvSpPr>
-            <a:spLocks noGrp="1"/>
-          </p:cNvSpPr>
-          <p:nvPr>
-            <p:ph type="sldNum" sz="quarter" idx="4"/>
-          </p:nvPr>
-        </p:nvSpPr>
-        <p:spPr/>
-        <p:txBody>
-          <a:bodyPr/>
-          <a:lstStyle/>
-          <a:p>
-            <a:fld id="{3A707DD9-E92B-45E8-BE0A-E6B2EDF345EB}" type="slidenum">
-              <a:rPr lang="en-US" smtClean="0"/>
-              <a:pPr/>
-              <a:t>44</a:t>
-            </a:fld>
-            <a:endParaRPr lang="en-US" dirty="0"/>
-          </a:p>
-        </p:txBody>
-      </p:sp>
-      <p:sp>
-        <p:nvSpPr>
-          <p:cNvPr id="8" name="Content Placeholder 7"/>
-          <p:cNvSpPr>
-            <a:spLocks noGrp="1"/>
-          </p:cNvSpPr>
-          <p:nvPr>
-            <p:ph sz="quarter" idx="17"/>
-          </p:nvPr>
-        </p:nvSpPr>
-        <p:spPr/>
-        <p:txBody>
-          <a:bodyPr/>
-          <a:lstStyle/>
-          <a:p>
-            <a:endParaRPr lang="en-US"/>
-          </a:p>
-        </p:txBody>
-      </p:sp>
-      <p:sp>
-        <p:nvSpPr>
-          <p:cNvPr id="9" name="Content Placeholder 8"/>
-          <p:cNvSpPr>
-            <a:spLocks noGrp="1"/>
-          </p:cNvSpPr>
-          <p:nvPr>
-            <p:ph sz="quarter" idx="18"/>
-          </p:nvPr>
-        </p:nvSpPr>
-        <p:spPr/>
-        <p:txBody>
-          <a:bodyPr/>
-          <a:lstStyle/>
-          <a:p>
-            <a:endParaRPr lang="en-US"/>
-          </a:p>
-        </p:txBody>
-      </p:sp>
-    </p:spTree>
-    <p:extLst>
-      <p:ext uri="{BB962C8B-B14F-4D97-AF65-F5344CB8AC3E}">
-        <p14:creationId xmlns:p14="http://schemas.microsoft.com/office/powerpoint/2010/main" val="1366484841"/>
-      </p:ext>
-    </p:extLst>
-  </p:cSld>
-  <p:clrMapOvr>
-    <a:masterClrMapping/>
-  </p:clrMapOvr>
-</p:sld>
-</file>
-
-<file path=ppt/slides/slide45.xml><?xml version="1.0" encoding="utf-8"?>
-<p:sld xmlns:a="http://schemas.openxmlformats.org/drawingml/2006/main" xmlns:r="http://schemas.openxmlformats.org/officeDocument/2006/relationships" xmlns:p="http://schemas.openxmlformats.org/presentationml/2006/main">
-  <p:cSld>
-    <p:spTree>
-      <p:nvGrpSpPr>
-        <p:cNvPr id="1" name=""/>
-        <p:cNvGrpSpPr/>
-        <p:nvPr/>
-      </p:nvGrpSpPr>
-      <p:grpSpPr>
-        <a:xfrm>
-          <a:off x="0" y="0"/>
-          <a:ext cx="0" cy="0"/>
-          <a:chOff x="0" y="0"/>
-          <a:chExt cx="0" cy="0"/>
-        </a:xfrm>
-      </p:grpSpPr>
-      <p:sp>
-        <p:nvSpPr>
-          <p:cNvPr id="9" name="Text Placeholder 8">
-            <a:extLst>
-              <a:ext uri="{FF2B5EF4-FFF2-40B4-BE49-F238E27FC236}">
-                <a16:creationId xmlns:a16="http://schemas.microsoft.com/office/drawing/2014/main" id="{BEE242FE-397E-B24B-9BF6-C1D241790A8C}"/>
-              </a:ext>
-            </a:extLst>
-          </p:cNvPr>
-          <p:cNvSpPr>
-            <a:spLocks noGrp="1"/>
-          </p:cNvSpPr>
-          <p:nvPr>
-            <p:ph type="body" sz="quarter" idx="10"/>
-          </p:nvPr>
-        </p:nvSpPr>
-        <p:spPr/>
-        <p:txBody>
-          <a:bodyPr/>
-          <a:lstStyle/>
-          <a:p>
-            <a:endParaRPr lang="en-US" dirty="0"/>
-          </a:p>
-        </p:txBody>
-      </p:sp>
-      <p:sp>
-        <p:nvSpPr>
-          <p:cNvPr id="6" name="Slide Number Placeholder 5">
-            <a:extLst>
-              <a:ext uri="{FF2B5EF4-FFF2-40B4-BE49-F238E27FC236}">
-                <a16:creationId xmlns:a16="http://schemas.microsoft.com/office/drawing/2014/main" id="{F6F5CD8A-D8EB-5F48-A66F-EC4909EEBF89}"/>
-              </a:ext>
-            </a:extLst>
-          </p:cNvPr>
-          <p:cNvSpPr>
-            <a:spLocks noGrp="1"/>
-          </p:cNvSpPr>
-          <p:nvPr>
-            <p:ph type="sldNum" sz="quarter" idx="4"/>
-          </p:nvPr>
-        </p:nvSpPr>
-        <p:spPr/>
-        <p:txBody>
-          <a:bodyPr/>
-          <a:lstStyle/>
-          <a:p>
-            <a:fld id="{3A707DD9-E92B-45E8-BE0A-E6B2EDF345EB}" type="slidenum">
-              <a:rPr lang="en-US" smtClean="0"/>
-              <a:pPr/>
-              <a:t>45</a:t>
-            </a:fld>
-            <a:endParaRPr lang="en-US" dirty="0"/>
-          </a:p>
-        </p:txBody>
-      </p:sp>
-    </p:spTree>
-    <p:extLst>
-      <p:ext uri="{BB962C8B-B14F-4D97-AF65-F5344CB8AC3E}">
-        <p14:creationId xmlns:p14="http://schemas.microsoft.com/office/powerpoint/2010/main" val="3390816649"/>
-      </p:ext>
-    </p:extLst>
-  </p:cSld>
-  <p:clrMapOvr>
-    <a:masterClrMapping/>
-  </p:clrMapOvr>
-</p:sld>
-</file>
-
-<file path=ppt/slides/slide46.xml><?xml version="1.0" encoding="utf-8"?>
-<p:sld xmlns:a="http://schemas.openxmlformats.org/drawingml/2006/main" xmlns:r="http://schemas.openxmlformats.org/officeDocument/2006/relationships" xmlns:p="http://schemas.openxmlformats.org/presentationml/2006/main">
-  <p:cSld>
-    <p:spTree>
-      <p:nvGrpSpPr>
-        <p:cNvPr id="1" name=""/>
-        <p:cNvGrpSpPr/>
-        <p:nvPr/>
-      </p:nvGrpSpPr>
-      <p:grpSpPr>
-        <a:xfrm>
-          <a:off x="0" y="0"/>
-          <a:ext cx="0" cy="0"/>
-          <a:chOff x="0" y="0"/>
-          <a:chExt cx="0" cy="0"/>
-        </a:xfrm>
-      </p:grpSpPr>
-      <p:sp>
-        <p:nvSpPr>
-          <p:cNvPr id="4" name="Title 3">
-            <a:extLst>
-              <a:ext uri="{FF2B5EF4-FFF2-40B4-BE49-F238E27FC236}">
-                <a16:creationId xmlns:a16="http://schemas.microsoft.com/office/drawing/2014/main" id="{70275389-5E44-E748-BC5C-0BA447743FAF}"/>
-              </a:ext>
-            </a:extLst>
-          </p:cNvPr>
-          <p:cNvSpPr>
-            <a:spLocks noGrp="1"/>
-          </p:cNvSpPr>
-          <p:nvPr>
-            <p:ph type="title"/>
-          </p:nvPr>
-        </p:nvSpPr>
-        <p:spPr/>
-        <p:txBody>
-          <a:bodyPr/>
-          <a:lstStyle/>
-          <a:p>
-            <a:endParaRPr lang="en-US"/>
-          </a:p>
-        </p:txBody>
-      </p:sp>
-      <p:sp>
-        <p:nvSpPr>
-          <p:cNvPr id="3" name="Slide Number Placeholder 2">
-            <a:extLst>
-              <a:ext uri="{FF2B5EF4-FFF2-40B4-BE49-F238E27FC236}">
-                <a16:creationId xmlns:a16="http://schemas.microsoft.com/office/drawing/2014/main" id="{E3D0DB79-90AF-F04D-8589-25CCBFBF8B96}"/>
-              </a:ext>
-            </a:extLst>
-          </p:cNvPr>
-          <p:cNvSpPr>
-            <a:spLocks noGrp="1"/>
-          </p:cNvSpPr>
-          <p:nvPr>
-            <p:ph type="sldNum" sz="quarter" idx="4"/>
-          </p:nvPr>
-        </p:nvSpPr>
-        <p:spPr/>
-        <p:txBody>
-          <a:bodyPr/>
-          <a:lstStyle/>
-          <a:p>
-            <a:fld id="{3A707DD9-E92B-45E8-BE0A-E6B2EDF345EB}" type="slidenum">
-              <a:rPr lang="en-US" smtClean="0"/>
-              <a:pPr/>
-              <a:t>46</a:t>
-            </a:fld>
-            <a:endParaRPr lang="en-US" dirty="0"/>
-          </a:p>
-        </p:txBody>
-      </p:sp>
-    </p:spTree>
-    <p:extLst>
-      <p:ext uri="{BB962C8B-B14F-4D97-AF65-F5344CB8AC3E}">
-        <p14:creationId xmlns:p14="http://schemas.microsoft.com/office/powerpoint/2010/main" val="1017595494"/>
-      </p:ext>
-    </p:extLst>
-  </p:cSld>
-  <p:clrMapOvr>
-    <a:masterClrMapping/>
-  </p:clrMapOvr>
-</p:sld>
-</file>
-
-<file path=ppt/slides/slide47.xml><?xml version="1.0" encoding="utf-8"?>
-<p:sld xmlns:a="http://schemas.openxmlformats.org/drawingml/2006/main" xmlns:r="http://schemas.openxmlformats.org/officeDocument/2006/relationships" xmlns:p="http://schemas.openxmlformats.org/presentationml/2006/main">
-  <p:cSld>
-    <p:spTree>
-      <p:nvGrpSpPr>
-        <p:cNvPr id="1" name=""/>
-        <p:cNvGrpSpPr/>
-        <p:nvPr/>
-      </p:nvGrpSpPr>
-      <p:grpSpPr>
-        <a:xfrm>
-          <a:off x="0" y="0"/>
-          <a:ext cx="0" cy="0"/>
-          <a:chOff x="0" y="0"/>
-          <a:chExt cx="0" cy="0"/>
-        </a:xfrm>
-      </p:grpSpPr>
-      <p:sp>
-        <p:nvSpPr>
-          <p:cNvPr id="3" name="Slide Number Placeholder 2">
-            <a:extLst>
-              <a:ext uri="{FF2B5EF4-FFF2-40B4-BE49-F238E27FC236}">
-                <a16:creationId xmlns:a16="http://schemas.microsoft.com/office/drawing/2014/main" id="{396EA3AA-6BA8-1E40-8C5F-C94BB7D22261}"/>
-              </a:ext>
-            </a:extLst>
-          </p:cNvPr>
-          <p:cNvSpPr>
-            <a:spLocks noGrp="1"/>
-          </p:cNvSpPr>
-          <p:nvPr>
-            <p:ph type="sldNum" sz="quarter" idx="4"/>
-          </p:nvPr>
-        </p:nvSpPr>
-        <p:spPr/>
-        <p:txBody>
-          <a:bodyPr/>
-          <a:lstStyle/>
-          <a:p>
-            <a:fld id="{3A707DD9-E92B-45E8-BE0A-E6B2EDF345EB}" type="slidenum">
-              <a:rPr lang="en-US" smtClean="0"/>
-              <a:pPr/>
-              <a:t>47</a:t>
-            </a:fld>
-            <a:endParaRPr lang="en-US" dirty="0"/>
-          </a:p>
-        </p:txBody>
-      </p:sp>
-    </p:spTree>
-    <p:extLst>
-      <p:ext uri="{BB962C8B-B14F-4D97-AF65-F5344CB8AC3E}">
-        <p14:creationId xmlns:p14="http://schemas.microsoft.com/office/powerpoint/2010/main" val="246373354"/>
-      </p:ext>
-    </p:extLst>
-  </p:cSld>
-  <p:clrMapOvr>
-    <a:masterClrMapping/>
-  </p:clrMapOvr>
-</p:sld>
-</file>
-
-<file path=ppt/slides/slide48.xml><?xml version="1.0" encoding="utf-8"?>
-<p:sld xmlns:a="http://schemas.openxmlformats.org/drawingml/2006/main" xmlns:r="http://schemas.openxmlformats.org/officeDocument/2006/relationships" xmlns:p="http://schemas.openxmlformats.org/presentationml/2006/main">
-  <p:cSld>
-    <p:spTree>
-      <p:nvGrpSpPr>
-        <p:cNvPr id="1" name=""/>
-        <p:cNvGrpSpPr/>
-        <p:nvPr/>
-      </p:nvGrpSpPr>
-      <p:grpSpPr>
-        <a:xfrm>
-          <a:off x="0" y="0"/>
-          <a:ext cx="0" cy="0"/>
-          <a:chOff x="0" y="0"/>
-          <a:chExt cx="0" cy="0"/>
-        </a:xfrm>
-      </p:grpSpPr>
-      <p:sp>
-        <p:nvSpPr>
-          <p:cNvPr id="3" name="Title 2">
-            <a:extLst>
-              <a:ext uri="{FF2B5EF4-FFF2-40B4-BE49-F238E27FC236}">
-                <a16:creationId xmlns:a16="http://schemas.microsoft.com/office/drawing/2014/main" id="{B69D9CFC-E5C1-3A4E-BCB7-3E1CA8BCBCF4}"/>
-              </a:ext>
-            </a:extLst>
-          </p:cNvPr>
-          <p:cNvSpPr>
-            <a:spLocks noGrp="1"/>
-          </p:cNvSpPr>
-          <p:nvPr>
-            <p:ph type="title"/>
-          </p:nvPr>
-        </p:nvSpPr>
-        <p:spPr/>
-        <p:txBody>
-          <a:bodyPr/>
-          <a:lstStyle/>
-          <a:p>
-            <a:endParaRPr lang="en-US"/>
-          </a:p>
-        </p:txBody>
-      </p:sp>
-      <p:sp>
-        <p:nvSpPr>
-          <p:cNvPr id="2" name="Slide Number Placeholder 1">
-            <a:extLst>
-              <a:ext uri="{FF2B5EF4-FFF2-40B4-BE49-F238E27FC236}">
-                <a16:creationId xmlns:a16="http://schemas.microsoft.com/office/drawing/2014/main" id="{11B382BE-028B-964F-9027-6A1A9DA2E6E7}"/>
-              </a:ext>
-            </a:extLst>
-          </p:cNvPr>
-          <p:cNvSpPr>
-            <a:spLocks noGrp="1"/>
-          </p:cNvSpPr>
-          <p:nvPr>
-            <p:ph type="sldNum" sz="quarter" idx="4"/>
-          </p:nvPr>
-        </p:nvSpPr>
-        <p:spPr/>
-        <p:txBody>
-          <a:bodyPr/>
-          <a:lstStyle/>
-          <a:p>
-            <a:fld id="{3A707DD9-E92B-45E8-BE0A-E6B2EDF345EB}" type="slidenum">
-              <a:rPr lang="en-US" smtClean="0"/>
-              <a:pPr/>
-              <a:t>48</a:t>
-            </a:fld>
-            <a:endParaRPr lang="en-US" dirty="0"/>
-          </a:p>
-        </p:txBody>
-      </p:sp>
-      <p:sp>
-        <p:nvSpPr>
-          <p:cNvPr id="5" name="Picture Placeholder 4">
-            <a:extLst>
-              <a:ext uri="{FF2B5EF4-FFF2-40B4-BE49-F238E27FC236}">
-                <a16:creationId xmlns:a16="http://schemas.microsoft.com/office/drawing/2014/main" id="{192CE039-5644-C647-B0F3-EEB85B25B94D}"/>
-              </a:ext>
-            </a:extLst>
-          </p:cNvPr>
-          <p:cNvSpPr>
-            <a:spLocks noGrp="1"/>
-          </p:cNvSpPr>
-          <p:nvPr>
-            <p:ph type="pic" sz="quarter" idx="11"/>
-          </p:nvPr>
-        </p:nvSpPr>
-        <p:spPr/>
-      </p:sp>
-      <p:sp>
-        <p:nvSpPr>
-          <p:cNvPr id="6" name="Text Placeholder 5">
-            <a:extLst>
-              <a:ext uri="{FF2B5EF4-FFF2-40B4-BE49-F238E27FC236}">
-                <a16:creationId xmlns:a16="http://schemas.microsoft.com/office/drawing/2014/main" id="{FFFE38C7-DF72-A64C-B9B6-DAE753CDED79}"/>
-              </a:ext>
-            </a:extLst>
-          </p:cNvPr>
-          <p:cNvSpPr>
-            <a:spLocks noGrp="1"/>
-          </p:cNvSpPr>
-          <p:nvPr>
-            <p:ph type="body" sz="quarter" idx="12"/>
-          </p:nvPr>
-        </p:nvSpPr>
-        <p:spPr/>
-        <p:txBody>
-          <a:bodyPr/>
-          <a:lstStyle/>
-          <a:p>
-            <a:endParaRPr lang="en-US"/>
-          </a:p>
-        </p:txBody>
-      </p:sp>
-      <p:sp>
-        <p:nvSpPr>
-          <p:cNvPr id="4" name="Content Placeholder 3">
-            <a:extLst>
-              <a:ext uri="{FF2B5EF4-FFF2-40B4-BE49-F238E27FC236}">
-                <a16:creationId xmlns:a16="http://schemas.microsoft.com/office/drawing/2014/main" id="{01301C25-ACB8-2C40-9D88-31F5DECAB2AB}"/>
-              </a:ext>
-            </a:extLst>
-          </p:cNvPr>
-          <p:cNvSpPr>
-            <a:spLocks noGrp="1"/>
-          </p:cNvSpPr>
-          <p:nvPr>
-            <p:ph sz="quarter" idx="10"/>
-          </p:nvPr>
-        </p:nvSpPr>
-        <p:spPr/>
-        <p:txBody>
-          <a:bodyPr/>
-          <a:lstStyle/>
-          <a:p>
-            <a:endParaRPr lang="en-US"/>
-          </a:p>
-        </p:txBody>
-      </p:sp>
-      <p:sp>
-        <p:nvSpPr>
-          <p:cNvPr id="7" name="Text Placeholder 6">
-            <a:extLst>
-              <a:ext uri="{FF2B5EF4-FFF2-40B4-BE49-F238E27FC236}">
-                <a16:creationId xmlns:a16="http://schemas.microsoft.com/office/drawing/2014/main" id="{E3B41482-A6D3-DC4F-A416-B9BFB23215D3}"/>
-              </a:ext>
-            </a:extLst>
-          </p:cNvPr>
-          <p:cNvSpPr>
-            <a:spLocks noGrp="1"/>
-          </p:cNvSpPr>
-          <p:nvPr>
-            <p:ph type="body" sz="quarter" idx="13"/>
-          </p:nvPr>
-        </p:nvSpPr>
-        <p:spPr/>
-        <p:txBody>
-          <a:bodyPr/>
-          <a:lstStyle/>
-          <a:p>
-            <a:endParaRPr lang="en-US"/>
-          </a:p>
-        </p:txBody>
-      </p:sp>
-    </p:spTree>
-    <p:extLst>
-      <p:ext uri="{BB962C8B-B14F-4D97-AF65-F5344CB8AC3E}">
-        <p14:creationId xmlns:p14="http://schemas.microsoft.com/office/powerpoint/2010/main" val="1620209984"/>
-      </p:ext>
-    </p:extLst>
-  </p:cSld>
-  <p:clrMapOvr>
-    <a:masterClrMapping/>
-  </p:clrMapOvr>
-</p:sld>
-</file>
-
-<file path=ppt/slides/slide49.xml><?xml version="1.0" encoding="utf-8"?>
-<p:sld xmlns:a="http://schemas.openxmlformats.org/drawingml/2006/main" xmlns:r="http://schemas.openxmlformats.org/officeDocument/2006/relationships" xmlns:p="http://schemas.openxmlformats.org/presentationml/2006/main">
-  <p:cSld>
-    <p:spTree>
-      <p:nvGrpSpPr>
-        <p:cNvPr id="1" name=""/>
-        <p:cNvGrpSpPr/>
-        <p:nvPr/>
-      </p:nvGrpSpPr>
-      <p:grpSpPr>
-        <a:xfrm>
-          <a:off x="0" y="0"/>
-          <a:ext cx="0" cy="0"/>
-          <a:chOff x="0" y="0"/>
-          <a:chExt cx="0" cy="0"/>
-        </a:xfrm>
-      </p:grpSpPr>
-      <p:sp>
-        <p:nvSpPr>
-          <p:cNvPr id="4" name="Title 3"/>
-          <p:cNvSpPr>
-            <a:spLocks noGrp="1"/>
-          </p:cNvSpPr>
-          <p:nvPr>
-            <p:ph type="title"/>
-          </p:nvPr>
-        </p:nvSpPr>
-        <p:spPr/>
-        <p:txBody>
-          <a:bodyPr/>
-          <a:lstStyle/>
-          <a:p>
-            <a:endParaRPr lang="en-US"/>
-          </a:p>
-        </p:txBody>
-      </p:sp>
-      <p:sp>
-        <p:nvSpPr>
-          <p:cNvPr id="2" name="Slide Number Placeholder 1">
-            <a:extLst>
-              <a:ext uri="{FF2B5EF4-FFF2-40B4-BE49-F238E27FC236}">
-                <a16:creationId xmlns:a16="http://schemas.microsoft.com/office/drawing/2014/main" id="{BD2203D6-46B2-544A-AEDD-86624A2E7DA7}"/>
-              </a:ext>
-            </a:extLst>
-          </p:cNvPr>
-          <p:cNvSpPr>
-            <a:spLocks noGrp="1"/>
-          </p:cNvSpPr>
-          <p:nvPr>
-            <p:ph type="sldNum" sz="quarter" idx="4294967295"/>
-          </p:nvPr>
-        </p:nvSpPr>
-        <p:spPr>
-          <a:xfrm>
-            <a:off x="7770813" y="4826000"/>
-            <a:ext cx="1373187" cy="317500"/>
-          </a:xfrm>
-          <a:prstGeom prst="rect">
-            <a:avLst/>
-          </a:prstGeom>
-        </p:spPr>
-        <p:txBody>
-          <a:bodyPr/>
-          <a:lstStyle/>
-          <a:p>
-            <a:fld id="{3A707DD9-E92B-45E8-BE0A-E6B2EDF345EB}" type="slidenum">
-              <a:rPr lang="en-US" smtClean="0"/>
-              <a:pPr/>
-              <a:t>49</a:t>
-            </a:fld>
-            <a:endParaRPr lang="en-US" dirty="0"/>
-          </a:p>
-        </p:txBody>
-      </p:sp>
-    </p:spTree>
-    <p:extLst>
-      <p:ext uri="{BB962C8B-B14F-4D97-AF65-F5344CB8AC3E}">
-        <p14:creationId xmlns:p14="http://schemas.microsoft.com/office/powerpoint/2010/main" val="1440452983"/>
       </p:ext>
     </p:extLst>
   </p:cSld>
@@ -29005,153 +27880,6 @@
     <p:extLst>
       <p:ext uri="{BB962C8B-B14F-4D97-AF65-F5344CB8AC3E}">
         <p14:creationId xmlns:p14="http://schemas.microsoft.com/office/powerpoint/2010/main" val="2889391310"/>
-      </p:ext>
-    </p:extLst>
-  </p:cSld>
-  <p:clrMapOvr>
-    <a:masterClrMapping/>
-  </p:clrMapOvr>
-</p:sld>
-</file>
-
-<file path=ppt/slides/slide50.xml><?xml version="1.0" encoding="utf-8"?>
-<p:sld xmlns:a="http://schemas.openxmlformats.org/drawingml/2006/main" xmlns:r="http://schemas.openxmlformats.org/officeDocument/2006/relationships" xmlns:p="http://schemas.openxmlformats.org/presentationml/2006/main">
-  <p:cSld>
-    <p:spTree>
-      <p:nvGrpSpPr>
-        <p:cNvPr id="1" name=""/>
-        <p:cNvGrpSpPr/>
-        <p:nvPr/>
-      </p:nvGrpSpPr>
-      <p:grpSpPr>
-        <a:xfrm>
-          <a:off x="0" y="0"/>
-          <a:ext cx="0" cy="0"/>
-          <a:chOff x="0" y="0"/>
-          <a:chExt cx="0" cy="0"/>
-        </a:xfrm>
-      </p:grpSpPr>
-      <p:sp>
-        <p:nvSpPr>
-          <p:cNvPr id="3" name="Title 2"/>
-          <p:cNvSpPr>
-            <a:spLocks noGrp="1"/>
-          </p:cNvSpPr>
-          <p:nvPr>
-            <p:ph type="title"/>
-          </p:nvPr>
-        </p:nvSpPr>
-        <p:spPr/>
-        <p:txBody>
-          <a:bodyPr/>
-          <a:lstStyle/>
-          <a:p>
-            <a:endParaRPr lang="en-US"/>
-          </a:p>
-        </p:txBody>
-      </p:sp>
-    </p:spTree>
-    <p:extLst>
-      <p:ext uri="{BB962C8B-B14F-4D97-AF65-F5344CB8AC3E}">
-        <p14:creationId xmlns:p14="http://schemas.microsoft.com/office/powerpoint/2010/main" val="3773324485"/>
-      </p:ext>
-    </p:extLst>
-  </p:cSld>
-  <p:clrMapOvr>
-    <a:masterClrMapping/>
-  </p:clrMapOvr>
-</p:sld>
-</file>
-
-<file path=ppt/slides/slide51.xml><?xml version="1.0" encoding="utf-8"?>
-<p:sld xmlns:a="http://schemas.openxmlformats.org/drawingml/2006/main" xmlns:r="http://schemas.openxmlformats.org/officeDocument/2006/relationships" xmlns:p="http://schemas.openxmlformats.org/presentationml/2006/main">
-  <p:cSld>
-    <p:spTree>
-      <p:nvGrpSpPr>
-        <p:cNvPr id="1" name=""/>
-        <p:cNvGrpSpPr/>
-        <p:nvPr/>
-      </p:nvGrpSpPr>
-      <p:grpSpPr>
-        <a:xfrm>
-          <a:off x="0" y="0"/>
-          <a:ext cx="0" cy="0"/>
-          <a:chOff x="0" y="0"/>
-          <a:chExt cx="0" cy="0"/>
-        </a:xfrm>
-      </p:grpSpPr>
-      <p:sp>
-        <p:nvSpPr>
-          <p:cNvPr id="2" name="Title 1"/>
-          <p:cNvSpPr>
-            <a:spLocks noGrp="1"/>
-          </p:cNvSpPr>
-          <p:nvPr>
-            <p:ph type="title"/>
-          </p:nvPr>
-        </p:nvSpPr>
-        <p:spPr/>
-        <p:txBody>
-          <a:bodyPr/>
-          <a:lstStyle/>
-          <a:p>
-            <a:endParaRPr lang="en-US"/>
-          </a:p>
-        </p:txBody>
-      </p:sp>
-    </p:spTree>
-    <p:extLst>
-      <p:ext uri="{BB962C8B-B14F-4D97-AF65-F5344CB8AC3E}">
-        <p14:creationId xmlns:p14="http://schemas.microsoft.com/office/powerpoint/2010/main" val="3161395204"/>
-      </p:ext>
-    </p:extLst>
-  </p:cSld>
-  <p:clrMapOvr>
-    <a:masterClrMapping/>
-  </p:clrMapOvr>
-</p:sld>
-</file>
-
-<file path=ppt/slides/slide52.xml><?xml version="1.0" encoding="utf-8"?>
-<p:sld xmlns:a="http://schemas.openxmlformats.org/drawingml/2006/main" xmlns:r="http://schemas.openxmlformats.org/officeDocument/2006/relationships" xmlns:p="http://schemas.openxmlformats.org/presentationml/2006/main">
-  <p:cSld>
-    <p:spTree>
-      <p:nvGrpSpPr>
-        <p:cNvPr id="1" name=""/>
-        <p:cNvGrpSpPr/>
-        <p:nvPr/>
-      </p:nvGrpSpPr>
-      <p:grpSpPr>
-        <a:xfrm>
-          <a:off x="0" y="0"/>
-          <a:ext cx="0" cy="0"/>
-          <a:chOff x="0" y="0"/>
-          <a:chExt cx="0" cy="0"/>
-        </a:xfrm>
-      </p:grpSpPr>
-      <p:sp>
-        <p:nvSpPr>
-          <p:cNvPr id="2" name="Title 1"/>
-          <p:cNvSpPr>
-            <a:spLocks noGrp="1"/>
-          </p:cNvSpPr>
-          <p:nvPr>
-            <p:ph type="title"/>
-          </p:nvPr>
-        </p:nvSpPr>
-        <p:spPr/>
-        <p:txBody>
-          <a:bodyPr/>
-          <a:lstStyle/>
-          <a:p>
-            <a:endParaRPr lang="en-US"/>
-          </a:p>
-        </p:txBody>
-      </p:sp>
-    </p:spTree>
-    <p:extLst>
-      <p:ext uri="{BB962C8B-B14F-4D97-AF65-F5344CB8AC3E}">
-        <p14:creationId xmlns:p14="http://schemas.microsoft.com/office/powerpoint/2010/main" val="1087199906"/>
       </p:ext>
     </p:extLst>
   </p:cSld>

--- a/DesignPatterns.pptx
+++ b/DesignPatterns.pptx
@@ -254,7 +254,7 @@
           <a:p>
             <a:fld id="{3FDC14FC-A894-4869-A797-1EC82735D106}" type="datetimeFigureOut">
               <a:rPr lang="en-US" smtClean="0"/>
-              <a:t>5/1/2019</a:t>
+              <a:t>5/7/2019</a:t>
             </a:fld>
             <a:endParaRPr lang="en-US"/>
           </a:p>
@@ -419,7 +419,7 @@
           <a:p>
             <a:fld id="{B4F99C05-63F9-4248-8E20-3ACD9DF9DE7F}" type="datetimeFigureOut">
               <a:rPr lang="en-US" smtClean="0"/>
-              <a:t>5/1/2019</a:t>
+              <a:t>5/7/2019</a:t>
             </a:fld>
             <a:endParaRPr lang="en-US"/>
           </a:p>
@@ -9539,7 +9539,7 @@
           </a:ln>
           <a:extLst>
             <a:ext uri="{C572A759-6A51-4108-AA02-DFA0A04FC94B}">
-              <ma14:wrappingTextBoxFlag xmlns="" xmlns:ma14="http://schemas.microsoft.com/office/mac/drawingml/2011/main" val="1"/>
+              <ma14:wrappingTextBoxFlag xmlns:ma14="http://schemas.microsoft.com/office/mac/drawingml/2011/main" xmlns="" val="1"/>
             </a:ext>
           </a:extLst>
         </p:spPr>
@@ -22013,6 +22013,66 @@
           </a:p>
         </p:txBody>
       </p:sp>
+      <p:sp>
+        <p:nvSpPr>
+          <p:cNvPr id="9" name="TextBox 8">
+            <a:extLst>
+              <a:ext uri="{FF2B5EF4-FFF2-40B4-BE49-F238E27FC236}">
+                <a16:creationId xmlns:a16="http://schemas.microsoft.com/office/drawing/2014/main" id="{A5550BAA-4A93-7C4F-9F93-F6DAD9B885B8}"/>
+              </a:ext>
+            </a:extLst>
+          </p:cNvPr>
+          <p:cNvSpPr txBox="1"/>
+          <p:nvPr/>
+        </p:nvSpPr>
+        <p:spPr>
+          <a:xfrm>
+            <a:off x="6970510" y="4877348"/>
+            <a:ext cx="2422187" cy="200055"/>
+          </a:xfrm>
+          <a:prstGeom prst="rect">
+            <a:avLst/>
+          </a:prstGeom>
+          <a:noFill/>
+        </p:spPr>
+        <p:txBody>
+          <a:bodyPr wrap="square" rtlCol="0">
+            <a:spAutoFit/>
+          </a:bodyPr>
+          <a:lstStyle/>
+          <a:p>
+            <a:pPr marL="0" marR="0" lvl="0" indent="0" algn="l" defTabSz="685800" rtl="0" eaLnBrk="1" fontAlgn="auto" latinLnBrk="0" hangingPunct="1">
+              <a:lnSpc>
+                <a:spcPct val="100000"/>
+              </a:lnSpc>
+              <a:spcBef>
+                <a:spcPts val="0"/>
+              </a:spcBef>
+              <a:spcAft>
+                <a:spcPts val="0"/>
+              </a:spcAft>
+              <a:buClrTx/>
+              <a:buSzTx/>
+              <a:buFontTx/>
+              <a:buNone/>
+              <a:tabLst/>
+              <a:defRPr/>
+            </a:pPr>
+            <a:r>
+              <a:rPr lang="en-US" sz="700" dirty="0" smtClean="0">
+                <a:solidFill>
+                  <a:schemeClr val="bg1"/>
+                </a:solidFill>
+                <a:latin typeface="+mj-lt"/>
+              </a:rPr>
+              <a:t>UML reminder</a:t>
+            </a:r>
+            <a:endParaRPr lang="en-US" sz="700" dirty="0">
+              <a:latin typeface="+mj-lt"/>
+            </a:endParaRPr>
+          </a:p>
+        </p:txBody>
+      </p:sp>
     </p:spTree>
     <p:extLst>
       <p:ext uri="{BB962C8B-B14F-4D97-AF65-F5344CB8AC3E}">
@@ -22227,6 +22287,66 @@
           </a:prstGeom>
         </p:spPr>
       </p:pic>
+      <p:sp>
+        <p:nvSpPr>
+          <p:cNvPr id="7" name="TextBox 6">
+            <a:extLst>
+              <a:ext uri="{FF2B5EF4-FFF2-40B4-BE49-F238E27FC236}">
+                <a16:creationId xmlns:a16="http://schemas.microsoft.com/office/drawing/2014/main" id="{A5550BAA-4A93-7C4F-9F93-F6DAD9B885B8}"/>
+              </a:ext>
+            </a:extLst>
+          </p:cNvPr>
+          <p:cNvSpPr txBox="1"/>
+          <p:nvPr/>
+        </p:nvSpPr>
+        <p:spPr>
+          <a:xfrm>
+            <a:off x="6970510" y="4877348"/>
+            <a:ext cx="2422187" cy="200055"/>
+          </a:xfrm>
+          <a:prstGeom prst="rect">
+            <a:avLst/>
+          </a:prstGeom>
+          <a:noFill/>
+        </p:spPr>
+        <p:txBody>
+          <a:bodyPr wrap="square" rtlCol="0">
+            <a:spAutoFit/>
+          </a:bodyPr>
+          <a:lstStyle/>
+          <a:p>
+            <a:pPr marL="0" marR="0" lvl="0" indent="0" algn="l" defTabSz="685800" rtl="0" eaLnBrk="1" fontAlgn="auto" latinLnBrk="0" hangingPunct="1">
+              <a:lnSpc>
+                <a:spcPct val="100000"/>
+              </a:lnSpc>
+              <a:spcBef>
+                <a:spcPts val="0"/>
+              </a:spcBef>
+              <a:spcAft>
+                <a:spcPts val="0"/>
+              </a:spcAft>
+              <a:buClrTx/>
+              <a:buSzTx/>
+              <a:buFontTx/>
+              <a:buNone/>
+              <a:tabLst/>
+              <a:defRPr/>
+            </a:pPr>
+            <a:r>
+              <a:rPr lang="en-US" sz="700" dirty="0" smtClean="0">
+                <a:solidFill>
+                  <a:schemeClr val="bg1"/>
+                </a:solidFill>
+                <a:latin typeface="+mj-lt"/>
+              </a:rPr>
+              <a:t>UML reminder</a:t>
+            </a:r>
+            <a:endParaRPr lang="en-US" sz="700" dirty="0">
+              <a:latin typeface="+mj-lt"/>
+            </a:endParaRPr>
+          </a:p>
+        </p:txBody>
+      </p:sp>
     </p:spTree>
     <p:extLst>
       <p:ext uri="{BB962C8B-B14F-4D97-AF65-F5344CB8AC3E}">
@@ -22441,6 +22561,66 @@
           </a:prstGeom>
         </p:spPr>
       </p:pic>
+      <p:sp>
+        <p:nvSpPr>
+          <p:cNvPr id="6" name="TextBox 5">
+            <a:extLst>
+              <a:ext uri="{FF2B5EF4-FFF2-40B4-BE49-F238E27FC236}">
+                <a16:creationId xmlns:a16="http://schemas.microsoft.com/office/drawing/2014/main" id="{A5550BAA-4A93-7C4F-9F93-F6DAD9B885B8}"/>
+              </a:ext>
+            </a:extLst>
+          </p:cNvPr>
+          <p:cNvSpPr txBox="1"/>
+          <p:nvPr/>
+        </p:nvSpPr>
+        <p:spPr>
+          <a:xfrm>
+            <a:off x="6970510" y="4877348"/>
+            <a:ext cx="2422187" cy="200055"/>
+          </a:xfrm>
+          <a:prstGeom prst="rect">
+            <a:avLst/>
+          </a:prstGeom>
+          <a:noFill/>
+        </p:spPr>
+        <p:txBody>
+          <a:bodyPr wrap="square" rtlCol="0">
+            <a:spAutoFit/>
+          </a:bodyPr>
+          <a:lstStyle/>
+          <a:p>
+            <a:pPr marL="0" marR="0" lvl="0" indent="0" algn="l" defTabSz="685800" rtl="0" eaLnBrk="1" fontAlgn="auto" latinLnBrk="0" hangingPunct="1">
+              <a:lnSpc>
+                <a:spcPct val="100000"/>
+              </a:lnSpc>
+              <a:spcBef>
+                <a:spcPts val="0"/>
+              </a:spcBef>
+              <a:spcAft>
+                <a:spcPts val="0"/>
+              </a:spcAft>
+              <a:buClrTx/>
+              <a:buSzTx/>
+              <a:buFontTx/>
+              <a:buNone/>
+              <a:tabLst/>
+              <a:defRPr/>
+            </a:pPr>
+            <a:r>
+              <a:rPr lang="en-US" sz="700" dirty="0" smtClean="0">
+                <a:solidFill>
+                  <a:schemeClr val="bg1"/>
+                </a:solidFill>
+                <a:latin typeface="+mj-lt"/>
+              </a:rPr>
+              <a:t>UML reminder</a:t>
+            </a:r>
+            <a:endParaRPr lang="en-US" sz="700" dirty="0">
+              <a:latin typeface="+mj-lt"/>
+            </a:endParaRPr>
+          </a:p>
+        </p:txBody>
+      </p:sp>
     </p:spTree>
     <p:extLst>
       <p:ext uri="{BB962C8B-B14F-4D97-AF65-F5344CB8AC3E}">
@@ -22672,6 +22852,66 @@
           </a:prstGeom>
         </p:spPr>
       </p:pic>
+      <p:sp>
+        <p:nvSpPr>
+          <p:cNvPr id="7" name="TextBox 6">
+            <a:extLst>
+              <a:ext uri="{FF2B5EF4-FFF2-40B4-BE49-F238E27FC236}">
+                <a16:creationId xmlns:a16="http://schemas.microsoft.com/office/drawing/2014/main" id="{A5550BAA-4A93-7C4F-9F93-F6DAD9B885B8}"/>
+              </a:ext>
+            </a:extLst>
+          </p:cNvPr>
+          <p:cNvSpPr txBox="1"/>
+          <p:nvPr/>
+        </p:nvSpPr>
+        <p:spPr>
+          <a:xfrm>
+            <a:off x="6970510" y="4877348"/>
+            <a:ext cx="2422187" cy="200055"/>
+          </a:xfrm>
+          <a:prstGeom prst="rect">
+            <a:avLst/>
+          </a:prstGeom>
+          <a:noFill/>
+        </p:spPr>
+        <p:txBody>
+          <a:bodyPr wrap="square" rtlCol="0">
+            <a:spAutoFit/>
+          </a:bodyPr>
+          <a:lstStyle/>
+          <a:p>
+            <a:pPr marL="0" marR="0" lvl="0" indent="0" algn="l" defTabSz="685800" rtl="0" eaLnBrk="1" fontAlgn="auto" latinLnBrk="0" hangingPunct="1">
+              <a:lnSpc>
+                <a:spcPct val="100000"/>
+              </a:lnSpc>
+              <a:spcBef>
+                <a:spcPts val="0"/>
+              </a:spcBef>
+              <a:spcAft>
+                <a:spcPts val="0"/>
+              </a:spcAft>
+              <a:buClrTx/>
+              <a:buSzTx/>
+              <a:buFontTx/>
+              <a:buNone/>
+              <a:tabLst/>
+              <a:defRPr/>
+            </a:pPr>
+            <a:r>
+              <a:rPr lang="en-US" sz="700" dirty="0" smtClean="0">
+                <a:solidFill>
+                  <a:schemeClr val="bg1"/>
+                </a:solidFill>
+                <a:latin typeface="+mj-lt"/>
+              </a:rPr>
+              <a:t>UML reminder</a:t>
+            </a:r>
+            <a:endParaRPr lang="en-US" sz="700" dirty="0">
+              <a:latin typeface="+mj-lt"/>
+            </a:endParaRPr>
+          </a:p>
+        </p:txBody>
+      </p:sp>
     </p:spTree>
     <p:extLst>
       <p:ext uri="{BB962C8B-B14F-4D97-AF65-F5344CB8AC3E}">
@@ -23033,6 +23273,66 @@
           </a:p>
         </p:txBody>
       </p:sp>
+      <p:sp>
+        <p:nvSpPr>
+          <p:cNvPr id="5" name="TextBox 4">
+            <a:extLst>
+              <a:ext uri="{FF2B5EF4-FFF2-40B4-BE49-F238E27FC236}">
+                <a16:creationId xmlns:a16="http://schemas.microsoft.com/office/drawing/2014/main" id="{A5550BAA-4A93-7C4F-9F93-F6DAD9B885B8}"/>
+              </a:ext>
+            </a:extLst>
+          </p:cNvPr>
+          <p:cNvSpPr txBox="1"/>
+          <p:nvPr/>
+        </p:nvSpPr>
+        <p:spPr>
+          <a:xfrm>
+            <a:off x="6970510" y="4877348"/>
+            <a:ext cx="2422187" cy="200055"/>
+          </a:xfrm>
+          <a:prstGeom prst="rect">
+            <a:avLst/>
+          </a:prstGeom>
+          <a:noFill/>
+        </p:spPr>
+        <p:txBody>
+          <a:bodyPr wrap="square" rtlCol="0">
+            <a:spAutoFit/>
+          </a:bodyPr>
+          <a:lstStyle/>
+          <a:p>
+            <a:pPr marL="0" marR="0" lvl="0" indent="0" algn="l" defTabSz="685800" rtl="0" eaLnBrk="1" fontAlgn="auto" latinLnBrk="0" hangingPunct="1">
+              <a:lnSpc>
+                <a:spcPct val="100000"/>
+              </a:lnSpc>
+              <a:spcBef>
+                <a:spcPts val="0"/>
+              </a:spcBef>
+              <a:spcAft>
+                <a:spcPts val="0"/>
+              </a:spcAft>
+              <a:buClrTx/>
+              <a:buSzTx/>
+              <a:buFontTx/>
+              <a:buNone/>
+              <a:tabLst/>
+              <a:defRPr/>
+            </a:pPr>
+            <a:r>
+              <a:rPr lang="en-US" sz="700" dirty="0" smtClean="0">
+                <a:solidFill>
+                  <a:schemeClr val="bg1"/>
+                </a:solidFill>
+                <a:latin typeface="+mj-lt"/>
+              </a:rPr>
+              <a:t>Structural patterns</a:t>
+            </a:r>
+            <a:endParaRPr lang="en-US" sz="700" dirty="0">
+              <a:latin typeface="+mj-lt"/>
+            </a:endParaRPr>
+          </a:p>
+        </p:txBody>
+      </p:sp>
     </p:spTree>
     <p:extLst>
       <p:ext uri="{BB962C8B-B14F-4D97-AF65-F5344CB8AC3E}">
@@ -23385,6 +23685,66 @@
           </a:p>
         </p:txBody>
       </p:sp>
+      <p:sp>
+        <p:nvSpPr>
+          <p:cNvPr id="5" name="TextBox 4">
+            <a:extLst>
+              <a:ext uri="{FF2B5EF4-FFF2-40B4-BE49-F238E27FC236}">
+                <a16:creationId xmlns:a16="http://schemas.microsoft.com/office/drawing/2014/main" id="{A5550BAA-4A93-7C4F-9F93-F6DAD9B885B8}"/>
+              </a:ext>
+            </a:extLst>
+          </p:cNvPr>
+          <p:cNvSpPr txBox="1"/>
+          <p:nvPr/>
+        </p:nvSpPr>
+        <p:spPr>
+          <a:xfrm>
+            <a:off x="6970510" y="4877348"/>
+            <a:ext cx="2422187" cy="200055"/>
+          </a:xfrm>
+          <a:prstGeom prst="rect">
+            <a:avLst/>
+          </a:prstGeom>
+          <a:noFill/>
+        </p:spPr>
+        <p:txBody>
+          <a:bodyPr wrap="square" rtlCol="0">
+            <a:spAutoFit/>
+          </a:bodyPr>
+          <a:lstStyle/>
+          <a:p>
+            <a:pPr marL="0" marR="0" lvl="0" indent="0" algn="l" defTabSz="685800" rtl="0" eaLnBrk="1" fontAlgn="auto" latinLnBrk="0" hangingPunct="1">
+              <a:lnSpc>
+                <a:spcPct val="100000"/>
+              </a:lnSpc>
+              <a:spcBef>
+                <a:spcPts val="0"/>
+              </a:spcBef>
+              <a:spcAft>
+                <a:spcPts val="0"/>
+              </a:spcAft>
+              <a:buClrTx/>
+              <a:buSzTx/>
+              <a:buFontTx/>
+              <a:buNone/>
+              <a:tabLst/>
+              <a:defRPr/>
+            </a:pPr>
+            <a:r>
+              <a:rPr lang="en-US" sz="700" dirty="0" smtClean="0">
+                <a:solidFill>
+                  <a:schemeClr val="bg1"/>
+                </a:solidFill>
+                <a:latin typeface="+mj-lt"/>
+              </a:rPr>
+              <a:t>Structural patterns. Facade</a:t>
+            </a:r>
+            <a:endParaRPr lang="en-US" sz="700" dirty="0">
+              <a:latin typeface="+mj-lt"/>
+            </a:endParaRPr>
+          </a:p>
+        </p:txBody>
+      </p:sp>
     </p:spTree>
     <p:extLst>
       <p:ext uri="{BB962C8B-B14F-4D97-AF65-F5344CB8AC3E}">
@@ -23591,6 +23951,66 @@
               <a:latin typeface="Calibri Light"/>
               <a:ea typeface="+mn-ea"/>
               <a:cs typeface="+mn-cs"/>
+            </a:endParaRPr>
+          </a:p>
+        </p:txBody>
+      </p:sp>
+      <p:sp>
+        <p:nvSpPr>
+          <p:cNvPr id="5" name="TextBox 4">
+            <a:extLst>
+              <a:ext uri="{FF2B5EF4-FFF2-40B4-BE49-F238E27FC236}">
+                <a16:creationId xmlns:a16="http://schemas.microsoft.com/office/drawing/2014/main" id="{A5550BAA-4A93-7C4F-9F93-F6DAD9B885B8}"/>
+              </a:ext>
+            </a:extLst>
+          </p:cNvPr>
+          <p:cNvSpPr txBox="1"/>
+          <p:nvPr/>
+        </p:nvSpPr>
+        <p:spPr>
+          <a:xfrm>
+            <a:off x="6970510" y="4877348"/>
+            <a:ext cx="2422187" cy="200055"/>
+          </a:xfrm>
+          <a:prstGeom prst="rect">
+            <a:avLst/>
+          </a:prstGeom>
+          <a:noFill/>
+        </p:spPr>
+        <p:txBody>
+          <a:bodyPr wrap="square" rtlCol="0">
+            <a:spAutoFit/>
+          </a:bodyPr>
+          <a:lstStyle/>
+          <a:p>
+            <a:pPr marL="0" marR="0" lvl="0" indent="0" algn="l" defTabSz="685800" rtl="0" eaLnBrk="1" fontAlgn="auto" latinLnBrk="0" hangingPunct="1">
+              <a:lnSpc>
+                <a:spcPct val="100000"/>
+              </a:lnSpc>
+              <a:spcBef>
+                <a:spcPts val="0"/>
+              </a:spcBef>
+              <a:spcAft>
+                <a:spcPts val="0"/>
+              </a:spcAft>
+              <a:buClrTx/>
+              <a:buSzTx/>
+              <a:buFontTx/>
+              <a:buNone/>
+              <a:tabLst/>
+              <a:defRPr/>
+            </a:pPr>
+            <a:r>
+              <a:rPr lang="en-US" sz="700" dirty="0" smtClean="0">
+                <a:solidFill>
+                  <a:schemeClr val="bg1"/>
+                </a:solidFill>
+                <a:latin typeface="+mj-lt"/>
+              </a:rPr>
+              <a:t>Structural patterns. Facade</a:t>
+            </a:r>
+            <a:endParaRPr lang="en-US" sz="700" dirty="0">
+              <a:latin typeface="+mj-lt"/>
             </a:endParaRPr>
           </a:p>
         </p:txBody>
@@ -23766,6 +24186,66 @@
           </a:prstGeom>
         </p:spPr>
       </p:pic>
+      <p:sp>
+        <p:nvSpPr>
+          <p:cNvPr id="8" name="TextBox 7">
+            <a:extLst>
+              <a:ext uri="{FF2B5EF4-FFF2-40B4-BE49-F238E27FC236}">
+                <a16:creationId xmlns:a16="http://schemas.microsoft.com/office/drawing/2014/main" id="{A5550BAA-4A93-7C4F-9F93-F6DAD9B885B8}"/>
+              </a:ext>
+            </a:extLst>
+          </p:cNvPr>
+          <p:cNvSpPr txBox="1"/>
+          <p:nvPr/>
+        </p:nvSpPr>
+        <p:spPr>
+          <a:xfrm>
+            <a:off x="6970510" y="4877348"/>
+            <a:ext cx="2422187" cy="200055"/>
+          </a:xfrm>
+          <a:prstGeom prst="rect">
+            <a:avLst/>
+          </a:prstGeom>
+          <a:noFill/>
+        </p:spPr>
+        <p:txBody>
+          <a:bodyPr wrap="square" rtlCol="0">
+            <a:spAutoFit/>
+          </a:bodyPr>
+          <a:lstStyle/>
+          <a:p>
+            <a:pPr marL="0" marR="0" lvl="0" indent="0" algn="l" defTabSz="685800" rtl="0" eaLnBrk="1" fontAlgn="auto" latinLnBrk="0" hangingPunct="1">
+              <a:lnSpc>
+                <a:spcPct val="100000"/>
+              </a:lnSpc>
+              <a:spcBef>
+                <a:spcPts val="0"/>
+              </a:spcBef>
+              <a:spcAft>
+                <a:spcPts val="0"/>
+              </a:spcAft>
+              <a:buClrTx/>
+              <a:buSzTx/>
+              <a:buFontTx/>
+              <a:buNone/>
+              <a:tabLst/>
+              <a:defRPr/>
+            </a:pPr>
+            <a:r>
+              <a:rPr lang="en-US" sz="700" dirty="0" smtClean="0">
+                <a:solidFill>
+                  <a:schemeClr val="bg1"/>
+                </a:solidFill>
+                <a:latin typeface="+mj-lt"/>
+              </a:rPr>
+              <a:t>Structural patterns. Facade</a:t>
+            </a:r>
+            <a:endParaRPr lang="en-US" sz="700" dirty="0">
+              <a:latin typeface="+mj-lt"/>
+            </a:endParaRPr>
+          </a:p>
+        </p:txBody>
+      </p:sp>
     </p:spTree>
     <p:extLst>
       <p:ext uri="{BB962C8B-B14F-4D97-AF65-F5344CB8AC3E}">
@@ -24099,6 +24579,66 @@
           </a:p>
         </p:txBody>
       </p:sp>
+      <p:sp>
+        <p:nvSpPr>
+          <p:cNvPr id="6" name="TextBox 5">
+            <a:extLst>
+              <a:ext uri="{FF2B5EF4-FFF2-40B4-BE49-F238E27FC236}">
+                <a16:creationId xmlns:a16="http://schemas.microsoft.com/office/drawing/2014/main" id="{A5550BAA-4A93-7C4F-9F93-F6DAD9B885B8}"/>
+              </a:ext>
+            </a:extLst>
+          </p:cNvPr>
+          <p:cNvSpPr txBox="1"/>
+          <p:nvPr/>
+        </p:nvSpPr>
+        <p:spPr>
+          <a:xfrm>
+            <a:off x="6970510" y="4877348"/>
+            <a:ext cx="2422187" cy="200055"/>
+          </a:xfrm>
+          <a:prstGeom prst="rect">
+            <a:avLst/>
+          </a:prstGeom>
+          <a:noFill/>
+        </p:spPr>
+        <p:txBody>
+          <a:bodyPr wrap="square" rtlCol="0">
+            <a:spAutoFit/>
+          </a:bodyPr>
+          <a:lstStyle/>
+          <a:p>
+            <a:pPr marL="0" marR="0" lvl="0" indent="0" algn="l" defTabSz="685800" rtl="0" eaLnBrk="1" fontAlgn="auto" latinLnBrk="0" hangingPunct="1">
+              <a:lnSpc>
+                <a:spcPct val="100000"/>
+              </a:lnSpc>
+              <a:spcBef>
+                <a:spcPts val="0"/>
+              </a:spcBef>
+              <a:spcAft>
+                <a:spcPts val="0"/>
+              </a:spcAft>
+              <a:buClrTx/>
+              <a:buSzTx/>
+              <a:buFontTx/>
+              <a:buNone/>
+              <a:tabLst/>
+              <a:defRPr/>
+            </a:pPr>
+            <a:r>
+              <a:rPr lang="en-US" sz="700" dirty="0" smtClean="0">
+                <a:solidFill>
+                  <a:schemeClr val="bg1"/>
+                </a:solidFill>
+                <a:latin typeface="+mj-lt"/>
+              </a:rPr>
+              <a:t>Structural patterns. Facade</a:t>
+            </a:r>
+            <a:endParaRPr lang="en-US" sz="700" dirty="0">
+              <a:latin typeface="+mj-lt"/>
+            </a:endParaRPr>
+          </a:p>
+        </p:txBody>
+      </p:sp>
     </p:spTree>
     <p:extLst>
       <p:ext uri="{BB962C8B-B14F-4D97-AF65-F5344CB8AC3E}">
@@ -24253,9 +24793,10 @@
           <a:lstStyle/>
           <a:p>
             <a:r>
-              <a:rPr lang="en-US" dirty="0"/>
-              <a:t>Adapter (wrapper)</a:t>
-            </a:r>
+              <a:rPr lang="en-US" dirty="0" smtClean="0"/>
+              <a:t>Adapter</a:t>
+            </a:r>
+            <a:endParaRPr lang="en-US" dirty="0"/>
           </a:p>
         </p:txBody>
       </p:sp>
@@ -24441,6 +24982,66 @@
           </a:p>
         </p:txBody>
       </p:sp>
+      <p:sp>
+        <p:nvSpPr>
+          <p:cNvPr id="5" name="TextBox 4">
+            <a:extLst>
+              <a:ext uri="{FF2B5EF4-FFF2-40B4-BE49-F238E27FC236}">
+                <a16:creationId xmlns:a16="http://schemas.microsoft.com/office/drawing/2014/main" id="{A5550BAA-4A93-7C4F-9F93-F6DAD9B885B8}"/>
+              </a:ext>
+            </a:extLst>
+          </p:cNvPr>
+          <p:cNvSpPr txBox="1"/>
+          <p:nvPr/>
+        </p:nvSpPr>
+        <p:spPr>
+          <a:xfrm>
+            <a:off x="6970510" y="4877348"/>
+            <a:ext cx="2422187" cy="200055"/>
+          </a:xfrm>
+          <a:prstGeom prst="rect">
+            <a:avLst/>
+          </a:prstGeom>
+          <a:noFill/>
+        </p:spPr>
+        <p:txBody>
+          <a:bodyPr wrap="square" rtlCol="0">
+            <a:spAutoFit/>
+          </a:bodyPr>
+          <a:lstStyle/>
+          <a:p>
+            <a:pPr marL="0" marR="0" lvl="0" indent="0" algn="l" defTabSz="685800" rtl="0" eaLnBrk="1" fontAlgn="auto" latinLnBrk="0" hangingPunct="1">
+              <a:lnSpc>
+                <a:spcPct val="100000"/>
+              </a:lnSpc>
+              <a:spcBef>
+                <a:spcPts val="0"/>
+              </a:spcBef>
+              <a:spcAft>
+                <a:spcPts val="0"/>
+              </a:spcAft>
+              <a:buClrTx/>
+              <a:buSzTx/>
+              <a:buFontTx/>
+              <a:buNone/>
+              <a:tabLst/>
+              <a:defRPr/>
+            </a:pPr>
+            <a:r>
+              <a:rPr lang="en-US" sz="700" dirty="0" smtClean="0">
+                <a:solidFill>
+                  <a:schemeClr val="bg1"/>
+                </a:solidFill>
+                <a:latin typeface="+mj-lt"/>
+              </a:rPr>
+              <a:t>Structural patterns. Adapter</a:t>
+            </a:r>
+            <a:endParaRPr lang="en-US" sz="700" dirty="0">
+              <a:latin typeface="+mj-lt"/>
+            </a:endParaRPr>
+          </a:p>
+        </p:txBody>
+      </p:sp>
     </p:spTree>
     <p:extLst>
       <p:ext uri="{BB962C8B-B14F-4D97-AF65-F5344CB8AC3E}">
@@ -24607,6 +25208,66 @@
               <a:latin typeface="Calibri Light"/>
               <a:ea typeface="+mn-ea"/>
               <a:cs typeface="+mn-cs"/>
+            </a:endParaRPr>
+          </a:p>
+        </p:txBody>
+      </p:sp>
+      <p:sp>
+        <p:nvSpPr>
+          <p:cNvPr id="5" name="TextBox 4">
+            <a:extLst>
+              <a:ext uri="{FF2B5EF4-FFF2-40B4-BE49-F238E27FC236}">
+                <a16:creationId xmlns:a16="http://schemas.microsoft.com/office/drawing/2014/main" id="{A5550BAA-4A93-7C4F-9F93-F6DAD9B885B8}"/>
+              </a:ext>
+            </a:extLst>
+          </p:cNvPr>
+          <p:cNvSpPr txBox="1"/>
+          <p:nvPr/>
+        </p:nvSpPr>
+        <p:spPr>
+          <a:xfrm>
+            <a:off x="6970510" y="4877348"/>
+            <a:ext cx="2422187" cy="200055"/>
+          </a:xfrm>
+          <a:prstGeom prst="rect">
+            <a:avLst/>
+          </a:prstGeom>
+          <a:noFill/>
+        </p:spPr>
+        <p:txBody>
+          <a:bodyPr wrap="square" rtlCol="0">
+            <a:spAutoFit/>
+          </a:bodyPr>
+          <a:lstStyle/>
+          <a:p>
+            <a:pPr marL="0" marR="0" lvl="0" indent="0" algn="l" defTabSz="685800" rtl="0" eaLnBrk="1" fontAlgn="auto" latinLnBrk="0" hangingPunct="1">
+              <a:lnSpc>
+                <a:spcPct val="100000"/>
+              </a:lnSpc>
+              <a:spcBef>
+                <a:spcPts val="0"/>
+              </a:spcBef>
+              <a:spcAft>
+                <a:spcPts val="0"/>
+              </a:spcAft>
+              <a:buClrTx/>
+              <a:buSzTx/>
+              <a:buFontTx/>
+              <a:buNone/>
+              <a:tabLst/>
+              <a:defRPr/>
+            </a:pPr>
+            <a:r>
+              <a:rPr lang="en-US" sz="700" dirty="0" smtClean="0">
+                <a:solidFill>
+                  <a:schemeClr val="bg1"/>
+                </a:solidFill>
+                <a:latin typeface="+mj-lt"/>
+              </a:rPr>
+              <a:t>Structural patterns. Adapter</a:t>
+            </a:r>
+            <a:endParaRPr lang="en-US" sz="700" dirty="0">
+              <a:latin typeface="+mj-lt"/>
             </a:endParaRPr>
           </a:p>
         </p:txBody>
@@ -24782,6 +25443,66 @@
           </a:prstGeom>
         </p:spPr>
       </p:pic>
+      <p:sp>
+        <p:nvSpPr>
+          <p:cNvPr id="6" name="TextBox 5">
+            <a:extLst>
+              <a:ext uri="{FF2B5EF4-FFF2-40B4-BE49-F238E27FC236}">
+                <a16:creationId xmlns:a16="http://schemas.microsoft.com/office/drawing/2014/main" id="{A5550BAA-4A93-7C4F-9F93-F6DAD9B885B8}"/>
+              </a:ext>
+            </a:extLst>
+          </p:cNvPr>
+          <p:cNvSpPr txBox="1"/>
+          <p:nvPr/>
+        </p:nvSpPr>
+        <p:spPr>
+          <a:xfrm>
+            <a:off x="6970510" y="4877348"/>
+            <a:ext cx="2422187" cy="200055"/>
+          </a:xfrm>
+          <a:prstGeom prst="rect">
+            <a:avLst/>
+          </a:prstGeom>
+          <a:noFill/>
+        </p:spPr>
+        <p:txBody>
+          <a:bodyPr wrap="square" rtlCol="0">
+            <a:spAutoFit/>
+          </a:bodyPr>
+          <a:lstStyle/>
+          <a:p>
+            <a:pPr marL="0" marR="0" lvl="0" indent="0" algn="l" defTabSz="685800" rtl="0" eaLnBrk="1" fontAlgn="auto" latinLnBrk="0" hangingPunct="1">
+              <a:lnSpc>
+                <a:spcPct val="100000"/>
+              </a:lnSpc>
+              <a:spcBef>
+                <a:spcPts val="0"/>
+              </a:spcBef>
+              <a:spcAft>
+                <a:spcPts val="0"/>
+              </a:spcAft>
+              <a:buClrTx/>
+              <a:buSzTx/>
+              <a:buFontTx/>
+              <a:buNone/>
+              <a:tabLst/>
+              <a:defRPr/>
+            </a:pPr>
+            <a:r>
+              <a:rPr lang="en-US" sz="700" dirty="0" smtClean="0">
+                <a:solidFill>
+                  <a:schemeClr val="bg1"/>
+                </a:solidFill>
+                <a:latin typeface="+mj-lt"/>
+              </a:rPr>
+              <a:t>Structural patterns. Adapter</a:t>
+            </a:r>
+            <a:endParaRPr lang="en-US" sz="700" dirty="0">
+              <a:latin typeface="+mj-lt"/>
+            </a:endParaRPr>
+          </a:p>
+        </p:txBody>
+      </p:sp>
     </p:spTree>
     <p:extLst>
       <p:ext uri="{BB962C8B-B14F-4D97-AF65-F5344CB8AC3E}">
@@ -24953,6 +25674,66 @@
           </a:prstGeom>
         </p:spPr>
       </p:pic>
+      <p:sp>
+        <p:nvSpPr>
+          <p:cNvPr id="6" name="TextBox 5">
+            <a:extLst>
+              <a:ext uri="{FF2B5EF4-FFF2-40B4-BE49-F238E27FC236}">
+                <a16:creationId xmlns:a16="http://schemas.microsoft.com/office/drawing/2014/main" id="{A5550BAA-4A93-7C4F-9F93-F6DAD9B885B8}"/>
+              </a:ext>
+            </a:extLst>
+          </p:cNvPr>
+          <p:cNvSpPr txBox="1"/>
+          <p:nvPr/>
+        </p:nvSpPr>
+        <p:spPr>
+          <a:xfrm>
+            <a:off x="6970510" y="4877348"/>
+            <a:ext cx="2422187" cy="200055"/>
+          </a:xfrm>
+          <a:prstGeom prst="rect">
+            <a:avLst/>
+          </a:prstGeom>
+          <a:noFill/>
+        </p:spPr>
+        <p:txBody>
+          <a:bodyPr wrap="square" rtlCol="0">
+            <a:spAutoFit/>
+          </a:bodyPr>
+          <a:lstStyle/>
+          <a:p>
+            <a:pPr marL="0" marR="0" lvl="0" indent="0" algn="l" defTabSz="685800" rtl="0" eaLnBrk="1" fontAlgn="auto" latinLnBrk="0" hangingPunct="1">
+              <a:lnSpc>
+                <a:spcPct val="100000"/>
+              </a:lnSpc>
+              <a:spcBef>
+                <a:spcPts val="0"/>
+              </a:spcBef>
+              <a:spcAft>
+                <a:spcPts val="0"/>
+              </a:spcAft>
+              <a:buClrTx/>
+              <a:buSzTx/>
+              <a:buFontTx/>
+              <a:buNone/>
+              <a:tabLst/>
+              <a:defRPr/>
+            </a:pPr>
+            <a:r>
+              <a:rPr lang="en-US" sz="700" dirty="0" smtClean="0">
+                <a:solidFill>
+                  <a:schemeClr val="bg1"/>
+                </a:solidFill>
+                <a:latin typeface="+mj-lt"/>
+              </a:rPr>
+              <a:t>Structural patterns. Adapter</a:t>
+            </a:r>
+            <a:endParaRPr lang="en-US" sz="700" dirty="0">
+              <a:latin typeface="+mj-lt"/>
+            </a:endParaRPr>
+          </a:p>
+        </p:txBody>
+      </p:sp>
     </p:spTree>
     <p:extLst>
       <p:ext uri="{BB962C8B-B14F-4D97-AF65-F5344CB8AC3E}">
@@ -25114,6 +25895,66 @@
               <a:latin typeface="Calibri Light"/>
               <a:ea typeface="+mn-ea"/>
               <a:cs typeface="+mn-cs"/>
+            </a:endParaRPr>
+          </a:p>
+        </p:txBody>
+      </p:sp>
+      <p:sp>
+        <p:nvSpPr>
+          <p:cNvPr id="5" name="TextBox 4">
+            <a:extLst>
+              <a:ext uri="{FF2B5EF4-FFF2-40B4-BE49-F238E27FC236}">
+                <a16:creationId xmlns:a16="http://schemas.microsoft.com/office/drawing/2014/main" id="{A5550BAA-4A93-7C4F-9F93-F6DAD9B885B8}"/>
+              </a:ext>
+            </a:extLst>
+          </p:cNvPr>
+          <p:cNvSpPr txBox="1"/>
+          <p:nvPr/>
+        </p:nvSpPr>
+        <p:spPr>
+          <a:xfrm>
+            <a:off x="6970510" y="4877348"/>
+            <a:ext cx="2422187" cy="200055"/>
+          </a:xfrm>
+          <a:prstGeom prst="rect">
+            <a:avLst/>
+          </a:prstGeom>
+          <a:noFill/>
+        </p:spPr>
+        <p:txBody>
+          <a:bodyPr wrap="square" rtlCol="0">
+            <a:spAutoFit/>
+          </a:bodyPr>
+          <a:lstStyle/>
+          <a:p>
+            <a:pPr marL="0" marR="0" lvl="0" indent="0" algn="l" defTabSz="685800" rtl="0" eaLnBrk="1" fontAlgn="auto" latinLnBrk="0" hangingPunct="1">
+              <a:lnSpc>
+                <a:spcPct val="100000"/>
+              </a:lnSpc>
+              <a:spcBef>
+                <a:spcPts val="0"/>
+              </a:spcBef>
+              <a:spcAft>
+                <a:spcPts val="0"/>
+              </a:spcAft>
+              <a:buClrTx/>
+              <a:buSzTx/>
+              <a:buFontTx/>
+              <a:buNone/>
+              <a:tabLst/>
+              <a:defRPr/>
+            </a:pPr>
+            <a:r>
+              <a:rPr lang="en-US" sz="700" dirty="0" smtClean="0">
+                <a:solidFill>
+                  <a:schemeClr val="bg1"/>
+                </a:solidFill>
+                <a:latin typeface="+mj-lt"/>
+              </a:rPr>
+              <a:t>Structural patterns. Adapter</a:t>
+            </a:r>
+            <a:endParaRPr lang="en-US" sz="700" dirty="0">
+              <a:latin typeface="+mj-lt"/>
             </a:endParaRPr>
           </a:p>
         </p:txBody>
@@ -25306,6 +26147,66 @@
           </a:p>
         </p:txBody>
       </p:sp>
+      <p:sp>
+        <p:nvSpPr>
+          <p:cNvPr id="6" name="TextBox 5">
+            <a:extLst>
+              <a:ext uri="{FF2B5EF4-FFF2-40B4-BE49-F238E27FC236}">
+                <a16:creationId xmlns:a16="http://schemas.microsoft.com/office/drawing/2014/main" id="{A5550BAA-4A93-7C4F-9F93-F6DAD9B885B8}"/>
+              </a:ext>
+            </a:extLst>
+          </p:cNvPr>
+          <p:cNvSpPr txBox="1"/>
+          <p:nvPr/>
+        </p:nvSpPr>
+        <p:spPr>
+          <a:xfrm>
+            <a:off x="6970510" y="4877348"/>
+            <a:ext cx="2422187" cy="200055"/>
+          </a:xfrm>
+          <a:prstGeom prst="rect">
+            <a:avLst/>
+          </a:prstGeom>
+          <a:noFill/>
+        </p:spPr>
+        <p:txBody>
+          <a:bodyPr wrap="square" rtlCol="0">
+            <a:spAutoFit/>
+          </a:bodyPr>
+          <a:lstStyle/>
+          <a:p>
+            <a:pPr marL="0" marR="0" lvl="0" indent="0" algn="l" defTabSz="685800" rtl="0" eaLnBrk="1" fontAlgn="auto" latinLnBrk="0" hangingPunct="1">
+              <a:lnSpc>
+                <a:spcPct val="100000"/>
+              </a:lnSpc>
+              <a:spcBef>
+                <a:spcPts val="0"/>
+              </a:spcBef>
+              <a:spcAft>
+                <a:spcPts val="0"/>
+              </a:spcAft>
+              <a:buClrTx/>
+              <a:buSzTx/>
+              <a:buFontTx/>
+              <a:buNone/>
+              <a:tabLst/>
+              <a:defRPr/>
+            </a:pPr>
+            <a:r>
+              <a:rPr lang="en-US" sz="700" dirty="0" smtClean="0">
+                <a:solidFill>
+                  <a:schemeClr val="bg1"/>
+                </a:solidFill>
+                <a:latin typeface="+mj-lt"/>
+              </a:rPr>
+              <a:t>Structural patterns. Adapter</a:t>
+            </a:r>
+            <a:endParaRPr lang="en-US" sz="700" dirty="0">
+              <a:latin typeface="+mj-lt"/>
+            </a:endParaRPr>
+          </a:p>
+        </p:txBody>
+      </p:sp>
     </p:spTree>
     <p:extLst>
       <p:ext uri="{BB962C8B-B14F-4D97-AF65-F5344CB8AC3E}">
@@ -25639,6 +26540,66 @@
           </a:p>
         </p:txBody>
       </p:sp>
+      <p:sp>
+        <p:nvSpPr>
+          <p:cNvPr id="5" name="TextBox 4">
+            <a:extLst>
+              <a:ext uri="{FF2B5EF4-FFF2-40B4-BE49-F238E27FC236}">
+                <a16:creationId xmlns:a16="http://schemas.microsoft.com/office/drawing/2014/main" id="{A5550BAA-4A93-7C4F-9F93-F6DAD9B885B8}"/>
+              </a:ext>
+            </a:extLst>
+          </p:cNvPr>
+          <p:cNvSpPr txBox="1"/>
+          <p:nvPr/>
+        </p:nvSpPr>
+        <p:spPr>
+          <a:xfrm>
+            <a:off x="6970510" y="4877348"/>
+            <a:ext cx="2422187" cy="200055"/>
+          </a:xfrm>
+          <a:prstGeom prst="rect">
+            <a:avLst/>
+          </a:prstGeom>
+          <a:noFill/>
+        </p:spPr>
+        <p:txBody>
+          <a:bodyPr wrap="square" rtlCol="0">
+            <a:spAutoFit/>
+          </a:bodyPr>
+          <a:lstStyle/>
+          <a:p>
+            <a:pPr marL="0" marR="0" lvl="0" indent="0" algn="l" defTabSz="685800" rtl="0" eaLnBrk="1" fontAlgn="auto" latinLnBrk="0" hangingPunct="1">
+              <a:lnSpc>
+                <a:spcPct val="100000"/>
+              </a:lnSpc>
+              <a:spcBef>
+                <a:spcPts val="0"/>
+              </a:spcBef>
+              <a:spcAft>
+                <a:spcPts val="0"/>
+              </a:spcAft>
+              <a:buClrTx/>
+              <a:buSzTx/>
+              <a:buFontTx/>
+              <a:buNone/>
+              <a:tabLst/>
+              <a:defRPr/>
+            </a:pPr>
+            <a:r>
+              <a:rPr lang="en-US" sz="700" dirty="0" smtClean="0">
+                <a:solidFill>
+                  <a:schemeClr val="bg1"/>
+                </a:solidFill>
+                <a:latin typeface="+mj-lt"/>
+              </a:rPr>
+              <a:t>Structural patterns. Bridge</a:t>
+            </a:r>
+            <a:endParaRPr lang="en-US" sz="700" dirty="0">
+              <a:latin typeface="+mj-lt"/>
+            </a:endParaRPr>
+          </a:p>
+        </p:txBody>
+      </p:sp>
     </p:spTree>
     <p:extLst>
       <p:ext uri="{BB962C8B-B14F-4D97-AF65-F5344CB8AC3E}">
@@ -25802,6 +26763,66 @@
                 <a:cs typeface="+mn-cs"/>
               </a:rPr>
               <a:t>© 2019 EPAM Systems, Inc.</a:t>
+            </a:r>
+            <a:endParaRPr lang="en-US" sz="700" dirty="0">
+              <a:latin typeface="+mj-lt"/>
+            </a:endParaRPr>
+          </a:p>
+        </p:txBody>
+      </p:sp>
+      <p:sp>
+        <p:nvSpPr>
+          <p:cNvPr id="6" name="TextBox 5">
+            <a:extLst>
+              <a:ext uri="{FF2B5EF4-FFF2-40B4-BE49-F238E27FC236}">
+                <a16:creationId xmlns:a16="http://schemas.microsoft.com/office/drawing/2014/main" id="{A5550BAA-4A93-7C4F-9F93-F6DAD9B885B8}"/>
+              </a:ext>
+            </a:extLst>
+          </p:cNvPr>
+          <p:cNvSpPr txBox="1"/>
+          <p:nvPr/>
+        </p:nvSpPr>
+        <p:spPr>
+          <a:xfrm>
+            <a:off x="6970510" y="4877348"/>
+            <a:ext cx="2422187" cy="200055"/>
+          </a:xfrm>
+          <a:prstGeom prst="rect">
+            <a:avLst/>
+          </a:prstGeom>
+          <a:noFill/>
+        </p:spPr>
+        <p:txBody>
+          <a:bodyPr wrap="square" rtlCol="0">
+            <a:spAutoFit/>
+          </a:bodyPr>
+          <a:lstStyle/>
+          <a:p>
+            <a:pPr marL="0" marR="0" lvl="0" indent="0" algn="l" defTabSz="685800" rtl="0" eaLnBrk="1" fontAlgn="auto" latinLnBrk="0" hangingPunct="1">
+              <a:lnSpc>
+                <a:spcPct val="100000"/>
+              </a:lnSpc>
+              <a:spcBef>
+                <a:spcPts val="0"/>
+              </a:spcBef>
+              <a:spcAft>
+                <a:spcPts val="0"/>
+              </a:spcAft>
+              <a:buClrTx/>
+              <a:buSzTx/>
+              <a:buFontTx/>
+              <a:buNone/>
+              <a:tabLst/>
+              <a:defRPr/>
+            </a:pPr>
+            <a:r>
+              <a:rPr lang="en-US" sz="700" dirty="0" smtClean="0">
+                <a:solidFill>
+                  <a:schemeClr val="bg1"/>
+                </a:solidFill>
+                <a:latin typeface="+mj-lt"/>
+              </a:rPr>
+              <a:t>Introduction</a:t>
             </a:r>
             <a:endParaRPr lang="en-US" sz="700" dirty="0">
               <a:latin typeface="+mj-lt"/>
@@ -25997,6 +27018,66 @@
           </a:p>
         </p:txBody>
       </p:sp>
+      <p:sp>
+        <p:nvSpPr>
+          <p:cNvPr id="5" name="TextBox 4">
+            <a:extLst>
+              <a:ext uri="{FF2B5EF4-FFF2-40B4-BE49-F238E27FC236}">
+                <a16:creationId xmlns:a16="http://schemas.microsoft.com/office/drawing/2014/main" id="{A5550BAA-4A93-7C4F-9F93-F6DAD9B885B8}"/>
+              </a:ext>
+            </a:extLst>
+          </p:cNvPr>
+          <p:cNvSpPr txBox="1"/>
+          <p:nvPr/>
+        </p:nvSpPr>
+        <p:spPr>
+          <a:xfrm>
+            <a:off x="6970510" y="4877348"/>
+            <a:ext cx="2422187" cy="200055"/>
+          </a:xfrm>
+          <a:prstGeom prst="rect">
+            <a:avLst/>
+          </a:prstGeom>
+          <a:noFill/>
+        </p:spPr>
+        <p:txBody>
+          <a:bodyPr wrap="square" rtlCol="0">
+            <a:spAutoFit/>
+          </a:bodyPr>
+          <a:lstStyle/>
+          <a:p>
+            <a:pPr marL="0" marR="0" lvl="0" indent="0" algn="l" defTabSz="685800" rtl="0" eaLnBrk="1" fontAlgn="auto" latinLnBrk="0" hangingPunct="1">
+              <a:lnSpc>
+                <a:spcPct val="100000"/>
+              </a:lnSpc>
+              <a:spcBef>
+                <a:spcPts val="0"/>
+              </a:spcBef>
+              <a:spcAft>
+                <a:spcPts val="0"/>
+              </a:spcAft>
+              <a:buClrTx/>
+              <a:buSzTx/>
+              <a:buFontTx/>
+              <a:buNone/>
+              <a:tabLst/>
+              <a:defRPr/>
+            </a:pPr>
+            <a:r>
+              <a:rPr lang="en-US" sz="700" dirty="0" smtClean="0">
+                <a:solidFill>
+                  <a:schemeClr val="bg1"/>
+                </a:solidFill>
+                <a:latin typeface="+mj-lt"/>
+              </a:rPr>
+              <a:t>Structural patterns. Bridge</a:t>
+            </a:r>
+            <a:endParaRPr lang="en-US" sz="700" dirty="0">
+              <a:latin typeface="+mj-lt"/>
+            </a:endParaRPr>
+          </a:p>
+        </p:txBody>
+      </p:sp>
     </p:spTree>
     <p:extLst>
       <p:ext uri="{BB962C8B-B14F-4D97-AF65-F5344CB8AC3E}">
@@ -26162,6 +27243,66 @@
           </a:prstGeom>
         </p:spPr>
       </p:pic>
+      <p:sp>
+        <p:nvSpPr>
+          <p:cNvPr id="6" name="TextBox 5">
+            <a:extLst>
+              <a:ext uri="{FF2B5EF4-FFF2-40B4-BE49-F238E27FC236}">
+                <a16:creationId xmlns:a16="http://schemas.microsoft.com/office/drawing/2014/main" id="{A5550BAA-4A93-7C4F-9F93-F6DAD9B885B8}"/>
+              </a:ext>
+            </a:extLst>
+          </p:cNvPr>
+          <p:cNvSpPr txBox="1"/>
+          <p:nvPr/>
+        </p:nvSpPr>
+        <p:spPr>
+          <a:xfrm>
+            <a:off x="6970510" y="4877348"/>
+            <a:ext cx="2422187" cy="200055"/>
+          </a:xfrm>
+          <a:prstGeom prst="rect">
+            <a:avLst/>
+          </a:prstGeom>
+          <a:noFill/>
+        </p:spPr>
+        <p:txBody>
+          <a:bodyPr wrap="square" rtlCol="0">
+            <a:spAutoFit/>
+          </a:bodyPr>
+          <a:lstStyle/>
+          <a:p>
+            <a:pPr marL="0" marR="0" lvl="0" indent="0" algn="l" defTabSz="685800" rtl="0" eaLnBrk="1" fontAlgn="auto" latinLnBrk="0" hangingPunct="1">
+              <a:lnSpc>
+                <a:spcPct val="100000"/>
+              </a:lnSpc>
+              <a:spcBef>
+                <a:spcPts val="0"/>
+              </a:spcBef>
+              <a:spcAft>
+                <a:spcPts val="0"/>
+              </a:spcAft>
+              <a:buClrTx/>
+              <a:buSzTx/>
+              <a:buFontTx/>
+              <a:buNone/>
+              <a:tabLst/>
+              <a:defRPr/>
+            </a:pPr>
+            <a:r>
+              <a:rPr lang="en-US" sz="700" dirty="0" smtClean="0">
+                <a:solidFill>
+                  <a:schemeClr val="bg1"/>
+                </a:solidFill>
+                <a:latin typeface="+mj-lt"/>
+              </a:rPr>
+              <a:t>Structural patterns. Bridge</a:t>
+            </a:r>
+            <a:endParaRPr lang="en-US" sz="700" dirty="0">
+              <a:latin typeface="+mj-lt"/>
+            </a:endParaRPr>
+          </a:p>
+        </p:txBody>
+      </p:sp>
     </p:spTree>
     <p:extLst>
       <p:ext uri="{BB962C8B-B14F-4D97-AF65-F5344CB8AC3E}">
@@ -26327,6 +27468,66 @@
           </a:prstGeom>
         </p:spPr>
       </p:pic>
+      <p:sp>
+        <p:nvSpPr>
+          <p:cNvPr id="6" name="TextBox 5">
+            <a:extLst>
+              <a:ext uri="{FF2B5EF4-FFF2-40B4-BE49-F238E27FC236}">
+                <a16:creationId xmlns:a16="http://schemas.microsoft.com/office/drawing/2014/main" id="{A5550BAA-4A93-7C4F-9F93-F6DAD9B885B8}"/>
+              </a:ext>
+            </a:extLst>
+          </p:cNvPr>
+          <p:cNvSpPr txBox="1"/>
+          <p:nvPr/>
+        </p:nvSpPr>
+        <p:spPr>
+          <a:xfrm>
+            <a:off x="6970510" y="4877348"/>
+            <a:ext cx="2422187" cy="200055"/>
+          </a:xfrm>
+          <a:prstGeom prst="rect">
+            <a:avLst/>
+          </a:prstGeom>
+          <a:noFill/>
+        </p:spPr>
+        <p:txBody>
+          <a:bodyPr wrap="square" rtlCol="0">
+            <a:spAutoFit/>
+          </a:bodyPr>
+          <a:lstStyle/>
+          <a:p>
+            <a:pPr marL="0" marR="0" lvl="0" indent="0" algn="l" defTabSz="685800" rtl="0" eaLnBrk="1" fontAlgn="auto" latinLnBrk="0" hangingPunct="1">
+              <a:lnSpc>
+                <a:spcPct val="100000"/>
+              </a:lnSpc>
+              <a:spcBef>
+                <a:spcPts val="0"/>
+              </a:spcBef>
+              <a:spcAft>
+                <a:spcPts val="0"/>
+              </a:spcAft>
+              <a:buClrTx/>
+              <a:buSzTx/>
+              <a:buFontTx/>
+              <a:buNone/>
+              <a:tabLst/>
+              <a:defRPr/>
+            </a:pPr>
+            <a:r>
+              <a:rPr lang="en-US" sz="700" dirty="0" smtClean="0">
+                <a:solidFill>
+                  <a:schemeClr val="bg1"/>
+                </a:solidFill>
+                <a:latin typeface="+mj-lt"/>
+              </a:rPr>
+              <a:t>Structural patterns. Bridge</a:t>
+            </a:r>
+            <a:endParaRPr lang="en-US" sz="700" dirty="0">
+              <a:latin typeface="+mj-lt"/>
+            </a:endParaRPr>
+          </a:p>
+        </p:txBody>
+      </p:sp>
     </p:spTree>
     <p:extLst>
       <p:ext uri="{BB962C8B-B14F-4D97-AF65-F5344CB8AC3E}">
@@ -26536,6 +27737,66 @@
               <a:latin typeface="Calibri Light"/>
               <a:ea typeface="+mn-ea"/>
               <a:cs typeface="+mn-cs"/>
+            </a:endParaRPr>
+          </a:p>
+        </p:txBody>
+      </p:sp>
+      <p:sp>
+        <p:nvSpPr>
+          <p:cNvPr id="6" name="TextBox 5">
+            <a:extLst>
+              <a:ext uri="{FF2B5EF4-FFF2-40B4-BE49-F238E27FC236}">
+                <a16:creationId xmlns:a16="http://schemas.microsoft.com/office/drawing/2014/main" id="{A5550BAA-4A93-7C4F-9F93-F6DAD9B885B8}"/>
+              </a:ext>
+            </a:extLst>
+          </p:cNvPr>
+          <p:cNvSpPr txBox="1"/>
+          <p:nvPr/>
+        </p:nvSpPr>
+        <p:spPr>
+          <a:xfrm>
+            <a:off x="6970510" y="4877348"/>
+            <a:ext cx="2422187" cy="200055"/>
+          </a:xfrm>
+          <a:prstGeom prst="rect">
+            <a:avLst/>
+          </a:prstGeom>
+          <a:noFill/>
+        </p:spPr>
+        <p:txBody>
+          <a:bodyPr wrap="square" rtlCol="0">
+            <a:spAutoFit/>
+          </a:bodyPr>
+          <a:lstStyle/>
+          <a:p>
+            <a:pPr marL="0" marR="0" lvl="0" indent="0" algn="l" defTabSz="685800" rtl="0" eaLnBrk="1" fontAlgn="auto" latinLnBrk="0" hangingPunct="1">
+              <a:lnSpc>
+                <a:spcPct val="100000"/>
+              </a:lnSpc>
+              <a:spcBef>
+                <a:spcPts val="0"/>
+              </a:spcBef>
+              <a:spcAft>
+                <a:spcPts val="0"/>
+              </a:spcAft>
+              <a:buClrTx/>
+              <a:buSzTx/>
+              <a:buFontTx/>
+              <a:buNone/>
+              <a:tabLst/>
+              <a:defRPr/>
+            </a:pPr>
+            <a:r>
+              <a:rPr lang="en-US" sz="700" dirty="0" smtClean="0">
+                <a:solidFill>
+                  <a:schemeClr val="bg1"/>
+                </a:solidFill>
+                <a:latin typeface="+mj-lt"/>
+              </a:rPr>
+              <a:t>Structural patterns. Bridge</a:t>
+            </a:r>
+            <a:endParaRPr lang="en-US" sz="700" dirty="0">
+              <a:latin typeface="+mj-lt"/>
             </a:endParaRPr>
           </a:p>
         </p:txBody>
@@ -26695,7 +27956,7 @@
           <a:p>
             <a:r>
               <a:rPr lang="en-US" dirty="0" smtClean="0"/>
-              <a:t>Decorator</a:t>
+              <a:t>Decorator (wrapper)</a:t>
             </a:r>
             <a:endParaRPr lang="en-US" dirty="0"/>
           </a:p>
@@ -26892,6 +28153,66 @@
           </a:p>
         </p:txBody>
       </p:sp>
+      <p:sp>
+        <p:nvSpPr>
+          <p:cNvPr id="5" name="TextBox 4">
+            <a:extLst>
+              <a:ext uri="{FF2B5EF4-FFF2-40B4-BE49-F238E27FC236}">
+                <a16:creationId xmlns:a16="http://schemas.microsoft.com/office/drawing/2014/main" id="{A5550BAA-4A93-7C4F-9F93-F6DAD9B885B8}"/>
+              </a:ext>
+            </a:extLst>
+          </p:cNvPr>
+          <p:cNvSpPr txBox="1"/>
+          <p:nvPr/>
+        </p:nvSpPr>
+        <p:spPr>
+          <a:xfrm>
+            <a:off x="6970510" y="4877348"/>
+            <a:ext cx="2422187" cy="200055"/>
+          </a:xfrm>
+          <a:prstGeom prst="rect">
+            <a:avLst/>
+          </a:prstGeom>
+          <a:noFill/>
+        </p:spPr>
+        <p:txBody>
+          <a:bodyPr wrap="square" rtlCol="0">
+            <a:spAutoFit/>
+          </a:bodyPr>
+          <a:lstStyle/>
+          <a:p>
+            <a:pPr marL="0" marR="0" lvl="0" indent="0" algn="l" defTabSz="685800" rtl="0" eaLnBrk="1" fontAlgn="auto" latinLnBrk="0" hangingPunct="1">
+              <a:lnSpc>
+                <a:spcPct val="100000"/>
+              </a:lnSpc>
+              <a:spcBef>
+                <a:spcPts val="0"/>
+              </a:spcBef>
+              <a:spcAft>
+                <a:spcPts val="0"/>
+              </a:spcAft>
+              <a:buClrTx/>
+              <a:buSzTx/>
+              <a:buFontTx/>
+              <a:buNone/>
+              <a:tabLst/>
+              <a:defRPr/>
+            </a:pPr>
+            <a:r>
+              <a:rPr lang="en-US" sz="700" dirty="0" smtClean="0">
+                <a:solidFill>
+                  <a:schemeClr val="bg1"/>
+                </a:solidFill>
+                <a:latin typeface="+mj-lt"/>
+              </a:rPr>
+              <a:t>Structural patterns. Decorator (wrapper)</a:t>
+            </a:r>
+            <a:endParaRPr lang="en-US" sz="700" dirty="0">
+              <a:latin typeface="+mj-lt"/>
+            </a:endParaRPr>
+          </a:p>
+        </p:txBody>
+      </p:sp>
     </p:spTree>
     <p:extLst>
       <p:ext uri="{BB962C8B-B14F-4D97-AF65-F5344CB8AC3E}">
@@ -27050,6 +28371,66 @@
               <a:latin typeface="Calibri Light"/>
               <a:ea typeface="+mn-ea"/>
               <a:cs typeface="+mn-cs"/>
+            </a:endParaRPr>
+          </a:p>
+        </p:txBody>
+      </p:sp>
+      <p:sp>
+        <p:nvSpPr>
+          <p:cNvPr id="5" name="TextBox 4">
+            <a:extLst>
+              <a:ext uri="{FF2B5EF4-FFF2-40B4-BE49-F238E27FC236}">
+                <a16:creationId xmlns:a16="http://schemas.microsoft.com/office/drawing/2014/main" id="{A5550BAA-4A93-7C4F-9F93-F6DAD9B885B8}"/>
+              </a:ext>
+            </a:extLst>
+          </p:cNvPr>
+          <p:cNvSpPr txBox="1"/>
+          <p:nvPr/>
+        </p:nvSpPr>
+        <p:spPr>
+          <a:xfrm>
+            <a:off x="6970510" y="4877348"/>
+            <a:ext cx="2422187" cy="200055"/>
+          </a:xfrm>
+          <a:prstGeom prst="rect">
+            <a:avLst/>
+          </a:prstGeom>
+          <a:noFill/>
+        </p:spPr>
+        <p:txBody>
+          <a:bodyPr wrap="square" rtlCol="0">
+            <a:spAutoFit/>
+          </a:bodyPr>
+          <a:lstStyle/>
+          <a:p>
+            <a:pPr marL="0" marR="0" lvl="0" indent="0" algn="l" defTabSz="685800" rtl="0" eaLnBrk="1" fontAlgn="auto" latinLnBrk="0" hangingPunct="1">
+              <a:lnSpc>
+                <a:spcPct val="100000"/>
+              </a:lnSpc>
+              <a:spcBef>
+                <a:spcPts val="0"/>
+              </a:spcBef>
+              <a:spcAft>
+                <a:spcPts val="0"/>
+              </a:spcAft>
+              <a:buClrTx/>
+              <a:buSzTx/>
+              <a:buFontTx/>
+              <a:buNone/>
+              <a:tabLst/>
+              <a:defRPr/>
+            </a:pPr>
+            <a:r>
+              <a:rPr lang="en-US" sz="700" dirty="0" smtClean="0">
+                <a:solidFill>
+                  <a:schemeClr val="bg1"/>
+                </a:solidFill>
+                <a:latin typeface="+mj-lt"/>
+              </a:rPr>
+              <a:t>Structural patterns. Decorator (wrapper)</a:t>
+            </a:r>
+            <a:endParaRPr lang="en-US" sz="700" dirty="0">
+              <a:latin typeface="+mj-lt"/>
             </a:endParaRPr>
           </a:p>
         </p:txBody>
@@ -27220,6 +28601,66 @@
           </a:prstGeom>
         </p:spPr>
       </p:pic>
+      <p:sp>
+        <p:nvSpPr>
+          <p:cNvPr id="6" name="TextBox 5">
+            <a:extLst>
+              <a:ext uri="{FF2B5EF4-FFF2-40B4-BE49-F238E27FC236}">
+                <a16:creationId xmlns:a16="http://schemas.microsoft.com/office/drawing/2014/main" id="{A5550BAA-4A93-7C4F-9F93-F6DAD9B885B8}"/>
+              </a:ext>
+            </a:extLst>
+          </p:cNvPr>
+          <p:cNvSpPr txBox="1"/>
+          <p:nvPr/>
+        </p:nvSpPr>
+        <p:spPr>
+          <a:xfrm>
+            <a:off x="6970510" y="4877348"/>
+            <a:ext cx="2422187" cy="200055"/>
+          </a:xfrm>
+          <a:prstGeom prst="rect">
+            <a:avLst/>
+          </a:prstGeom>
+          <a:noFill/>
+        </p:spPr>
+        <p:txBody>
+          <a:bodyPr wrap="square" rtlCol="0">
+            <a:spAutoFit/>
+          </a:bodyPr>
+          <a:lstStyle/>
+          <a:p>
+            <a:pPr marL="0" marR="0" lvl="0" indent="0" algn="l" defTabSz="685800" rtl="0" eaLnBrk="1" fontAlgn="auto" latinLnBrk="0" hangingPunct="1">
+              <a:lnSpc>
+                <a:spcPct val="100000"/>
+              </a:lnSpc>
+              <a:spcBef>
+                <a:spcPts val="0"/>
+              </a:spcBef>
+              <a:spcAft>
+                <a:spcPts val="0"/>
+              </a:spcAft>
+              <a:buClrTx/>
+              <a:buSzTx/>
+              <a:buFontTx/>
+              <a:buNone/>
+              <a:tabLst/>
+              <a:defRPr/>
+            </a:pPr>
+            <a:r>
+              <a:rPr lang="en-US" sz="700" dirty="0" smtClean="0">
+                <a:solidFill>
+                  <a:schemeClr val="bg1"/>
+                </a:solidFill>
+                <a:latin typeface="+mj-lt"/>
+              </a:rPr>
+              <a:t>Structural patterns. Decorator (wrapper)</a:t>
+            </a:r>
+            <a:endParaRPr lang="en-US" sz="700" dirty="0">
+              <a:latin typeface="+mj-lt"/>
+            </a:endParaRPr>
+          </a:p>
+        </p:txBody>
+      </p:sp>
     </p:spTree>
     <p:extLst>
       <p:ext uri="{BB962C8B-B14F-4D97-AF65-F5344CB8AC3E}">
@@ -27364,28 +28805,94 @@
       </p:sp>
       <p:pic>
         <p:nvPicPr>
-          <p:cNvPr id="3" name="Picture 2"/>
+          <p:cNvPr id="2" name="Picture 1"/>
           <p:cNvPicPr>
             <a:picLocks noChangeAspect="1"/>
           </p:cNvPicPr>
           <p:nvPr/>
         </p:nvPicPr>
         <p:blipFill>
-          <a:blip r:embed="rId2"/>
+          <a:blip r:embed="rId2">
+            <a:extLst>
+              <a:ext uri="{28A0092B-C50C-407E-A947-70E740481C1C}">
+                <a14:useLocalDpi xmlns:a14="http://schemas.microsoft.com/office/drawing/2010/main" val="0"/>
+              </a:ext>
+            </a:extLst>
+          </a:blip>
           <a:stretch>
             <a:fillRect/>
           </a:stretch>
         </p:blipFill>
         <p:spPr>
           <a:xfrm>
-            <a:off x="1029391" y="984119"/>
-            <a:ext cx="5799006" cy="2909821"/>
+            <a:off x="1504950" y="976312"/>
+            <a:ext cx="6134100" cy="3190875"/>
           </a:xfrm>
           <a:prstGeom prst="rect">
             <a:avLst/>
           </a:prstGeom>
         </p:spPr>
       </p:pic>
+      <p:sp>
+        <p:nvSpPr>
+          <p:cNvPr id="6" name="TextBox 5">
+            <a:extLst>
+              <a:ext uri="{FF2B5EF4-FFF2-40B4-BE49-F238E27FC236}">
+                <a16:creationId xmlns:a16="http://schemas.microsoft.com/office/drawing/2014/main" id="{A5550BAA-4A93-7C4F-9F93-F6DAD9B885B8}"/>
+              </a:ext>
+            </a:extLst>
+          </p:cNvPr>
+          <p:cNvSpPr txBox="1"/>
+          <p:nvPr/>
+        </p:nvSpPr>
+        <p:spPr>
+          <a:xfrm>
+            <a:off x="6970510" y="4877348"/>
+            <a:ext cx="2422187" cy="200055"/>
+          </a:xfrm>
+          <a:prstGeom prst="rect">
+            <a:avLst/>
+          </a:prstGeom>
+          <a:noFill/>
+        </p:spPr>
+        <p:txBody>
+          <a:bodyPr wrap="square" rtlCol="0">
+            <a:spAutoFit/>
+          </a:bodyPr>
+          <a:lstStyle/>
+          <a:p>
+            <a:pPr marL="0" marR="0" lvl="0" indent="0" algn="l" defTabSz="685800" rtl="0" eaLnBrk="1" fontAlgn="auto" latinLnBrk="0" hangingPunct="1">
+              <a:lnSpc>
+                <a:spcPct val="100000"/>
+              </a:lnSpc>
+              <a:spcBef>
+                <a:spcPts val="0"/>
+              </a:spcBef>
+              <a:spcAft>
+                <a:spcPts val="0"/>
+              </a:spcAft>
+              <a:buClrTx/>
+              <a:buSzTx/>
+              <a:buFontTx/>
+              <a:buNone/>
+              <a:tabLst/>
+              <a:defRPr/>
+            </a:pPr>
+            <a:r>
+              <a:rPr lang="en-US" sz="700" dirty="0" smtClean="0">
+                <a:solidFill>
+                  <a:schemeClr val="bg1"/>
+                </a:solidFill>
+                <a:latin typeface="+mj-lt"/>
+              </a:rPr>
+              <a:t>Structural patterns. Decorator (wrapper)</a:t>
+            </a:r>
+            <a:endParaRPr lang="en-US" sz="700" dirty="0">
+              <a:latin typeface="+mj-lt"/>
+            </a:endParaRPr>
+          </a:p>
+        </p:txBody>
+      </p:sp>
     </p:spTree>
     <p:extLst>
       <p:ext uri="{BB962C8B-B14F-4D97-AF65-F5344CB8AC3E}">
@@ -27579,6 +29086,66 @@
               <a:latin typeface="Calibri Light"/>
               <a:ea typeface="+mn-ea"/>
               <a:cs typeface="+mn-cs"/>
+            </a:endParaRPr>
+          </a:p>
+        </p:txBody>
+      </p:sp>
+      <p:sp>
+        <p:nvSpPr>
+          <p:cNvPr id="6" name="TextBox 5">
+            <a:extLst>
+              <a:ext uri="{FF2B5EF4-FFF2-40B4-BE49-F238E27FC236}">
+                <a16:creationId xmlns:a16="http://schemas.microsoft.com/office/drawing/2014/main" id="{A5550BAA-4A93-7C4F-9F93-F6DAD9B885B8}"/>
+              </a:ext>
+            </a:extLst>
+          </p:cNvPr>
+          <p:cNvSpPr txBox="1"/>
+          <p:nvPr/>
+        </p:nvSpPr>
+        <p:spPr>
+          <a:xfrm>
+            <a:off x="6970510" y="4877348"/>
+            <a:ext cx="2422187" cy="200055"/>
+          </a:xfrm>
+          <a:prstGeom prst="rect">
+            <a:avLst/>
+          </a:prstGeom>
+          <a:noFill/>
+        </p:spPr>
+        <p:txBody>
+          <a:bodyPr wrap="square" rtlCol="0">
+            <a:spAutoFit/>
+          </a:bodyPr>
+          <a:lstStyle/>
+          <a:p>
+            <a:pPr marL="0" marR="0" lvl="0" indent="0" algn="l" defTabSz="685800" rtl="0" eaLnBrk="1" fontAlgn="auto" latinLnBrk="0" hangingPunct="1">
+              <a:lnSpc>
+                <a:spcPct val="100000"/>
+              </a:lnSpc>
+              <a:spcBef>
+                <a:spcPts val="0"/>
+              </a:spcBef>
+              <a:spcAft>
+                <a:spcPts val="0"/>
+              </a:spcAft>
+              <a:buClrTx/>
+              <a:buSzTx/>
+              <a:buFontTx/>
+              <a:buNone/>
+              <a:tabLst/>
+              <a:defRPr/>
+            </a:pPr>
+            <a:r>
+              <a:rPr lang="en-US" sz="700" dirty="0" smtClean="0">
+                <a:solidFill>
+                  <a:schemeClr val="bg1"/>
+                </a:solidFill>
+                <a:latin typeface="+mj-lt"/>
+              </a:rPr>
+              <a:t>Structural patterns. Decorator (wrapper)</a:t>
+            </a:r>
+            <a:endParaRPr lang="en-US" sz="700" dirty="0">
+              <a:latin typeface="+mj-lt"/>
             </a:endParaRPr>
           </a:p>
         </p:txBody>
@@ -27773,6 +29340,66 @@
                 <a:cs typeface="+mn-cs"/>
               </a:rPr>
               <a:t>© 2019 EPAM Systems, Inc.</a:t>
+            </a:r>
+            <a:endParaRPr lang="en-US" sz="700" dirty="0">
+              <a:latin typeface="+mj-lt"/>
+            </a:endParaRPr>
+          </a:p>
+        </p:txBody>
+      </p:sp>
+      <p:sp>
+        <p:nvSpPr>
+          <p:cNvPr id="5" name="TextBox 4">
+            <a:extLst>
+              <a:ext uri="{FF2B5EF4-FFF2-40B4-BE49-F238E27FC236}">
+                <a16:creationId xmlns:a16="http://schemas.microsoft.com/office/drawing/2014/main" id="{A5550BAA-4A93-7C4F-9F93-F6DAD9B885B8}"/>
+              </a:ext>
+            </a:extLst>
+          </p:cNvPr>
+          <p:cNvSpPr txBox="1"/>
+          <p:nvPr/>
+        </p:nvSpPr>
+        <p:spPr>
+          <a:xfrm>
+            <a:off x="6970510" y="4877348"/>
+            <a:ext cx="2422187" cy="200055"/>
+          </a:xfrm>
+          <a:prstGeom prst="rect">
+            <a:avLst/>
+          </a:prstGeom>
+          <a:noFill/>
+        </p:spPr>
+        <p:txBody>
+          <a:bodyPr wrap="square" rtlCol="0">
+            <a:spAutoFit/>
+          </a:bodyPr>
+          <a:lstStyle/>
+          <a:p>
+            <a:pPr marL="0" marR="0" lvl="0" indent="0" algn="l" defTabSz="685800" rtl="0" eaLnBrk="1" fontAlgn="auto" latinLnBrk="0" hangingPunct="1">
+              <a:lnSpc>
+                <a:spcPct val="100000"/>
+              </a:lnSpc>
+              <a:spcBef>
+                <a:spcPts val="0"/>
+              </a:spcBef>
+              <a:spcAft>
+                <a:spcPts val="0"/>
+              </a:spcAft>
+              <a:buClrTx/>
+              <a:buSzTx/>
+              <a:buFontTx/>
+              <a:buNone/>
+              <a:tabLst/>
+              <a:defRPr/>
+            </a:pPr>
+            <a:r>
+              <a:rPr lang="en-US" sz="700" dirty="0" smtClean="0">
+                <a:solidFill>
+                  <a:schemeClr val="bg1"/>
+                </a:solidFill>
+                <a:latin typeface="+mj-lt"/>
+              </a:rPr>
+              <a:t>Introduction</a:t>
             </a:r>
             <a:endParaRPr lang="en-US" sz="700" dirty="0">
               <a:latin typeface="+mj-lt"/>
@@ -27876,6 +29503,66 @@
           </a:p>
         </p:txBody>
       </p:sp>
+      <p:sp>
+        <p:nvSpPr>
+          <p:cNvPr id="4" name="TextBox 3">
+            <a:extLst>
+              <a:ext uri="{FF2B5EF4-FFF2-40B4-BE49-F238E27FC236}">
+                <a16:creationId xmlns:a16="http://schemas.microsoft.com/office/drawing/2014/main" id="{A5550BAA-4A93-7C4F-9F93-F6DAD9B885B8}"/>
+              </a:ext>
+            </a:extLst>
+          </p:cNvPr>
+          <p:cNvSpPr txBox="1"/>
+          <p:nvPr/>
+        </p:nvSpPr>
+        <p:spPr>
+          <a:xfrm>
+            <a:off x="6970510" y="4877348"/>
+            <a:ext cx="2422187" cy="200055"/>
+          </a:xfrm>
+          <a:prstGeom prst="rect">
+            <a:avLst/>
+          </a:prstGeom>
+          <a:noFill/>
+        </p:spPr>
+        <p:txBody>
+          <a:bodyPr wrap="square" rtlCol="0">
+            <a:spAutoFit/>
+          </a:bodyPr>
+          <a:lstStyle/>
+          <a:p>
+            <a:pPr marL="0" marR="0" lvl="0" indent="0" algn="l" defTabSz="685800" rtl="0" eaLnBrk="1" fontAlgn="auto" latinLnBrk="0" hangingPunct="1">
+              <a:lnSpc>
+                <a:spcPct val="100000"/>
+              </a:lnSpc>
+              <a:spcBef>
+                <a:spcPts val="0"/>
+              </a:spcBef>
+              <a:spcAft>
+                <a:spcPts val="0"/>
+              </a:spcAft>
+              <a:buClrTx/>
+              <a:buSzTx/>
+              <a:buFontTx/>
+              <a:buNone/>
+              <a:tabLst/>
+              <a:defRPr/>
+            </a:pPr>
+            <a:r>
+              <a:rPr lang="en-US" sz="700" dirty="0" smtClean="0">
+                <a:solidFill>
+                  <a:schemeClr val="bg1"/>
+                </a:solidFill>
+                <a:latin typeface="+mj-lt"/>
+              </a:rPr>
+              <a:t>Introduction</a:t>
+            </a:r>
+            <a:endParaRPr lang="en-US" sz="700" dirty="0">
+              <a:latin typeface="+mj-lt"/>
+            </a:endParaRPr>
+          </a:p>
+        </p:txBody>
+      </p:sp>
     </p:spTree>
     <p:extLst>
       <p:ext uri="{BB962C8B-B14F-4D97-AF65-F5344CB8AC3E}">
@@ -27969,6 +29656,66 @@
           </a:p>
         </p:txBody>
       </p:sp>
+      <p:sp>
+        <p:nvSpPr>
+          <p:cNvPr id="4" name="TextBox 3">
+            <a:extLst>
+              <a:ext uri="{FF2B5EF4-FFF2-40B4-BE49-F238E27FC236}">
+                <a16:creationId xmlns:a16="http://schemas.microsoft.com/office/drawing/2014/main" id="{A5550BAA-4A93-7C4F-9F93-F6DAD9B885B8}"/>
+              </a:ext>
+            </a:extLst>
+          </p:cNvPr>
+          <p:cNvSpPr txBox="1"/>
+          <p:nvPr/>
+        </p:nvSpPr>
+        <p:spPr>
+          <a:xfrm>
+            <a:off x="6970510" y="4877348"/>
+            <a:ext cx="2422187" cy="200055"/>
+          </a:xfrm>
+          <a:prstGeom prst="rect">
+            <a:avLst/>
+          </a:prstGeom>
+          <a:noFill/>
+        </p:spPr>
+        <p:txBody>
+          <a:bodyPr wrap="square" rtlCol="0">
+            <a:spAutoFit/>
+          </a:bodyPr>
+          <a:lstStyle/>
+          <a:p>
+            <a:pPr marL="0" marR="0" lvl="0" indent="0" algn="l" defTabSz="685800" rtl="0" eaLnBrk="1" fontAlgn="auto" latinLnBrk="0" hangingPunct="1">
+              <a:lnSpc>
+                <a:spcPct val="100000"/>
+              </a:lnSpc>
+              <a:spcBef>
+                <a:spcPts val="0"/>
+              </a:spcBef>
+              <a:spcAft>
+                <a:spcPts val="0"/>
+              </a:spcAft>
+              <a:buClrTx/>
+              <a:buSzTx/>
+              <a:buFontTx/>
+              <a:buNone/>
+              <a:tabLst/>
+              <a:defRPr/>
+            </a:pPr>
+            <a:r>
+              <a:rPr lang="en-US" sz="700" dirty="0" smtClean="0">
+                <a:solidFill>
+                  <a:schemeClr val="bg1"/>
+                </a:solidFill>
+                <a:latin typeface="+mj-lt"/>
+              </a:rPr>
+              <a:t>Introduction</a:t>
+            </a:r>
+            <a:endParaRPr lang="en-US" sz="700" dirty="0">
+              <a:latin typeface="+mj-lt"/>
+            </a:endParaRPr>
+          </a:p>
+        </p:txBody>
+      </p:sp>
     </p:spTree>
     <p:extLst>
       <p:ext uri="{BB962C8B-B14F-4D97-AF65-F5344CB8AC3E}">
@@ -28088,6 +29835,66 @@
               <a:t>7</a:t>
             </a:fld>
             <a:endParaRPr lang="en-US" dirty="0"/>
+          </a:p>
+        </p:txBody>
+      </p:sp>
+      <p:sp>
+        <p:nvSpPr>
+          <p:cNvPr id="6" name="TextBox 5">
+            <a:extLst>
+              <a:ext uri="{FF2B5EF4-FFF2-40B4-BE49-F238E27FC236}">
+                <a16:creationId xmlns:a16="http://schemas.microsoft.com/office/drawing/2014/main" id="{A5550BAA-4A93-7C4F-9F93-F6DAD9B885B8}"/>
+              </a:ext>
+            </a:extLst>
+          </p:cNvPr>
+          <p:cNvSpPr txBox="1"/>
+          <p:nvPr/>
+        </p:nvSpPr>
+        <p:spPr>
+          <a:xfrm>
+            <a:off x="6970510" y="4877348"/>
+            <a:ext cx="2422187" cy="200055"/>
+          </a:xfrm>
+          <a:prstGeom prst="rect">
+            <a:avLst/>
+          </a:prstGeom>
+          <a:noFill/>
+        </p:spPr>
+        <p:txBody>
+          <a:bodyPr wrap="square" rtlCol="0">
+            <a:spAutoFit/>
+          </a:bodyPr>
+          <a:lstStyle/>
+          <a:p>
+            <a:pPr marL="0" marR="0" lvl="0" indent="0" algn="l" defTabSz="685800" rtl="0" eaLnBrk="1" fontAlgn="auto" latinLnBrk="0" hangingPunct="1">
+              <a:lnSpc>
+                <a:spcPct val="100000"/>
+              </a:lnSpc>
+              <a:spcBef>
+                <a:spcPts val="0"/>
+              </a:spcBef>
+              <a:spcAft>
+                <a:spcPts val="0"/>
+              </a:spcAft>
+              <a:buClrTx/>
+              <a:buSzTx/>
+              <a:buFontTx/>
+              <a:buNone/>
+              <a:tabLst/>
+              <a:defRPr/>
+            </a:pPr>
+            <a:r>
+              <a:rPr lang="en-US" sz="700" dirty="0" smtClean="0">
+                <a:solidFill>
+                  <a:schemeClr val="bg1"/>
+                </a:solidFill>
+                <a:latin typeface="+mj-lt"/>
+              </a:rPr>
+              <a:t>Introduction</a:t>
+            </a:r>
+            <a:endParaRPr lang="en-US" sz="700" dirty="0">
+              <a:latin typeface="+mj-lt"/>
+            </a:endParaRPr>
           </a:p>
         </p:txBody>
       </p:sp>
